--- a/C++11.pptx
+++ b/C++11.pptx
@@ -5,36 +5,38 @@
     <p:sldMasterId id="2147483804" r:id="rId1"/>
   </p:sldMasterIdLst>
   <p:notesMasterIdLst>
-    <p:notesMasterId r:id="rId26"/>
+    <p:notesMasterId r:id="rId28"/>
   </p:notesMasterIdLst>
   <p:handoutMasterIdLst>
-    <p:handoutMasterId r:id="rId27"/>
+    <p:handoutMasterId r:id="rId29"/>
   </p:handoutMasterIdLst>
   <p:sldIdLst>
-    <p:sldId id="568" r:id="rId2"/>
-    <p:sldId id="553" r:id="rId3"/>
-    <p:sldId id="554" r:id="rId4"/>
-    <p:sldId id="560" r:id="rId5"/>
-    <p:sldId id="558" r:id="rId6"/>
-    <p:sldId id="567" r:id="rId7"/>
-    <p:sldId id="432" r:id="rId8"/>
-    <p:sldId id="532" r:id="rId9"/>
-    <p:sldId id="570" r:id="rId10"/>
-    <p:sldId id="503" r:id="rId11"/>
-    <p:sldId id="533" r:id="rId12"/>
-    <p:sldId id="456" r:id="rId13"/>
-    <p:sldId id="534" r:id="rId14"/>
-    <p:sldId id="433" r:id="rId15"/>
-    <p:sldId id="535" r:id="rId16"/>
-    <p:sldId id="435" r:id="rId17"/>
-    <p:sldId id="562" r:id="rId18"/>
-    <p:sldId id="563" r:id="rId19"/>
-    <p:sldId id="564" r:id="rId20"/>
-    <p:sldId id="565" r:id="rId21"/>
-    <p:sldId id="451" r:id="rId22"/>
-    <p:sldId id="441" r:id="rId23"/>
-    <p:sldId id="455" r:id="rId24"/>
-    <p:sldId id="566" r:id="rId25"/>
+    <p:sldId id="553" r:id="rId2"/>
+    <p:sldId id="572" r:id="rId3"/>
+    <p:sldId id="571" r:id="rId4"/>
+    <p:sldId id="432" r:id="rId5"/>
+    <p:sldId id="532" r:id="rId6"/>
+    <p:sldId id="576" r:id="rId7"/>
+    <p:sldId id="575" r:id="rId8"/>
+    <p:sldId id="577" r:id="rId9"/>
+    <p:sldId id="573" r:id="rId10"/>
+    <p:sldId id="574" r:id="rId11"/>
+    <p:sldId id="570" r:id="rId12"/>
+    <p:sldId id="503" r:id="rId13"/>
+    <p:sldId id="533" r:id="rId14"/>
+    <p:sldId id="456" r:id="rId15"/>
+    <p:sldId id="534" r:id="rId16"/>
+    <p:sldId id="433" r:id="rId17"/>
+    <p:sldId id="535" r:id="rId18"/>
+    <p:sldId id="435" r:id="rId19"/>
+    <p:sldId id="562" r:id="rId20"/>
+    <p:sldId id="563" r:id="rId21"/>
+    <p:sldId id="564" r:id="rId22"/>
+    <p:sldId id="565" r:id="rId23"/>
+    <p:sldId id="451" r:id="rId24"/>
+    <p:sldId id="441" r:id="rId25"/>
+    <p:sldId id="455" r:id="rId26"/>
+    <p:sldId id="566" r:id="rId27"/>
   </p:sldIdLst>
   <p:sldSz cx="9144000" cy="5143500" type="screen16x9"/>
   <p:notesSz cx="6858000" cy="9144000"/>
@@ -139,7 +141,7 @@
 <file path=ppt/charts/chart1.xml><?xml version="1.0" encoding="utf-8"?>
 <c:chartSpace xmlns:c="http://schemas.openxmlformats.org/drawingml/2006/chart" xmlns:a="http://schemas.openxmlformats.org/drawingml/2006/main" xmlns:r="http://schemas.openxmlformats.org/officeDocument/2006/relationships">
   <c:date1904 val="0"/>
-  <c:lang val="en-US"/>
+  <c:lang val="zh-CN"/>
   <c:roundedCorners val="0"/>
   <mc:AlternateContent xmlns:mc="http://schemas.openxmlformats.org/markup-compatibility/2006">
     <mc:Choice xmlns:c14="http://schemas.microsoft.com/office/drawing/2007/8/2/chart" Requires="c14">
@@ -202,7 +204,7 @@
                 <a:pPr>
                   <a:defRPr sz="1400"/>
                 </a:pPr>
-                <a:endParaRPr lang="en-US"/>
+                <a:endParaRPr lang="zh-CN"/>
               </a:p>
             </c:txPr>
             <c:dLblPos val="outEnd"/>
@@ -288,7 +290,7 @@
           <a:pPr>
             <a:defRPr sz="1400"/>
           </a:pPr>
-          <a:endParaRPr lang="en-US"/>
+          <a:endParaRPr lang="zh-CN"/>
         </a:p>
       </c:txPr>
     </c:legend>
@@ -303,7 +305,7 @@
       <a:pPr>
         <a:defRPr sz="1800"/>
       </a:pPr>
-      <a:endParaRPr lang="en-US"/>
+      <a:endParaRPr lang="zh-CN"/>
     </a:p>
   </c:txPr>
   <c:externalData r:id="rId1">
@@ -315,7 +317,7 @@
 <file path=ppt/charts/chart2.xml><?xml version="1.0" encoding="utf-8"?>
 <c:chartSpace xmlns:c="http://schemas.openxmlformats.org/drawingml/2006/chart" xmlns:a="http://schemas.openxmlformats.org/drawingml/2006/main" xmlns:r="http://schemas.openxmlformats.org/officeDocument/2006/relationships">
   <c:date1904 val="0"/>
-  <c:lang val="en-US"/>
+  <c:lang val="zh-CN"/>
   <c:roundedCorners val="0"/>
   <mc:AlternateContent xmlns:mc="http://schemas.openxmlformats.org/markup-compatibility/2006">
     <mc:Choice xmlns:c14="http://schemas.microsoft.com/office/drawing/2007/8/2/chart" Requires="c14">
@@ -550,11 +552,11 @@
         </c:dLbls>
         <c:gapWidth val="150"/>
         <c:overlap val="-15"/>
-        <c:axId val="90340736"/>
-        <c:axId val="90342528"/>
+        <c:axId val="63696256"/>
+        <c:axId val="63698048"/>
       </c:barChart>
       <c:catAx>
-        <c:axId val="90340736"/>
+        <c:axId val="63696256"/>
         <c:scaling>
           <c:orientation val="minMax"/>
         </c:scaling>
@@ -571,10 +573,10 @@
             <a:pPr>
               <a:defRPr sz="1400"/>
             </a:pPr>
-            <a:endParaRPr lang="en-US"/>
+            <a:endParaRPr lang="zh-CN"/>
           </a:p>
         </c:txPr>
-        <c:crossAx val="90342528"/>
+        <c:crossAx val="63698048"/>
         <c:crosses val="autoZero"/>
         <c:auto val="1"/>
         <c:lblAlgn val="ctr"/>
@@ -582,7 +584,7 @@
         <c:noMultiLvlLbl val="0"/>
       </c:catAx>
       <c:valAx>
-        <c:axId val="90342528"/>
+        <c:axId val="63698048"/>
         <c:scaling>
           <c:orientation val="minMax"/>
           <c:max val="5"/>
@@ -601,10 +603,10 @@
             <a:pPr>
               <a:defRPr sz="1400"/>
             </a:pPr>
-            <a:endParaRPr lang="en-US"/>
+            <a:endParaRPr lang="zh-CN"/>
           </a:p>
         </c:txPr>
-        <c:crossAx val="90340736"/>
+        <c:crossAx val="63696256"/>
         <c:crosses val="autoZero"/>
         <c:crossBetween val="between"/>
         <c:majorUnit val="1"/>
@@ -630,7 +632,7 @@
           <a:pPr>
             <a:defRPr sz="1400"/>
           </a:pPr>
-          <a:endParaRPr lang="en-US"/>
+          <a:endParaRPr lang="zh-CN"/>
         </a:p>
       </c:txPr>
     </c:legend>
@@ -645,7 +647,7 @@
       <a:pPr>
         <a:defRPr sz="1800"/>
       </a:pPr>
-      <a:endParaRPr lang="en-US"/>
+      <a:endParaRPr lang="zh-CN"/>
     </a:p>
   </c:txPr>
   <c:externalData r:id="rId1">
@@ -657,7 +659,7 @@
 <file path=ppt/charts/chart3.xml><?xml version="1.0" encoding="utf-8"?>
 <c:chartSpace xmlns:c="http://schemas.openxmlformats.org/drawingml/2006/chart" xmlns:a="http://schemas.openxmlformats.org/drawingml/2006/main" xmlns:r="http://schemas.openxmlformats.org/officeDocument/2006/relationships">
   <c:date1904 val="0"/>
-  <c:lang val="en-US"/>
+  <c:lang val="zh-CN"/>
   <c:roundedCorners val="0"/>
   <mc:AlternateContent xmlns:mc="http://schemas.openxmlformats.org/markup-compatibility/2006">
     <mc:Choice xmlns:c14="http://schemas.microsoft.com/office/drawing/2007/8/2/chart" Requires="c14">
@@ -917,11 +919,11 @@
         </c:dLbls>
         <c:marker val="1"/>
         <c:smooth val="0"/>
-        <c:axId val="90361216"/>
-        <c:axId val="92841088"/>
+        <c:axId val="63446400"/>
+        <c:axId val="63456384"/>
       </c:lineChart>
       <c:catAx>
-        <c:axId val="90361216"/>
+        <c:axId val="63446400"/>
         <c:scaling>
           <c:orientation val="minMax"/>
         </c:scaling>
@@ -936,7 +938,7 @@
             <a:noFill/>
           </a:ln>
         </c:spPr>
-        <c:crossAx val="92841088"/>
+        <c:crossAx val="63456384"/>
         <c:crosses val="autoZero"/>
         <c:auto val="1"/>
         <c:lblAlgn val="ctr"/>
@@ -944,7 +946,7 @@
         <c:noMultiLvlLbl val="0"/>
       </c:catAx>
       <c:valAx>
-        <c:axId val="92841088"/>
+        <c:axId val="63456384"/>
         <c:scaling>
           <c:orientation val="minMax"/>
           <c:max val="5"/>
@@ -971,7 +973,7 @@
             <a:noFill/>
           </a:ln>
         </c:spPr>
-        <c:crossAx val="90361216"/>
+        <c:crossAx val="63446400"/>
         <c:crosses val="autoZero"/>
         <c:crossBetween val="between"/>
         <c:majorUnit val="1"/>
@@ -1008,7 +1010,7 @@
           <a:cs typeface="HP Simplified"/>
         </a:defRPr>
       </a:pPr>
-      <a:endParaRPr lang="en-US"/>
+      <a:endParaRPr lang="zh-CN"/>
     </a:p>
   </c:txPr>
   <c:externalData r:id="rId2">
@@ -1595,12 +1597,7 @@
             <p:ph type="sldImg"/>
           </p:nvPr>
         </p:nvSpPr>
-        <p:spPr>
-          <a:xfrm>
-            <a:off x="381000" y="685800"/>
-            <a:ext cx="6096000" cy="3429000"/>
-          </a:xfrm>
-        </p:spPr>
+        <p:spPr/>
       </p:sp>
       <p:sp>
         <p:nvSpPr>
@@ -1617,11 +1614,29 @@
           <a:bodyPr/>
           <a:lstStyle/>
           <a:p>
-            <a:pPr marL="0" indent="0">
-              <a:buFontTx/>
-              <a:buNone/>
-            </a:pPr>
-            <a:endParaRPr lang="en-US" dirty="0"/>
+            <a:r>
+              <a:rPr lang="en-US" altLang="zh-CN" dirty="0" smtClean="0"/>
+              <a:t>C++ is 27 years old, if you count it as the day that </a:t>
+            </a:r>
+            <a:r>
+              <a:rPr lang="en-US" altLang="zh-CN" dirty="0" err="1" smtClean="0"/>
+              <a:t>Stroustrup’s</a:t>
+            </a:r>
+            <a:r>
+              <a:rPr lang="en-US" altLang="zh-CN" dirty="0" smtClean="0"/>
+              <a:t> </a:t>
+            </a:r>
+            <a:r>
+              <a:rPr lang="en-US" altLang="zh-CN" dirty="0" smtClean="0">
+                <a:hlinkClick r:id="rId3"/>
+              </a:rPr>
+              <a:t>original C++ book</a:t>
+            </a:r>
+            <a:r>
+              <a:rPr lang="en-US" altLang="zh-CN" dirty="0" smtClean="0"/>
+              <a:t> was published on Oct 14, 1985 based on this picture.</a:t>
+            </a:r>
+            <a:endParaRPr lang="zh-CN" altLang="en-US" dirty="0"/>
           </a:p>
         </p:txBody>
       </p:sp>
@@ -1643,7 +1658,7 @@
             <a:fld id="{22A853E8-D85F-5D49-95D2-E1D96ABFE2B9}" type="slidenum">
               <a:rPr lang="en-GB" smtClean="0"/>
               <a:pPr/>
-              <a:t>1</a:t>
+              <a:t>6</a:t>
             </a:fld>
             <a:endParaRPr lang="en-GB" dirty="0"/>
           </a:p>
@@ -1652,7 +1667,7 @@
     </p:spTree>
     <p:extLst>
       <p:ext uri="{BB962C8B-B14F-4D97-AF65-F5344CB8AC3E}">
-        <p14:creationId xmlns:p14="http://schemas.microsoft.com/office/powerpoint/2010/main" val="782509727"/>
+        <p14:creationId xmlns:p14="http://schemas.microsoft.com/office/powerpoint/2010/main" val="4255829824"/>
       </p:ext>
     </p:extLst>
   </p:cSld>
@@ -1663,88 +1678,6 @@
 </file>
 
 <file path=ppt/notesSlides/notesSlide2.xml><?xml version="1.0" encoding="utf-8"?>
-<p:notes xmlns:a="http://schemas.openxmlformats.org/drawingml/2006/main" xmlns:r="http://schemas.openxmlformats.org/officeDocument/2006/relationships" xmlns:p="http://schemas.openxmlformats.org/presentationml/2006/main">
-  <p:cSld>
-    <p:spTree>
-      <p:nvGrpSpPr>
-        <p:cNvPr id="1" name=""/>
-        <p:cNvGrpSpPr/>
-        <p:nvPr/>
-      </p:nvGrpSpPr>
-      <p:grpSpPr>
-        <a:xfrm>
-          <a:off x="0" y="0"/>
-          <a:ext cx="0" cy="0"/>
-          <a:chOff x="0" y="0"/>
-          <a:chExt cx="0" cy="0"/>
-        </a:xfrm>
-      </p:grpSpPr>
-      <p:sp>
-        <p:nvSpPr>
-          <p:cNvPr id="2" name="Slide Image Placeholder 1"/>
-          <p:cNvSpPr>
-            <a:spLocks noGrp="1" noRot="1" noChangeAspect="1"/>
-          </p:cNvSpPr>
-          <p:nvPr>
-            <p:ph type="sldImg"/>
-          </p:nvPr>
-        </p:nvSpPr>
-        <p:spPr/>
-      </p:sp>
-      <p:sp>
-        <p:nvSpPr>
-          <p:cNvPr id="3" name="Notes Placeholder 2"/>
-          <p:cNvSpPr>
-            <a:spLocks noGrp="1"/>
-          </p:cNvSpPr>
-          <p:nvPr>
-            <p:ph type="body" idx="1"/>
-          </p:nvPr>
-        </p:nvSpPr>
-        <p:spPr/>
-        <p:txBody>
-          <a:bodyPr>
-            <a:normAutofit/>
-          </a:bodyPr>
-          <a:lstStyle/>
-          <a:p>
-            <a:endParaRPr lang="en-US" dirty="0"/>
-          </a:p>
-        </p:txBody>
-      </p:sp>
-      <p:sp>
-        <p:nvSpPr>
-          <p:cNvPr id="4" name="Slide Number Placeholder 3"/>
-          <p:cNvSpPr>
-            <a:spLocks noGrp="1"/>
-          </p:cNvSpPr>
-          <p:nvPr>
-            <p:ph type="sldNum" sz="quarter" idx="10"/>
-          </p:nvPr>
-        </p:nvSpPr>
-        <p:spPr/>
-        <p:txBody>
-          <a:bodyPr/>
-          <a:lstStyle/>
-          <a:p>
-            <a:fld id="{22A853E8-D85F-5D49-95D2-E1D96ABFE2B9}" type="slidenum">
-              <a:rPr lang="en-GB" smtClean="0"/>
-              <a:pPr/>
-              <a:t>4</a:t>
-            </a:fld>
-            <a:endParaRPr lang="en-GB" dirty="0"/>
-          </a:p>
-        </p:txBody>
-      </p:sp>
-    </p:spTree>
-  </p:cSld>
-  <p:clrMapOvr>
-    <a:masterClrMapping/>
-  </p:clrMapOvr>
-</p:notes>
-</file>
-
-<file path=ppt/notesSlides/notesSlide3.xml><?xml version="1.0" encoding="utf-8"?>
 <p:notes xmlns:a="http://schemas.openxmlformats.org/drawingml/2006/main" xmlns:r="http://schemas.openxmlformats.org/officeDocument/2006/relationships" xmlns:p="http://schemas.openxmlformats.org/presentationml/2006/main">
   <p:cSld>
     <p:spTree>
@@ -1815,7 +1748,7 @@
             <a:fld id="{22A853E8-D85F-5D49-95D2-E1D96ABFE2B9}" type="slidenum">
               <a:rPr lang="en-GB" smtClean="0"/>
               <a:pPr/>
-              <a:t>16</a:t>
+              <a:t>18</a:t>
             </a:fld>
             <a:endParaRPr lang="en-GB" dirty="0"/>
           </a:p>
@@ -1835,8 +1768,16 @@
 </file>
 
 <file path=ppt/slideLayouts/slideLayout1.xml><?xml version="1.0" encoding="utf-8"?>
-<p:sldLayout xmlns:a="http://schemas.openxmlformats.org/drawingml/2006/main" xmlns:r="http://schemas.openxmlformats.org/officeDocument/2006/relationships" xmlns:p="http://schemas.openxmlformats.org/presentationml/2006/main" showMasterSp="0" userDrawn="1">
-  <p:cSld name="White title slide">
+<p:sldLayout xmlns:a="http://schemas.openxmlformats.org/drawingml/2006/main" xmlns:r="http://schemas.openxmlformats.org/officeDocument/2006/relationships" xmlns:p="http://schemas.openxmlformats.org/presentationml/2006/main" showMasterSp="0" preserve="1" userDrawn="1">
+  <p:cSld name="Blue title slide ">
+    <p:bg>
+      <p:bgPr>
+        <a:solidFill>
+          <a:schemeClr val="accent1"/>
+        </a:solidFill>
+        <a:effectLst/>
+      </p:bgPr>
+    </p:bg>
     <p:spTree>
       <p:nvGrpSpPr>
         <p:cNvPr id="1" name=""/>
@@ -1853,7 +1794,7 @@
       </p:grpSpPr>
       <p:sp>
         <p:nvSpPr>
-          <p:cNvPr id="8" name="Title 1"/>
+          <p:cNvPr id="10" name="Title 1"/>
           <p:cNvSpPr>
             <a:spLocks noGrp="1"/>
           </p:cNvSpPr>
@@ -1876,7 +1817,7 @@
               </a:lnSpc>
               <a:defRPr sz="4600" spc="-100">
                 <a:solidFill>
-                  <a:srgbClr val="000000"/>
+                  <a:schemeClr val="bg1"/>
                 </a:solidFill>
               </a:defRPr>
             </a:lvl1pPr>
@@ -1899,7 +1840,7 @@
       </p:sp>
       <p:sp>
         <p:nvSpPr>
-          <p:cNvPr id="9" name="Subtitle 2"/>
+          <p:cNvPr id="11" name="Subtitle 2"/>
           <p:cNvSpPr>
             <a:spLocks noGrp="1"/>
           </p:cNvSpPr>
@@ -1920,7 +1861,7 @@
               <a:buNone/>
               <a:defRPr b="0">
                 <a:solidFill>
-                  <a:srgbClr val="000000"/>
+                  <a:schemeClr val="bg1"/>
                 </a:solidFill>
               </a:defRPr>
             </a:lvl1pPr>
@@ -2016,7 +1957,7 @@
       </p:sp>
       <p:pic>
         <p:nvPicPr>
-          <p:cNvPr id="2" name="Picture 1" descr="HP_Blue_RGB_150_LG.png"/>
+          <p:cNvPr id="2" name="Picture 1" descr="HP_White_RGB_150_LG.png"/>
           <p:cNvPicPr>
             <a:picLocks noChangeAspect="1"/>
           </p:cNvPicPr>
@@ -2086,7 +2027,7 @@
             <a:r>
               <a:rPr lang="en-US" sz="700" b="0" i="0" dirty="0" smtClean="0">
                 <a:solidFill>
-                  <a:srgbClr val="B9B8BB"/>
+                  <a:schemeClr val="bg1"/>
                 </a:solidFill>
                 <a:latin typeface="HP Simplified"/>
                 <a:cs typeface="HP Simplified"/>
@@ -2096,7 +2037,7 @@
             <a:r>
               <a:rPr lang="en-US" sz="700" b="0" i="0" baseline="0" dirty="0" smtClean="0">
                 <a:solidFill>
-                  <a:srgbClr val="B9B8BB"/>
+                  <a:schemeClr val="bg1"/>
                 </a:solidFill>
                 <a:latin typeface="HP Simplified"/>
                 <a:cs typeface="HP Simplified"/>
@@ -2106,7 +2047,7 @@
             <a:r>
               <a:rPr lang="en-US" sz="700" b="0" i="0" dirty="0" smtClean="0">
                 <a:solidFill>
-                  <a:srgbClr val="B9B8BB"/>
+                  <a:schemeClr val="bg1"/>
                 </a:solidFill>
                 <a:latin typeface="HP Simplified"/>
                 <a:cs typeface="HP Simplified"/>
@@ -2117,257 +2058,9 @@
         </p:txBody>
       </p:sp>
     </p:spTree>
-  </p:cSld>
-  <p:clrMapOvr>
-    <a:masterClrMapping/>
-  </p:clrMapOvr>
-  <p:timing>
-    <p:tnLst>
-      <p:par>
-        <p:cTn id="1" dur="indefinite" restart="never" nodeType="tmRoot"/>
-      </p:par>
-    </p:tnLst>
-  </p:timing>
-</p:sldLayout>
-</file>
-
-<file path=ppt/slideLayouts/slideLayout10.xml><?xml version="1.0" encoding="utf-8"?>
-<p:sldLayout xmlns:a="http://schemas.openxmlformats.org/drawingml/2006/main" xmlns:r="http://schemas.openxmlformats.org/officeDocument/2006/relationships" xmlns:p="http://schemas.openxmlformats.org/presentationml/2006/main" userDrawn="1">
-  <p:cSld name="Title with 2 columns">
-    <p:spTree>
-      <p:nvGrpSpPr>
-        <p:cNvPr id="1" name=""/>
-        <p:cNvGrpSpPr/>
-        <p:nvPr/>
-      </p:nvGrpSpPr>
-      <p:grpSpPr>
-        <a:xfrm>
-          <a:off x="0" y="0"/>
-          <a:ext cx="0" cy="0"/>
-          <a:chOff x="0" y="0"/>
-          <a:chExt cx="0" cy="0"/>
-        </a:xfrm>
-      </p:grpSpPr>
-      <p:sp>
-        <p:nvSpPr>
-          <p:cNvPr id="13" name="Title Placeholder 1"/>
-          <p:cNvSpPr>
-            <a:spLocks noGrp="1"/>
-          </p:cNvSpPr>
-          <p:nvPr>
-            <p:ph type="title" hasCustomPrompt="1"/>
-          </p:nvPr>
-        </p:nvSpPr>
-        <p:spPr bwMode="black">
-          <a:xfrm>
-            <a:off x="331470" y="235064"/>
-            <a:ext cx="8117206" cy="430887"/>
-          </a:xfrm>
-          <a:prstGeom prst="rect">
-            <a:avLst/>
-          </a:prstGeom>
-          <a:ln>
-            <a:noFill/>
-          </a:ln>
-        </p:spPr>
-        <p:txBody>
-          <a:bodyPr vert="horz" wrap="square" lIns="0" tIns="0" rIns="0" bIns="0" rtlCol="0" anchor="t" anchorCtr="0">
-            <a:spAutoFit/>
-          </a:bodyPr>
-          <a:lstStyle>
-            <a:lvl1pPr>
-              <a:defRPr>
-                <a:solidFill>
-                  <a:srgbClr val="000000"/>
-                </a:solidFill>
-              </a:defRPr>
-            </a:lvl1pPr>
-          </a:lstStyle>
-          <a:p>
-            <a:r>
-              <a:rPr lang="en-US" noProof="0" dirty="0" smtClean="0"/>
-              <a:t>Click to edit master title style</a:t>
-            </a:r>
-            <a:endParaRPr lang="en-US" noProof="0" dirty="0"/>
-          </a:p>
-        </p:txBody>
-      </p:sp>
-      <p:sp>
-        <p:nvSpPr>
-          <p:cNvPr id="8" name="Content Placeholder 7"/>
-          <p:cNvSpPr>
-            <a:spLocks noGrp="1"/>
-          </p:cNvSpPr>
-          <p:nvPr>
-            <p:ph sz="quarter" idx="16"/>
-          </p:nvPr>
-        </p:nvSpPr>
-        <p:spPr>
-          <a:xfrm>
-            <a:off x="332330" y="1188720"/>
-            <a:ext cx="4030662" cy="3219769"/>
-          </a:xfrm>
-        </p:spPr>
-        <p:txBody>
-          <a:bodyPr/>
-          <a:lstStyle>
-            <a:lvl2pPr>
-              <a:defRPr>
-                <a:solidFill>
-                  <a:srgbClr val="000000"/>
-                </a:solidFill>
-              </a:defRPr>
-            </a:lvl2pPr>
-            <a:lvl3pPr>
-              <a:defRPr>
-                <a:solidFill>
-                  <a:srgbClr val="000000"/>
-                </a:solidFill>
-              </a:defRPr>
-            </a:lvl3pPr>
-            <a:lvl4pPr>
-              <a:defRPr>
-                <a:solidFill>
-                  <a:srgbClr val="000000"/>
-                </a:solidFill>
-              </a:defRPr>
-            </a:lvl4pPr>
-            <a:lvl5pPr>
-              <a:defRPr>
-                <a:solidFill>
-                  <a:srgbClr val="000000"/>
-                </a:solidFill>
-              </a:defRPr>
-            </a:lvl5pPr>
-          </a:lstStyle>
-          <a:p>
-            <a:pPr lvl="0"/>
-            <a:r>
-              <a:rPr lang="en-US" smtClean="0"/>
-              <a:t>Click to edit Master text styles</a:t>
-            </a:r>
-          </a:p>
-          <a:p>
-            <a:pPr lvl="1"/>
-            <a:r>
-              <a:rPr lang="en-US" smtClean="0"/>
-              <a:t>Second level</a:t>
-            </a:r>
-          </a:p>
-          <a:p>
-            <a:pPr lvl="2"/>
-            <a:r>
-              <a:rPr lang="en-US" smtClean="0"/>
-              <a:t>Third level</a:t>
-            </a:r>
-          </a:p>
-          <a:p>
-            <a:pPr lvl="3"/>
-            <a:r>
-              <a:rPr lang="en-US" smtClean="0"/>
-              <a:t>Fourth level</a:t>
-            </a:r>
-          </a:p>
-          <a:p>
-            <a:pPr lvl="4"/>
-            <a:r>
-              <a:rPr lang="en-US" smtClean="0"/>
-              <a:t>Fifth level</a:t>
-            </a:r>
-            <a:endParaRPr lang="en-US" dirty="0"/>
-          </a:p>
-        </p:txBody>
-      </p:sp>
-      <p:sp>
-        <p:nvSpPr>
-          <p:cNvPr id="10" name="Content Placeholder 9"/>
-          <p:cNvSpPr>
-            <a:spLocks noGrp="1"/>
-          </p:cNvSpPr>
-          <p:nvPr>
-            <p:ph sz="quarter" idx="17"/>
-          </p:nvPr>
-        </p:nvSpPr>
-        <p:spPr>
-          <a:xfrm>
-            <a:off x="4568825" y="1185864"/>
-            <a:ext cx="3878264" cy="3222624"/>
-          </a:xfrm>
-        </p:spPr>
-        <p:txBody>
-          <a:bodyPr/>
-          <a:lstStyle>
-            <a:lvl2pPr>
-              <a:defRPr>
-                <a:solidFill>
-                  <a:srgbClr val="000000"/>
-                </a:solidFill>
-              </a:defRPr>
-            </a:lvl2pPr>
-            <a:lvl3pPr>
-              <a:defRPr>
-                <a:solidFill>
-                  <a:srgbClr val="000000"/>
-                </a:solidFill>
-              </a:defRPr>
-            </a:lvl3pPr>
-            <a:lvl4pPr>
-              <a:defRPr>
-                <a:solidFill>
-                  <a:srgbClr val="000000"/>
-                </a:solidFill>
-              </a:defRPr>
-            </a:lvl4pPr>
-            <a:lvl5pPr>
-              <a:defRPr>
-                <a:solidFill>
-                  <a:srgbClr val="000000"/>
-                </a:solidFill>
-              </a:defRPr>
-            </a:lvl5pPr>
-          </a:lstStyle>
-          <a:p>
-            <a:pPr lvl="0"/>
-            <a:r>
-              <a:rPr lang="en-US" smtClean="0"/>
-              <a:t>Click to edit Master text styles</a:t>
-            </a:r>
-          </a:p>
-          <a:p>
-            <a:pPr lvl="1"/>
-            <a:r>
-              <a:rPr lang="en-US" smtClean="0"/>
-              <a:t>Second level</a:t>
-            </a:r>
-          </a:p>
-          <a:p>
-            <a:pPr lvl="2"/>
-            <a:r>
-              <a:rPr lang="en-US" smtClean="0"/>
-              <a:t>Third level</a:t>
-            </a:r>
-          </a:p>
-          <a:p>
-            <a:pPr lvl="3"/>
-            <a:r>
-              <a:rPr lang="en-US" smtClean="0"/>
-              <a:t>Fourth level</a:t>
-            </a:r>
-          </a:p>
-          <a:p>
-            <a:pPr lvl="4"/>
-            <a:r>
-              <a:rPr lang="en-US" smtClean="0"/>
-              <a:t>Fifth level</a:t>
-            </a:r>
-            <a:endParaRPr lang="en-US" dirty="0"/>
-          </a:p>
-        </p:txBody>
-      </p:sp>
-    </p:spTree>
     <p:extLst>
       <p:ext uri="{BB962C8B-B14F-4D97-AF65-F5344CB8AC3E}">
-        <p14:creationId xmlns:p14="http://schemas.microsoft.com/office/powerpoint/2010/main" val="1505757556"/>
+        <p14:creationId xmlns:p14="http://schemas.microsoft.com/office/powerpoint/2010/main" val="2276755735"/>
       </p:ext>
     </p:extLst>
   </p:cSld>
@@ -2384,7 +2077,7 @@
 </p:sldLayout>
 </file>
 
-<file path=ppt/slideLayouts/slideLayout11.xml><?xml version="1.0" encoding="utf-8"?>
+<file path=ppt/slideLayouts/slideLayout10.xml><?xml version="1.0" encoding="utf-8"?>
 <p:sldLayout xmlns:a="http://schemas.openxmlformats.org/drawingml/2006/main" xmlns:r="http://schemas.openxmlformats.org/officeDocument/2006/relationships" xmlns:p="http://schemas.openxmlformats.org/presentationml/2006/main" preserve="1" userDrawn="1">
   <p:cSld name="Title, sub title with two columns">
     <p:spTree>
@@ -2764,7 +2457,7 @@
 </p:sldLayout>
 </file>
 
-<file path=ppt/slideLayouts/slideLayout12.xml><?xml version="1.0" encoding="utf-8"?>
+<file path=ppt/slideLayouts/slideLayout11.xml><?xml version="1.0" encoding="utf-8"?>
 <p:sldLayout xmlns:a="http://schemas.openxmlformats.org/drawingml/2006/main" xmlns:r="http://schemas.openxmlformats.org/officeDocument/2006/relationships" xmlns:p="http://schemas.openxmlformats.org/presentationml/2006/main" userDrawn="1">
   <p:cSld name="Half-page text with image">
     <p:bg>
@@ -2969,7 +2662,7 @@
 </p:sldLayout>
 </file>
 
-<file path=ppt/slideLayouts/slideLayout13.xml><?xml version="1.0" encoding="utf-8"?>
+<file path=ppt/slideLayouts/slideLayout12.xml><?xml version="1.0" encoding="utf-8"?>
 <p:sldLayout xmlns:a="http://schemas.openxmlformats.org/drawingml/2006/main" xmlns:r="http://schemas.openxmlformats.org/officeDocument/2006/relationships" xmlns:p="http://schemas.openxmlformats.org/presentationml/2006/main" preserve="1" userDrawn="1">
   <p:cSld name="Half page, sub title with image">
     <p:bg>
@@ -3301,7 +2994,7 @@
 </p:sldLayout>
 </file>
 
-<file path=ppt/slideLayouts/slideLayout14.xml><?xml version="1.0" encoding="utf-8"?>
+<file path=ppt/slideLayouts/slideLayout13.xml><?xml version="1.0" encoding="utf-8"?>
 <p:sldLayout xmlns:a="http://schemas.openxmlformats.org/drawingml/2006/main" xmlns:r="http://schemas.openxmlformats.org/officeDocument/2006/relationships" xmlns:p="http://schemas.openxmlformats.org/presentationml/2006/main" userDrawn="1">
   <p:cSld name="Ttitle with three columns">
     <p:spTree>
@@ -3632,7 +3325,7 @@
 </p:sldLayout>
 </file>
 
-<file path=ppt/slideLayouts/slideLayout15.xml><?xml version="1.0" encoding="utf-8"?>
+<file path=ppt/slideLayouts/slideLayout14.xml><?xml version="1.0" encoding="utf-8"?>
 <p:sldLayout xmlns:a="http://schemas.openxmlformats.org/drawingml/2006/main" xmlns:r="http://schemas.openxmlformats.org/officeDocument/2006/relationships" xmlns:p="http://schemas.openxmlformats.org/presentationml/2006/main" preserve="1" userDrawn="1">
   <p:cSld name="1_Ttitle, sub title with three columns">
     <p:spTree>
@@ -4091,316 +3784,6 @@
 </file>
 
 <file path=ppt/slideLayouts/slideLayout2.xml><?xml version="1.0" encoding="utf-8"?>
-<p:sldLayout xmlns:a="http://schemas.openxmlformats.org/drawingml/2006/main" xmlns:r="http://schemas.openxmlformats.org/officeDocument/2006/relationships" xmlns:p="http://schemas.openxmlformats.org/presentationml/2006/main" showMasterSp="0" preserve="1" userDrawn="1">
-  <p:cSld name="Blue title slide ">
-    <p:bg>
-      <p:bgPr>
-        <a:solidFill>
-          <a:schemeClr val="accent1"/>
-        </a:solidFill>
-        <a:effectLst/>
-      </p:bgPr>
-    </p:bg>
-    <p:spTree>
-      <p:nvGrpSpPr>
-        <p:cNvPr id="1" name=""/>
-        <p:cNvGrpSpPr/>
-        <p:nvPr/>
-      </p:nvGrpSpPr>
-      <p:grpSpPr>
-        <a:xfrm>
-          <a:off x="0" y="0"/>
-          <a:ext cx="0" cy="0"/>
-          <a:chOff x="0" y="0"/>
-          <a:chExt cx="0" cy="0"/>
-        </a:xfrm>
-      </p:grpSpPr>
-      <p:sp>
-        <p:nvSpPr>
-          <p:cNvPr id="10" name="Title 1"/>
-          <p:cNvSpPr>
-            <a:spLocks noGrp="1"/>
-          </p:cNvSpPr>
-          <p:nvPr>
-            <p:ph type="ctrTitle" hasCustomPrompt="1"/>
-          </p:nvPr>
-        </p:nvSpPr>
-        <p:spPr bwMode="black">
-          <a:xfrm>
-            <a:off x="329184" y="2036820"/>
-            <a:ext cx="6858000" cy="1206484"/>
-          </a:xfrm>
-        </p:spPr>
-        <p:txBody>
-          <a:bodyPr anchor="b"/>
-          <a:lstStyle>
-            <a:lvl1pPr>
-              <a:lnSpc>
-                <a:spcPct val="90000"/>
-              </a:lnSpc>
-              <a:defRPr sz="4600" spc="-100">
-                <a:solidFill>
-                  <a:schemeClr val="bg1"/>
-                </a:solidFill>
-              </a:defRPr>
-            </a:lvl1pPr>
-          </a:lstStyle>
-          <a:p>
-            <a:r>
-              <a:rPr lang="en-US" dirty="0" smtClean="0"/>
-              <a:t>Click to edit master </a:t>
-            </a:r>
-            <a:br>
-              <a:rPr lang="en-US" dirty="0" smtClean="0"/>
-            </a:br>
-            <a:r>
-              <a:rPr lang="en-US" dirty="0" smtClean="0"/>
-              <a:t>title style</a:t>
-            </a:r>
-            <a:endParaRPr lang="en-US" dirty="0"/>
-          </a:p>
-        </p:txBody>
-      </p:sp>
-      <p:sp>
-        <p:nvSpPr>
-          <p:cNvPr id="11" name="Subtitle 2"/>
-          <p:cNvSpPr>
-            <a:spLocks noGrp="1"/>
-          </p:cNvSpPr>
-          <p:nvPr>
-            <p:ph type="subTitle" idx="1" hasCustomPrompt="1"/>
-          </p:nvPr>
-        </p:nvSpPr>
-        <p:spPr bwMode="black">
-          <a:xfrm>
-            <a:off x="329184" y="3316628"/>
-            <a:ext cx="6858000" cy="914400"/>
-          </a:xfrm>
-        </p:spPr>
-        <p:txBody>
-          <a:bodyPr/>
-          <a:lstStyle>
-            <a:lvl1pPr marL="0" indent="0" algn="l">
-              <a:buNone/>
-              <a:defRPr b="0">
-                <a:solidFill>
-                  <a:schemeClr val="bg1"/>
-                </a:solidFill>
-              </a:defRPr>
-            </a:lvl1pPr>
-            <a:lvl2pPr marL="457200" indent="0" algn="ctr">
-              <a:buNone/>
-              <a:defRPr>
-                <a:solidFill>
-                  <a:schemeClr val="tx1">
-                    <a:tint val="75000"/>
-                  </a:schemeClr>
-                </a:solidFill>
-              </a:defRPr>
-            </a:lvl2pPr>
-            <a:lvl3pPr marL="914400" indent="0" algn="ctr">
-              <a:buNone/>
-              <a:defRPr>
-                <a:solidFill>
-                  <a:schemeClr val="tx1">
-                    <a:tint val="75000"/>
-                  </a:schemeClr>
-                </a:solidFill>
-              </a:defRPr>
-            </a:lvl3pPr>
-            <a:lvl4pPr marL="1371600" indent="0" algn="ctr">
-              <a:buNone/>
-              <a:defRPr>
-                <a:solidFill>
-                  <a:schemeClr val="tx1">
-                    <a:tint val="75000"/>
-                  </a:schemeClr>
-                </a:solidFill>
-              </a:defRPr>
-            </a:lvl4pPr>
-            <a:lvl5pPr marL="1828800" indent="0" algn="ctr">
-              <a:buNone/>
-              <a:defRPr>
-                <a:solidFill>
-                  <a:schemeClr val="tx1">
-                    <a:tint val="75000"/>
-                  </a:schemeClr>
-                </a:solidFill>
-              </a:defRPr>
-            </a:lvl5pPr>
-            <a:lvl6pPr marL="2286000" indent="0" algn="ctr">
-              <a:buNone/>
-              <a:defRPr>
-                <a:solidFill>
-                  <a:schemeClr val="tx1">
-                    <a:tint val="75000"/>
-                  </a:schemeClr>
-                </a:solidFill>
-              </a:defRPr>
-            </a:lvl6pPr>
-            <a:lvl7pPr marL="2743200" indent="0" algn="ctr">
-              <a:buNone/>
-              <a:defRPr>
-                <a:solidFill>
-                  <a:schemeClr val="tx1">
-                    <a:tint val="75000"/>
-                  </a:schemeClr>
-                </a:solidFill>
-              </a:defRPr>
-            </a:lvl7pPr>
-            <a:lvl8pPr marL="3200400" indent="0" algn="ctr">
-              <a:buNone/>
-              <a:defRPr>
-                <a:solidFill>
-                  <a:schemeClr val="tx1">
-                    <a:tint val="75000"/>
-                  </a:schemeClr>
-                </a:solidFill>
-              </a:defRPr>
-            </a:lvl8pPr>
-            <a:lvl9pPr marL="3657600" indent="0" algn="ctr">
-              <a:buNone/>
-              <a:defRPr>
-                <a:solidFill>
-                  <a:schemeClr val="tx1">
-                    <a:tint val="75000"/>
-                  </a:schemeClr>
-                </a:solidFill>
-              </a:defRPr>
-            </a:lvl9pPr>
-          </a:lstStyle>
-          <a:p>
-            <a:r>
-              <a:rPr lang="en-US" dirty="0" smtClean="0"/>
-              <a:t>Click to edit master subtitle style</a:t>
-            </a:r>
-            <a:endParaRPr lang="en-US" dirty="0"/>
-          </a:p>
-        </p:txBody>
-      </p:sp>
-      <p:pic>
-        <p:nvPicPr>
-          <p:cNvPr id="2" name="Picture 1" descr="HP_White_RGB_150_LG.png"/>
-          <p:cNvPicPr>
-            <a:picLocks noChangeAspect="1"/>
-          </p:cNvPicPr>
-          <p:nvPr userDrawn="1"/>
-        </p:nvPicPr>
-        <p:blipFill>
-          <a:blip r:embed="rId2">
-            <a:extLst>
-              <a:ext uri="{28A0092B-C50C-407E-A947-70E740481C1C}">
-                <a14:useLocalDpi xmlns:a14="http://schemas.microsoft.com/office/drawing/2010/main" val="0"/>
-              </a:ext>
-            </a:extLst>
-          </a:blip>
-          <a:stretch>
-            <a:fillRect/>
-          </a:stretch>
-        </p:blipFill>
-        <p:spPr>
-          <a:xfrm>
-            <a:off x="6949440" y="365760"/>
-            <a:ext cx="1883664" cy="1883664"/>
-          </a:xfrm>
-          <a:prstGeom prst="rect">
-            <a:avLst/>
-          </a:prstGeom>
-        </p:spPr>
-      </p:pic>
-      <p:sp>
-        <p:nvSpPr>
-          <p:cNvPr id="6" name="TextBox 5"/>
-          <p:cNvSpPr txBox="1"/>
-          <p:nvPr userDrawn="1"/>
-        </p:nvSpPr>
-        <p:spPr>
-          <a:xfrm>
-            <a:off x="329184" y="4758803"/>
-            <a:ext cx="8012545" cy="228600"/>
-          </a:xfrm>
-          <a:prstGeom prst="rect">
-            <a:avLst/>
-          </a:prstGeom>
-          <a:noFill/>
-        </p:spPr>
-        <p:txBody>
-          <a:bodyPr wrap="square" lIns="0" rtlCol="0">
-            <a:noAutofit/>
-          </a:bodyPr>
-          <a:lstStyle/>
-          <a:p>
-            <a:pPr marL="0" marR="0" indent="0" algn="l" defTabSz="457200" rtl="0" eaLnBrk="1" fontAlgn="auto" latinLnBrk="0" hangingPunct="1">
-              <a:lnSpc>
-                <a:spcPct val="100000"/>
-              </a:lnSpc>
-              <a:spcBef>
-                <a:spcPts val="0"/>
-              </a:spcBef>
-              <a:spcAft>
-                <a:spcPts val="0"/>
-              </a:spcAft>
-              <a:buClrTx/>
-              <a:buSzTx/>
-              <a:buFontTx/>
-              <a:buNone/>
-              <a:tabLst/>
-              <a:defRPr/>
-            </a:pPr>
-            <a:r>
-              <a:rPr lang="en-US" sz="700" b="0" i="0" dirty="0" smtClean="0">
-                <a:solidFill>
-                  <a:schemeClr val="bg1"/>
-                </a:solidFill>
-                <a:latin typeface="HP Simplified"/>
-                <a:cs typeface="HP Simplified"/>
-              </a:rPr>
-              <a:t>© Copyright 2012 Hewlett-Packard Development Company, L.P. </a:t>
-            </a:r>
-            <a:r>
-              <a:rPr lang="en-US" sz="700" b="0" i="0" baseline="0" dirty="0" smtClean="0">
-                <a:solidFill>
-                  <a:schemeClr val="bg1"/>
-                </a:solidFill>
-                <a:latin typeface="HP Simplified"/>
-                <a:cs typeface="HP Simplified"/>
-              </a:rPr>
-              <a:t> </a:t>
-            </a:r>
-            <a:r>
-              <a:rPr lang="en-US" sz="700" b="0" i="0" dirty="0" smtClean="0">
-                <a:solidFill>
-                  <a:schemeClr val="bg1"/>
-                </a:solidFill>
-                <a:latin typeface="HP Simplified"/>
-                <a:cs typeface="HP Simplified"/>
-              </a:rPr>
-              <a:t>The information contained herein is subject to change without notice.</a:t>
-            </a:r>
-          </a:p>
-        </p:txBody>
-      </p:sp>
-    </p:spTree>
-    <p:extLst>
-      <p:ext uri="{BB962C8B-B14F-4D97-AF65-F5344CB8AC3E}">
-        <p14:creationId xmlns:p14="http://schemas.microsoft.com/office/powerpoint/2010/main" val="2276755735"/>
-      </p:ext>
-    </p:extLst>
-  </p:cSld>
-  <p:clrMapOvr>
-    <a:masterClrMapping/>
-  </p:clrMapOvr>
-  <p:timing>
-    <p:tnLst>
-      <p:par>
-        <p:cTn id="1" dur="indefinite" restart="never" nodeType="tmRoot"/>
-      </p:par>
-    </p:tnLst>
-  </p:timing>
-</p:sldLayout>
-</file>
-
-<file path=ppt/slideLayouts/slideLayout3.xml><?xml version="1.0" encoding="utf-8"?>
 <p:sldLayout xmlns:a="http://schemas.openxmlformats.org/drawingml/2006/main" xmlns:r="http://schemas.openxmlformats.org/officeDocument/2006/relationships" xmlns:p="http://schemas.openxmlformats.org/presentationml/2006/main" showMasterSp="0" userDrawn="1">
   <p:cSld name="Blue divider slide">
     <p:bg>
@@ -4607,7 +3990,7 @@
 </p:sldLayout>
 </file>
 
-<file path=ppt/slideLayouts/slideLayout4.xml><?xml version="1.0" encoding="utf-8"?>
+<file path=ppt/slideLayouts/slideLayout3.xml><?xml version="1.0" encoding="utf-8"?>
 <p:sldLayout xmlns:a="http://schemas.openxmlformats.org/drawingml/2006/main" xmlns:r="http://schemas.openxmlformats.org/officeDocument/2006/relationships" xmlns:p="http://schemas.openxmlformats.org/presentationml/2006/main" showMasterSp="0" preserve="1" userDrawn="1">
   <p:cSld name="White divider slide">
     <p:spTree>
@@ -4806,7 +4189,7 @@
 </p:sldLayout>
 </file>
 
-<file path=ppt/slideLayouts/slideLayout5.xml><?xml version="1.0" encoding="utf-8"?>
+<file path=ppt/slideLayouts/slideLayout4.xml><?xml version="1.0" encoding="utf-8"?>
 <p:sldLayout xmlns:a="http://schemas.openxmlformats.org/drawingml/2006/main" xmlns:r="http://schemas.openxmlformats.org/officeDocument/2006/relationships" xmlns:p="http://schemas.openxmlformats.org/presentationml/2006/main" showMasterSp="0" preserve="1" userDrawn="1">
   <p:cSld name="Blue quote slide with subtitle">
     <p:bg>
@@ -5151,7 +4534,7 @@
 </p:sldLayout>
 </file>
 
-<file path=ppt/slideLayouts/slideLayout6.xml><?xml version="1.0" encoding="utf-8"?>
+<file path=ppt/slideLayouts/slideLayout5.xml><?xml version="1.0" encoding="utf-8"?>
 <p:sldLayout xmlns:a="http://schemas.openxmlformats.org/drawingml/2006/main" xmlns:r="http://schemas.openxmlformats.org/officeDocument/2006/relationships" xmlns:p="http://schemas.openxmlformats.org/presentationml/2006/main" preserve="1" userDrawn="1">
   <p:cSld name="Title only">
     <p:bg>
@@ -5236,7 +4619,7 @@
 </p:sldLayout>
 </file>
 
-<file path=ppt/slideLayouts/slideLayout7.xml><?xml version="1.0" encoding="utf-8"?>
+<file path=ppt/slideLayouts/slideLayout6.xml><?xml version="1.0" encoding="utf-8"?>
 <p:sldLayout xmlns:a="http://schemas.openxmlformats.org/drawingml/2006/main" xmlns:r="http://schemas.openxmlformats.org/officeDocument/2006/relationships" xmlns:p="http://schemas.openxmlformats.org/presentationml/2006/main" userDrawn="1">
   <p:cSld name="Title with content">
     <p:bg>
@@ -5409,7 +4792,7 @@
 </p:sldLayout>
 </file>
 
-<file path=ppt/slideLayouts/slideLayout8.xml><?xml version="1.0" encoding="utf-8"?>
+<file path=ppt/slideLayouts/slideLayout7.xml><?xml version="1.0" encoding="utf-8"?>
 <p:sldLayout xmlns:a="http://schemas.openxmlformats.org/drawingml/2006/main" xmlns:r="http://schemas.openxmlformats.org/officeDocument/2006/relationships" xmlns:p="http://schemas.openxmlformats.org/presentationml/2006/main" preserve="1">
   <p:cSld name="Title, sub title with content">
     <p:bg>
@@ -5710,7 +5093,7 @@
 </p:sldLayout>
 </file>
 
-<file path=ppt/slideLayouts/slideLayout9.xml><?xml version="1.0" encoding="utf-8"?>
+<file path=ppt/slideLayouts/slideLayout8.xml><?xml version="1.0" encoding="utf-8"?>
 <p:sldLayout xmlns:a="http://schemas.openxmlformats.org/drawingml/2006/main" xmlns:r="http://schemas.openxmlformats.org/officeDocument/2006/relationships" xmlns:p="http://schemas.openxmlformats.org/presentationml/2006/main" preserve="1">
   <p:cSld name="Title, sub title with bullets">
     <p:bg>
@@ -6023,6 +5406,259 @@
 </p:sldLayout>
 </file>
 
+<file path=ppt/slideLayouts/slideLayout9.xml><?xml version="1.0" encoding="utf-8"?>
+<p:sldLayout xmlns:a="http://schemas.openxmlformats.org/drawingml/2006/main" xmlns:r="http://schemas.openxmlformats.org/officeDocument/2006/relationships" xmlns:p="http://schemas.openxmlformats.org/presentationml/2006/main" userDrawn="1">
+  <p:cSld name="Title with 2 columns">
+    <p:spTree>
+      <p:nvGrpSpPr>
+        <p:cNvPr id="1" name=""/>
+        <p:cNvGrpSpPr/>
+        <p:nvPr/>
+      </p:nvGrpSpPr>
+      <p:grpSpPr>
+        <a:xfrm>
+          <a:off x="0" y="0"/>
+          <a:ext cx="0" cy="0"/>
+          <a:chOff x="0" y="0"/>
+          <a:chExt cx="0" cy="0"/>
+        </a:xfrm>
+      </p:grpSpPr>
+      <p:sp>
+        <p:nvSpPr>
+          <p:cNvPr id="13" name="Title Placeholder 1"/>
+          <p:cNvSpPr>
+            <a:spLocks noGrp="1"/>
+          </p:cNvSpPr>
+          <p:nvPr>
+            <p:ph type="title" hasCustomPrompt="1"/>
+          </p:nvPr>
+        </p:nvSpPr>
+        <p:spPr bwMode="black">
+          <a:xfrm>
+            <a:off x="331470" y="235064"/>
+            <a:ext cx="8117206" cy="430887"/>
+          </a:xfrm>
+          <a:prstGeom prst="rect">
+            <a:avLst/>
+          </a:prstGeom>
+          <a:ln>
+            <a:noFill/>
+          </a:ln>
+        </p:spPr>
+        <p:txBody>
+          <a:bodyPr vert="horz" wrap="square" lIns="0" tIns="0" rIns="0" bIns="0" rtlCol="0" anchor="t" anchorCtr="0">
+            <a:spAutoFit/>
+          </a:bodyPr>
+          <a:lstStyle>
+            <a:lvl1pPr>
+              <a:defRPr>
+                <a:solidFill>
+                  <a:srgbClr val="000000"/>
+                </a:solidFill>
+              </a:defRPr>
+            </a:lvl1pPr>
+          </a:lstStyle>
+          <a:p>
+            <a:r>
+              <a:rPr lang="en-US" noProof="0" dirty="0" smtClean="0"/>
+              <a:t>Click to edit master title style</a:t>
+            </a:r>
+            <a:endParaRPr lang="en-US" noProof="0" dirty="0"/>
+          </a:p>
+        </p:txBody>
+      </p:sp>
+      <p:sp>
+        <p:nvSpPr>
+          <p:cNvPr id="8" name="Content Placeholder 7"/>
+          <p:cNvSpPr>
+            <a:spLocks noGrp="1"/>
+          </p:cNvSpPr>
+          <p:nvPr>
+            <p:ph sz="quarter" idx="16"/>
+          </p:nvPr>
+        </p:nvSpPr>
+        <p:spPr>
+          <a:xfrm>
+            <a:off x="332330" y="1188720"/>
+            <a:ext cx="4030662" cy="3219769"/>
+          </a:xfrm>
+        </p:spPr>
+        <p:txBody>
+          <a:bodyPr/>
+          <a:lstStyle>
+            <a:lvl2pPr>
+              <a:defRPr>
+                <a:solidFill>
+                  <a:srgbClr val="000000"/>
+                </a:solidFill>
+              </a:defRPr>
+            </a:lvl2pPr>
+            <a:lvl3pPr>
+              <a:defRPr>
+                <a:solidFill>
+                  <a:srgbClr val="000000"/>
+                </a:solidFill>
+              </a:defRPr>
+            </a:lvl3pPr>
+            <a:lvl4pPr>
+              <a:defRPr>
+                <a:solidFill>
+                  <a:srgbClr val="000000"/>
+                </a:solidFill>
+              </a:defRPr>
+            </a:lvl4pPr>
+            <a:lvl5pPr>
+              <a:defRPr>
+                <a:solidFill>
+                  <a:srgbClr val="000000"/>
+                </a:solidFill>
+              </a:defRPr>
+            </a:lvl5pPr>
+          </a:lstStyle>
+          <a:p>
+            <a:pPr lvl="0"/>
+            <a:r>
+              <a:rPr lang="en-US" smtClean="0"/>
+              <a:t>Click to edit Master text styles</a:t>
+            </a:r>
+          </a:p>
+          <a:p>
+            <a:pPr lvl="1"/>
+            <a:r>
+              <a:rPr lang="en-US" smtClean="0"/>
+              <a:t>Second level</a:t>
+            </a:r>
+          </a:p>
+          <a:p>
+            <a:pPr lvl="2"/>
+            <a:r>
+              <a:rPr lang="en-US" smtClean="0"/>
+              <a:t>Third level</a:t>
+            </a:r>
+          </a:p>
+          <a:p>
+            <a:pPr lvl="3"/>
+            <a:r>
+              <a:rPr lang="en-US" smtClean="0"/>
+              <a:t>Fourth level</a:t>
+            </a:r>
+          </a:p>
+          <a:p>
+            <a:pPr lvl="4"/>
+            <a:r>
+              <a:rPr lang="en-US" smtClean="0"/>
+              <a:t>Fifth level</a:t>
+            </a:r>
+            <a:endParaRPr lang="en-US" dirty="0"/>
+          </a:p>
+        </p:txBody>
+      </p:sp>
+      <p:sp>
+        <p:nvSpPr>
+          <p:cNvPr id="10" name="Content Placeholder 9"/>
+          <p:cNvSpPr>
+            <a:spLocks noGrp="1"/>
+          </p:cNvSpPr>
+          <p:nvPr>
+            <p:ph sz="quarter" idx="17"/>
+          </p:nvPr>
+        </p:nvSpPr>
+        <p:spPr>
+          <a:xfrm>
+            <a:off x="4568825" y="1185864"/>
+            <a:ext cx="3878264" cy="3222624"/>
+          </a:xfrm>
+        </p:spPr>
+        <p:txBody>
+          <a:bodyPr/>
+          <a:lstStyle>
+            <a:lvl2pPr>
+              <a:defRPr>
+                <a:solidFill>
+                  <a:srgbClr val="000000"/>
+                </a:solidFill>
+              </a:defRPr>
+            </a:lvl2pPr>
+            <a:lvl3pPr>
+              <a:defRPr>
+                <a:solidFill>
+                  <a:srgbClr val="000000"/>
+                </a:solidFill>
+              </a:defRPr>
+            </a:lvl3pPr>
+            <a:lvl4pPr>
+              <a:defRPr>
+                <a:solidFill>
+                  <a:srgbClr val="000000"/>
+                </a:solidFill>
+              </a:defRPr>
+            </a:lvl4pPr>
+            <a:lvl5pPr>
+              <a:defRPr>
+                <a:solidFill>
+                  <a:srgbClr val="000000"/>
+                </a:solidFill>
+              </a:defRPr>
+            </a:lvl5pPr>
+          </a:lstStyle>
+          <a:p>
+            <a:pPr lvl="0"/>
+            <a:r>
+              <a:rPr lang="en-US" smtClean="0"/>
+              <a:t>Click to edit Master text styles</a:t>
+            </a:r>
+          </a:p>
+          <a:p>
+            <a:pPr lvl="1"/>
+            <a:r>
+              <a:rPr lang="en-US" smtClean="0"/>
+              <a:t>Second level</a:t>
+            </a:r>
+          </a:p>
+          <a:p>
+            <a:pPr lvl="2"/>
+            <a:r>
+              <a:rPr lang="en-US" smtClean="0"/>
+              <a:t>Third level</a:t>
+            </a:r>
+          </a:p>
+          <a:p>
+            <a:pPr lvl="3"/>
+            <a:r>
+              <a:rPr lang="en-US" smtClean="0"/>
+              <a:t>Fourth level</a:t>
+            </a:r>
+          </a:p>
+          <a:p>
+            <a:pPr lvl="4"/>
+            <a:r>
+              <a:rPr lang="en-US" smtClean="0"/>
+              <a:t>Fifth level</a:t>
+            </a:r>
+            <a:endParaRPr lang="en-US" dirty="0"/>
+          </a:p>
+        </p:txBody>
+      </p:sp>
+    </p:spTree>
+    <p:extLst>
+      <p:ext uri="{BB962C8B-B14F-4D97-AF65-F5344CB8AC3E}">
+        <p14:creationId xmlns:p14="http://schemas.microsoft.com/office/powerpoint/2010/main" val="1505757556"/>
+      </p:ext>
+    </p:extLst>
+  </p:cSld>
+  <p:clrMapOvr>
+    <a:masterClrMapping/>
+  </p:clrMapOvr>
+  <p:timing>
+    <p:tnLst>
+      <p:par>
+        <p:cTn id="1" dur="indefinite" restart="never" nodeType="tmRoot"/>
+      </p:par>
+    </p:tnLst>
+  </p:timing>
+</p:sldLayout>
+</file>
+
 <file path=ppt/slideMasters/slideMaster1.xml><?xml version="1.0" encoding="utf-8"?>
 <p:sldMaster xmlns:a="http://schemas.openxmlformats.org/drawingml/2006/main" xmlns:r="http://schemas.openxmlformats.org/officeDocument/2006/relationships" xmlns:p="http://schemas.openxmlformats.org/presentationml/2006/main" preserve="1">
   <p:cSld>
@@ -6269,7 +5905,7 @@
           <p:nvPr/>
         </p:nvPicPr>
         <p:blipFill>
-          <a:blip r:embed="rId17">
+          <a:blip r:embed="rId16">
             <a:extLst>
               <a:ext uri="{28A0092B-C50C-407E-A947-70E740481C1C}">
                 <a14:useLocalDpi xmlns:a14="http://schemas.microsoft.com/office/drawing/2010/main" val="0"/>
@@ -6299,21 +5935,20 @@
   </p:cSld>
   <p:clrMap bg1="lt1" tx1="dk1" bg2="lt2" tx2="dk2" accent1="accent1" accent2="accent2" accent3="accent3" accent4="accent4" accent5="accent5" accent6="accent6" hlink="hlink" folHlink="folHlink"/>
   <p:sldLayoutIdLst>
-    <p:sldLayoutId id="2147483816" r:id="rId1"/>
-    <p:sldLayoutId id="2147483830" r:id="rId2"/>
-    <p:sldLayoutId id="2147483819" r:id="rId3"/>
-    <p:sldLayoutId id="2147483834" r:id="rId4"/>
-    <p:sldLayoutId id="2147483833" r:id="rId5"/>
-    <p:sldLayoutId id="2147483837" r:id="rId6"/>
-    <p:sldLayoutId id="2147483818" r:id="rId7"/>
-    <p:sldLayoutId id="2147483809" r:id="rId8"/>
-    <p:sldLayoutId id="2147483839" r:id="rId9"/>
-    <p:sldLayoutId id="2147483820" r:id="rId10"/>
-    <p:sldLayoutId id="2147483823" r:id="rId11"/>
-    <p:sldLayoutId id="2147483821" r:id="rId12"/>
-    <p:sldLayoutId id="2147483824" r:id="rId13"/>
-    <p:sldLayoutId id="2147483822" r:id="rId14"/>
-    <p:sldLayoutId id="2147483825" r:id="rId15"/>
+    <p:sldLayoutId id="2147483830" r:id="rId1"/>
+    <p:sldLayoutId id="2147483819" r:id="rId2"/>
+    <p:sldLayoutId id="2147483834" r:id="rId3"/>
+    <p:sldLayoutId id="2147483833" r:id="rId4"/>
+    <p:sldLayoutId id="2147483837" r:id="rId5"/>
+    <p:sldLayoutId id="2147483818" r:id="rId6"/>
+    <p:sldLayoutId id="2147483809" r:id="rId7"/>
+    <p:sldLayoutId id="2147483839" r:id="rId8"/>
+    <p:sldLayoutId id="2147483820" r:id="rId9"/>
+    <p:sldLayoutId id="2147483823" r:id="rId10"/>
+    <p:sldLayoutId id="2147483821" r:id="rId11"/>
+    <p:sldLayoutId id="2147483824" r:id="rId12"/>
+    <p:sldLayoutId id="2147483822" r:id="rId13"/>
+    <p:sldLayoutId id="2147483825" r:id="rId14"/>
   </p:sldLayoutIdLst>
   <p:timing>
     <p:tnLst>
@@ -6652,15 +6287,8 @@
           <a:lstStyle/>
           <a:p>
             <a:r>
-              <a:rPr lang="en-US" smtClean="0"/>
-              <a:t>Title</a:t>
-            </a:r>
-            <a:br>
-              <a:rPr lang="en-US" smtClean="0"/>
-            </a:br>
-            <a:r>
-              <a:rPr lang="en-US" smtClean="0"/>
-              <a:t>(46 pt. HP Simplified bold)</a:t>
+              <a:rPr lang="en-US" dirty="0" smtClean="0"/>
+              <a:t>C++11 and …… </a:t>
             </a:r>
             <a:endParaRPr lang="en-US" dirty="0"/>
           </a:p>
@@ -6676,25 +6304,34 @@
             <p:ph type="subTitle" idx="1"/>
           </p:nvPr>
         </p:nvSpPr>
-        <p:spPr/>
+        <p:spPr>
+          <a:xfrm>
+            <a:off x="314670" y="3664971"/>
+            <a:ext cx="6858000" cy="399029"/>
+          </a:xfrm>
+        </p:spPr>
         <p:txBody>
           <a:bodyPr/>
           <a:lstStyle/>
           <a:p>
             <a:r>
               <a:rPr lang="en-US" dirty="0" smtClean="0"/>
-              <a:t>Subtitle (18 pt. HP Simplified)</a:t>
-            </a:r>
-          </a:p>
-          <a:p>
-            <a:r>
-              <a:rPr lang="en-US" b="0" dirty="0" smtClean="0"/>
-              <a:t>Speaker’s name / Month day, 2012 </a:t>
-            </a:r>
+              <a:t>Liu </a:t>
+            </a:r>
+            <a:r>
+              <a:rPr lang="en-US" dirty="0" err="1" smtClean="0"/>
+              <a:t>Peng</a:t>
+            </a:r>
+            <a:endParaRPr lang="en-US" b="0" dirty="0" smtClean="0"/>
           </a:p>
         </p:txBody>
       </p:sp>
     </p:spTree>
+    <p:extLst>
+      <p:ext uri="{BB962C8B-B14F-4D97-AF65-F5344CB8AC3E}">
+        <p14:creationId xmlns:p14="http://schemas.microsoft.com/office/powerpoint/2010/main" val="2633726952"/>
+      </p:ext>
+    </p:extLst>
   </p:cSld>
   <p:clrMapOvr>
     <a:masterClrMapping/>
@@ -6736,218 +6373,28 @@
             <p:ph type="title"/>
           </p:nvPr>
         </p:nvSpPr>
-        <p:spPr/>
+        <p:spPr>
+          <a:xfrm>
+            <a:off x="2830286" y="2194493"/>
+            <a:ext cx="3976913" cy="708363"/>
+          </a:xfrm>
+        </p:spPr>
         <p:txBody>
           <a:bodyPr/>
           <a:lstStyle/>
           <a:p>
             <a:r>
-              <a:rPr lang="en-GB" dirty="0"/>
-              <a:t>Title (28 pt. HP Simplified bold)</a:t>
-            </a:r>
-          </a:p>
-        </p:txBody>
-      </p:sp>
-      <p:sp>
-        <p:nvSpPr>
-          <p:cNvPr id="7" name="Text Placeholder 6"/>
-          <p:cNvSpPr>
-            <a:spLocks noGrp="1"/>
-          </p:cNvSpPr>
-          <p:nvPr>
-            <p:ph sz="quarter" idx="16"/>
-          </p:nvPr>
-        </p:nvSpPr>
-        <p:spPr/>
-        <p:txBody>
-          <a:bodyPr/>
-          <a:lstStyle/>
-          <a:p>
-            <a:r>
-              <a:rPr lang="en-US" dirty="0"/>
-              <a:t>Heading (18 pt. HP Simplified</a:t>
-            </a:r>
-            <a:r>
-              <a:rPr lang="en-US" dirty="0" smtClean="0"/>
-              <a:t> bold </a:t>
-            </a:r>
-            <a:br>
-              <a:rPr lang="en-US" dirty="0" smtClean="0"/>
-            </a:br>
-            <a:r>
-              <a:rPr lang="en-US" dirty="0" smtClean="0"/>
-              <a:t>HP </a:t>
-            </a:r>
-            <a:r>
-              <a:rPr lang="en-US" dirty="0"/>
-              <a:t>blue)</a:t>
-            </a:r>
-            <a:endParaRPr lang="en-GB" dirty="0"/>
-          </a:p>
-          <a:p>
-            <a:pPr lvl="1"/>
-            <a:r>
-              <a:rPr lang="en-US" dirty="0"/>
-              <a:t>Body copy (16 pt. HP Simplified)</a:t>
-            </a:r>
-          </a:p>
-          <a:p>
-            <a:pPr lvl="2"/>
-            <a:r>
-              <a:rPr lang="en-US" dirty="0"/>
-              <a:t>Put your first-level bullet here. </a:t>
-            </a:r>
-            <a:br>
-              <a:rPr lang="en-US" dirty="0"/>
-            </a:br>
-            <a:r>
-              <a:rPr lang="en-US" dirty="0"/>
-              <a:t>(14 pt. HP Simplified)</a:t>
-            </a:r>
-          </a:p>
-          <a:p>
-            <a:pPr lvl="3"/>
-            <a:r>
-              <a:rPr lang="en-US" dirty="0"/>
-              <a:t>Put your second-level bullet here. </a:t>
-            </a:r>
-            <a:br>
-              <a:rPr lang="en-US" dirty="0"/>
-            </a:br>
-            <a:r>
-              <a:rPr lang="en-US" dirty="0"/>
-              <a:t>(14 pt. HP Simplified)</a:t>
-            </a:r>
-          </a:p>
-          <a:p>
-            <a:pPr lvl="4"/>
-            <a:r>
-              <a:rPr lang="en-US" dirty="0"/>
-              <a:t>Put your third-level of copy here. </a:t>
-            </a:r>
-            <a:br>
-              <a:rPr lang="en-US" dirty="0"/>
-            </a:br>
-            <a:r>
-              <a:rPr lang="en-US" dirty="0"/>
-              <a:t>(14 pt. HP Simplified)</a:t>
-            </a:r>
-          </a:p>
-        </p:txBody>
-      </p:sp>
-      <p:sp>
-        <p:nvSpPr>
-          <p:cNvPr id="18" name="Text Placeholder 17"/>
-          <p:cNvSpPr>
-            <a:spLocks noGrp="1"/>
-          </p:cNvSpPr>
-          <p:nvPr>
-            <p:ph sz="quarter" idx="17"/>
-          </p:nvPr>
-        </p:nvSpPr>
-        <p:spPr/>
-        <p:txBody>
-          <a:bodyPr/>
-          <a:lstStyle/>
-          <a:p>
-            <a:r>
-              <a:rPr lang="en-US" dirty="0"/>
-              <a:t>Heading (18 pt. HP Simplified</a:t>
-            </a:r>
-            <a:r>
-              <a:rPr lang="en-US" dirty="0" smtClean="0"/>
-              <a:t> bold </a:t>
-            </a:r>
-            <a:br>
-              <a:rPr lang="en-US" dirty="0" smtClean="0"/>
-            </a:br>
-            <a:r>
-              <a:rPr lang="en-US" dirty="0" smtClean="0"/>
-              <a:t>HP </a:t>
-            </a:r>
-            <a:r>
-              <a:rPr lang="en-US" dirty="0"/>
-              <a:t>blue)</a:t>
-            </a:r>
-            <a:endParaRPr lang="en-GB" dirty="0"/>
-          </a:p>
-          <a:p>
-            <a:pPr lvl="1"/>
-            <a:r>
-              <a:rPr lang="en-US" dirty="0"/>
-              <a:t>Body copy (16 pt. HP Simplified)</a:t>
-            </a:r>
-          </a:p>
-          <a:p>
-            <a:pPr lvl="2"/>
-            <a:r>
-              <a:rPr lang="en-US" dirty="0"/>
-              <a:t>Put your first-level bullet here. </a:t>
-            </a:r>
-            <a:br>
-              <a:rPr lang="en-US" dirty="0"/>
-            </a:br>
-            <a:r>
-              <a:rPr lang="en-US" dirty="0"/>
-              <a:t>(14 pt. HP Simplified)</a:t>
-            </a:r>
-          </a:p>
-          <a:p>
-            <a:pPr lvl="3"/>
-            <a:r>
-              <a:rPr lang="en-US" dirty="0"/>
-              <a:t>Put your second-level bullet here. </a:t>
-            </a:r>
-            <a:br>
-              <a:rPr lang="en-US" dirty="0"/>
-            </a:br>
-            <a:r>
-              <a:rPr lang="en-US" dirty="0"/>
-              <a:t>(14 pt. HP Simplified)</a:t>
-            </a:r>
-          </a:p>
-          <a:p>
-            <a:pPr lvl="4"/>
-            <a:r>
-              <a:rPr lang="en-US" dirty="0"/>
-              <a:t>Put your third-level of copy here. </a:t>
-            </a:r>
-            <a:br>
-              <a:rPr lang="en-US" dirty="0"/>
-            </a:br>
-            <a:r>
-              <a:rPr lang="en-US" dirty="0"/>
-              <a:t>(14 pt. HP Simplified)</a:t>
-            </a:r>
-          </a:p>
-        </p:txBody>
-      </p:sp>
-      <p:sp>
-        <p:nvSpPr>
-          <p:cNvPr id="2" name="Subtitle 1"/>
-          <p:cNvSpPr>
-            <a:spLocks noGrp="1"/>
-          </p:cNvSpPr>
-          <p:nvPr>
-            <p:ph type="subTitle" idx="1"/>
-          </p:nvPr>
-        </p:nvSpPr>
-        <p:spPr/>
-        <p:txBody>
-          <a:bodyPr/>
-          <a:lstStyle/>
-          <a:p>
-            <a:r>
-              <a:rPr lang="en-US" dirty="0"/>
-              <a:t>Subtitle (18 pt. HP Simplified)</a:t>
-            </a:r>
+              <a:rPr lang="en-GB" sz="3600" dirty="0" smtClean="0"/>
+              <a:t>After C++11……</a:t>
+            </a:r>
+            <a:endParaRPr lang="en-GB" sz="3600" dirty="0"/>
           </a:p>
         </p:txBody>
       </p:sp>
     </p:spTree>
     <p:extLst>
       <p:ext uri="{BB962C8B-B14F-4D97-AF65-F5344CB8AC3E}">
-        <p14:creationId xmlns:p14="http://schemas.microsoft.com/office/powerpoint/2010/main" val="1774947844"/>
+        <p14:creationId xmlns:p14="http://schemas.microsoft.com/office/powerpoint/2010/main" val="2495056151"/>
       </p:ext>
     </p:extLst>
   </p:cSld>
@@ -6983,6 +6430,419 @@
       </p:grpSpPr>
       <p:sp>
         <p:nvSpPr>
+          <p:cNvPr id="4" name="Subtitle 3"/>
+          <p:cNvSpPr>
+            <a:spLocks noGrp="1"/>
+          </p:cNvSpPr>
+          <p:nvPr>
+            <p:ph type="subTitle" idx="1"/>
+          </p:nvPr>
+        </p:nvSpPr>
+        <p:spPr/>
+        <p:txBody>
+          <a:bodyPr/>
+          <a:lstStyle/>
+          <a:p>
+            <a:r>
+              <a:rPr lang="en-US" dirty="0" smtClean="0"/>
+              <a:t>Subtitle (18 pt. HP Simplified)</a:t>
+            </a:r>
+          </a:p>
+        </p:txBody>
+      </p:sp>
+      <p:sp>
+        <p:nvSpPr>
+          <p:cNvPr id="2" name="Title 1"/>
+          <p:cNvSpPr>
+            <a:spLocks noGrp="1"/>
+          </p:cNvSpPr>
+          <p:nvPr>
+            <p:ph type="title"/>
+          </p:nvPr>
+        </p:nvSpPr>
+        <p:spPr/>
+        <p:txBody>
+          <a:bodyPr/>
+          <a:lstStyle/>
+          <a:p>
+            <a:r>
+              <a:rPr lang="en-GB" dirty="0" smtClean="0"/>
+              <a:t>Title (28 pt. HP Simplified bold)</a:t>
+            </a:r>
+            <a:endParaRPr lang="en-US" dirty="0"/>
+          </a:p>
+        </p:txBody>
+      </p:sp>
+      <p:sp>
+        <p:nvSpPr>
+          <p:cNvPr id="5" name="Content Placeholder 4"/>
+          <p:cNvSpPr>
+            <a:spLocks noGrp="1"/>
+          </p:cNvSpPr>
+          <p:nvPr>
+            <p:ph sz="quarter" idx="10"/>
+          </p:nvPr>
+        </p:nvSpPr>
+        <p:spPr/>
+        <p:txBody>
+          <a:bodyPr/>
+          <a:lstStyle/>
+          <a:p>
+            <a:r>
+              <a:rPr lang="en-US" dirty="0" smtClean="0"/>
+              <a:t>Put your first-level bullet here. Try to keep bullet lists simple. (14 pt. HP Simplified)</a:t>
+            </a:r>
+          </a:p>
+          <a:p>
+            <a:pPr lvl="1"/>
+            <a:r>
+              <a:rPr lang="en-US" dirty="0" smtClean="0"/>
+              <a:t>Put your second-level bullet here. Use no more than you need to explain your point. </a:t>
+            </a:r>
+            <a:br>
+              <a:rPr lang="en-US" dirty="0" smtClean="0"/>
+            </a:br>
+            <a:r>
+              <a:rPr lang="en-US" dirty="0" smtClean="0"/>
+              <a:t>(14 pt. HP Simplified)</a:t>
+            </a:r>
+          </a:p>
+          <a:p>
+            <a:pPr lvl="2"/>
+            <a:r>
+              <a:rPr lang="en-US" dirty="0" smtClean="0"/>
+              <a:t>Put your third-level of copy here. Use no more than you need to explain your point. </a:t>
+            </a:r>
+            <a:br>
+              <a:rPr lang="en-US" dirty="0" smtClean="0"/>
+            </a:br>
+            <a:r>
+              <a:rPr lang="en-US" dirty="0" smtClean="0"/>
+              <a:t>(14 pt. HP Simplified) </a:t>
+            </a:r>
+          </a:p>
+          <a:p>
+            <a:pPr lvl="3"/>
+            <a:r>
+              <a:rPr lang="en-US" dirty="0" smtClean="0"/>
+              <a:t>Put your fourth-level of copy here. Use no more than you need to explain your point. </a:t>
+            </a:r>
+            <a:br>
+              <a:rPr lang="en-US" dirty="0" smtClean="0"/>
+            </a:br>
+            <a:r>
+              <a:rPr lang="en-US" dirty="0" smtClean="0"/>
+              <a:t>(14 pt. HP Simplified)</a:t>
+            </a:r>
+          </a:p>
+          <a:p>
+            <a:pPr lvl="4"/>
+            <a:r>
+              <a:rPr lang="en-US" dirty="0" smtClean="0"/>
+              <a:t>Put your fifth-level of copy here. Use no more than you need to explain your point. </a:t>
+            </a:r>
+            <a:br>
+              <a:rPr lang="en-US" dirty="0" smtClean="0"/>
+            </a:br>
+            <a:r>
+              <a:rPr lang="en-US" dirty="0" smtClean="0"/>
+              <a:t>(14 pt. HP Simplified)</a:t>
+            </a:r>
+          </a:p>
+          <a:p>
+            <a:endParaRPr lang="en-US" dirty="0"/>
+          </a:p>
+        </p:txBody>
+      </p:sp>
+    </p:spTree>
+  </p:cSld>
+  <p:clrMapOvr>
+    <a:masterClrMapping/>
+  </p:clrMapOvr>
+  <p:timing>
+    <p:tnLst>
+      <p:par>
+        <p:cTn id="1" dur="indefinite" restart="never" nodeType="tmRoot"/>
+      </p:par>
+    </p:tnLst>
+  </p:timing>
+</p:sld>
+</file>
+
+<file path=ppt/slides/slide12.xml><?xml version="1.0" encoding="utf-8"?>
+<p:sld xmlns:a="http://schemas.openxmlformats.org/drawingml/2006/main" xmlns:r="http://schemas.openxmlformats.org/officeDocument/2006/relationships" xmlns:p="http://schemas.openxmlformats.org/presentationml/2006/main">
+  <p:cSld>
+    <p:spTree>
+      <p:nvGrpSpPr>
+        <p:cNvPr id="1" name=""/>
+        <p:cNvGrpSpPr/>
+        <p:nvPr/>
+      </p:nvGrpSpPr>
+      <p:grpSpPr>
+        <a:xfrm>
+          <a:off x="0" y="0"/>
+          <a:ext cx="0" cy="0"/>
+          <a:chOff x="0" y="0"/>
+          <a:chExt cx="0" cy="0"/>
+        </a:xfrm>
+      </p:grpSpPr>
+      <p:sp>
+        <p:nvSpPr>
+          <p:cNvPr id="4" name="Title 3"/>
+          <p:cNvSpPr>
+            <a:spLocks noGrp="1"/>
+          </p:cNvSpPr>
+          <p:nvPr>
+            <p:ph type="title"/>
+          </p:nvPr>
+        </p:nvSpPr>
+        <p:spPr/>
+        <p:txBody>
+          <a:bodyPr/>
+          <a:lstStyle/>
+          <a:p>
+            <a:r>
+              <a:rPr lang="en-GB" dirty="0"/>
+              <a:t>Title (28 pt. HP Simplified bold)</a:t>
+            </a:r>
+          </a:p>
+        </p:txBody>
+      </p:sp>
+      <p:sp>
+        <p:nvSpPr>
+          <p:cNvPr id="7" name="Text Placeholder 6"/>
+          <p:cNvSpPr>
+            <a:spLocks noGrp="1"/>
+          </p:cNvSpPr>
+          <p:nvPr>
+            <p:ph sz="quarter" idx="16"/>
+          </p:nvPr>
+        </p:nvSpPr>
+        <p:spPr/>
+        <p:txBody>
+          <a:bodyPr/>
+          <a:lstStyle/>
+          <a:p>
+            <a:r>
+              <a:rPr lang="en-US" dirty="0"/>
+              <a:t>Heading (18 pt. HP Simplified</a:t>
+            </a:r>
+            <a:r>
+              <a:rPr lang="en-US" dirty="0" smtClean="0"/>
+              <a:t> bold </a:t>
+            </a:r>
+            <a:br>
+              <a:rPr lang="en-US" dirty="0" smtClean="0"/>
+            </a:br>
+            <a:r>
+              <a:rPr lang="en-US" dirty="0" smtClean="0"/>
+              <a:t>HP </a:t>
+            </a:r>
+            <a:r>
+              <a:rPr lang="en-US" dirty="0"/>
+              <a:t>blue)</a:t>
+            </a:r>
+            <a:endParaRPr lang="en-GB" dirty="0"/>
+          </a:p>
+          <a:p>
+            <a:pPr lvl="1"/>
+            <a:r>
+              <a:rPr lang="en-US" dirty="0"/>
+              <a:t>Body copy (16 pt. HP Simplified)</a:t>
+            </a:r>
+          </a:p>
+          <a:p>
+            <a:pPr lvl="2"/>
+            <a:r>
+              <a:rPr lang="en-US" dirty="0"/>
+              <a:t>Put your first-level bullet here. </a:t>
+            </a:r>
+            <a:br>
+              <a:rPr lang="en-US" dirty="0"/>
+            </a:br>
+            <a:r>
+              <a:rPr lang="en-US" dirty="0"/>
+              <a:t>(14 pt. HP Simplified)</a:t>
+            </a:r>
+          </a:p>
+          <a:p>
+            <a:pPr lvl="3"/>
+            <a:r>
+              <a:rPr lang="en-US" dirty="0"/>
+              <a:t>Put your second-level bullet here. </a:t>
+            </a:r>
+            <a:br>
+              <a:rPr lang="en-US" dirty="0"/>
+            </a:br>
+            <a:r>
+              <a:rPr lang="en-US" dirty="0"/>
+              <a:t>(14 pt. HP Simplified)</a:t>
+            </a:r>
+          </a:p>
+          <a:p>
+            <a:pPr lvl="4"/>
+            <a:r>
+              <a:rPr lang="en-US" dirty="0"/>
+              <a:t>Put your third-level of copy here. </a:t>
+            </a:r>
+            <a:br>
+              <a:rPr lang="en-US" dirty="0"/>
+            </a:br>
+            <a:r>
+              <a:rPr lang="en-US" dirty="0"/>
+              <a:t>(14 pt. HP Simplified)</a:t>
+            </a:r>
+          </a:p>
+        </p:txBody>
+      </p:sp>
+      <p:sp>
+        <p:nvSpPr>
+          <p:cNvPr id="18" name="Text Placeholder 17"/>
+          <p:cNvSpPr>
+            <a:spLocks noGrp="1"/>
+          </p:cNvSpPr>
+          <p:nvPr>
+            <p:ph sz="quarter" idx="17"/>
+          </p:nvPr>
+        </p:nvSpPr>
+        <p:spPr/>
+        <p:txBody>
+          <a:bodyPr/>
+          <a:lstStyle/>
+          <a:p>
+            <a:r>
+              <a:rPr lang="en-US" dirty="0"/>
+              <a:t>Heading (18 pt. HP Simplified</a:t>
+            </a:r>
+            <a:r>
+              <a:rPr lang="en-US" dirty="0" smtClean="0"/>
+              <a:t> bold </a:t>
+            </a:r>
+            <a:br>
+              <a:rPr lang="en-US" dirty="0" smtClean="0"/>
+            </a:br>
+            <a:r>
+              <a:rPr lang="en-US" dirty="0" smtClean="0"/>
+              <a:t>HP </a:t>
+            </a:r>
+            <a:r>
+              <a:rPr lang="en-US" dirty="0"/>
+              <a:t>blue)</a:t>
+            </a:r>
+            <a:endParaRPr lang="en-GB" dirty="0"/>
+          </a:p>
+          <a:p>
+            <a:pPr lvl="1"/>
+            <a:r>
+              <a:rPr lang="en-US" dirty="0"/>
+              <a:t>Body copy (16 pt. HP Simplified)</a:t>
+            </a:r>
+          </a:p>
+          <a:p>
+            <a:pPr lvl="2"/>
+            <a:r>
+              <a:rPr lang="en-US" dirty="0"/>
+              <a:t>Put your first-level bullet here. </a:t>
+            </a:r>
+            <a:br>
+              <a:rPr lang="en-US" dirty="0"/>
+            </a:br>
+            <a:r>
+              <a:rPr lang="en-US" dirty="0"/>
+              <a:t>(14 pt. HP Simplified)</a:t>
+            </a:r>
+          </a:p>
+          <a:p>
+            <a:pPr lvl="3"/>
+            <a:r>
+              <a:rPr lang="en-US" dirty="0"/>
+              <a:t>Put your second-level bullet here. </a:t>
+            </a:r>
+            <a:br>
+              <a:rPr lang="en-US" dirty="0"/>
+            </a:br>
+            <a:r>
+              <a:rPr lang="en-US" dirty="0"/>
+              <a:t>(14 pt. HP Simplified)</a:t>
+            </a:r>
+          </a:p>
+          <a:p>
+            <a:pPr lvl="4"/>
+            <a:r>
+              <a:rPr lang="en-US" dirty="0"/>
+              <a:t>Put your third-level of copy here. </a:t>
+            </a:r>
+            <a:br>
+              <a:rPr lang="en-US" dirty="0"/>
+            </a:br>
+            <a:r>
+              <a:rPr lang="en-US" dirty="0"/>
+              <a:t>(14 pt. HP Simplified)</a:t>
+            </a:r>
+          </a:p>
+        </p:txBody>
+      </p:sp>
+      <p:sp>
+        <p:nvSpPr>
+          <p:cNvPr id="2" name="Subtitle 1"/>
+          <p:cNvSpPr>
+            <a:spLocks noGrp="1"/>
+          </p:cNvSpPr>
+          <p:nvPr>
+            <p:ph type="subTitle" idx="1"/>
+          </p:nvPr>
+        </p:nvSpPr>
+        <p:spPr/>
+        <p:txBody>
+          <a:bodyPr/>
+          <a:lstStyle/>
+          <a:p>
+            <a:r>
+              <a:rPr lang="en-US" dirty="0"/>
+              <a:t>Subtitle (18 pt. HP Simplified)</a:t>
+            </a:r>
+          </a:p>
+        </p:txBody>
+      </p:sp>
+    </p:spTree>
+    <p:extLst>
+      <p:ext uri="{BB962C8B-B14F-4D97-AF65-F5344CB8AC3E}">
+        <p14:creationId xmlns:p14="http://schemas.microsoft.com/office/powerpoint/2010/main" val="1774947844"/>
+      </p:ext>
+    </p:extLst>
+  </p:cSld>
+  <p:clrMapOvr>
+    <a:masterClrMapping/>
+  </p:clrMapOvr>
+  <p:timing>
+    <p:tnLst>
+      <p:par>
+        <p:cTn id="1" dur="indefinite" restart="never" nodeType="tmRoot"/>
+      </p:par>
+    </p:tnLst>
+  </p:timing>
+</p:sld>
+</file>
+
+<file path=ppt/slides/slide13.xml><?xml version="1.0" encoding="utf-8"?>
+<p:sld xmlns:a="http://schemas.openxmlformats.org/drawingml/2006/main" xmlns:r="http://schemas.openxmlformats.org/officeDocument/2006/relationships" xmlns:p="http://schemas.openxmlformats.org/presentationml/2006/main">
+  <p:cSld>
+    <p:spTree>
+      <p:nvGrpSpPr>
+        <p:cNvPr id="1" name=""/>
+        <p:cNvGrpSpPr/>
+        <p:nvPr/>
+      </p:nvGrpSpPr>
+      <p:grpSpPr>
+        <a:xfrm>
+          <a:off x="0" y="0"/>
+          <a:ext cx="0" cy="0"/>
+          <a:chOff x="0" y="0"/>
+          <a:chExt cx="0" cy="0"/>
+        </a:xfrm>
+      </p:grpSpPr>
+      <p:sp>
+        <p:nvSpPr>
           <p:cNvPr id="4" name="Title 3"/>
           <p:cNvSpPr>
             <a:spLocks noGrp="1"/>
@@ -7197,7 +7057,7 @@
 </p:sld>
 </file>
 
-<file path=ppt/slides/slide12.xml><?xml version="1.0" encoding="utf-8"?>
+<file path=ppt/slides/slide14.xml><?xml version="1.0" encoding="utf-8"?>
 <p:sld xmlns:a="http://schemas.openxmlformats.org/drawingml/2006/main" xmlns:r="http://schemas.openxmlformats.org/officeDocument/2006/relationships" xmlns:p="http://schemas.openxmlformats.org/presentationml/2006/main">
   <p:cSld>
     <p:spTree>
@@ -7393,7 +7253,7 @@
 </p:sld>
 </file>
 
-<file path=ppt/slides/slide13.xml><?xml version="1.0" encoding="utf-8"?>
+<file path=ppt/slides/slide15.xml><?xml version="1.0" encoding="utf-8"?>
 <p:sld xmlns:a="http://schemas.openxmlformats.org/drawingml/2006/main" xmlns:r="http://schemas.openxmlformats.org/officeDocument/2006/relationships" xmlns:p="http://schemas.openxmlformats.org/presentationml/2006/main">
   <p:cSld>
     <p:spTree>
@@ -7567,7 +7427,7 @@
 </p:sld>
 </file>
 
-<file path=ppt/slides/slide14.xml><?xml version="1.0" encoding="utf-8"?>
+<file path=ppt/slides/slide16.xml><?xml version="1.0" encoding="utf-8"?>
 <p:sld xmlns:a="http://schemas.openxmlformats.org/drawingml/2006/main" xmlns:r="http://schemas.openxmlformats.org/officeDocument/2006/relationships" xmlns:p="http://schemas.openxmlformats.org/presentationml/2006/main">
   <p:cSld>
     <p:spTree>
@@ -7872,7 +7732,7 @@
 </p:sld>
 </file>
 
-<file path=ppt/slides/slide15.xml><?xml version="1.0" encoding="utf-8"?>
+<file path=ppt/slides/slide17.xml><?xml version="1.0" encoding="utf-8"?>
 <p:sld xmlns:a="http://schemas.openxmlformats.org/drawingml/2006/main" xmlns:r="http://schemas.openxmlformats.org/officeDocument/2006/relationships" xmlns:p="http://schemas.openxmlformats.org/presentationml/2006/main">
   <p:cSld>
     <p:spTree>
@@ -8156,7 +8016,7 @@
 </p:sld>
 </file>
 
-<file path=ppt/slides/slide16.xml><?xml version="1.0" encoding="utf-8"?>
+<file path=ppt/slides/slide18.xml><?xml version="1.0" encoding="utf-8"?>
 <p:sld xmlns:a="http://schemas.openxmlformats.org/drawingml/2006/main" xmlns:r="http://schemas.openxmlformats.org/officeDocument/2006/relationships" xmlns:p="http://schemas.openxmlformats.org/presentationml/2006/main">
   <p:cSld>
     <p:spTree>
@@ -9290,7 +9150,7 @@
 </p:sld>
 </file>
 
-<file path=ppt/slides/slide17.xml><?xml version="1.0" encoding="utf-8"?>
+<file path=ppt/slides/slide19.xml><?xml version="1.0" encoding="utf-8"?>
 <p:sld xmlns:a="http://schemas.openxmlformats.org/drawingml/2006/main" xmlns:r="http://schemas.openxmlformats.org/officeDocument/2006/relationships" xmlns:p="http://schemas.openxmlformats.org/presentationml/2006/main">
   <p:cSld>
     <p:spTree>
@@ -13611,7 +13471,133 @@
 </p:sld>
 </file>
 
-<file path=ppt/slides/slide18.xml><?xml version="1.0" encoding="utf-8"?>
+<file path=ppt/slides/slide2.xml><?xml version="1.0" encoding="utf-8"?>
+<p:sld xmlns:a="http://schemas.openxmlformats.org/drawingml/2006/main" xmlns:r="http://schemas.openxmlformats.org/officeDocument/2006/relationships" xmlns:p="http://schemas.openxmlformats.org/presentationml/2006/main">
+  <p:cSld>
+    <p:spTree>
+      <p:nvGrpSpPr>
+        <p:cNvPr id="1" name=""/>
+        <p:cNvGrpSpPr/>
+        <p:nvPr/>
+      </p:nvGrpSpPr>
+      <p:grpSpPr>
+        <a:xfrm>
+          <a:off x="0" y="0"/>
+          <a:ext cx="0" cy="0"/>
+          <a:chOff x="0" y="0"/>
+          <a:chExt cx="0" cy="0"/>
+        </a:xfrm>
+      </p:grpSpPr>
+      <p:sp>
+        <p:nvSpPr>
+          <p:cNvPr id="4" name="Title 3"/>
+          <p:cNvSpPr>
+            <a:spLocks noGrp="1"/>
+          </p:cNvSpPr>
+          <p:nvPr>
+            <p:ph type="title"/>
+          </p:nvPr>
+        </p:nvSpPr>
+        <p:spPr/>
+        <p:txBody>
+          <a:bodyPr/>
+          <a:lstStyle/>
+          <a:p>
+            <a:r>
+              <a:rPr lang="en-GB" dirty="0" smtClean="0"/>
+              <a:t>Agenda</a:t>
+            </a:r>
+            <a:endParaRPr lang="en-GB" dirty="0"/>
+          </a:p>
+        </p:txBody>
+      </p:sp>
+      <p:sp>
+        <p:nvSpPr>
+          <p:cNvPr id="7" name="Text Placeholder 6"/>
+          <p:cNvSpPr>
+            <a:spLocks noGrp="1"/>
+          </p:cNvSpPr>
+          <p:nvPr>
+            <p:ph sz="quarter" idx="10"/>
+          </p:nvPr>
+        </p:nvSpPr>
+        <p:spPr>
+          <a:xfrm>
+            <a:off x="329184" y="1188722"/>
+            <a:ext cx="8119872" cy="2860764"/>
+          </a:xfrm>
+        </p:spPr>
+        <p:txBody>
+          <a:bodyPr/>
+          <a:lstStyle/>
+          <a:p>
+            <a:pPr marL="285750" indent="-285750">
+              <a:buFont typeface="Arial" panose="020B0604020202020204" pitchFamily="34" charset="0"/>
+              <a:buChar char="•"/>
+            </a:pPr>
+            <a:r>
+              <a:rPr lang="en-US" sz="2400" dirty="0" smtClean="0"/>
+              <a:t>Pre C++11</a:t>
+            </a:r>
+          </a:p>
+          <a:p>
+            <a:pPr marL="285750" indent="-285750">
+              <a:buFont typeface="Arial" panose="020B0604020202020204" pitchFamily="34" charset="0"/>
+              <a:buChar char="•"/>
+            </a:pPr>
+            <a:endParaRPr lang="en-US" sz="2400" dirty="0"/>
+          </a:p>
+          <a:p>
+            <a:pPr marL="285750" indent="-285750">
+              <a:buFont typeface="Arial" panose="020B0604020202020204" pitchFamily="34" charset="0"/>
+              <a:buChar char="•"/>
+            </a:pPr>
+            <a:r>
+              <a:rPr lang="en-US" sz="2400" dirty="0" smtClean="0"/>
+              <a:t>C++11</a:t>
+            </a:r>
+          </a:p>
+          <a:p>
+            <a:pPr marL="285750" indent="-285750">
+              <a:buFont typeface="Arial" panose="020B0604020202020204" pitchFamily="34" charset="0"/>
+              <a:buChar char="•"/>
+            </a:pPr>
+            <a:endParaRPr lang="en-US" sz="2400" dirty="0"/>
+          </a:p>
+          <a:p>
+            <a:pPr marL="285750" indent="-285750">
+              <a:buFont typeface="Arial" panose="020B0604020202020204" pitchFamily="34" charset="0"/>
+              <a:buChar char="•"/>
+            </a:pPr>
+            <a:r>
+              <a:rPr lang="en-US" sz="2400" dirty="0" smtClean="0"/>
+              <a:t>Post C++11</a:t>
+            </a:r>
+            <a:endParaRPr lang="en-GB" sz="2400" dirty="0"/>
+          </a:p>
+        </p:txBody>
+      </p:sp>
+    </p:spTree>
+    <p:extLst>
+      <p:ext uri="{BB962C8B-B14F-4D97-AF65-F5344CB8AC3E}">
+        <p14:creationId xmlns:p14="http://schemas.microsoft.com/office/powerpoint/2010/main" val="1945731487"/>
+      </p:ext>
+    </p:extLst>
+  </p:cSld>
+  <p:clrMapOvr>
+    <a:masterClrMapping/>
+  </p:clrMapOvr>
+  <p:timing>
+    <p:tnLst>
+      <p:par>
+        <p:cTn id="1" dur="indefinite" restart="never" nodeType="tmRoot"/>
+      </p:par>
+    </p:tnLst>
+  </p:timing>
+</p:sld>
+</file>
+
+<file path=ppt/slides/slide20.xml><?xml version="1.0" encoding="utf-8"?>
 <p:sld xmlns:a="http://schemas.openxmlformats.org/drawingml/2006/main" xmlns:r="http://schemas.openxmlformats.org/officeDocument/2006/relationships" xmlns:p="http://schemas.openxmlformats.org/presentationml/2006/main">
   <p:cSld>
     <p:spTree>
@@ -19172,7 +19158,7 @@
 </p:sld>
 </file>
 
-<file path=ppt/slides/slide19.xml><?xml version="1.0" encoding="utf-8"?>
+<file path=ppt/slides/slide21.xml><?xml version="1.0" encoding="utf-8"?>
 <p:sld xmlns:a="http://schemas.openxmlformats.org/drawingml/2006/main" xmlns:r="http://schemas.openxmlformats.org/officeDocument/2006/relationships" xmlns:p="http://schemas.openxmlformats.org/presentationml/2006/main">
   <p:cSld>
     <p:spTree>
@@ -20648,102 +20634,7 @@
 </p:sld>
 </file>
 
-<file path=ppt/slides/slide2.xml><?xml version="1.0" encoding="utf-8"?>
-<p:sld xmlns:a="http://schemas.openxmlformats.org/drawingml/2006/main" xmlns:r="http://schemas.openxmlformats.org/officeDocument/2006/relationships" xmlns:p="http://schemas.openxmlformats.org/presentationml/2006/main">
-  <p:cSld>
-    <p:spTree>
-      <p:nvGrpSpPr>
-        <p:cNvPr id="1" name=""/>
-        <p:cNvGrpSpPr/>
-        <p:nvPr/>
-      </p:nvGrpSpPr>
-      <p:grpSpPr>
-        <a:xfrm>
-          <a:off x="0" y="0"/>
-          <a:ext cx="0" cy="0"/>
-          <a:chOff x="0" y="0"/>
-          <a:chExt cx="0" cy="0"/>
-        </a:xfrm>
-      </p:grpSpPr>
-      <p:sp>
-        <p:nvSpPr>
-          <p:cNvPr id="5" name="Title 4"/>
-          <p:cNvSpPr>
-            <a:spLocks noGrp="1"/>
-          </p:cNvSpPr>
-          <p:nvPr>
-            <p:ph type="ctrTitle"/>
-          </p:nvPr>
-        </p:nvSpPr>
-        <p:spPr/>
-        <p:txBody>
-          <a:bodyPr/>
-          <a:lstStyle/>
-          <a:p>
-            <a:r>
-              <a:rPr lang="en-US" smtClean="0"/>
-              <a:t>Title </a:t>
-            </a:r>
-            <a:br>
-              <a:rPr lang="en-US" smtClean="0"/>
-            </a:br>
-            <a:r>
-              <a:rPr lang="en-US" smtClean="0"/>
-              <a:t>(46 pt. HP Simplified bold)</a:t>
-            </a:r>
-            <a:endParaRPr lang="en-US" dirty="0"/>
-          </a:p>
-        </p:txBody>
-      </p:sp>
-      <p:sp>
-        <p:nvSpPr>
-          <p:cNvPr id="6" name="Subtitle 5"/>
-          <p:cNvSpPr>
-            <a:spLocks noGrp="1"/>
-          </p:cNvSpPr>
-          <p:nvPr>
-            <p:ph type="subTitle" idx="1"/>
-          </p:nvPr>
-        </p:nvSpPr>
-        <p:spPr/>
-        <p:txBody>
-          <a:bodyPr/>
-          <a:lstStyle/>
-          <a:p>
-            <a:r>
-              <a:rPr lang="en-US" dirty="0" smtClean="0"/>
-              <a:t>Subtitle (18 pt. HP Simplified)</a:t>
-            </a:r>
-          </a:p>
-          <a:p>
-            <a:r>
-              <a:rPr lang="en-US" b="0" dirty="0" smtClean="0"/>
-              <a:t>Speaker’s name / Month day, 2012 </a:t>
-            </a:r>
-          </a:p>
-        </p:txBody>
-      </p:sp>
-    </p:spTree>
-    <p:extLst>
-      <p:ext uri="{BB962C8B-B14F-4D97-AF65-F5344CB8AC3E}">
-        <p14:creationId xmlns:p14="http://schemas.microsoft.com/office/powerpoint/2010/main" val="2633726952"/>
-      </p:ext>
-    </p:extLst>
-  </p:cSld>
-  <p:clrMapOvr>
-    <a:masterClrMapping/>
-  </p:clrMapOvr>
-  <p:timing>
-    <p:tnLst>
-      <p:par>
-        <p:cTn id="1" dur="indefinite" restart="never" nodeType="tmRoot"/>
-      </p:par>
-    </p:tnLst>
-  </p:timing>
-</p:sld>
-</file>
-
-<file path=ppt/slides/slide20.xml><?xml version="1.0" encoding="utf-8"?>
+<file path=ppt/slides/slide22.xml><?xml version="1.0" encoding="utf-8"?>
 <p:sld xmlns:a="http://schemas.openxmlformats.org/drawingml/2006/main" xmlns:r="http://schemas.openxmlformats.org/officeDocument/2006/relationships" xmlns:p="http://schemas.openxmlformats.org/presentationml/2006/main">
   <p:cSld>
     <p:spTree>
@@ -21725,7 +21616,7 @@
 </p:sld>
 </file>
 
-<file path=ppt/slides/slide21.xml><?xml version="1.0" encoding="utf-8"?>
+<file path=ppt/slides/slide23.xml><?xml version="1.0" encoding="utf-8"?>
 <p:sld xmlns:a="http://schemas.openxmlformats.org/drawingml/2006/main" xmlns:r="http://schemas.openxmlformats.org/officeDocument/2006/relationships" xmlns:p="http://schemas.openxmlformats.org/presentationml/2006/main">
   <p:cSld>
     <p:spTree>
@@ -21879,7 +21770,7 @@
 </p:sld>
 </file>
 
-<file path=ppt/slides/slide22.xml><?xml version="1.0" encoding="utf-8"?>
+<file path=ppt/slides/slide24.xml><?xml version="1.0" encoding="utf-8"?>
 <p:sld xmlns:a="http://schemas.openxmlformats.org/drawingml/2006/main" xmlns:r="http://schemas.openxmlformats.org/officeDocument/2006/relationships" xmlns:p="http://schemas.openxmlformats.org/presentationml/2006/main">
   <p:cSld>
     <p:spTree>
@@ -21993,7 +21884,7 @@
 </p:sld>
 </file>
 
-<file path=ppt/slides/slide23.xml><?xml version="1.0" encoding="utf-8"?>
+<file path=ppt/slides/slide25.xml><?xml version="1.0" encoding="utf-8"?>
 <p:sld xmlns:a="http://schemas.openxmlformats.org/drawingml/2006/main" xmlns:r="http://schemas.openxmlformats.org/officeDocument/2006/relationships" xmlns:p="http://schemas.openxmlformats.org/presentationml/2006/main">
   <p:cSld>
     <p:spTree>
@@ -22118,7 +22009,7 @@
 </p:sld>
 </file>
 
-<file path=ppt/slides/slide24.xml><?xml version="1.0" encoding="utf-8"?>
+<file path=ppt/slides/slide26.xml><?xml version="1.0" encoding="utf-8"?>
 <p:sld xmlns:a="http://schemas.openxmlformats.org/drawingml/2006/main" xmlns:r="http://schemas.openxmlformats.org/officeDocument/2006/relationships" xmlns:p="http://schemas.openxmlformats.org/presentationml/2006/main">
   <p:cSld>
     <p:spTree>
@@ -22190,38 +22081,1139 @@
       </p:grpSpPr>
       <p:sp>
         <p:nvSpPr>
-          <p:cNvPr id="4" name="Title 3"/>
+          <p:cNvPr id="2" name="Subtitle 1"/>
           <p:cNvSpPr>
             <a:spLocks noGrp="1"/>
           </p:cNvSpPr>
           <p:nvPr>
-            <p:ph type="ctrTitle"/>
+            <p:ph type="subTitle" idx="1"/>
           </p:nvPr>
         </p:nvSpPr>
-        <p:spPr/>
+        <p:spPr>
+          <a:xfrm>
+            <a:off x="2566670" y="678817"/>
+            <a:ext cx="3819616" cy="409753"/>
+          </a:xfrm>
+        </p:spPr>
         <p:txBody>
           <a:bodyPr/>
           <a:lstStyle/>
           <a:p>
             <a:r>
-              <a:rPr lang="en-US" dirty="0" smtClean="0"/>
-              <a:t>Divider slide title </a:t>
-            </a:r>
-            <a:br>
-              <a:rPr lang="en-US" dirty="0" smtClean="0"/>
-            </a:br>
-            <a:r>
-              <a:rPr lang="en-US" dirty="0" smtClean="0"/>
-              <a:t>(40 pt. HP Simplified bold)</a:t>
-            </a:r>
-            <a:endParaRPr lang="en-US" dirty="0"/>
+              <a:rPr lang="en-US" sz="2400" b="1" dirty="0" smtClean="0">
+                <a:solidFill>
+                  <a:schemeClr val="accent1">
+                    <a:lumMod val="75000"/>
+                  </a:schemeClr>
+                </a:solidFill>
+              </a:rPr>
+              <a:t>ISO/IEC/JTC1/SC22/WG21</a:t>
+            </a:r>
+            <a:endParaRPr lang="en-US" sz="2400" b="1" dirty="0">
+              <a:solidFill>
+                <a:schemeClr val="accent1">
+                  <a:lumMod val="75000"/>
+                </a:schemeClr>
+              </a:solidFill>
+            </a:endParaRPr>
           </a:p>
         </p:txBody>
       </p:sp>
+      <p:sp>
+        <p:nvSpPr>
+          <p:cNvPr id="7" name="Text Placeholder 6"/>
+          <p:cNvSpPr>
+            <a:spLocks noGrp="1"/>
+          </p:cNvSpPr>
+          <p:nvPr>
+            <p:ph sz="quarter" idx="10"/>
+          </p:nvPr>
+        </p:nvSpPr>
+        <p:spPr>
+          <a:xfrm>
+            <a:off x="227585" y="1447802"/>
+            <a:ext cx="2486587" cy="567507"/>
+          </a:xfrm>
+          <a:ln w="3175">
+            <a:solidFill>
+              <a:schemeClr val="tx1"/>
+            </a:solidFill>
+          </a:ln>
+        </p:spPr>
+        <p:txBody>
+          <a:bodyPr/>
+          <a:lstStyle/>
+          <a:p>
+            <a:r>
+              <a:rPr lang="en-US" altLang="zh-CN" sz="1400" dirty="0"/>
+              <a:t>International Organization </a:t>
+            </a:r>
+            <a:endParaRPr lang="en-US" altLang="zh-CN" sz="1400" dirty="0" smtClean="0"/>
+          </a:p>
+          <a:p>
+            <a:r>
+              <a:rPr lang="en-US" altLang="zh-CN" sz="1400" dirty="0"/>
+              <a:t> </a:t>
+            </a:r>
+            <a:r>
+              <a:rPr lang="en-US" altLang="zh-CN" sz="1400" dirty="0" smtClean="0"/>
+              <a:t>  for Standardization</a:t>
+            </a:r>
+            <a:endParaRPr lang="en-GB" sz="1400" dirty="0"/>
+          </a:p>
+        </p:txBody>
+      </p:sp>
+      <p:sp>
+        <p:nvSpPr>
+          <p:cNvPr id="6" name="Text Placeholder 6"/>
+          <p:cNvSpPr txBox="1">
+            <a:spLocks/>
+          </p:cNvSpPr>
+          <p:nvPr/>
+        </p:nvSpPr>
+        <p:spPr bwMode="black">
+          <a:xfrm>
+            <a:off x="1468555" y="2354946"/>
+            <a:ext cx="2486587" cy="567507"/>
+          </a:xfrm>
+          <a:prstGeom prst="rect">
+            <a:avLst/>
+          </a:prstGeom>
+          <a:ln w="3175">
+            <a:solidFill>
+              <a:schemeClr val="tx1"/>
+            </a:solidFill>
+          </a:ln>
+        </p:spPr>
+        <p:txBody>
+          <a:bodyPr vert="horz" wrap="square" lIns="0" tIns="0" rIns="0" bIns="0" rtlCol="0">
+            <a:noAutofit/>
+          </a:bodyPr>
+          <a:lstStyle>
+            <a:lvl1pPr marL="0" indent="0" algn="l" defTabSz="457200" rtl="0" eaLnBrk="1" latinLnBrk="0" hangingPunct="1">
+              <a:lnSpc>
+                <a:spcPct val="100000"/>
+              </a:lnSpc>
+              <a:spcBef>
+                <a:spcPts val="0"/>
+              </a:spcBef>
+              <a:spcAft>
+                <a:spcPts val="400"/>
+              </a:spcAft>
+              <a:buSzPct val="100000"/>
+              <a:buFont typeface="Arial"/>
+              <a:buNone/>
+              <a:defRPr sz="1800" b="1" i="0" kern="1200">
+                <a:solidFill>
+                  <a:schemeClr val="accent1"/>
+                </a:solidFill>
+                <a:latin typeface="HP Simplified" pitchFamily="34" charset="0"/>
+                <a:ea typeface="+mn-ea"/>
+                <a:cs typeface="HP Simplified" pitchFamily="34" charset="0"/>
+              </a:defRPr>
+            </a:lvl1pPr>
+            <a:lvl2pPr marL="0" indent="0" algn="l" defTabSz="430213" rtl="0" eaLnBrk="1" latinLnBrk="0" hangingPunct="1">
+              <a:lnSpc>
+                <a:spcPct val="100000"/>
+              </a:lnSpc>
+              <a:spcBef>
+                <a:spcPts val="0"/>
+              </a:spcBef>
+              <a:spcAft>
+                <a:spcPts val="400"/>
+              </a:spcAft>
+              <a:buSzPct val="100000"/>
+              <a:buFont typeface="Lucida Grande"/>
+              <a:buNone/>
+              <a:defRPr sz="1600" b="0" i="0" kern="1200">
+                <a:solidFill>
+                  <a:srgbClr val="000000"/>
+                </a:solidFill>
+                <a:latin typeface="HP Simplified" pitchFamily="34" charset="0"/>
+                <a:ea typeface="+mn-ea"/>
+                <a:cs typeface="HP Simplified" pitchFamily="34" charset="0"/>
+              </a:defRPr>
+            </a:lvl2pPr>
+            <a:lvl3pPr marL="169863" indent="-169863" algn="l" defTabSz="457200" rtl="0" eaLnBrk="1" latinLnBrk="0" hangingPunct="1">
+              <a:lnSpc>
+                <a:spcPct val="100000"/>
+              </a:lnSpc>
+              <a:spcBef>
+                <a:spcPts val="0"/>
+              </a:spcBef>
+              <a:spcAft>
+                <a:spcPts val="400"/>
+              </a:spcAft>
+              <a:buFont typeface="HP Simplified" pitchFamily="34" charset="0"/>
+              <a:buChar char="•"/>
+              <a:defRPr sz="1400" b="0" i="0" kern="1200">
+                <a:solidFill>
+                  <a:srgbClr val="000000"/>
+                </a:solidFill>
+                <a:latin typeface="HP Simplified" pitchFamily="34" charset="0"/>
+                <a:ea typeface="+mn-ea"/>
+                <a:cs typeface="HP Simplified" pitchFamily="34" charset="0"/>
+              </a:defRPr>
+            </a:lvl3pPr>
+            <a:lvl4pPr marL="341313" indent="-180975" algn="l" defTabSz="457200" rtl="0" eaLnBrk="1" latinLnBrk="0" hangingPunct="1">
+              <a:lnSpc>
+                <a:spcPct val="100000"/>
+              </a:lnSpc>
+              <a:spcBef>
+                <a:spcPts val="0"/>
+              </a:spcBef>
+              <a:spcAft>
+                <a:spcPts val="400"/>
+              </a:spcAft>
+              <a:buSzPct val="80000"/>
+              <a:buFont typeface="HP Simplified" pitchFamily="34" charset="0"/>
+              <a:buChar char="–"/>
+              <a:defRPr lang="en-US" sz="1400" b="0" i="0" kern="1200">
+                <a:solidFill>
+                  <a:srgbClr val="000000"/>
+                </a:solidFill>
+                <a:latin typeface="HP Simplified" pitchFamily="34" charset="0"/>
+                <a:ea typeface="+mn-ea"/>
+                <a:cs typeface="HP Simplified" pitchFamily="34" charset="0"/>
+              </a:defRPr>
+            </a:lvl4pPr>
+            <a:lvl5pPr marL="469900" indent="-150813" algn="l" defTabSz="457200" rtl="0" eaLnBrk="1" latinLnBrk="0" hangingPunct="1">
+              <a:lnSpc>
+                <a:spcPct val="100000"/>
+              </a:lnSpc>
+              <a:spcBef>
+                <a:spcPts val="0"/>
+              </a:spcBef>
+              <a:spcAft>
+                <a:spcPts val="400"/>
+              </a:spcAft>
+              <a:buFont typeface="HP Simplified" pitchFamily="34" charset="0"/>
+              <a:buChar char="•"/>
+              <a:tabLst/>
+              <a:defRPr sz="1400" b="0" i="0" kern="1200">
+                <a:solidFill>
+                  <a:srgbClr val="000000"/>
+                </a:solidFill>
+                <a:latin typeface="HP Simplified" pitchFamily="34" charset="0"/>
+                <a:ea typeface="+mn-ea"/>
+                <a:cs typeface="HP Simplified" pitchFamily="34" charset="0"/>
+              </a:defRPr>
+            </a:lvl5pPr>
+            <a:lvl6pPr marL="2286000" indent="0" algn="l" defTabSz="457200" rtl="0" eaLnBrk="1" latinLnBrk="0" hangingPunct="1">
+              <a:lnSpc>
+                <a:spcPts val="2500"/>
+              </a:lnSpc>
+              <a:spcBef>
+                <a:spcPct val="20000"/>
+              </a:spcBef>
+              <a:buFont typeface="Arial"/>
+              <a:buNone/>
+              <a:defRPr sz="1800" kern="1200">
+                <a:solidFill>
+                  <a:schemeClr val="tx1"/>
+                </a:solidFill>
+                <a:latin typeface="+mn-lt"/>
+                <a:ea typeface="+mn-ea"/>
+                <a:cs typeface="+mn-cs"/>
+              </a:defRPr>
+            </a:lvl6pPr>
+            <a:lvl7pPr marL="2971800" indent="-228600" algn="l" defTabSz="457200" rtl="0" eaLnBrk="1" latinLnBrk="0" hangingPunct="1">
+              <a:spcBef>
+                <a:spcPct val="20000"/>
+              </a:spcBef>
+              <a:buFont typeface="Arial"/>
+              <a:buChar char="•"/>
+              <a:defRPr sz="2000" kern="1200">
+                <a:solidFill>
+                  <a:schemeClr val="tx1"/>
+                </a:solidFill>
+                <a:latin typeface="+mn-lt"/>
+                <a:ea typeface="+mn-ea"/>
+                <a:cs typeface="+mn-cs"/>
+              </a:defRPr>
+            </a:lvl7pPr>
+            <a:lvl8pPr marL="3429000" indent="-228600" algn="l" defTabSz="457200" rtl="0" eaLnBrk="1" latinLnBrk="0" hangingPunct="1">
+              <a:spcBef>
+                <a:spcPct val="20000"/>
+              </a:spcBef>
+              <a:buFont typeface="Arial"/>
+              <a:buChar char="•"/>
+              <a:defRPr sz="2000" kern="1200">
+                <a:solidFill>
+                  <a:schemeClr val="tx1"/>
+                </a:solidFill>
+                <a:latin typeface="+mn-lt"/>
+                <a:ea typeface="+mn-ea"/>
+                <a:cs typeface="+mn-cs"/>
+              </a:defRPr>
+            </a:lvl8pPr>
+            <a:lvl9pPr marL="3886200" indent="-228600" algn="l" defTabSz="457200" rtl="0" eaLnBrk="1" latinLnBrk="0" hangingPunct="1">
+              <a:spcBef>
+                <a:spcPct val="20000"/>
+              </a:spcBef>
+              <a:buFont typeface="Arial"/>
+              <a:buChar char="•"/>
+              <a:defRPr sz="2000" kern="1200">
+                <a:solidFill>
+                  <a:schemeClr val="tx1"/>
+                </a:solidFill>
+                <a:latin typeface="+mn-lt"/>
+                <a:ea typeface="+mn-ea"/>
+                <a:cs typeface="+mn-cs"/>
+              </a:defRPr>
+            </a:lvl9pPr>
+          </a:lstStyle>
+          <a:p>
+            <a:r>
+              <a:rPr lang="en-US" altLang="zh-CN" sz="1400" dirty="0" smtClean="0"/>
+              <a:t>       International </a:t>
+            </a:r>
+            <a:r>
+              <a:rPr lang="en-US" altLang="zh-CN" sz="1400" dirty="0" err="1"/>
+              <a:t>Electrotechnical</a:t>
+            </a:r>
+            <a:r>
+              <a:rPr lang="en-US" altLang="zh-CN" sz="1400" dirty="0"/>
+              <a:t> Commission</a:t>
+            </a:r>
+            <a:endParaRPr lang="en-GB" sz="1400" dirty="0"/>
+          </a:p>
+        </p:txBody>
+      </p:sp>
+      <p:sp>
+        <p:nvSpPr>
+          <p:cNvPr id="8" name="Text Placeholder 6"/>
+          <p:cNvSpPr txBox="1">
+            <a:spLocks/>
+          </p:cNvSpPr>
+          <p:nvPr/>
+        </p:nvSpPr>
+        <p:spPr bwMode="black">
+          <a:xfrm>
+            <a:off x="2711849" y="3271524"/>
+            <a:ext cx="2685141" cy="499289"/>
+          </a:xfrm>
+          <a:prstGeom prst="rect">
+            <a:avLst/>
+          </a:prstGeom>
+          <a:ln w="3175">
+            <a:solidFill>
+              <a:schemeClr val="tx1"/>
+            </a:solidFill>
+          </a:ln>
+        </p:spPr>
+        <p:txBody>
+          <a:bodyPr vert="horz" wrap="square" lIns="0" tIns="0" rIns="0" bIns="0" rtlCol="0">
+            <a:noAutofit/>
+          </a:bodyPr>
+          <a:lstStyle>
+            <a:lvl1pPr marL="0" indent="0" algn="l" defTabSz="457200" rtl="0" eaLnBrk="1" latinLnBrk="0" hangingPunct="1">
+              <a:lnSpc>
+                <a:spcPct val="100000"/>
+              </a:lnSpc>
+              <a:spcBef>
+                <a:spcPts val="0"/>
+              </a:spcBef>
+              <a:spcAft>
+                <a:spcPts val="400"/>
+              </a:spcAft>
+              <a:buSzPct val="100000"/>
+              <a:buFont typeface="Arial"/>
+              <a:buNone/>
+              <a:defRPr sz="1800" b="1" i="0" kern="1200">
+                <a:solidFill>
+                  <a:schemeClr val="accent1"/>
+                </a:solidFill>
+                <a:latin typeface="HP Simplified" pitchFamily="34" charset="0"/>
+                <a:ea typeface="+mn-ea"/>
+                <a:cs typeface="HP Simplified" pitchFamily="34" charset="0"/>
+              </a:defRPr>
+            </a:lvl1pPr>
+            <a:lvl2pPr marL="0" indent="0" algn="l" defTabSz="430213" rtl="0" eaLnBrk="1" latinLnBrk="0" hangingPunct="1">
+              <a:lnSpc>
+                <a:spcPct val="100000"/>
+              </a:lnSpc>
+              <a:spcBef>
+                <a:spcPts val="0"/>
+              </a:spcBef>
+              <a:spcAft>
+                <a:spcPts val="400"/>
+              </a:spcAft>
+              <a:buSzPct val="100000"/>
+              <a:buFont typeface="Lucida Grande"/>
+              <a:buNone/>
+              <a:defRPr sz="1600" b="0" i="0" kern="1200">
+                <a:solidFill>
+                  <a:srgbClr val="000000"/>
+                </a:solidFill>
+                <a:latin typeface="HP Simplified" pitchFamily="34" charset="0"/>
+                <a:ea typeface="+mn-ea"/>
+                <a:cs typeface="HP Simplified" pitchFamily="34" charset="0"/>
+              </a:defRPr>
+            </a:lvl2pPr>
+            <a:lvl3pPr marL="169863" indent="-169863" algn="l" defTabSz="457200" rtl="0" eaLnBrk="1" latinLnBrk="0" hangingPunct="1">
+              <a:lnSpc>
+                <a:spcPct val="100000"/>
+              </a:lnSpc>
+              <a:spcBef>
+                <a:spcPts val="0"/>
+              </a:spcBef>
+              <a:spcAft>
+                <a:spcPts val="400"/>
+              </a:spcAft>
+              <a:buFont typeface="HP Simplified" pitchFamily="34" charset="0"/>
+              <a:buChar char="•"/>
+              <a:defRPr sz="1400" b="0" i="0" kern="1200">
+                <a:solidFill>
+                  <a:srgbClr val="000000"/>
+                </a:solidFill>
+                <a:latin typeface="HP Simplified" pitchFamily="34" charset="0"/>
+                <a:ea typeface="+mn-ea"/>
+                <a:cs typeface="HP Simplified" pitchFamily="34" charset="0"/>
+              </a:defRPr>
+            </a:lvl3pPr>
+            <a:lvl4pPr marL="341313" indent="-180975" algn="l" defTabSz="457200" rtl="0" eaLnBrk="1" latinLnBrk="0" hangingPunct="1">
+              <a:lnSpc>
+                <a:spcPct val="100000"/>
+              </a:lnSpc>
+              <a:spcBef>
+                <a:spcPts val="0"/>
+              </a:spcBef>
+              <a:spcAft>
+                <a:spcPts val="400"/>
+              </a:spcAft>
+              <a:buSzPct val="80000"/>
+              <a:buFont typeface="HP Simplified" pitchFamily="34" charset="0"/>
+              <a:buChar char="–"/>
+              <a:defRPr lang="en-US" sz="1400" b="0" i="0" kern="1200">
+                <a:solidFill>
+                  <a:srgbClr val="000000"/>
+                </a:solidFill>
+                <a:latin typeface="HP Simplified" pitchFamily="34" charset="0"/>
+                <a:ea typeface="+mn-ea"/>
+                <a:cs typeface="HP Simplified" pitchFamily="34" charset="0"/>
+              </a:defRPr>
+            </a:lvl4pPr>
+            <a:lvl5pPr marL="469900" indent="-150813" algn="l" defTabSz="457200" rtl="0" eaLnBrk="1" latinLnBrk="0" hangingPunct="1">
+              <a:lnSpc>
+                <a:spcPct val="100000"/>
+              </a:lnSpc>
+              <a:spcBef>
+                <a:spcPts val="0"/>
+              </a:spcBef>
+              <a:spcAft>
+                <a:spcPts val="400"/>
+              </a:spcAft>
+              <a:buFont typeface="HP Simplified" pitchFamily="34" charset="0"/>
+              <a:buChar char="•"/>
+              <a:tabLst/>
+              <a:defRPr sz="1400" b="0" i="0" kern="1200">
+                <a:solidFill>
+                  <a:srgbClr val="000000"/>
+                </a:solidFill>
+                <a:latin typeface="HP Simplified" pitchFamily="34" charset="0"/>
+                <a:ea typeface="+mn-ea"/>
+                <a:cs typeface="HP Simplified" pitchFamily="34" charset="0"/>
+              </a:defRPr>
+            </a:lvl5pPr>
+            <a:lvl6pPr marL="2286000" indent="0" algn="l" defTabSz="457200" rtl="0" eaLnBrk="1" latinLnBrk="0" hangingPunct="1">
+              <a:lnSpc>
+                <a:spcPts val="2500"/>
+              </a:lnSpc>
+              <a:spcBef>
+                <a:spcPct val="20000"/>
+              </a:spcBef>
+              <a:buFont typeface="Arial"/>
+              <a:buNone/>
+              <a:defRPr sz="1800" kern="1200">
+                <a:solidFill>
+                  <a:schemeClr val="tx1"/>
+                </a:solidFill>
+                <a:latin typeface="+mn-lt"/>
+                <a:ea typeface="+mn-ea"/>
+                <a:cs typeface="+mn-cs"/>
+              </a:defRPr>
+            </a:lvl6pPr>
+            <a:lvl7pPr marL="2971800" indent="-228600" algn="l" defTabSz="457200" rtl="0" eaLnBrk="1" latinLnBrk="0" hangingPunct="1">
+              <a:spcBef>
+                <a:spcPct val="20000"/>
+              </a:spcBef>
+              <a:buFont typeface="Arial"/>
+              <a:buChar char="•"/>
+              <a:defRPr sz="2000" kern="1200">
+                <a:solidFill>
+                  <a:schemeClr val="tx1"/>
+                </a:solidFill>
+                <a:latin typeface="+mn-lt"/>
+                <a:ea typeface="+mn-ea"/>
+                <a:cs typeface="+mn-cs"/>
+              </a:defRPr>
+            </a:lvl7pPr>
+            <a:lvl8pPr marL="3429000" indent="-228600" algn="l" defTabSz="457200" rtl="0" eaLnBrk="1" latinLnBrk="0" hangingPunct="1">
+              <a:spcBef>
+                <a:spcPct val="20000"/>
+              </a:spcBef>
+              <a:buFont typeface="Arial"/>
+              <a:buChar char="•"/>
+              <a:defRPr sz="2000" kern="1200">
+                <a:solidFill>
+                  <a:schemeClr val="tx1"/>
+                </a:solidFill>
+                <a:latin typeface="+mn-lt"/>
+                <a:ea typeface="+mn-ea"/>
+                <a:cs typeface="+mn-cs"/>
+              </a:defRPr>
+            </a:lvl8pPr>
+            <a:lvl9pPr marL="3886200" indent="-228600" algn="l" defTabSz="457200" rtl="0" eaLnBrk="1" latinLnBrk="0" hangingPunct="1">
+              <a:spcBef>
+                <a:spcPct val="20000"/>
+              </a:spcBef>
+              <a:buFont typeface="Arial"/>
+              <a:buChar char="•"/>
+              <a:defRPr sz="2000" kern="1200">
+                <a:solidFill>
+                  <a:schemeClr val="tx1"/>
+                </a:solidFill>
+                <a:latin typeface="+mn-lt"/>
+                <a:ea typeface="+mn-ea"/>
+                <a:cs typeface="+mn-cs"/>
+              </a:defRPr>
+            </a:lvl9pPr>
+          </a:lstStyle>
+          <a:p>
+            <a:r>
+              <a:rPr lang="en-US" altLang="zh-CN" sz="1400" dirty="0"/>
+              <a:t>Information </a:t>
+            </a:r>
+            <a:r>
+              <a:rPr lang="en-US" altLang="zh-CN" sz="1400" dirty="0" smtClean="0"/>
+              <a:t>Technology Vision</a:t>
+            </a:r>
+            <a:endParaRPr lang="en-US" altLang="zh-CN" sz="1400" dirty="0"/>
+          </a:p>
+        </p:txBody>
+      </p:sp>
+      <p:sp>
+        <p:nvSpPr>
+          <p:cNvPr id="9" name="Text Placeholder 6"/>
+          <p:cNvSpPr txBox="1">
+            <a:spLocks/>
+          </p:cNvSpPr>
+          <p:nvPr/>
+        </p:nvSpPr>
+        <p:spPr bwMode="black">
+          <a:xfrm>
+            <a:off x="5660571" y="2783119"/>
+            <a:ext cx="3091543" cy="1031239"/>
+          </a:xfrm>
+          <a:prstGeom prst="rect">
+            <a:avLst/>
+          </a:prstGeom>
+          <a:ln w="3175">
+            <a:solidFill>
+              <a:schemeClr val="tx1"/>
+            </a:solidFill>
+          </a:ln>
+        </p:spPr>
+        <p:txBody>
+          <a:bodyPr vert="horz" wrap="square" lIns="0" tIns="0" rIns="0" bIns="0" rtlCol="0">
+            <a:noAutofit/>
+          </a:bodyPr>
+          <a:lstStyle>
+            <a:lvl1pPr marL="0" indent="0" algn="l" defTabSz="457200" rtl="0" eaLnBrk="1" latinLnBrk="0" hangingPunct="1">
+              <a:lnSpc>
+                <a:spcPct val="100000"/>
+              </a:lnSpc>
+              <a:spcBef>
+                <a:spcPts val="0"/>
+              </a:spcBef>
+              <a:spcAft>
+                <a:spcPts val="400"/>
+              </a:spcAft>
+              <a:buSzPct val="100000"/>
+              <a:buFont typeface="Arial"/>
+              <a:buNone/>
+              <a:defRPr sz="1800" b="1" i="0" kern="1200">
+                <a:solidFill>
+                  <a:schemeClr val="accent1"/>
+                </a:solidFill>
+                <a:latin typeface="HP Simplified" pitchFamily="34" charset="0"/>
+                <a:ea typeface="+mn-ea"/>
+                <a:cs typeface="HP Simplified" pitchFamily="34" charset="0"/>
+              </a:defRPr>
+            </a:lvl1pPr>
+            <a:lvl2pPr marL="0" indent="0" algn="l" defTabSz="430213" rtl="0" eaLnBrk="1" latinLnBrk="0" hangingPunct="1">
+              <a:lnSpc>
+                <a:spcPct val="100000"/>
+              </a:lnSpc>
+              <a:spcBef>
+                <a:spcPts val="0"/>
+              </a:spcBef>
+              <a:spcAft>
+                <a:spcPts val="400"/>
+              </a:spcAft>
+              <a:buSzPct val="100000"/>
+              <a:buFont typeface="Lucida Grande"/>
+              <a:buNone/>
+              <a:defRPr sz="1600" b="0" i="0" kern="1200">
+                <a:solidFill>
+                  <a:srgbClr val="000000"/>
+                </a:solidFill>
+                <a:latin typeface="HP Simplified" pitchFamily="34" charset="0"/>
+                <a:ea typeface="+mn-ea"/>
+                <a:cs typeface="HP Simplified" pitchFamily="34" charset="0"/>
+              </a:defRPr>
+            </a:lvl2pPr>
+            <a:lvl3pPr marL="169863" indent="-169863" algn="l" defTabSz="457200" rtl="0" eaLnBrk="1" latinLnBrk="0" hangingPunct="1">
+              <a:lnSpc>
+                <a:spcPct val="100000"/>
+              </a:lnSpc>
+              <a:spcBef>
+                <a:spcPts val="0"/>
+              </a:spcBef>
+              <a:spcAft>
+                <a:spcPts val="400"/>
+              </a:spcAft>
+              <a:buFont typeface="HP Simplified" pitchFamily="34" charset="0"/>
+              <a:buChar char="•"/>
+              <a:defRPr sz="1400" b="0" i="0" kern="1200">
+                <a:solidFill>
+                  <a:srgbClr val="000000"/>
+                </a:solidFill>
+                <a:latin typeface="HP Simplified" pitchFamily="34" charset="0"/>
+                <a:ea typeface="+mn-ea"/>
+                <a:cs typeface="HP Simplified" pitchFamily="34" charset="0"/>
+              </a:defRPr>
+            </a:lvl3pPr>
+            <a:lvl4pPr marL="341313" indent="-180975" algn="l" defTabSz="457200" rtl="0" eaLnBrk="1" latinLnBrk="0" hangingPunct="1">
+              <a:lnSpc>
+                <a:spcPct val="100000"/>
+              </a:lnSpc>
+              <a:spcBef>
+                <a:spcPts val="0"/>
+              </a:spcBef>
+              <a:spcAft>
+                <a:spcPts val="400"/>
+              </a:spcAft>
+              <a:buSzPct val="80000"/>
+              <a:buFont typeface="HP Simplified" pitchFamily="34" charset="0"/>
+              <a:buChar char="–"/>
+              <a:defRPr lang="en-US" sz="1400" b="0" i="0" kern="1200">
+                <a:solidFill>
+                  <a:srgbClr val="000000"/>
+                </a:solidFill>
+                <a:latin typeface="HP Simplified" pitchFamily="34" charset="0"/>
+                <a:ea typeface="+mn-ea"/>
+                <a:cs typeface="HP Simplified" pitchFamily="34" charset="0"/>
+              </a:defRPr>
+            </a:lvl4pPr>
+            <a:lvl5pPr marL="469900" indent="-150813" algn="l" defTabSz="457200" rtl="0" eaLnBrk="1" latinLnBrk="0" hangingPunct="1">
+              <a:lnSpc>
+                <a:spcPct val="100000"/>
+              </a:lnSpc>
+              <a:spcBef>
+                <a:spcPts val="0"/>
+              </a:spcBef>
+              <a:spcAft>
+                <a:spcPts val="400"/>
+              </a:spcAft>
+              <a:buFont typeface="HP Simplified" pitchFamily="34" charset="0"/>
+              <a:buChar char="•"/>
+              <a:tabLst/>
+              <a:defRPr sz="1400" b="0" i="0" kern="1200">
+                <a:solidFill>
+                  <a:srgbClr val="000000"/>
+                </a:solidFill>
+                <a:latin typeface="HP Simplified" pitchFamily="34" charset="0"/>
+                <a:ea typeface="+mn-ea"/>
+                <a:cs typeface="HP Simplified" pitchFamily="34" charset="0"/>
+              </a:defRPr>
+            </a:lvl5pPr>
+            <a:lvl6pPr marL="2286000" indent="0" algn="l" defTabSz="457200" rtl="0" eaLnBrk="1" latinLnBrk="0" hangingPunct="1">
+              <a:lnSpc>
+                <a:spcPts val="2500"/>
+              </a:lnSpc>
+              <a:spcBef>
+                <a:spcPct val="20000"/>
+              </a:spcBef>
+              <a:buFont typeface="Arial"/>
+              <a:buNone/>
+              <a:defRPr sz="1800" kern="1200">
+                <a:solidFill>
+                  <a:schemeClr val="tx1"/>
+                </a:solidFill>
+                <a:latin typeface="+mn-lt"/>
+                <a:ea typeface="+mn-ea"/>
+                <a:cs typeface="+mn-cs"/>
+              </a:defRPr>
+            </a:lvl6pPr>
+            <a:lvl7pPr marL="2971800" indent="-228600" algn="l" defTabSz="457200" rtl="0" eaLnBrk="1" latinLnBrk="0" hangingPunct="1">
+              <a:spcBef>
+                <a:spcPct val="20000"/>
+              </a:spcBef>
+              <a:buFont typeface="Arial"/>
+              <a:buChar char="•"/>
+              <a:defRPr sz="2000" kern="1200">
+                <a:solidFill>
+                  <a:schemeClr val="tx1"/>
+                </a:solidFill>
+                <a:latin typeface="+mn-lt"/>
+                <a:ea typeface="+mn-ea"/>
+                <a:cs typeface="+mn-cs"/>
+              </a:defRPr>
+            </a:lvl7pPr>
+            <a:lvl8pPr marL="3429000" indent="-228600" algn="l" defTabSz="457200" rtl="0" eaLnBrk="1" latinLnBrk="0" hangingPunct="1">
+              <a:spcBef>
+                <a:spcPct val="20000"/>
+              </a:spcBef>
+              <a:buFont typeface="Arial"/>
+              <a:buChar char="•"/>
+              <a:defRPr sz="2000" kern="1200">
+                <a:solidFill>
+                  <a:schemeClr val="tx1"/>
+                </a:solidFill>
+                <a:latin typeface="+mn-lt"/>
+                <a:ea typeface="+mn-ea"/>
+                <a:cs typeface="+mn-cs"/>
+              </a:defRPr>
+            </a:lvl8pPr>
+            <a:lvl9pPr marL="3886200" indent="-228600" algn="l" defTabSz="457200" rtl="0" eaLnBrk="1" latinLnBrk="0" hangingPunct="1">
+              <a:spcBef>
+                <a:spcPct val="20000"/>
+              </a:spcBef>
+              <a:buFont typeface="Arial"/>
+              <a:buChar char="•"/>
+              <a:defRPr sz="2000" kern="1200">
+                <a:solidFill>
+                  <a:schemeClr val="tx1"/>
+                </a:solidFill>
+                <a:latin typeface="+mn-lt"/>
+                <a:ea typeface="+mn-ea"/>
+                <a:cs typeface="+mn-cs"/>
+              </a:defRPr>
+            </a:lvl9pPr>
+          </a:lstStyle>
+          <a:p>
+            <a:r>
+              <a:rPr lang="en-US" altLang="zh-CN" sz="1400" dirty="0" smtClean="0"/>
+              <a:t>International </a:t>
+            </a:r>
+            <a:r>
+              <a:rPr lang="en-US" altLang="zh-CN" sz="1400" dirty="0"/>
+              <a:t>standardization subcommittee for programming languages, their environments and system software interfaces</a:t>
+            </a:r>
+            <a:endParaRPr lang="en-GB" sz="1400" dirty="0"/>
+          </a:p>
+        </p:txBody>
+      </p:sp>
+      <p:sp>
+        <p:nvSpPr>
+          <p:cNvPr id="10" name="Text Placeholder 6"/>
+          <p:cNvSpPr txBox="1">
+            <a:spLocks/>
+          </p:cNvSpPr>
+          <p:nvPr/>
+        </p:nvSpPr>
+        <p:spPr bwMode="black">
+          <a:xfrm>
+            <a:off x="6350001" y="1378678"/>
+            <a:ext cx="2677886" cy="642618"/>
+          </a:xfrm>
+          <a:prstGeom prst="rect">
+            <a:avLst/>
+          </a:prstGeom>
+          <a:ln w="3175">
+            <a:solidFill>
+              <a:schemeClr val="tx1"/>
+            </a:solidFill>
+          </a:ln>
+        </p:spPr>
+        <p:txBody>
+          <a:bodyPr vert="horz" wrap="square" lIns="0" tIns="0" rIns="0" bIns="0" rtlCol="0">
+            <a:noAutofit/>
+          </a:bodyPr>
+          <a:lstStyle>
+            <a:lvl1pPr marL="0" indent="0" algn="l" defTabSz="457200" rtl="0" eaLnBrk="1" latinLnBrk="0" hangingPunct="1">
+              <a:lnSpc>
+                <a:spcPct val="100000"/>
+              </a:lnSpc>
+              <a:spcBef>
+                <a:spcPts val="0"/>
+              </a:spcBef>
+              <a:spcAft>
+                <a:spcPts val="400"/>
+              </a:spcAft>
+              <a:buSzPct val="100000"/>
+              <a:buFont typeface="Arial"/>
+              <a:buNone/>
+              <a:defRPr sz="1800" b="1" i="0" kern="1200">
+                <a:solidFill>
+                  <a:schemeClr val="accent1"/>
+                </a:solidFill>
+                <a:latin typeface="HP Simplified" pitchFamily="34" charset="0"/>
+                <a:ea typeface="+mn-ea"/>
+                <a:cs typeface="HP Simplified" pitchFamily="34" charset="0"/>
+              </a:defRPr>
+            </a:lvl1pPr>
+            <a:lvl2pPr marL="0" indent="0" algn="l" defTabSz="430213" rtl="0" eaLnBrk="1" latinLnBrk="0" hangingPunct="1">
+              <a:lnSpc>
+                <a:spcPct val="100000"/>
+              </a:lnSpc>
+              <a:spcBef>
+                <a:spcPts val="0"/>
+              </a:spcBef>
+              <a:spcAft>
+                <a:spcPts val="400"/>
+              </a:spcAft>
+              <a:buSzPct val="100000"/>
+              <a:buFont typeface="Lucida Grande"/>
+              <a:buNone/>
+              <a:defRPr sz="1600" b="0" i="0" kern="1200">
+                <a:solidFill>
+                  <a:srgbClr val="000000"/>
+                </a:solidFill>
+                <a:latin typeface="HP Simplified" pitchFamily="34" charset="0"/>
+                <a:ea typeface="+mn-ea"/>
+                <a:cs typeface="HP Simplified" pitchFamily="34" charset="0"/>
+              </a:defRPr>
+            </a:lvl2pPr>
+            <a:lvl3pPr marL="169863" indent="-169863" algn="l" defTabSz="457200" rtl="0" eaLnBrk="1" latinLnBrk="0" hangingPunct="1">
+              <a:lnSpc>
+                <a:spcPct val="100000"/>
+              </a:lnSpc>
+              <a:spcBef>
+                <a:spcPts val="0"/>
+              </a:spcBef>
+              <a:spcAft>
+                <a:spcPts val="400"/>
+              </a:spcAft>
+              <a:buFont typeface="HP Simplified" pitchFamily="34" charset="0"/>
+              <a:buChar char="•"/>
+              <a:defRPr sz="1400" b="0" i="0" kern="1200">
+                <a:solidFill>
+                  <a:srgbClr val="000000"/>
+                </a:solidFill>
+                <a:latin typeface="HP Simplified" pitchFamily="34" charset="0"/>
+                <a:ea typeface="+mn-ea"/>
+                <a:cs typeface="HP Simplified" pitchFamily="34" charset="0"/>
+              </a:defRPr>
+            </a:lvl3pPr>
+            <a:lvl4pPr marL="341313" indent="-180975" algn="l" defTabSz="457200" rtl="0" eaLnBrk="1" latinLnBrk="0" hangingPunct="1">
+              <a:lnSpc>
+                <a:spcPct val="100000"/>
+              </a:lnSpc>
+              <a:spcBef>
+                <a:spcPts val="0"/>
+              </a:spcBef>
+              <a:spcAft>
+                <a:spcPts val="400"/>
+              </a:spcAft>
+              <a:buSzPct val="80000"/>
+              <a:buFont typeface="HP Simplified" pitchFamily="34" charset="0"/>
+              <a:buChar char="–"/>
+              <a:defRPr lang="en-US" sz="1400" b="0" i="0" kern="1200">
+                <a:solidFill>
+                  <a:srgbClr val="000000"/>
+                </a:solidFill>
+                <a:latin typeface="HP Simplified" pitchFamily="34" charset="0"/>
+                <a:ea typeface="+mn-ea"/>
+                <a:cs typeface="HP Simplified" pitchFamily="34" charset="0"/>
+              </a:defRPr>
+            </a:lvl4pPr>
+            <a:lvl5pPr marL="469900" indent="-150813" algn="l" defTabSz="457200" rtl="0" eaLnBrk="1" latinLnBrk="0" hangingPunct="1">
+              <a:lnSpc>
+                <a:spcPct val="100000"/>
+              </a:lnSpc>
+              <a:spcBef>
+                <a:spcPts val="0"/>
+              </a:spcBef>
+              <a:spcAft>
+                <a:spcPts val="400"/>
+              </a:spcAft>
+              <a:buFont typeface="HP Simplified" pitchFamily="34" charset="0"/>
+              <a:buChar char="•"/>
+              <a:tabLst/>
+              <a:defRPr sz="1400" b="0" i="0" kern="1200">
+                <a:solidFill>
+                  <a:srgbClr val="000000"/>
+                </a:solidFill>
+                <a:latin typeface="HP Simplified" pitchFamily="34" charset="0"/>
+                <a:ea typeface="+mn-ea"/>
+                <a:cs typeface="HP Simplified" pitchFamily="34" charset="0"/>
+              </a:defRPr>
+            </a:lvl5pPr>
+            <a:lvl6pPr marL="2286000" indent="0" algn="l" defTabSz="457200" rtl="0" eaLnBrk="1" latinLnBrk="0" hangingPunct="1">
+              <a:lnSpc>
+                <a:spcPts val="2500"/>
+              </a:lnSpc>
+              <a:spcBef>
+                <a:spcPct val="20000"/>
+              </a:spcBef>
+              <a:buFont typeface="Arial"/>
+              <a:buNone/>
+              <a:defRPr sz="1800" kern="1200">
+                <a:solidFill>
+                  <a:schemeClr val="tx1"/>
+                </a:solidFill>
+                <a:latin typeface="+mn-lt"/>
+                <a:ea typeface="+mn-ea"/>
+                <a:cs typeface="+mn-cs"/>
+              </a:defRPr>
+            </a:lvl6pPr>
+            <a:lvl7pPr marL="2971800" indent="-228600" algn="l" defTabSz="457200" rtl="0" eaLnBrk="1" latinLnBrk="0" hangingPunct="1">
+              <a:spcBef>
+                <a:spcPct val="20000"/>
+              </a:spcBef>
+              <a:buFont typeface="Arial"/>
+              <a:buChar char="•"/>
+              <a:defRPr sz="2000" kern="1200">
+                <a:solidFill>
+                  <a:schemeClr val="tx1"/>
+                </a:solidFill>
+                <a:latin typeface="+mn-lt"/>
+                <a:ea typeface="+mn-ea"/>
+                <a:cs typeface="+mn-cs"/>
+              </a:defRPr>
+            </a:lvl7pPr>
+            <a:lvl8pPr marL="3429000" indent="-228600" algn="l" defTabSz="457200" rtl="0" eaLnBrk="1" latinLnBrk="0" hangingPunct="1">
+              <a:spcBef>
+                <a:spcPct val="20000"/>
+              </a:spcBef>
+              <a:buFont typeface="Arial"/>
+              <a:buChar char="•"/>
+              <a:defRPr sz="2000" kern="1200">
+                <a:solidFill>
+                  <a:schemeClr val="tx1"/>
+                </a:solidFill>
+                <a:latin typeface="+mn-lt"/>
+                <a:ea typeface="+mn-ea"/>
+                <a:cs typeface="+mn-cs"/>
+              </a:defRPr>
+            </a:lvl8pPr>
+            <a:lvl9pPr marL="3886200" indent="-228600" algn="l" defTabSz="457200" rtl="0" eaLnBrk="1" latinLnBrk="0" hangingPunct="1">
+              <a:spcBef>
+                <a:spcPct val="20000"/>
+              </a:spcBef>
+              <a:buFont typeface="Arial"/>
+              <a:buChar char="•"/>
+              <a:defRPr sz="2000" kern="1200">
+                <a:solidFill>
+                  <a:schemeClr val="tx1"/>
+                </a:solidFill>
+                <a:latin typeface="+mn-lt"/>
+                <a:ea typeface="+mn-ea"/>
+                <a:cs typeface="+mn-cs"/>
+              </a:defRPr>
+            </a:lvl9pPr>
+          </a:lstStyle>
+          <a:p>
+            <a:r>
+              <a:rPr lang="en-US" altLang="zh-CN" sz="1400" dirty="0"/>
+              <a:t>The C++ Standards Committee</a:t>
+            </a:r>
+          </a:p>
+        </p:txBody>
+      </p:sp>
+      <p:cxnSp>
+        <p:nvCxnSpPr>
+          <p:cNvPr id="11" name="Straight Arrow Connector 10"/>
+          <p:cNvCxnSpPr>
+            <a:stCxn id="7" idx="0"/>
+            <a:endCxn id="2" idx="1"/>
+          </p:cNvCxnSpPr>
+          <p:nvPr/>
+        </p:nvCxnSpPr>
+        <p:spPr>
+          <a:xfrm flipV="1">
+            <a:off x="1470879" y="883694"/>
+            <a:ext cx="1095791" cy="564108"/>
+          </a:xfrm>
+          <a:prstGeom prst="straightConnector1">
+            <a:avLst/>
+          </a:prstGeom>
+          <a:ln w="12700" cmpd="sng">
+            <a:solidFill>
+              <a:schemeClr val="tx1"/>
+            </a:solidFill>
+            <a:tailEnd type="arrow"/>
+          </a:ln>
+          <a:effectLst/>
+        </p:spPr>
+        <p:style>
+          <a:lnRef idx="2">
+            <a:schemeClr val="accent1"/>
+          </a:lnRef>
+          <a:fillRef idx="0">
+            <a:schemeClr val="accent1"/>
+          </a:fillRef>
+          <a:effectRef idx="1">
+            <a:schemeClr val="accent1"/>
+          </a:effectRef>
+          <a:fontRef idx="minor">
+            <a:schemeClr val="tx1"/>
+          </a:fontRef>
+        </p:style>
+      </p:cxnSp>
+      <p:cxnSp>
+        <p:nvCxnSpPr>
+          <p:cNvPr id="13" name="Straight Arrow Connector 12"/>
+          <p:cNvCxnSpPr>
+            <a:stCxn id="6" idx="0"/>
+          </p:cNvCxnSpPr>
+          <p:nvPr/>
+        </p:nvCxnSpPr>
+        <p:spPr>
+          <a:xfrm flipV="1">
+            <a:off x="2711849" y="1045029"/>
+            <a:ext cx="742551" cy="1309917"/>
+          </a:xfrm>
+          <a:prstGeom prst="straightConnector1">
+            <a:avLst/>
+          </a:prstGeom>
+          <a:ln w="12700" cmpd="sng">
+            <a:solidFill>
+              <a:schemeClr val="tx1"/>
+            </a:solidFill>
+            <a:tailEnd type="arrow"/>
+          </a:ln>
+          <a:effectLst/>
+        </p:spPr>
+        <p:style>
+          <a:lnRef idx="2">
+            <a:schemeClr val="accent1"/>
+          </a:lnRef>
+          <a:fillRef idx="0">
+            <a:schemeClr val="accent1"/>
+          </a:fillRef>
+          <a:effectRef idx="1">
+            <a:schemeClr val="accent1"/>
+          </a:effectRef>
+          <a:fontRef idx="minor">
+            <a:schemeClr val="tx1"/>
+          </a:fontRef>
+        </p:style>
+      </p:cxnSp>
+      <p:cxnSp>
+        <p:nvCxnSpPr>
+          <p:cNvPr id="15" name="Straight Arrow Connector 14"/>
+          <p:cNvCxnSpPr>
+            <a:stCxn id="8" idx="0"/>
+          </p:cNvCxnSpPr>
+          <p:nvPr/>
+        </p:nvCxnSpPr>
+        <p:spPr>
+          <a:xfrm flipH="1" flipV="1">
+            <a:off x="4054419" y="1045029"/>
+            <a:ext cx="1" cy="2226495"/>
+          </a:xfrm>
+          <a:prstGeom prst="straightConnector1">
+            <a:avLst/>
+          </a:prstGeom>
+          <a:ln w="12700" cmpd="sng">
+            <a:solidFill>
+              <a:schemeClr val="tx1"/>
+            </a:solidFill>
+            <a:tailEnd type="arrow"/>
+          </a:ln>
+          <a:effectLst/>
+        </p:spPr>
+        <p:style>
+          <a:lnRef idx="2">
+            <a:schemeClr val="accent1"/>
+          </a:lnRef>
+          <a:fillRef idx="0">
+            <a:schemeClr val="accent1"/>
+          </a:fillRef>
+          <a:effectRef idx="1">
+            <a:schemeClr val="accent1"/>
+          </a:effectRef>
+          <a:fontRef idx="minor">
+            <a:schemeClr val="tx1"/>
+          </a:fontRef>
+        </p:style>
+      </p:cxnSp>
+      <p:cxnSp>
+        <p:nvCxnSpPr>
+          <p:cNvPr id="17" name="Straight Arrow Connector 16"/>
+          <p:cNvCxnSpPr>
+            <a:stCxn id="9" idx="0"/>
+          </p:cNvCxnSpPr>
+          <p:nvPr/>
+        </p:nvCxnSpPr>
+        <p:spPr>
+          <a:xfrm flipH="1" flipV="1">
+            <a:off x="4963886" y="1045029"/>
+            <a:ext cx="2242457" cy="1738090"/>
+          </a:xfrm>
+          <a:prstGeom prst="straightConnector1">
+            <a:avLst/>
+          </a:prstGeom>
+          <a:ln w="12700" cmpd="sng">
+            <a:solidFill>
+              <a:schemeClr val="tx1"/>
+            </a:solidFill>
+            <a:tailEnd type="arrow"/>
+          </a:ln>
+          <a:effectLst/>
+        </p:spPr>
+        <p:style>
+          <a:lnRef idx="2">
+            <a:schemeClr val="accent1"/>
+          </a:lnRef>
+          <a:fillRef idx="0">
+            <a:schemeClr val="accent1"/>
+          </a:fillRef>
+          <a:effectRef idx="1">
+            <a:schemeClr val="accent1"/>
+          </a:effectRef>
+          <a:fontRef idx="minor">
+            <a:schemeClr val="tx1"/>
+          </a:fontRef>
+        </p:style>
+      </p:cxnSp>
+      <p:cxnSp>
+        <p:nvCxnSpPr>
+          <p:cNvPr id="19" name="Straight Arrow Connector 18"/>
+          <p:cNvCxnSpPr>
+            <a:stCxn id="10" idx="0"/>
+          </p:cNvCxnSpPr>
+          <p:nvPr/>
+        </p:nvCxnSpPr>
+        <p:spPr>
+          <a:xfrm flipH="1" flipV="1">
+            <a:off x="6085114" y="883694"/>
+            <a:ext cx="1603830" cy="494984"/>
+          </a:xfrm>
+          <a:prstGeom prst="straightConnector1">
+            <a:avLst/>
+          </a:prstGeom>
+          <a:ln w="12700" cmpd="sng">
+            <a:solidFill>
+              <a:schemeClr val="tx1"/>
+            </a:solidFill>
+            <a:tailEnd type="arrow"/>
+          </a:ln>
+          <a:effectLst/>
+        </p:spPr>
+        <p:style>
+          <a:lnRef idx="2">
+            <a:schemeClr val="accent1"/>
+          </a:lnRef>
+          <a:fillRef idx="0">
+            <a:schemeClr val="accent1"/>
+          </a:fillRef>
+          <a:effectRef idx="1">
+            <a:schemeClr val="accent1"/>
+          </a:effectRef>
+          <a:fontRef idx="minor">
+            <a:schemeClr val="tx1"/>
+          </a:fontRef>
+        </p:style>
+      </p:cxnSp>
     </p:spTree>
     <p:extLst>
       <p:ext uri="{BB962C8B-B14F-4D97-AF65-F5344CB8AC3E}">
-        <p14:creationId xmlns:p14="http://schemas.microsoft.com/office/powerpoint/2010/main" val="2894240871"/>
+        <p14:creationId xmlns:p14="http://schemas.microsoft.com/office/powerpoint/2010/main" val="3309934885"/>
       </p:ext>
     </p:extLst>
   </p:cSld>
@@ -22262,33 +23254,31 @@
             <a:spLocks noGrp="1"/>
           </p:cNvSpPr>
           <p:nvPr>
-            <p:ph type="ctrTitle"/>
+            <p:ph type="title"/>
           </p:nvPr>
         </p:nvSpPr>
-        <p:spPr/>
+        <p:spPr>
+          <a:xfrm>
+            <a:off x="2830286" y="2194493"/>
+            <a:ext cx="4194627" cy="708363"/>
+          </a:xfrm>
+        </p:spPr>
         <p:txBody>
           <a:bodyPr/>
           <a:lstStyle/>
           <a:p>
             <a:r>
-              <a:rPr lang="en-US" dirty="0" smtClean="0"/>
-              <a:t>Divider slide title </a:t>
-            </a:r>
-            <a:br>
-              <a:rPr lang="en-US" dirty="0" smtClean="0"/>
-            </a:br>
-            <a:r>
-              <a:rPr lang="en-US" dirty="0" smtClean="0"/>
-              <a:t>(40 pt. HP Simplified bold)</a:t>
-            </a:r>
-            <a:endParaRPr lang="en-US" dirty="0"/>
+              <a:rPr lang="en-GB" sz="3600" dirty="0" smtClean="0"/>
+              <a:t>…… Before C++11</a:t>
+            </a:r>
+            <a:endParaRPr lang="en-GB" sz="3600" dirty="0"/>
           </a:p>
         </p:txBody>
       </p:sp>
     </p:spTree>
     <p:extLst>
       <p:ext uri="{BB962C8B-B14F-4D97-AF65-F5344CB8AC3E}">
-        <p14:creationId xmlns:p14="http://schemas.microsoft.com/office/powerpoint/2010/main" val="3224766166"/>
+        <p14:creationId xmlns:p14="http://schemas.microsoft.com/office/powerpoint/2010/main" val="3765176322"/>
       </p:ext>
     </p:extLst>
   </p:cSld>
@@ -22324,73 +23314,122 @@
       </p:grpSpPr>
       <p:sp>
         <p:nvSpPr>
-          <p:cNvPr id="2" name="Title 1"/>
+          <p:cNvPr id="4" name="Title 3"/>
           <p:cNvSpPr>
             <a:spLocks noGrp="1"/>
           </p:cNvSpPr>
           <p:nvPr>
-            <p:ph type="ctrTitle"/>
+            <p:ph type="title"/>
           </p:nvPr>
         </p:nvSpPr>
-        <p:spPr/>
+        <p:spPr>
+          <a:xfrm>
+            <a:off x="331470" y="235064"/>
+            <a:ext cx="5401673" cy="430887"/>
+          </a:xfrm>
+        </p:spPr>
         <p:txBody>
           <a:bodyPr/>
           <a:lstStyle/>
           <a:p>
             <a:r>
-              <a:rPr lang="en-US" dirty="0" smtClean="0"/>
-              <a:t>“Insert quote here”</a:t>
-            </a:r>
-            <a:br>
-              <a:rPr lang="en-US" dirty="0" smtClean="0"/>
-            </a:br>
-            <a:r>
-              <a:rPr lang="en-US" dirty="0" smtClean="0"/>
-              <a:t>(40 pt. HP Simplified bold)</a:t>
-            </a:r>
-            <a:endParaRPr lang="en-US" dirty="0"/>
+              <a:rPr lang="en-US" altLang="zh-CN" dirty="0"/>
+              <a:t>C++ Standard meeting Feb 2012</a:t>
+            </a:r>
           </a:p>
         </p:txBody>
       </p:sp>
       <p:sp>
         <p:nvSpPr>
-          <p:cNvPr id="4" name="Text Placeholder 3"/>
+          <p:cNvPr id="7" name="Text Placeholder 6"/>
           <p:cNvSpPr>
             <a:spLocks noGrp="1"/>
           </p:cNvSpPr>
           <p:nvPr>
-            <p:ph type="subTitle" idx="1"/>
+            <p:ph sz="quarter" idx="10"/>
           </p:nvPr>
         </p:nvSpPr>
-        <p:spPr/>
+        <p:spPr>
+          <a:xfrm>
+            <a:off x="329184" y="754743"/>
+            <a:ext cx="8117904" cy="3653745"/>
+          </a:xfrm>
+        </p:spPr>
         <p:txBody>
           <a:bodyPr/>
           <a:lstStyle/>
           <a:p>
-            <a:r>
-              <a:rPr lang="en-US" dirty="0" smtClean="0"/>
-              <a:t>Quoted person’s name, title and company</a:t>
-            </a:r>
-          </a:p>
-          <a:p>
-            <a:r>
-              <a:rPr lang="en-US" dirty="0"/>
-              <a:t>(</a:t>
-            </a:r>
-            <a:r>
-              <a:rPr lang="en-US" dirty="0" smtClean="0"/>
-              <a:t>18 pt. HP Simplified)</a:t>
-            </a:r>
-          </a:p>
-          <a:p>
-            <a:endParaRPr lang="en-US" dirty="0" smtClean="0"/>
+            <a:endParaRPr lang="en-GB" dirty="0"/>
+          </a:p>
+          <a:p>
+            <a:pPr lvl="2"/>
+            <a:r>
+              <a:rPr lang="en-US" altLang="zh-CN" sz="1600" dirty="0" smtClean="0"/>
+              <a:t>The </a:t>
+            </a:r>
+            <a:r>
+              <a:rPr lang="en-US" altLang="zh-CN" sz="1600" dirty="0"/>
+              <a:t>first meeting since the ratification of C++11</a:t>
+            </a:r>
+          </a:p>
+          <a:p>
+            <a:pPr lvl="2"/>
+            <a:r>
+              <a:rPr lang="en-US" altLang="zh-CN" sz="1600" dirty="0" smtClean="0"/>
+              <a:t>No </a:t>
+            </a:r>
+            <a:r>
+              <a:rPr lang="en-US" altLang="zh-CN" sz="1600" dirty="0"/>
+              <a:t>new Standard before 2017, with a 2022 follow-on standard, every five years</a:t>
+            </a:r>
+          </a:p>
+          <a:p>
+            <a:pPr lvl="2"/>
+            <a:r>
+              <a:rPr lang="en-US" sz="1600" dirty="0" smtClean="0"/>
+              <a:t>Discuss public Open Source Library – Portable C++ Library</a:t>
+            </a:r>
+          </a:p>
+          <a:p>
+            <a:pPr lvl="2"/>
+            <a:r>
+              <a:rPr lang="en-US" altLang="zh-CN" sz="1600" dirty="0" smtClean="0"/>
+              <a:t>Processes over 120 defects, discuss some issues</a:t>
+            </a:r>
+          </a:p>
+          <a:p>
+            <a:pPr lvl="2"/>
+            <a:r>
+              <a:rPr lang="en-US" altLang="zh-CN" sz="1600" dirty="0" smtClean="0"/>
+              <a:t>Potential features for future standard</a:t>
+            </a:r>
+          </a:p>
+          <a:p>
+            <a:pPr lvl="2"/>
+            <a:r>
+              <a:rPr lang="en-US" altLang="zh-CN" sz="1600" dirty="0"/>
+              <a:t>A</a:t>
+            </a:r>
+            <a:r>
+              <a:rPr lang="en-US" altLang="zh-CN" sz="1600" dirty="0" smtClean="0"/>
+              <a:t>dvanced </a:t>
+            </a:r>
+            <a:r>
+              <a:rPr lang="en-US" altLang="zh-CN" sz="1600" dirty="0"/>
+              <a:t>abstractions of </a:t>
+            </a:r>
+            <a:r>
+              <a:rPr lang="en-US" altLang="zh-CN" sz="1600" dirty="0" smtClean="0"/>
+              <a:t>concurrency</a:t>
+            </a:r>
+            <a:endParaRPr lang="en-US" sz="1600" dirty="0" smtClean="0"/>
           </a:p>
         </p:txBody>
       </p:sp>
     </p:spTree>
     <p:extLst>
       <p:ext uri="{BB962C8B-B14F-4D97-AF65-F5344CB8AC3E}">
-        <p14:creationId xmlns:p14="http://schemas.microsoft.com/office/powerpoint/2010/main" val="2546554263"/>
+        <p14:creationId xmlns:p14="http://schemas.microsoft.com/office/powerpoint/2010/main" val="847111980"/>
       </p:ext>
     </p:extLst>
   </p:cSld>
@@ -22426,7 +23465,7 @@
       </p:grpSpPr>
       <p:sp>
         <p:nvSpPr>
-          <p:cNvPr id="2" name="Title 1"/>
+          <p:cNvPr id="4" name="Title 3"/>
           <p:cNvSpPr>
             <a:spLocks noGrp="1"/>
           </p:cNvSpPr>
@@ -22434,31 +23473,125 @@
             <p:ph type="title"/>
           </p:nvPr>
         </p:nvSpPr>
-        <p:spPr/>
+        <p:spPr>
+          <a:xfrm>
+            <a:off x="331470" y="235064"/>
+            <a:ext cx="5401673" cy="430887"/>
+          </a:xfrm>
+        </p:spPr>
         <p:txBody>
           <a:bodyPr/>
           <a:lstStyle/>
           <a:p>
             <a:r>
-              <a:rPr lang="en-GB" dirty="0" smtClean="0"/>
-              <a:t>Title (</a:t>
-            </a:r>
-            <a:r>
-              <a:rPr lang="en-GB" dirty="0"/>
-              <a:t>28 pt. HP Simplified bold</a:t>
-            </a:r>
-            <a:r>
-              <a:rPr lang="en-GB" dirty="0" smtClean="0"/>
-              <a:t>)</a:t>
-            </a:r>
-            <a:endParaRPr lang="en-US" dirty="0"/>
+              <a:rPr lang="en-US" altLang="zh-CN" dirty="0"/>
+              <a:t>C++ Standard meeting </a:t>
+            </a:r>
+            <a:r>
+              <a:rPr lang="en-US" altLang="zh-CN" dirty="0" smtClean="0"/>
+              <a:t>Oct 2012</a:t>
+            </a:r>
+            <a:endParaRPr lang="en-US" altLang="zh-CN" dirty="0"/>
+          </a:p>
+        </p:txBody>
+      </p:sp>
+      <p:sp>
+        <p:nvSpPr>
+          <p:cNvPr id="7" name="Text Placeholder 6"/>
+          <p:cNvSpPr>
+            <a:spLocks noGrp="1"/>
+          </p:cNvSpPr>
+          <p:nvPr>
+            <p:ph sz="quarter" idx="10"/>
+          </p:nvPr>
+        </p:nvSpPr>
+        <p:spPr>
+          <a:xfrm>
+            <a:off x="329184" y="754743"/>
+            <a:ext cx="8117904" cy="3653745"/>
+          </a:xfrm>
+        </p:spPr>
+        <p:txBody>
+          <a:bodyPr/>
+          <a:lstStyle/>
+          <a:p>
+            <a:endParaRPr lang="en-GB" dirty="0"/>
+          </a:p>
+          <a:p>
+            <a:pPr lvl="2"/>
+            <a:r>
+              <a:rPr lang="en-US" altLang="zh-CN" sz="1600" dirty="0"/>
+              <a:t>C++ is technically 27 years old </a:t>
+            </a:r>
+            <a:endParaRPr lang="en-US" altLang="zh-CN" sz="1600" dirty="0" smtClean="0"/>
+          </a:p>
+          <a:p>
+            <a:pPr lvl="2"/>
+            <a:r>
+              <a:rPr lang="en-US" altLang="zh-CN" sz="1600" dirty="0"/>
+              <a:t>C++</a:t>
+            </a:r>
+            <a:r>
+              <a:rPr lang="en-US" altLang="zh-CN" sz="1600" dirty="0" smtClean="0"/>
+              <a:t>14 is proposed </a:t>
+            </a:r>
+            <a:r>
+              <a:rPr lang="en-US" altLang="zh-CN" sz="1600" dirty="0"/>
+              <a:t>to address C++11 annoyances and a bug fix </a:t>
+            </a:r>
+            <a:r>
+              <a:rPr lang="en-US" altLang="zh-CN" sz="1600" dirty="0" smtClean="0"/>
+              <a:t>release</a:t>
+            </a:r>
+            <a:endParaRPr lang="en-US" altLang="zh-CN" sz="1600" dirty="0"/>
+          </a:p>
+          <a:p>
+            <a:pPr lvl="2"/>
+            <a:r>
+              <a:rPr lang="en-US" sz="1600" dirty="0" smtClean="0"/>
+              <a:t>Pick up some drafts dropped in C++11 due to time constraint</a:t>
+            </a:r>
+          </a:p>
+          <a:p>
+            <a:pPr lvl="2"/>
+            <a:r>
+              <a:rPr lang="en-US" altLang="zh-CN" sz="1600" dirty="0" smtClean="0"/>
+              <a:t>Processes over 120 defects, discuss some issues</a:t>
+            </a:r>
+          </a:p>
+          <a:p>
+            <a:pPr lvl="2"/>
+            <a:r>
+              <a:rPr lang="en-US" altLang="zh-CN" sz="1600" dirty="0" smtClean="0"/>
+              <a:t>Potential features for future standard</a:t>
+            </a:r>
+          </a:p>
+          <a:p>
+            <a:pPr lvl="2"/>
+            <a:r>
+              <a:rPr lang="en-US" altLang="zh-CN" sz="1600" dirty="0"/>
+              <a:t>A</a:t>
+            </a:r>
+            <a:r>
+              <a:rPr lang="en-US" altLang="zh-CN" sz="1600" dirty="0" smtClean="0"/>
+              <a:t>dvanced </a:t>
+            </a:r>
+            <a:r>
+              <a:rPr lang="en-US" altLang="zh-CN" sz="1600" dirty="0"/>
+              <a:t>abstractions of </a:t>
+            </a:r>
+            <a:r>
+              <a:rPr lang="en-US" altLang="zh-CN" sz="1600" dirty="0" smtClean="0"/>
+              <a:t>concurrency</a:t>
+            </a:r>
+            <a:endParaRPr lang="en-US" sz="1600" dirty="0" smtClean="0"/>
           </a:p>
         </p:txBody>
       </p:sp>
     </p:spTree>
     <p:extLst>
       <p:ext uri="{BB962C8B-B14F-4D97-AF65-F5344CB8AC3E}">
-        <p14:creationId xmlns:p14="http://schemas.microsoft.com/office/powerpoint/2010/main" val="683586225"/>
+        <p14:creationId xmlns:p14="http://schemas.microsoft.com/office/powerpoint/2010/main" val="524126237"/>
       </p:ext>
     </p:extLst>
   </p:cSld>
@@ -22494,29 +23627,6 @@
       </p:grpSpPr>
       <p:sp>
         <p:nvSpPr>
-          <p:cNvPr id="2" name="Subtitle 1"/>
-          <p:cNvSpPr>
-            <a:spLocks noGrp="1"/>
-          </p:cNvSpPr>
-          <p:nvPr>
-            <p:ph type="subTitle" idx="1"/>
-          </p:nvPr>
-        </p:nvSpPr>
-        <p:spPr/>
-        <p:txBody>
-          <a:bodyPr/>
-          <a:lstStyle/>
-          <a:p>
-            <a:r>
-              <a:rPr lang="en-US" dirty="0" smtClean="0"/>
-              <a:t>Subtitle (18 pt. HP Simplified)</a:t>
-            </a:r>
-            <a:endParaRPr lang="en-US" dirty="0"/>
-          </a:p>
-        </p:txBody>
-      </p:sp>
-      <p:sp>
-        <p:nvSpPr>
           <p:cNvPr id="4" name="Title 3"/>
           <p:cNvSpPr>
             <a:spLocks noGrp="1"/>
@@ -22525,26 +23635,19 @@
             <p:ph type="title"/>
           </p:nvPr>
         </p:nvSpPr>
-        <p:spPr/>
+        <p:spPr>
+          <a:xfrm>
+            <a:off x="331470" y="235064"/>
+            <a:ext cx="1119959" cy="430887"/>
+          </a:xfrm>
+        </p:spPr>
         <p:txBody>
           <a:bodyPr/>
           <a:lstStyle/>
           <a:p>
             <a:r>
-              <a:rPr lang="en-GB" dirty="0"/>
-              <a:t>Title </a:t>
-            </a:r>
-            <a:r>
               <a:rPr lang="en-GB" dirty="0" smtClean="0"/>
-              <a:t>(28 </a:t>
-            </a:r>
-            <a:r>
-              <a:rPr lang="en-GB" dirty="0"/>
-              <a:t>pt. HP Simplified </a:t>
-            </a:r>
-            <a:r>
-              <a:rPr lang="en-GB" dirty="0" smtClean="0"/>
-              <a:t>bold)</a:t>
+              <a:t>C++14</a:t>
             </a:r>
             <a:endParaRPr lang="en-GB" dirty="0"/>
           </a:p>
@@ -22560,73 +23663,99 @@
             <p:ph sz="quarter" idx="10"/>
           </p:nvPr>
         </p:nvSpPr>
-        <p:spPr/>
+        <p:spPr>
+          <a:xfrm>
+            <a:off x="329184" y="754743"/>
+            <a:ext cx="8117904" cy="3653745"/>
+          </a:xfrm>
+        </p:spPr>
         <p:txBody>
           <a:bodyPr/>
           <a:lstStyle/>
           <a:p>
             <a:r>
-              <a:rPr lang="en-US" dirty="0"/>
-              <a:t>Heading (18 pt. HP Simplified</a:t>
-            </a:r>
-            <a:r>
               <a:rPr lang="en-US" dirty="0" smtClean="0"/>
-              <a:t> bold HP </a:t>
-            </a:r>
-            <a:r>
-              <a:rPr lang="en-US" dirty="0"/>
-              <a:t>blue)</a:t>
-            </a:r>
+              <a:t>C++14 Committee Draft (CD) </a:t>
+            </a:r>
+            <a:r>
+              <a:rPr lang="en-US" dirty="0" smtClean="0"/>
+              <a:t>published at isocpp.org in May, 2013</a:t>
+            </a:r>
+          </a:p>
+          <a:p>
             <a:endParaRPr lang="en-GB" dirty="0"/>
           </a:p>
           <a:p>
-            <a:pPr lvl="1"/>
-            <a:r>
-              <a:rPr lang="en-US" dirty="0"/>
-              <a:t>Body copy (16 pt. HP Simplified)</a:t>
-            </a:r>
-          </a:p>
-          <a:p>
             <a:pPr lvl="2"/>
             <a:r>
-              <a:rPr lang="en-US" dirty="0"/>
-              <a:t>Put your first-level bullet here. Try to keep bullet lists simple. (14 pt. HP Simplified)</a:t>
-            </a:r>
+              <a:rPr lang="en-US" sz="1600" dirty="0" smtClean="0"/>
+              <a:t>National Body (NB) Balloting at SC22 level: 3 months</a:t>
+            </a:r>
+          </a:p>
+          <a:p>
+            <a:pPr lvl="2"/>
+            <a:r>
+              <a:rPr lang="en-US" sz="1600" dirty="0" smtClean="0"/>
+              <a:t>Many issues are solved at C++ Standard Meeting, </a:t>
+            </a:r>
+            <a:r>
+              <a:rPr lang="en-US" sz="1600" dirty="0" err="1" smtClean="0"/>
+              <a:t>Chigago</a:t>
+            </a:r>
+            <a:r>
+              <a:rPr lang="en-US" sz="1600" dirty="0" smtClean="0"/>
+              <a:t> in </a:t>
+            </a:r>
+            <a:r>
+              <a:rPr lang="en-US" altLang="zh-CN" sz="1600" dirty="0" smtClean="0"/>
+              <a:t>Sept. 2013</a:t>
+            </a:r>
+            <a:endParaRPr lang="en-US" sz="1600" dirty="0" smtClean="0"/>
+          </a:p>
+          <a:p>
+            <a:pPr lvl="2"/>
+            <a:r>
+              <a:rPr lang="en-US" altLang="zh-CN" sz="1600" dirty="0" smtClean="0"/>
+              <a:t>Draft International Standard (DIS) balloting at the JTC level: 5 months</a:t>
+            </a:r>
+          </a:p>
+          <a:p>
+            <a:pPr lvl="2"/>
+            <a:r>
+              <a:rPr lang="en-US" altLang="zh-CN" sz="1600" dirty="0" smtClean="0"/>
+              <a:t>Valid International Standard (IS) balloting at the JTC level: 2 months</a:t>
+            </a:r>
+          </a:p>
+          <a:p>
+            <a:pPr lvl="2"/>
+            <a:r>
+              <a:rPr lang="en-US" altLang="zh-CN" sz="1600" dirty="0" smtClean="0"/>
+              <a:t>A ratified C++14 will be released summer 2014, likely at the </a:t>
+            </a:r>
+            <a:r>
+              <a:rPr lang="en-US" altLang="zh-CN" sz="1600" dirty="0" err="1" smtClean="0"/>
+              <a:t>Rapperswill</a:t>
+            </a:r>
+            <a:r>
+              <a:rPr lang="en-US" altLang="zh-CN" sz="1600" dirty="0" smtClean="0"/>
+              <a:t>, Switzerland meeting</a:t>
+            </a:r>
+            <a:endParaRPr lang="en-US" sz="1600" dirty="0" smtClean="0"/>
           </a:p>
           <a:p>
             <a:pPr lvl="3"/>
             <a:r>
-              <a:rPr lang="en-US" dirty="0"/>
-              <a:t>Put your second-level bullet here. Use no more than you need to explain your point. </a:t>
-            </a:r>
-            <a:br>
-              <a:rPr lang="en-US" dirty="0"/>
-            </a:br>
-            <a:r>
-              <a:rPr lang="en-US" dirty="0"/>
-              <a:t>(14 pt. HP Simplified)</a:t>
-            </a:r>
-          </a:p>
-          <a:p>
-            <a:pPr lvl="4"/>
-            <a:r>
-              <a:rPr lang="en-US" dirty="0"/>
-              <a:t>Put your third-level of copy here. Use no more than you need to explain your point. </a:t>
-            </a:r>
-            <a:br>
-              <a:rPr lang="en-US" dirty="0"/>
-            </a:br>
-            <a:r>
-              <a:rPr lang="en-US" dirty="0"/>
-              <a:t>(14 pt. HP Simplified)</a:t>
-            </a:r>
+              <a:rPr lang="en-US" altLang="zh-CN" sz="1600" dirty="0" smtClean="0"/>
+              <a:t>If any of the step fails because some NB comment could not be addressed, then a second CD may need to be issued, which would push the process back, likely until end of 2014, or even past it.</a:t>
+            </a:r>
+            <a:endParaRPr lang="en-US" sz="1600" dirty="0"/>
           </a:p>
         </p:txBody>
       </p:sp>
     </p:spTree>
     <p:extLst>
       <p:ext uri="{BB962C8B-B14F-4D97-AF65-F5344CB8AC3E}">
-        <p14:creationId xmlns:p14="http://schemas.microsoft.com/office/powerpoint/2010/main" val="3765176322"/>
+        <p14:creationId xmlns:p14="http://schemas.microsoft.com/office/powerpoint/2010/main" val="1404998740"/>
       </p:ext>
     </p:extLst>
   </p:cSld>
@@ -22670,15 +23799,21 @@
             <p:ph type="title"/>
           </p:nvPr>
         </p:nvSpPr>
-        <p:spPr/>
+        <p:spPr>
+          <a:xfrm>
+            <a:off x="331470" y="235064"/>
+            <a:ext cx="1119959" cy="430887"/>
+          </a:xfrm>
+        </p:spPr>
         <p:txBody>
           <a:bodyPr/>
           <a:lstStyle/>
           <a:p>
             <a:r>
-              <a:rPr lang="en-GB" dirty="0"/>
-              <a:t>Title (28 pt. HP Simplified bold)</a:t>
-            </a:r>
+              <a:rPr lang="en-GB" dirty="0" smtClean="0"/>
+              <a:t>C++14</a:t>
+            </a:r>
+            <a:endParaRPr lang="en-GB" dirty="0"/>
           </a:p>
         </p:txBody>
       </p:sp>
@@ -22692,73 +23827,53 @@
             <p:ph sz="quarter" idx="10"/>
           </p:nvPr>
         </p:nvSpPr>
-        <p:spPr/>
+        <p:spPr>
+          <a:xfrm>
+            <a:off x="503356" y="1480458"/>
+            <a:ext cx="7784302" cy="1524000"/>
+          </a:xfrm>
+        </p:spPr>
         <p:txBody>
           <a:bodyPr/>
           <a:lstStyle/>
           <a:p>
             <a:r>
-              <a:rPr lang="en-US" dirty="0"/>
-              <a:t>Heading (18 pt. HP Simplified</a:t>
-            </a:r>
-            <a:r>
-              <a:rPr lang="en-US" dirty="0" smtClean="0"/>
-              <a:t> bold HP </a:t>
-            </a:r>
-            <a:r>
-              <a:rPr lang="en-US" dirty="0"/>
-              <a:t>blue)</a:t>
-            </a:r>
+              <a:rPr lang="en-US" altLang="zh-CN" dirty="0"/>
+              <a:t>Clang is (draft) C++14 </a:t>
+            </a:r>
+            <a:r>
+              <a:rPr lang="en-US" altLang="zh-CN" dirty="0" smtClean="0"/>
+              <a:t>feature-complete at Nov. 7 2013</a:t>
+            </a:r>
+            <a:endParaRPr lang="en-US" altLang="zh-CN" dirty="0"/>
+          </a:p>
+          <a:p>
             <a:endParaRPr lang="en-GB" dirty="0"/>
           </a:p>
           <a:p>
-            <a:pPr lvl="1"/>
-            <a:r>
-              <a:rPr lang="en-US" dirty="0"/>
-              <a:t>Body copy (16 pt. HP Simplified)</a:t>
-            </a:r>
-          </a:p>
-          <a:p>
-            <a:pPr lvl="2"/>
-            <a:r>
-              <a:rPr lang="en-US" dirty="0"/>
-              <a:t>Put your first-level bullet here. Try to keep bullet lists simple. (14 pt. HP Simplified)</a:t>
-            </a:r>
-          </a:p>
-          <a:p>
-            <a:pPr lvl="3"/>
-            <a:r>
-              <a:rPr lang="en-US" dirty="0"/>
-              <a:t>Put your second-level bullet here. Use no more than you need to explain your point. </a:t>
-            </a:r>
-            <a:br>
-              <a:rPr lang="en-US" dirty="0"/>
-            </a:br>
-            <a:r>
-              <a:rPr lang="en-US" dirty="0"/>
-              <a:t>(14 pt. HP Simplified)</a:t>
-            </a:r>
-          </a:p>
-          <a:p>
-            <a:pPr lvl="4"/>
-            <a:r>
-              <a:rPr lang="en-US" dirty="0"/>
-              <a:t>Put your third-level of copy here. Use no more than you need to explain your point. </a:t>
-            </a:r>
-            <a:br>
-              <a:rPr lang="en-US" dirty="0"/>
-            </a:br>
-            <a:r>
-              <a:rPr lang="en-US" dirty="0"/>
-              <a:t>(14 pt. HP Simplified)</a:t>
-            </a:r>
+            <a:pPr marL="0" lvl="2" indent="0">
+              <a:buNone/>
+            </a:pPr>
+            <a:r>
+              <a:rPr lang="en-US" altLang="zh-CN" sz="1800" dirty="0" smtClean="0"/>
+              <a:t>It</a:t>
+            </a:r>
+            <a:r>
+              <a:rPr lang="en-US" altLang="zh-CN" sz="1800" dirty="0"/>
+              <a:t> appears that the next release of Clang and LLVM, expected in December or January, will be draft C++14 feature-complete</a:t>
+            </a:r>
+            <a:r>
+              <a:rPr lang="en-US" altLang="zh-CN" sz="1800" dirty="0" smtClean="0"/>
+              <a:t>.</a:t>
+            </a:r>
+            <a:endParaRPr lang="en-US" sz="1800" dirty="0"/>
           </a:p>
         </p:txBody>
       </p:sp>
     </p:spTree>
     <p:extLst>
       <p:ext uri="{BB962C8B-B14F-4D97-AF65-F5344CB8AC3E}">
-        <p14:creationId xmlns:p14="http://schemas.microsoft.com/office/powerpoint/2010/main" val="847111980"/>
+        <p14:creationId xmlns:p14="http://schemas.microsoft.com/office/powerpoint/2010/main" val="1455022355"/>
       </p:ext>
     </p:extLst>
   </p:cSld>
@@ -22794,29 +23909,7 @@
       </p:grpSpPr>
       <p:sp>
         <p:nvSpPr>
-          <p:cNvPr id="4" name="Subtitle 3"/>
-          <p:cNvSpPr>
-            <a:spLocks noGrp="1"/>
-          </p:cNvSpPr>
-          <p:nvPr>
-            <p:ph type="subTitle" idx="1"/>
-          </p:nvPr>
-        </p:nvSpPr>
-        <p:spPr/>
-        <p:txBody>
-          <a:bodyPr/>
-          <a:lstStyle/>
-          <a:p>
-            <a:r>
-              <a:rPr lang="en-US" dirty="0" smtClean="0"/>
-              <a:t>Subtitle (18 pt. HP Simplified)</a:t>
-            </a:r>
-          </a:p>
-        </p:txBody>
-      </p:sp>
-      <p:sp>
-        <p:nvSpPr>
-          <p:cNvPr id="2" name="Title 1"/>
+          <p:cNvPr id="4" name="Title 3"/>
           <p:cNvSpPr>
             <a:spLocks noGrp="1"/>
           </p:cNvSpPr>
@@ -22824,105 +23917,41 @@
             <p:ph type="title"/>
           </p:nvPr>
         </p:nvSpPr>
-        <p:spPr/>
+        <p:spPr>
+          <a:xfrm>
+            <a:off x="2830287" y="2194493"/>
+            <a:ext cx="3164114" cy="708363"/>
+          </a:xfrm>
+        </p:spPr>
         <p:txBody>
           <a:bodyPr/>
           <a:lstStyle/>
           <a:p>
             <a:r>
-              <a:rPr lang="en-GB" dirty="0" smtClean="0"/>
-              <a:t>Title (28 pt. HP Simplified bold)</a:t>
-            </a:r>
-            <a:endParaRPr lang="en-US" dirty="0"/>
-          </a:p>
-        </p:txBody>
-      </p:sp>
-      <p:sp>
-        <p:nvSpPr>
-          <p:cNvPr id="5" name="Content Placeholder 4"/>
-          <p:cNvSpPr>
-            <a:spLocks noGrp="1"/>
-          </p:cNvSpPr>
-          <p:nvPr>
-            <p:ph sz="quarter" idx="10"/>
-          </p:nvPr>
-        </p:nvSpPr>
-        <p:spPr/>
-        <p:txBody>
-          <a:bodyPr/>
-          <a:lstStyle/>
-          <a:p>
-            <a:r>
-              <a:rPr lang="en-US" dirty="0" smtClean="0"/>
-              <a:t>Put your first-level bullet here. Try to keep bullet lists simple. (14 pt. HP Simplified)</a:t>
-            </a:r>
-          </a:p>
-          <a:p>
-            <a:pPr lvl="1"/>
-            <a:r>
-              <a:rPr lang="en-US" dirty="0" smtClean="0"/>
-              <a:t>Put your second-level bullet here. Use no more than you need to explain your point. </a:t>
-            </a:r>
-            <a:br>
-              <a:rPr lang="en-US" dirty="0" smtClean="0"/>
-            </a:br>
-            <a:r>
-              <a:rPr lang="en-US" dirty="0" smtClean="0"/>
-              <a:t>(14 pt. HP Simplified)</a:t>
-            </a:r>
-          </a:p>
-          <a:p>
-            <a:pPr lvl="2"/>
-            <a:r>
-              <a:rPr lang="en-US" dirty="0" smtClean="0"/>
-              <a:t>Put your third-level of copy here. Use no more than you need to explain your point. </a:t>
-            </a:r>
-            <a:br>
-              <a:rPr lang="en-US" dirty="0" smtClean="0"/>
-            </a:br>
-            <a:r>
-              <a:rPr lang="en-US" dirty="0" smtClean="0"/>
-              <a:t>(14 pt. HP Simplified) </a:t>
-            </a:r>
-          </a:p>
-          <a:p>
-            <a:pPr lvl="3"/>
-            <a:r>
-              <a:rPr lang="en-US" dirty="0" smtClean="0"/>
-              <a:t>Put your fourth-level of copy here. Use no more than you need to explain your point. </a:t>
-            </a:r>
-            <a:br>
-              <a:rPr lang="en-US" dirty="0" smtClean="0"/>
-            </a:br>
-            <a:r>
-              <a:rPr lang="en-US" dirty="0" smtClean="0"/>
-              <a:t>(14 pt. HP Simplified)</a:t>
-            </a:r>
-          </a:p>
-          <a:p>
-            <a:pPr lvl="4"/>
-            <a:r>
-              <a:rPr lang="en-US" dirty="0" smtClean="0"/>
-              <a:t>Put your fifth-level of copy here. Use no more than you need to explain your point. </a:t>
-            </a:r>
-            <a:br>
-              <a:rPr lang="en-US" dirty="0" smtClean="0"/>
-            </a:br>
-            <a:r>
-              <a:rPr lang="en-US" dirty="0" smtClean="0"/>
-              <a:t>(14 pt. HP Simplified)</a:t>
-            </a:r>
-          </a:p>
-          <a:p>
-            <a:endParaRPr lang="en-US" dirty="0"/>
+              <a:rPr lang="en-GB" sz="3600" dirty="0" smtClean="0"/>
+              <a:t>Current C++11</a:t>
+            </a:r>
+            <a:endParaRPr lang="en-GB" sz="3600" dirty="0"/>
           </a:p>
         </p:txBody>
       </p:sp>
     </p:spTree>
+    <p:extLst>
+      <p:ext uri="{BB962C8B-B14F-4D97-AF65-F5344CB8AC3E}">
+        <p14:creationId xmlns:p14="http://schemas.microsoft.com/office/powerpoint/2010/main" val="2625290376"/>
+      </p:ext>
+    </p:extLst>
   </p:cSld>
   <p:clrMapOvr>
     <a:masterClrMapping/>
   </p:clrMapOvr>
+  <p:timing>
+    <p:tnLst>
+      <p:par>
+        <p:cTn id="1" dur="indefinite" restart="never" nodeType="tmRoot"/>
+      </p:par>
+    </p:tnLst>
+  </p:timing>
 </p:sld>
 </file>
 

--- a/C++11.pptx
+++ b/C++11.pptx
@@ -5,10 +5,10 @@
     <p:sldMasterId id="2147483804" r:id="rId1"/>
   </p:sldMasterIdLst>
   <p:notesMasterIdLst>
-    <p:notesMasterId r:id="rId28"/>
+    <p:notesMasterId r:id="rId29"/>
   </p:notesMasterIdLst>
   <p:handoutMasterIdLst>
-    <p:handoutMasterId r:id="rId29"/>
+    <p:handoutMasterId r:id="rId30"/>
   </p:handoutMasterIdLst>
   <p:sldIdLst>
     <p:sldId id="553" r:id="rId2"/>
@@ -20,23 +20,24 @@
     <p:sldId id="575" r:id="rId8"/>
     <p:sldId id="577" r:id="rId9"/>
     <p:sldId id="573" r:id="rId10"/>
-    <p:sldId id="574" r:id="rId11"/>
-    <p:sldId id="570" r:id="rId12"/>
-    <p:sldId id="503" r:id="rId13"/>
-    <p:sldId id="533" r:id="rId14"/>
-    <p:sldId id="456" r:id="rId15"/>
-    <p:sldId id="534" r:id="rId16"/>
-    <p:sldId id="433" r:id="rId17"/>
-    <p:sldId id="535" r:id="rId18"/>
-    <p:sldId id="435" r:id="rId19"/>
-    <p:sldId id="562" r:id="rId20"/>
-    <p:sldId id="563" r:id="rId21"/>
-    <p:sldId id="564" r:id="rId22"/>
-    <p:sldId id="565" r:id="rId23"/>
-    <p:sldId id="451" r:id="rId24"/>
-    <p:sldId id="441" r:id="rId25"/>
-    <p:sldId id="455" r:id="rId26"/>
-    <p:sldId id="566" r:id="rId27"/>
+    <p:sldId id="578" r:id="rId11"/>
+    <p:sldId id="574" r:id="rId12"/>
+    <p:sldId id="570" r:id="rId13"/>
+    <p:sldId id="503" r:id="rId14"/>
+    <p:sldId id="533" r:id="rId15"/>
+    <p:sldId id="456" r:id="rId16"/>
+    <p:sldId id="534" r:id="rId17"/>
+    <p:sldId id="433" r:id="rId18"/>
+    <p:sldId id="535" r:id="rId19"/>
+    <p:sldId id="435" r:id="rId20"/>
+    <p:sldId id="562" r:id="rId21"/>
+    <p:sldId id="563" r:id="rId22"/>
+    <p:sldId id="564" r:id="rId23"/>
+    <p:sldId id="565" r:id="rId24"/>
+    <p:sldId id="451" r:id="rId25"/>
+    <p:sldId id="441" r:id="rId26"/>
+    <p:sldId id="455" r:id="rId27"/>
+    <p:sldId id="566" r:id="rId28"/>
   </p:sldIdLst>
   <p:sldSz cx="9144000" cy="5143500" type="screen16x9"/>
   <p:notesSz cx="6858000" cy="9144000"/>
@@ -552,11 +553,11 @@
         </c:dLbls>
         <c:gapWidth val="150"/>
         <c:overlap val="-15"/>
-        <c:axId val="63696256"/>
-        <c:axId val="63698048"/>
+        <c:axId val="97396608"/>
+        <c:axId val="97398144"/>
       </c:barChart>
       <c:catAx>
-        <c:axId val="63696256"/>
+        <c:axId val="97396608"/>
         <c:scaling>
           <c:orientation val="minMax"/>
         </c:scaling>
@@ -576,7 +577,7 @@
             <a:endParaRPr lang="zh-CN"/>
           </a:p>
         </c:txPr>
-        <c:crossAx val="63698048"/>
+        <c:crossAx val="97398144"/>
         <c:crosses val="autoZero"/>
         <c:auto val="1"/>
         <c:lblAlgn val="ctr"/>
@@ -584,7 +585,7 @@
         <c:noMultiLvlLbl val="0"/>
       </c:catAx>
       <c:valAx>
-        <c:axId val="63698048"/>
+        <c:axId val="97398144"/>
         <c:scaling>
           <c:orientation val="minMax"/>
           <c:max val="5"/>
@@ -606,7 +607,7 @@
             <a:endParaRPr lang="zh-CN"/>
           </a:p>
         </c:txPr>
-        <c:crossAx val="63696256"/>
+        <c:crossAx val="97396608"/>
         <c:crosses val="autoZero"/>
         <c:crossBetween val="between"/>
         <c:majorUnit val="1"/>
@@ -919,11 +920,11 @@
         </c:dLbls>
         <c:marker val="1"/>
         <c:smooth val="0"/>
-        <c:axId val="63446400"/>
-        <c:axId val="63456384"/>
+        <c:axId val="114268032"/>
+        <c:axId val="114269568"/>
       </c:lineChart>
       <c:catAx>
-        <c:axId val="63446400"/>
+        <c:axId val="114268032"/>
         <c:scaling>
           <c:orientation val="minMax"/>
         </c:scaling>
@@ -938,7 +939,7 @@
             <a:noFill/>
           </a:ln>
         </c:spPr>
-        <c:crossAx val="63456384"/>
+        <c:crossAx val="114269568"/>
         <c:crosses val="autoZero"/>
         <c:auto val="1"/>
         <c:lblAlgn val="ctr"/>
@@ -946,7 +947,7 @@
         <c:noMultiLvlLbl val="0"/>
       </c:catAx>
       <c:valAx>
-        <c:axId val="63456384"/>
+        <c:axId val="114269568"/>
         <c:scaling>
           <c:orientation val="minMax"/>
           <c:max val="5"/>
@@ -973,7 +974,7 @@
             <a:noFill/>
           </a:ln>
         </c:spPr>
-        <c:crossAx val="63446400"/>
+        <c:crossAx val="114268032"/>
         <c:crosses val="autoZero"/>
         <c:crossBetween val="between"/>
         <c:majorUnit val="1"/>
@@ -1108,7 +1109,7 @@
                 <a:cs typeface="HP Simplified"/>
               </a:rPr>
               <a:pPr/>
-              <a:t>11/12/2013</a:t>
+              <a:t>11/13/2013</a:t>
             </a:fld>
             <a:endParaRPr lang="en-GB" dirty="0">
               <a:latin typeface="HP Simplified"/>
@@ -1294,7 +1295,7 @@
             <a:fld id="{2D9CAF8C-0805-8440-B43D-DCCAAA4D80CE}" type="datetimeFigureOut">
               <a:rPr lang="en-US" smtClean="0"/>
               <a:pPr/>
-              <a:t>11/12/2013</a:t>
+              <a:t>11/13/2013</a:t>
             </a:fld>
             <a:endParaRPr lang="en-GB" dirty="0"/>
           </a:p>
@@ -1748,7 +1749,7 @@
             <a:fld id="{22A853E8-D85F-5D49-95D2-E1D96ABFE2B9}" type="slidenum">
               <a:rPr lang="en-GB" smtClean="0"/>
               <a:pPr/>
-              <a:t>18</a:t>
+              <a:t>19</a:t>
             </a:fld>
             <a:endParaRPr lang="en-GB" dirty="0"/>
           </a:p>
@@ -6375,8 +6376,8 @@
         </p:nvSpPr>
         <p:spPr>
           <a:xfrm>
-            <a:off x="2830286" y="2194493"/>
-            <a:ext cx="3976913" cy="708363"/>
+            <a:off x="2830287" y="2194493"/>
+            <a:ext cx="3164114" cy="708363"/>
           </a:xfrm>
         </p:spPr>
         <p:txBody>
@@ -6385,7 +6386,7 @@
           <a:p>
             <a:r>
               <a:rPr lang="en-GB" sz="3600" dirty="0" smtClean="0"/>
-              <a:t>After C++11……</a:t>
+              <a:t>Current C++11</a:t>
             </a:r>
             <a:endParaRPr lang="en-GB" sz="3600" dirty="0"/>
           </a:p>
@@ -6394,7 +6395,7 @@
     </p:spTree>
     <p:extLst>
       <p:ext uri="{BB962C8B-B14F-4D97-AF65-F5344CB8AC3E}">
-        <p14:creationId xmlns:p14="http://schemas.microsoft.com/office/powerpoint/2010/main" val="2495056151"/>
+        <p14:creationId xmlns:p14="http://schemas.microsoft.com/office/powerpoint/2010/main" val="3462151274"/>
       </p:ext>
     </p:extLst>
   </p:cSld>
@@ -6430,29 +6431,7 @@
       </p:grpSpPr>
       <p:sp>
         <p:nvSpPr>
-          <p:cNvPr id="4" name="Subtitle 3"/>
-          <p:cNvSpPr>
-            <a:spLocks noGrp="1"/>
-          </p:cNvSpPr>
-          <p:nvPr>
-            <p:ph type="subTitle" idx="1"/>
-          </p:nvPr>
-        </p:nvSpPr>
-        <p:spPr/>
-        <p:txBody>
-          <a:bodyPr/>
-          <a:lstStyle/>
-          <a:p>
-            <a:r>
-              <a:rPr lang="en-US" dirty="0" smtClean="0"/>
-              <a:t>Subtitle (18 pt. HP Simplified)</a:t>
-            </a:r>
-          </a:p>
-        </p:txBody>
-      </p:sp>
-      <p:sp>
-        <p:nvSpPr>
-          <p:cNvPr id="2" name="Title 1"/>
+          <p:cNvPr id="4" name="Title 3"/>
           <p:cNvSpPr>
             <a:spLocks noGrp="1"/>
           </p:cNvSpPr>
@@ -6460,101 +6439,30 @@
             <p:ph type="title"/>
           </p:nvPr>
         </p:nvSpPr>
-        <p:spPr/>
+        <p:spPr>
+          <a:xfrm>
+            <a:off x="2830286" y="2194493"/>
+            <a:ext cx="3976913" cy="708363"/>
+          </a:xfrm>
+        </p:spPr>
         <p:txBody>
           <a:bodyPr/>
           <a:lstStyle/>
           <a:p>
             <a:r>
-              <a:rPr lang="en-GB" dirty="0" smtClean="0"/>
-              <a:t>Title (28 pt. HP Simplified bold)</a:t>
-            </a:r>
-            <a:endParaRPr lang="en-US" dirty="0"/>
-          </a:p>
-        </p:txBody>
-      </p:sp>
-      <p:sp>
-        <p:nvSpPr>
-          <p:cNvPr id="5" name="Content Placeholder 4"/>
-          <p:cNvSpPr>
-            <a:spLocks noGrp="1"/>
-          </p:cNvSpPr>
-          <p:nvPr>
-            <p:ph sz="quarter" idx="10"/>
-          </p:nvPr>
-        </p:nvSpPr>
-        <p:spPr/>
-        <p:txBody>
-          <a:bodyPr/>
-          <a:lstStyle/>
-          <a:p>
-            <a:r>
-              <a:rPr lang="en-US" dirty="0" smtClean="0"/>
-              <a:t>Put your first-level bullet here. Try to keep bullet lists simple. (14 pt. HP Simplified)</a:t>
-            </a:r>
-          </a:p>
-          <a:p>
-            <a:pPr lvl="1"/>
-            <a:r>
-              <a:rPr lang="en-US" dirty="0" smtClean="0"/>
-              <a:t>Put your second-level bullet here. Use no more than you need to explain your point. </a:t>
-            </a:r>
-            <a:br>
-              <a:rPr lang="en-US" dirty="0" smtClean="0"/>
-            </a:br>
-            <a:r>
-              <a:rPr lang="en-US" dirty="0" smtClean="0"/>
-              <a:t>(14 pt. HP Simplified)</a:t>
-            </a:r>
-          </a:p>
-          <a:p>
-            <a:pPr lvl="2"/>
-            <a:r>
-              <a:rPr lang="en-US" dirty="0" smtClean="0"/>
-              <a:t>Put your third-level of copy here. Use no more than you need to explain your point. </a:t>
-            </a:r>
-            <a:br>
-              <a:rPr lang="en-US" dirty="0" smtClean="0"/>
-            </a:br>
-            <a:r>
-              <a:rPr lang="en-US" dirty="0" smtClean="0"/>
-              <a:t>(14 pt. HP Simplified) </a:t>
-            </a:r>
-          </a:p>
-          <a:p>
-            <a:pPr lvl="3"/>
-            <a:r>
-              <a:rPr lang="en-US" dirty="0" smtClean="0"/>
-              <a:t>Put your fourth-level of copy here. Use no more than you need to explain your point. </a:t>
-            </a:r>
-            <a:br>
-              <a:rPr lang="en-US" dirty="0" smtClean="0"/>
-            </a:br>
-            <a:r>
-              <a:rPr lang="en-US" dirty="0" smtClean="0"/>
-              <a:t>(14 pt. HP Simplified)</a:t>
-            </a:r>
-          </a:p>
-          <a:p>
-            <a:pPr lvl="4"/>
-            <a:r>
-              <a:rPr lang="en-US" dirty="0" smtClean="0"/>
-              <a:t>Put your fifth-level of copy here. Use no more than you need to explain your point. </a:t>
-            </a:r>
-            <a:br>
-              <a:rPr lang="en-US" dirty="0" smtClean="0"/>
-            </a:br>
-            <a:r>
-              <a:rPr lang="en-US" dirty="0" smtClean="0"/>
-              <a:t>(14 pt. HP Simplified)</a:t>
-            </a:r>
-          </a:p>
-          <a:p>
-            <a:endParaRPr lang="en-US" dirty="0"/>
+              <a:rPr lang="en-GB" sz="3600" dirty="0" smtClean="0"/>
+              <a:t>After C++11……</a:t>
+            </a:r>
+            <a:endParaRPr lang="en-GB" sz="3600" dirty="0"/>
           </a:p>
         </p:txBody>
       </p:sp>
     </p:spTree>
+    <p:extLst>
+      <p:ext uri="{BB962C8B-B14F-4D97-AF65-F5344CB8AC3E}">
+        <p14:creationId xmlns:p14="http://schemas.microsoft.com/office/powerpoint/2010/main" val="2495056151"/>
+      </p:ext>
+    </p:extLst>
   </p:cSld>
   <p:clrMapOvr>
     <a:masterClrMapping/>
@@ -6588,7 +6496,29 @@
       </p:grpSpPr>
       <p:sp>
         <p:nvSpPr>
-          <p:cNvPr id="4" name="Title 3"/>
+          <p:cNvPr id="4" name="Subtitle 3"/>
+          <p:cNvSpPr>
+            <a:spLocks noGrp="1"/>
+          </p:cNvSpPr>
+          <p:nvPr>
+            <p:ph type="subTitle" idx="1"/>
+          </p:nvPr>
+        </p:nvSpPr>
+        <p:spPr/>
+        <p:txBody>
+          <a:bodyPr/>
+          <a:lstStyle/>
+          <a:p>
+            <a:r>
+              <a:rPr lang="en-US" dirty="0" smtClean="0"/>
+              <a:t>Subtitle (18 pt. HP Simplified)</a:t>
+            </a:r>
+          </a:p>
+        </p:txBody>
+      </p:sp>
+      <p:sp>
+        <p:nvSpPr>
+          <p:cNvPr id="2" name="Title 1"/>
           <p:cNvSpPr>
             <a:spLocks noGrp="1"/>
           </p:cNvSpPr>
@@ -6602,20 +6532,21 @@
           <a:lstStyle/>
           <a:p>
             <a:r>
-              <a:rPr lang="en-GB" dirty="0"/>
+              <a:rPr lang="en-GB" dirty="0" smtClean="0"/>
               <a:t>Title (28 pt. HP Simplified bold)</a:t>
             </a:r>
+            <a:endParaRPr lang="en-US" dirty="0"/>
           </a:p>
         </p:txBody>
       </p:sp>
       <p:sp>
         <p:nvSpPr>
-          <p:cNvPr id="7" name="Text Placeholder 6"/>
+          <p:cNvPr id="5" name="Content Placeholder 4"/>
           <p:cNvSpPr>
             <a:spLocks noGrp="1"/>
           </p:cNvSpPr>
           <p:nvPr>
-            <p:ph sz="quarter" idx="16"/>
+            <p:ph sz="quarter" idx="10"/>
           </p:nvPr>
         </p:nvSpPr>
         <p:spPr/>
@@ -6624,192 +6555,72 @@
           <a:lstStyle/>
           <a:p>
             <a:r>
-              <a:rPr lang="en-US" dirty="0"/>
-              <a:t>Heading (18 pt. HP Simplified</a:t>
-            </a:r>
-            <a:r>
               <a:rPr lang="en-US" dirty="0" smtClean="0"/>
-              <a:t> bold </a:t>
+              <a:t>Put your first-level bullet here. Try to keep bullet lists simple. (14 pt. HP Simplified)</a:t>
+            </a:r>
+          </a:p>
+          <a:p>
+            <a:pPr lvl="1"/>
+            <a:r>
+              <a:rPr lang="en-US" dirty="0" smtClean="0"/>
+              <a:t>Put your second-level bullet here. Use no more than you need to explain your point. </a:t>
             </a:r>
             <a:br>
               <a:rPr lang="en-US" dirty="0" smtClean="0"/>
             </a:br>
             <a:r>
               <a:rPr lang="en-US" dirty="0" smtClean="0"/>
-              <a:t>HP </a:t>
-            </a:r>
-            <a:r>
-              <a:rPr lang="en-US" dirty="0"/>
-              <a:t>blue)</a:t>
-            </a:r>
-            <a:endParaRPr lang="en-GB" dirty="0"/>
-          </a:p>
-          <a:p>
-            <a:pPr lvl="1"/>
-            <a:r>
-              <a:rPr lang="en-US" dirty="0"/>
-              <a:t>Body copy (16 pt. HP Simplified)</a:t>
+              <a:t>(14 pt. HP Simplified)</a:t>
             </a:r>
           </a:p>
           <a:p>
             <a:pPr lvl="2"/>
             <a:r>
-              <a:rPr lang="en-US" dirty="0"/>
-              <a:t>Put your first-level bullet here. </a:t>
-            </a:r>
-            <a:br>
-              <a:rPr lang="en-US" dirty="0"/>
-            </a:br>
-            <a:r>
-              <a:rPr lang="en-US" dirty="0"/>
-              <a:t>(14 pt. HP Simplified)</a:t>
-            </a:r>
-          </a:p>
-          <a:p>
-            <a:pPr lvl="3"/>
-            <a:r>
-              <a:rPr lang="en-US" dirty="0"/>
-              <a:t>Put your second-level bullet here. </a:t>
-            </a:r>
-            <a:br>
-              <a:rPr lang="en-US" dirty="0"/>
-            </a:br>
-            <a:r>
-              <a:rPr lang="en-US" dirty="0"/>
-              <a:t>(14 pt. HP Simplified)</a:t>
-            </a:r>
-          </a:p>
-          <a:p>
-            <a:pPr lvl="4"/>
-            <a:r>
-              <a:rPr lang="en-US" dirty="0"/>
-              <a:t>Put your third-level of copy here. </a:t>
-            </a:r>
-            <a:br>
-              <a:rPr lang="en-US" dirty="0"/>
-            </a:br>
-            <a:r>
-              <a:rPr lang="en-US" dirty="0"/>
-              <a:t>(14 pt. HP Simplified)</a:t>
-            </a:r>
-          </a:p>
-        </p:txBody>
-      </p:sp>
-      <p:sp>
-        <p:nvSpPr>
-          <p:cNvPr id="18" name="Text Placeholder 17"/>
-          <p:cNvSpPr>
-            <a:spLocks noGrp="1"/>
-          </p:cNvSpPr>
-          <p:nvPr>
-            <p:ph sz="quarter" idx="17"/>
-          </p:nvPr>
-        </p:nvSpPr>
-        <p:spPr/>
-        <p:txBody>
-          <a:bodyPr/>
-          <a:lstStyle/>
-          <a:p>
-            <a:r>
-              <a:rPr lang="en-US" dirty="0"/>
-              <a:t>Heading (18 pt. HP Simplified</a:t>
-            </a:r>
-            <a:r>
               <a:rPr lang="en-US" dirty="0" smtClean="0"/>
-              <a:t> bold </a:t>
+              <a:t>Put your third-level of copy here. Use no more than you need to explain your point. </a:t>
             </a:r>
             <a:br>
               <a:rPr lang="en-US" dirty="0" smtClean="0"/>
             </a:br>
             <a:r>
               <a:rPr lang="en-US" dirty="0" smtClean="0"/>
-              <a:t>HP </a:t>
-            </a:r>
-            <a:r>
-              <a:rPr lang="en-US" dirty="0"/>
-              <a:t>blue)</a:t>
-            </a:r>
-            <a:endParaRPr lang="en-GB" dirty="0"/>
-          </a:p>
-          <a:p>
-            <a:pPr lvl="1"/>
-            <a:r>
-              <a:rPr lang="en-US" dirty="0"/>
-              <a:t>Body copy (16 pt. HP Simplified)</a:t>
-            </a:r>
-          </a:p>
-          <a:p>
-            <a:pPr lvl="2"/>
-            <a:r>
-              <a:rPr lang="en-US" dirty="0"/>
-              <a:t>Put your first-level bullet here. </a:t>
+              <a:t>(14 pt. HP Simplified) </a:t>
+            </a:r>
+          </a:p>
+          <a:p>
+            <a:pPr lvl="3"/>
+            <a:r>
+              <a:rPr lang="en-US" dirty="0" smtClean="0"/>
+              <a:t>Put your fourth-level of copy here. Use no more than you need to explain your point. </a:t>
             </a:r>
             <a:br>
-              <a:rPr lang="en-US" dirty="0"/>
+              <a:rPr lang="en-US" dirty="0" smtClean="0"/>
             </a:br>
             <a:r>
-              <a:rPr lang="en-US" dirty="0"/>
+              <a:rPr lang="en-US" dirty="0" smtClean="0"/>
               <a:t>(14 pt. HP Simplified)</a:t>
             </a:r>
           </a:p>
           <a:p>
-            <a:pPr lvl="3"/>
-            <a:r>
-              <a:rPr lang="en-US" dirty="0"/>
-              <a:t>Put your second-level bullet here. </a:t>
+            <a:pPr lvl="4"/>
+            <a:r>
+              <a:rPr lang="en-US" dirty="0" smtClean="0"/>
+              <a:t>Put your fifth-level of copy here. Use no more than you need to explain your point. </a:t>
             </a:r>
             <a:br>
-              <a:rPr lang="en-US" dirty="0"/>
+              <a:rPr lang="en-US" dirty="0" smtClean="0"/>
             </a:br>
             <a:r>
-              <a:rPr lang="en-US" dirty="0"/>
+              <a:rPr lang="en-US" dirty="0" smtClean="0"/>
               <a:t>(14 pt. HP Simplified)</a:t>
             </a:r>
           </a:p>
           <a:p>
-            <a:pPr lvl="4"/>
-            <a:r>
-              <a:rPr lang="en-US" dirty="0"/>
-              <a:t>Put your third-level of copy here. </a:t>
-            </a:r>
-            <a:br>
-              <a:rPr lang="en-US" dirty="0"/>
-            </a:br>
-            <a:r>
-              <a:rPr lang="en-US" dirty="0"/>
-              <a:t>(14 pt. HP Simplified)</a:t>
-            </a:r>
-          </a:p>
-        </p:txBody>
-      </p:sp>
-      <p:sp>
-        <p:nvSpPr>
-          <p:cNvPr id="2" name="Subtitle 1"/>
-          <p:cNvSpPr>
-            <a:spLocks noGrp="1"/>
-          </p:cNvSpPr>
-          <p:nvPr>
-            <p:ph type="subTitle" idx="1"/>
-          </p:nvPr>
-        </p:nvSpPr>
-        <p:spPr/>
-        <p:txBody>
-          <a:bodyPr/>
-          <a:lstStyle/>
-          <a:p>
-            <a:r>
-              <a:rPr lang="en-US" dirty="0"/>
-              <a:t>Subtitle (18 pt. HP Simplified)</a:t>
-            </a:r>
+            <a:endParaRPr lang="en-US" dirty="0"/>
           </a:p>
         </p:txBody>
       </p:sp>
     </p:spTree>
-    <p:extLst>
-      <p:ext uri="{BB962C8B-B14F-4D97-AF65-F5344CB8AC3E}">
-        <p14:creationId xmlns:p14="http://schemas.microsoft.com/office/powerpoint/2010/main" val="1774947844"/>
-      </p:ext>
-    </p:extLst>
   </p:cSld>
   <p:clrMapOvr>
     <a:masterClrMapping/>
@@ -7037,10 +6848,32 @@
           </a:p>
         </p:txBody>
       </p:sp>
+      <p:sp>
+        <p:nvSpPr>
+          <p:cNvPr id="2" name="Subtitle 1"/>
+          <p:cNvSpPr>
+            <a:spLocks noGrp="1"/>
+          </p:cNvSpPr>
+          <p:nvPr>
+            <p:ph type="subTitle" idx="1"/>
+          </p:nvPr>
+        </p:nvSpPr>
+        <p:spPr/>
+        <p:txBody>
+          <a:bodyPr/>
+          <a:lstStyle/>
+          <a:p>
+            <a:r>
+              <a:rPr lang="en-US" dirty="0"/>
+              <a:t>Subtitle (18 pt. HP Simplified)</a:t>
+            </a:r>
+          </a:p>
+        </p:txBody>
+      </p:sp>
     </p:spTree>
     <p:extLst>
       <p:ext uri="{BB962C8B-B14F-4D97-AF65-F5344CB8AC3E}">
-        <p14:creationId xmlns:p14="http://schemas.microsoft.com/office/powerpoint/2010/main" val="3716135975"/>
+        <p14:creationId xmlns:p14="http://schemas.microsoft.com/office/powerpoint/2010/main" val="1774947844"/>
       </p:ext>
     </p:extLst>
   </p:cSld>
@@ -7074,36 +6907,9 @@
           <a:chExt cx="0" cy="0"/>
         </a:xfrm>
       </p:grpSpPr>
-      <p:pic>
-        <p:nvPicPr>
-          <p:cNvPr id="6" name="Picture Placeholder 5" descr="_P1K4056.jpg"/>
-          <p:cNvPicPr>
-            <a:picLocks noGrp="1" noChangeAspect="1"/>
-          </p:cNvPicPr>
-          <p:nvPr>
-            <p:ph type="pic" sz="quarter" idx="11"/>
-          </p:nvPr>
-        </p:nvPicPr>
-        <p:blipFill rotWithShape="1">
-          <a:blip r:embed="rId2" cstate="email">
-            <a:extLst>
-              <a:ext uri="{28A0092B-C50C-407E-A947-70E740481C1C}">
-                <a14:useLocalDpi xmlns:a14="http://schemas.microsoft.com/office/drawing/2010/main"/>
-              </a:ext>
-            </a:extLst>
-          </a:blip>
-          <a:srcRect/>
-          <a:stretch/>
-        </p:blipFill>
-        <p:spPr>
-          <a:ln>
-            <a:noFill/>
-          </a:ln>
-        </p:spPr>
-      </p:pic>
       <p:sp>
         <p:nvSpPr>
-          <p:cNvPr id="2" name="Title 1"/>
+          <p:cNvPr id="4" name="Title 3"/>
           <p:cNvSpPr>
             <a:spLocks noGrp="1"/>
           </p:cNvSpPr>
@@ -7120,18 +6926,17 @@
               <a:rPr lang="en-GB" dirty="0"/>
               <a:t>Title (28 pt. HP Simplified bold)</a:t>
             </a:r>
-            <a:endParaRPr lang="en-US" dirty="0"/>
           </a:p>
         </p:txBody>
       </p:sp>
       <p:sp>
         <p:nvSpPr>
-          <p:cNvPr id="4" name="Content Placeholder 3"/>
+          <p:cNvPr id="7" name="Text Placeholder 6"/>
           <p:cNvSpPr>
             <a:spLocks noGrp="1"/>
           </p:cNvSpPr>
           <p:nvPr>
-            <p:ph sz="quarter" idx="10"/>
+            <p:ph sz="quarter" idx="16"/>
           </p:nvPr>
         </p:nvSpPr>
         <p:spPr/>
@@ -7213,12 +7018,12 @@
       </p:sp>
       <p:sp>
         <p:nvSpPr>
-          <p:cNvPr id="7" name="Subtitle 6"/>
+          <p:cNvPr id="18" name="Text Placeholder 17"/>
           <p:cNvSpPr>
             <a:spLocks noGrp="1"/>
           </p:cNvSpPr>
           <p:nvPr>
-            <p:ph type="subTitle" idx="1"/>
+            <p:ph sz="quarter" idx="17"/>
           </p:nvPr>
         </p:nvSpPr>
         <p:spPr/>
@@ -7228,7 +7033,72 @@
           <a:p>
             <a:r>
               <a:rPr lang="en-US" dirty="0"/>
-              <a:t>Subtitle (18 pt. HP Simplified)</a:t>
+              <a:t>Heading (18 pt. HP Simplified</a:t>
+            </a:r>
+            <a:r>
+              <a:rPr lang="en-US" dirty="0" smtClean="0"/>
+              <a:t> bold </a:t>
+            </a:r>
+            <a:br>
+              <a:rPr lang="en-US" dirty="0" smtClean="0"/>
+            </a:br>
+            <a:r>
+              <a:rPr lang="en-US" dirty="0" smtClean="0"/>
+              <a:t>HP </a:t>
+            </a:r>
+            <a:r>
+              <a:rPr lang="en-US" dirty="0"/>
+              <a:t>blue)</a:t>
+            </a:r>
+            <a:endParaRPr lang="en-GB" dirty="0"/>
+          </a:p>
+          <a:p>
+            <a:pPr lvl="1"/>
+            <a:r>
+              <a:rPr lang="en-US" dirty="0"/>
+              <a:t>Body copy (16 pt. HP Simplified)</a:t>
+            </a:r>
+          </a:p>
+          <a:p>
+            <a:pPr lvl="2"/>
+            <a:r>
+              <a:rPr lang="en-US" dirty="0"/>
+              <a:t>Put your first-level bullet here. </a:t>
+            </a:r>
+            <a:br>
+              <a:rPr lang="en-US" dirty="0"/>
+            </a:br>
+            <a:r>
+              <a:rPr lang="en-US" dirty="0"/>
+              <a:t>(14 pt. HP Simplified)</a:t>
+            </a:r>
+          </a:p>
+          <a:p>
+            <a:pPr lvl="3"/>
+            <a:r>
+              <a:rPr lang="en-US" dirty="0"/>
+              <a:t>Put your second-level bullet here. </a:t>
+            </a:r>
+            <a:br>
+              <a:rPr lang="en-US" dirty="0"/>
+            </a:br>
+            <a:r>
+              <a:rPr lang="en-US" dirty="0"/>
+              <a:t>(14 pt. HP Simplified)</a:t>
+            </a:r>
+          </a:p>
+          <a:p>
+            <a:pPr lvl="4"/>
+            <a:r>
+              <a:rPr lang="en-US" dirty="0"/>
+              <a:t>Put your third-level of copy here. </a:t>
+            </a:r>
+            <a:br>
+              <a:rPr lang="en-US" dirty="0"/>
+            </a:br>
+            <a:r>
+              <a:rPr lang="en-US" dirty="0"/>
+              <a:t>(14 pt. HP Simplified)</a:t>
             </a:r>
           </a:p>
         </p:txBody>
@@ -7236,7 +7106,7 @@
     </p:spTree>
     <p:extLst>
       <p:ext uri="{BB962C8B-B14F-4D97-AF65-F5344CB8AC3E}">
-        <p14:creationId xmlns:p14="http://schemas.microsoft.com/office/powerpoint/2010/main" val="2307050377"/>
+        <p14:creationId xmlns:p14="http://schemas.microsoft.com/office/powerpoint/2010/main" val="3716135975"/>
       </p:ext>
     </p:extLst>
   </p:cSld>
@@ -7407,10 +7277,32 @@
           </a:p>
         </p:txBody>
       </p:sp>
+      <p:sp>
+        <p:nvSpPr>
+          <p:cNvPr id="7" name="Subtitle 6"/>
+          <p:cNvSpPr>
+            <a:spLocks noGrp="1"/>
+          </p:cNvSpPr>
+          <p:nvPr>
+            <p:ph type="subTitle" idx="1"/>
+          </p:nvPr>
+        </p:nvSpPr>
+        <p:spPr/>
+        <p:txBody>
+          <a:bodyPr/>
+          <a:lstStyle/>
+          <a:p>
+            <a:r>
+              <a:rPr lang="en-US" dirty="0"/>
+              <a:t>Subtitle (18 pt. HP Simplified)</a:t>
+            </a:r>
+          </a:p>
+        </p:txBody>
+      </p:sp>
     </p:spTree>
     <p:extLst>
       <p:ext uri="{BB962C8B-B14F-4D97-AF65-F5344CB8AC3E}">
-        <p14:creationId xmlns:p14="http://schemas.microsoft.com/office/powerpoint/2010/main" val="2466128647"/>
+        <p14:creationId xmlns:p14="http://schemas.microsoft.com/office/powerpoint/2010/main" val="2307050377"/>
       </p:ext>
     </p:extLst>
   </p:cSld>
@@ -7444,9 +7336,36 @@
           <a:chExt cx="0" cy="0"/>
         </a:xfrm>
       </p:grpSpPr>
+      <p:pic>
+        <p:nvPicPr>
+          <p:cNvPr id="6" name="Picture Placeholder 5" descr="_P1K4056.jpg"/>
+          <p:cNvPicPr>
+            <a:picLocks noGrp="1" noChangeAspect="1"/>
+          </p:cNvPicPr>
+          <p:nvPr>
+            <p:ph type="pic" sz="quarter" idx="11"/>
+          </p:nvPr>
+        </p:nvPicPr>
+        <p:blipFill rotWithShape="1">
+          <a:blip r:embed="rId2" cstate="email">
+            <a:extLst>
+              <a:ext uri="{28A0092B-C50C-407E-A947-70E740481C1C}">
+                <a14:useLocalDpi xmlns:a14="http://schemas.microsoft.com/office/drawing/2010/main"/>
+              </a:ext>
+            </a:extLst>
+          </a:blip>
+          <a:srcRect/>
+          <a:stretch/>
+        </p:blipFill>
+        <p:spPr>
+          <a:ln>
+            <a:noFill/>
+          </a:ln>
+        </p:spPr>
+      </p:pic>
       <p:sp>
         <p:nvSpPr>
-          <p:cNvPr id="8" name="Title 7"/>
+          <p:cNvPr id="2" name="Title 1"/>
           <p:cNvSpPr>
             <a:spLocks noGrp="1"/>
           </p:cNvSpPr>
@@ -7469,88 +7388,12 @@
       </p:sp>
       <p:sp>
         <p:nvSpPr>
-          <p:cNvPr id="14" name="Text Placeholder 13"/>
+          <p:cNvPr id="4" name="Content Placeholder 3"/>
           <p:cNvSpPr>
             <a:spLocks noGrp="1"/>
           </p:cNvSpPr>
           <p:nvPr>
-            <p:ph sz="quarter" idx="16"/>
-          </p:nvPr>
-        </p:nvSpPr>
-        <p:spPr/>
-        <p:txBody>
-          <a:bodyPr>
-            <a:normAutofit/>
-          </a:bodyPr>
-          <a:lstStyle/>
-          <a:p>
-            <a:r>
-              <a:rPr lang="en-US" dirty="0"/>
-              <a:t>Heading (18 pt. HP Simplified</a:t>
-            </a:r>
-            <a:r>
-              <a:rPr lang="en-US" dirty="0" smtClean="0"/>
-              <a:t> bold HP </a:t>
-            </a:r>
-            <a:r>
-              <a:rPr lang="en-US" dirty="0"/>
-              <a:t>blue)</a:t>
-            </a:r>
-            <a:endParaRPr lang="en-GB" dirty="0"/>
-          </a:p>
-          <a:p>
-            <a:pPr lvl="1"/>
-            <a:r>
-              <a:rPr lang="en-US" dirty="0"/>
-              <a:t>Body copy</a:t>
-            </a:r>
-            <a:r>
-              <a:rPr lang="en-US" dirty="0" smtClean="0"/>
-              <a:t> </a:t>
-            </a:r>
-            <a:br>
-              <a:rPr lang="en-US" dirty="0" smtClean="0"/>
-            </a:br>
-            <a:r>
-              <a:rPr lang="en-US" dirty="0" smtClean="0"/>
-              <a:t>(</a:t>
-            </a:r>
-            <a:r>
-              <a:rPr lang="en-US" dirty="0"/>
-              <a:t>16 pt. HP Simplified)</a:t>
-            </a:r>
-          </a:p>
-          <a:p>
-            <a:pPr lvl="2"/>
-            <a:r>
-              <a:rPr lang="en-US" dirty="0"/>
-              <a:t>14 pt. HP Simplified</a:t>
-            </a:r>
-          </a:p>
-          <a:p>
-            <a:pPr lvl="3"/>
-            <a:r>
-              <a:rPr lang="en-US" dirty="0"/>
-              <a:t>14 pt. HP Simplified</a:t>
-            </a:r>
-          </a:p>
-          <a:p>
-            <a:pPr lvl="4"/>
-            <a:r>
-              <a:rPr lang="en-US" dirty="0"/>
-              <a:t>14 pt. HP Simplified</a:t>
-            </a:r>
-          </a:p>
-        </p:txBody>
-      </p:sp>
-      <p:sp>
-        <p:nvSpPr>
-          <p:cNvPr id="11" name="Text Placeholder 10"/>
-          <p:cNvSpPr>
-            <a:spLocks noGrp="1"/>
-          </p:cNvSpPr>
-          <p:nvPr>
-            <p:ph sz="quarter" idx="17"/>
+            <p:ph sz="quarter" idx="10"/>
           </p:nvPr>
         </p:nvSpPr>
         <p:spPr/>
@@ -7564,81 +7407,14 @@
             </a:r>
             <a:r>
               <a:rPr lang="en-US" dirty="0" smtClean="0"/>
-              <a:t> bold HP </a:t>
-            </a:r>
-            <a:r>
-              <a:rPr lang="en-US" dirty="0"/>
-              <a:t>blue)</a:t>
-            </a:r>
-            <a:endParaRPr lang="en-GB" dirty="0"/>
-          </a:p>
-          <a:p>
-            <a:pPr lvl="1"/>
-            <a:r>
-              <a:rPr lang="en-US" dirty="0"/>
-              <a:t>Body copy</a:t>
-            </a:r>
-            <a:r>
-              <a:rPr lang="en-US" dirty="0" smtClean="0"/>
-              <a:t> </a:t>
+              <a:t> bold </a:t>
             </a:r>
             <a:br>
               <a:rPr lang="en-US" dirty="0" smtClean="0"/>
             </a:br>
             <a:r>
               <a:rPr lang="en-US" dirty="0" smtClean="0"/>
-              <a:t>(</a:t>
-            </a:r>
-            <a:r>
-              <a:rPr lang="en-US" dirty="0"/>
-              <a:t>16 pt. HP Simplified)</a:t>
-            </a:r>
-          </a:p>
-          <a:p>
-            <a:pPr lvl="2"/>
-            <a:r>
-              <a:rPr lang="en-US" dirty="0"/>
-              <a:t>14 pt. HP Simplified</a:t>
-            </a:r>
-          </a:p>
-          <a:p>
-            <a:pPr lvl="3"/>
-            <a:r>
-              <a:rPr lang="en-US" dirty="0"/>
-              <a:t>14 pt. HP Simplified</a:t>
-            </a:r>
-          </a:p>
-          <a:p>
-            <a:pPr lvl="4"/>
-            <a:r>
-              <a:rPr lang="en-US" dirty="0"/>
-              <a:t>14 pt. HP Simplified</a:t>
-            </a:r>
-          </a:p>
-        </p:txBody>
-      </p:sp>
-      <p:sp>
-        <p:nvSpPr>
-          <p:cNvPr id="12" name="Text Placeholder 11"/>
-          <p:cNvSpPr>
-            <a:spLocks noGrp="1"/>
-          </p:cNvSpPr>
-          <p:nvPr>
-            <p:ph sz="quarter" idx="18"/>
-          </p:nvPr>
-        </p:nvSpPr>
-        <p:spPr/>
-        <p:txBody>
-          <a:bodyPr/>
-          <a:lstStyle/>
-          <a:p>
-            <a:r>
-              <a:rPr lang="en-US" dirty="0"/>
-              <a:t>Heading (18 pt. HP Simplified</a:t>
-            </a:r>
-            <a:r>
-              <a:rPr lang="en-US" dirty="0" smtClean="0"/>
-              <a:t> bold HP </a:t>
+              <a:t>HP </a:t>
             </a:r>
             <a:r>
               <a:rPr lang="en-US" dirty="0"/>
@@ -7650,74 +7426,59 @@
             <a:pPr lvl="1"/>
             <a:r>
               <a:rPr lang="en-US" dirty="0"/>
-              <a:t>Body </a:t>
-            </a:r>
-            <a:r>
-              <a:rPr lang="en-US"/>
-              <a:t>copy</a:t>
-            </a:r>
-            <a:r>
-              <a:rPr lang="en-US" smtClean="0"/>
-              <a:t> </a:t>
+              <a:t>Body copy (16 pt. HP Simplified)</a:t>
+            </a:r>
+          </a:p>
+          <a:p>
+            <a:pPr lvl="2"/>
+            <a:r>
+              <a:rPr lang="en-US" dirty="0"/>
+              <a:t>Put your first-level bullet here. </a:t>
             </a:r>
             <a:br>
-              <a:rPr lang="en-US" smtClean="0"/>
+              <a:rPr lang="en-US" dirty="0"/>
             </a:br>
             <a:r>
-              <a:rPr lang="en-US" smtClean="0"/>
-              <a:t>(</a:t>
-            </a:r>
-            <a:r>
               <a:rPr lang="en-US" dirty="0"/>
-              <a:t>16 pt. HP Simplified)</a:t>
-            </a:r>
-          </a:p>
-          <a:p>
-            <a:pPr lvl="2"/>
+              <a:t>(14 pt. HP Simplified)</a:t>
+            </a:r>
+          </a:p>
+          <a:p>
+            <a:pPr lvl="3"/>
             <a:r>
               <a:rPr lang="en-US" dirty="0"/>
-              <a:t>14 pt. HP Simplified</a:t>
-            </a:r>
-          </a:p>
-          <a:p>
-            <a:pPr lvl="3"/>
-            <a:r>
+              <a:t>Put your second-level bullet here. </a:t>
+            </a:r>
+            <a:br>
               <a:rPr lang="en-US" dirty="0"/>
-              <a:t>14 pt. HP Simplified</a:t>
+            </a:br>
+            <a:r>
+              <a:rPr lang="en-US" dirty="0"/>
+              <a:t>(14 pt. HP Simplified)</a:t>
             </a:r>
           </a:p>
           <a:p>
             <a:pPr lvl="4"/>
             <a:r>
               <a:rPr lang="en-US" dirty="0"/>
-              <a:t>14 pt. HP Simplified</a:t>
-            </a:r>
-          </a:p>
-        </p:txBody>
-      </p:sp>
-      <p:sp>
-        <p:nvSpPr>
-          <p:cNvPr id="2" name="Subtitle 1"/>
-          <p:cNvSpPr>
-            <a:spLocks noGrp="1"/>
-          </p:cNvSpPr>
-          <p:nvPr>
-            <p:ph type="subTitle" idx="1"/>
-          </p:nvPr>
-        </p:nvSpPr>
-        <p:spPr/>
-        <p:txBody>
-          <a:bodyPr/>
-          <a:lstStyle/>
-          <a:p>
-            <a:r>
+              <a:t>Put your third-level of copy here. </a:t>
+            </a:r>
+            <a:br>
               <a:rPr lang="en-US" dirty="0"/>
-              <a:t>Subtitle (18 pt. HP Simplified)</a:t>
+            </a:br>
+            <a:r>
+              <a:rPr lang="en-US" dirty="0"/>
+              <a:t>(14 pt. HP Simplified)</a:t>
             </a:r>
           </a:p>
         </p:txBody>
       </p:sp>
     </p:spTree>
+    <p:extLst>
+      <p:ext uri="{BB962C8B-B14F-4D97-AF65-F5344CB8AC3E}">
+        <p14:creationId xmlns:p14="http://schemas.microsoft.com/office/powerpoint/2010/main" val="2466128647"/>
+      </p:ext>
+    </p:extLst>
   </p:cSld>
   <p:clrMapOvr>
     <a:masterClrMapping/>
@@ -7795,6 +7556,311 @@
             </a:r>
             <a:r>
               <a:rPr lang="en-US" dirty="0" smtClean="0"/>
+              <a:t> bold HP </a:t>
+            </a:r>
+            <a:r>
+              <a:rPr lang="en-US" dirty="0"/>
+              <a:t>blue)</a:t>
+            </a:r>
+            <a:endParaRPr lang="en-GB" dirty="0"/>
+          </a:p>
+          <a:p>
+            <a:pPr lvl="1"/>
+            <a:r>
+              <a:rPr lang="en-US" dirty="0"/>
+              <a:t>Body copy</a:t>
+            </a:r>
+            <a:r>
+              <a:rPr lang="en-US" dirty="0" smtClean="0"/>
+              <a:t> </a:t>
+            </a:r>
+            <a:br>
+              <a:rPr lang="en-US" dirty="0" smtClean="0"/>
+            </a:br>
+            <a:r>
+              <a:rPr lang="en-US" dirty="0" smtClean="0"/>
+              <a:t>(</a:t>
+            </a:r>
+            <a:r>
+              <a:rPr lang="en-US" dirty="0"/>
+              <a:t>16 pt. HP Simplified)</a:t>
+            </a:r>
+          </a:p>
+          <a:p>
+            <a:pPr lvl="2"/>
+            <a:r>
+              <a:rPr lang="en-US" dirty="0"/>
+              <a:t>14 pt. HP Simplified</a:t>
+            </a:r>
+          </a:p>
+          <a:p>
+            <a:pPr lvl="3"/>
+            <a:r>
+              <a:rPr lang="en-US" dirty="0"/>
+              <a:t>14 pt. HP Simplified</a:t>
+            </a:r>
+          </a:p>
+          <a:p>
+            <a:pPr lvl="4"/>
+            <a:r>
+              <a:rPr lang="en-US" dirty="0"/>
+              <a:t>14 pt. HP Simplified</a:t>
+            </a:r>
+          </a:p>
+        </p:txBody>
+      </p:sp>
+      <p:sp>
+        <p:nvSpPr>
+          <p:cNvPr id="11" name="Text Placeholder 10"/>
+          <p:cNvSpPr>
+            <a:spLocks noGrp="1"/>
+          </p:cNvSpPr>
+          <p:nvPr>
+            <p:ph sz="quarter" idx="17"/>
+          </p:nvPr>
+        </p:nvSpPr>
+        <p:spPr/>
+        <p:txBody>
+          <a:bodyPr/>
+          <a:lstStyle/>
+          <a:p>
+            <a:r>
+              <a:rPr lang="en-US" dirty="0"/>
+              <a:t>Heading (18 pt. HP Simplified</a:t>
+            </a:r>
+            <a:r>
+              <a:rPr lang="en-US" dirty="0" smtClean="0"/>
+              <a:t> bold HP </a:t>
+            </a:r>
+            <a:r>
+              <a:rPr lang="en-US" dirty="0"/>
+              <a:t>blue)</a:t>
+            </a:r>
+            <a:endParaRPr lang="en-GB" dirty="0"/>
+          </a:p>
+          <a:p>
+            <a:pPr lvl="1"/>
+            <a:r>
+              <a:rPr lang="en-US" dirty="0"/>
+              <a:t>Body copy</a:t>
+            </a:r>
+            <a:r>
+              <a:rPr lang="en-US" dirty="0" smtClean="0"/>
+              <a:t> </a:t>
+            </a:r>
+            <a:br>
+              <a:rPr lang="en-US" dirty="0" smtClean="0"/>
+            </a:br>
+            <a:r>
+              <a:rPr lang="en-US" dirty="0" smtClean="0"/>
+              <a:t>(</a:t>
+            </a:r>
+            <a:r>
+              <a:rPr lang="en-US" dirty="0"/>
+              <a:t>16 pt. HP Simplified)</a:t>
+            </a:r>
+          </a:p>
+          <a:p>
+            <a:pPr lvl="2"/>
+            <a:r>
+              <a:rPr lang="en-US" dirty="0"/>
+              <a:t>14 pt. HP Simplified</a:t>
+            </a:r>
+          </a:p>
+          <a:p>
+            <a:pPr lvl="3"/>
+            <a:r>
+              <a:rPr lang="en-US" dirty="0"/>
+              <a:t>14 pt. HP Simplified</a:t>
+            </a:r>
+          </a:p>
+          <a:p>
+            <a:pPr lvl="4"/>
+            <a:r>
+              <a:rPr lang="en-US" dirty="0"/>
+              <a:t>14 pt. HP Simplified</a:t>
+            </a:r>
+          </a:p>
+        </p:txBody>
+      </p:sp>
+      <p:sp>
+        <p:nvSpPr>
+          <p:cNvPr id="12" name="Text Placeholder 11"/>
+          <p:cNvSpPr>
+            <a:spLocks noGrp="1"/>
+          </p:cNvSpPr>
+          <p:nvPr>
+            <p:ph sz="quarter" idx="18"/>
+          </p:nvPr>
+        </p:nvSpPr>
+        <p:spPr/>
+        <p:txBody>
+          <a:bodyPr/>
+          <a:lstStyle/>
+          <a:p>
+            <a:r>
+              <a:rPr lang="en-US" dirty="0"/>
+              <a:t>Heading (18 pt. HP Simplified</a:t>
+            </a:r>
+            <a:r>
+              <a:rPr lang="en-US" dirty="0" smtClean="0"/>
+              <a:t> bold HP </a:t>
+            </a:r>
+            <a:r>
+              <a:rPr lang="en-US" dirty="0"/>
+              <a:t>blue)</a:t>
+            </a:r>
+            <a:endParaRPr lang="en-GB" dirty="0"/>
+          </a:p>
+          <a:p>
+            <a:pPr lvl="1"/>
+            <a:r>
+              <a:rPr lang="en-US" dirty="0"/>
+              <a:t>Body </a:t>
+            </a:r>
+            <a:r>
+              <a:rPr lang="en-US"/>
+              <a:t>copy</a:t>
+            </a:r>
+            <a:r>
+              <a:rPr lang="en-US" smtClean="0"/>
+              <a:t> </a:t>
+            </a:r>
+            <a:br>
+              <a:rPr lang="en-US" smtClean="0"/>
+            </a:br>
+            <a:r>
+              <a:rPr lang="en-US" smtClean="0"/>
+              <a:t>(</a:t>
+            </a:r>
+            <a:r>
+              <a:rPr lang="en-US" dirty="0"/>
+              <a:t>16 pt. HP Simplified)</a:t>
+            </a:r>
+          </a:p>
+          <a:p>
+            <a:pPr lvl="2"/>
+            <a:r>
+              <a:rPr lang="en-US" dirty="0"/>
+              <a:t>14 pt. HP Simplified</a:t>
+            </a:r>
+          </a:p>
+          <a:p>
+            <a:pPr lvl="3"/>
+            <a:r>
+              <a:rPr lang="en-US" dirty="0"/>
+              <a:t>14 pt. HP Simplified</a:t>
+            </a:r>
+          </a:p>
+          <a:p>
+            <a:pPr lvl="4"/>
+            <a:r>
+              <a:rPr lang="en-US" dirty="0"/>
+              <a:t>14 pt. HP Simplified</a:t>
+            </a:r>
+          </a:p>
+        </p:txBody>
+      </p:sp>
+      <p:sp>
+        <p:nvSpPr>
+          <p:cNvPr id="2" name="Subtitle 1"/>
+          <p:cNvSpPr>
+            <a:spLocks noGrp="1"/>
+          </p:cNvSpPr>
+          <p:nvPr>
+            <p:ph type="subTitle" idx="1"/>
+          </p:nvPr>
+        </p:nvSpPr>
+        <p:spPr/>
+        <p:txBody>
+          <a:bodyPr/>
+          <a:lstStyle/>
+          <a:p>
+            <a:r>
+              <a:rPr lang="en-US" dirty="0"/>
+              <a:t>Subtitle (18 pt. HP Simplified)</a:t>
+            </a:r>
+          </a:p>
+        </p:txBody>
+      </p:sp>
+    </p:spTree>
+  </p:cSld>
+  <p:clrMapOvr>
+    <a:masterClrMapping/>
+  </p:clrMapOvr>
+  <p:timing>
+    <p:tnLst>
+      <p:par>
+        <p:cTn id="1" dur="indefinite" restart="never" nodeType="tmRoot"/>
+      </p:par>
+    </p:tnLst>
+  </p:timing>
+</p:sld>
+</file>
+
+<file path=ppt/slides/slide18.xml><?xml version="1.0" encoding="utf-8"?>
+<p:sld xmlns:a="http://schemas.openxmlformats.org/drawingml/2006/main" xmlns:r="http://schemas.openxmlformats.org/officeDocument/2006/relationships" xmlns:p="http://schemas.openxmlformats.org/presentationml/2006/main">
+  <p:cSld>
+    <p:spTree>
+      <p:nvGrpSpPr>
+        <p:cNvPr id="1" name=""/>
+        <p:cNvGrpSpPr/>
+        <p:nvPr/>
+      </p:nvGrpSpPr>
+      <p:grpSpPr>
+        <a:xfrm>
+          <a:off x="0" y="0"/>
+          <a:ext cx="0" cy="0"/>
+          <a:chOff x="0" y="0"/>
+          <a:chExt cx="0" cy="0"/>
+        </a:xfrm>
+      </p:grpSpPr>
+      <p:sp>
+        <p:nvSpPr>
+          <p:cNvPr id="8" name="Title 7"/>
+          <p:cNvSpPr>
+            <a:spLocks noGrp="1"/>
+          </p:cNvSpPr>
+          <p:nvPr>
+            <p:ph type="title"/>
+          </p:nvPr>
+        </p:nvSpPr>
+        <p:spPr/>
+        <p:txBody>
+          <a:bodyPr/>
+          <a:lstStyle/>
+          <a:p>
+            <a:r>
+              <a:rPr lang="en-GB" dirty="0"/>
+              <a:t>Title (28 pt. HP Simplified bold)</a:t>
+            </a:r>
+            <a:endParaRPr lang="en-US" dirty="0"/>
+          </a:p>
+        </p:txBody>
+      </p:sp>
+      <p:sp>
+        <p:nvSpPr>
+          <p:cNvPr id="14" name="Text Placeholder 13"/>
+          <p:cNvSpPr>
+            <a:spLocks noGrp="1"/>
+          </p:cNvSpPr>
+          <p:nvPr>
+            <p:ph sz="quarter" idx="16"/>
+          </p:nvPr>
+        </p:nvSpPr>
+        <p:spPr/>
+        <p:txBody>
+          <a:bodyPr>
+            <a:normAutofit/>
+          </a:bodyPr>
+          <a:lstStyle/>
+          <a:p>
+            <a:r>
+              <a:rPr lang="en-US" dirty="0"/>
+              <a:t>Heading (18 pt. HP Simplified</a:t>
+            </a:r>
+            <a:r>
+              <a:rPr lang="en-US" dirty="0" smtClean="0"/>
               <a:t> bold HP blue</a:t>
             </a:r>
             <a:r>
@@ -8016,7 +8082,7 @@
 </p:sld>
 </file>
 
-<file path=ppt/slides/slide18.xml><?xml version="1.0" encoding="utf-8"?>
+<file path=ppt/slides/slide19.xml><?xml version="1.0" encoding="utf-8"?>
 <p:sld xmlns:a="http://schemas.openxmlformats.org/drawingml/2006/main" xmlns:r="http://schemas.openxmlformats.org/officeDocument/2006/relationships" xmlns:p="http://schemas.openxmlformats.org/presentationml/2006/main">
   <p:cSld>
     <p:spTree>
@@ -9150,7 +9216,133 @@
 </p:sld>
 </file>
 
-<file path=ppt/slides/slide19.xml><?xml version="1.0" encoding="utf-8"?>
+<file path=ppt/slides/slide2.xml><?xml version="1.0" encoding="utf-8"?>
+<p:sld xmlns:a="http://schemas.openxmlformats.org/drawingml/2006/main" xmlns:r="http://schemas.openxmlformats.org/officeDocument/2006/relationships" xmlns:p="http://schemas.openxmlformats.org/presentationml/2006/main">
+  <p:cSld>
+    <p:spTree>
+      <p:nvGrpSpPr>
+        <p:cNvPr id="1" name=""/>
+        <p:cNvGrpSpPr/>
+        <p:nvPr/>
+      </p:nvGrpSpPr>
+      <p:grpSpPr>
+        <a:xfrm>
+          <a:off x="0" y="0"/>
+          <a:ext cx="0" cy="0"/>
+          <a:chOff x="0" y="0"/>
+          <a:chExt cx="0" cy="0"/>
+        </a:xfrm>
+      </p:grpSpPr>
+      <p:sp>
+        <p:nvSpPr>
+          <p:cNvPr id="4" name="Title 3"/>
+          <p:cNvSpPr>
+            <a:spLocks noGrp="1"/>
+          </p:cNvSpPr>
+          <p:nvPr>
+            <p:ph type="title"/>
+          </p:nvPr>
+        </p:nvSpPr>
+        <p:spPr/>
+        <p:txBody>
+          <a:bodyPr/>
+          <a:lstStyle/>
+          <a:p>
+            <a:r>
+              <a:rPr lang="en-GB" dirty="0" smtClean="0"/>
+              <a:t>Agenda</a:t>
+            </a:r>
+            <a:endParaRPr lang="en-GB" dirty="0"/>
+          </a:p>
+        </p:txBody>
+      </p:sp>
+      <p:sp>
+        <p:nvSpPr>
+          <p:cNvPr id="7" name="Text Placeholder 6"/>
+          <p:cNvSpPr>
+            <a:spLocks noGrp="1"/>
+          </p:cNvSpPr>
+          <p:nvPr>
+            <p:ph sz="quarter" idx="10"/>
+          </p:nvPr>
+        </p:nvSpPr>
+        <p:spPr>
+          <a:xfrm>
+            <a:off x="329184" y="1188722"/>
+            <a:ext cx="8119872" cy="2860764"/>
+          </a:xfrm>
+        </p:spPr>
+        <p:txBody>
+          <a:bodyPr/>
+          <a:lstStyle/>
+          <a:p>
+            <a:pPr marL="285750" indent="-285750">
+              <a:buFont typeface="Arial" panose="020B0604020202020204" pitchFamily="34" charset="0"/>
+              <a:buChar char="•"/>
+            </a:pPr>
+            <a:r>
+              <a:rPr lang="en-US" sz="2400" dirty="0" smtClean="0"/>
+              <a:t>Pre C++11</a:t>
+            </a:r>
+          </a:p>
+          <a:p>
+            <a:pPr marL="285750" indent="-285750">
+              <a:buFont typeface="Arial" panose="020B0604020202020204" pitchFamily="34" charset="0"/>
+              <a:buChar char="•"/>
+            </a:pPr>
+            <a:endParaRPr lang="en-US" sz="2400" dirty="0"/>
+          </a:p>
+          <a:p>
+            <a:pPr marL="285750" indent="-285750">
+              <a:buFont typeface="Arial" panose="020B0604020202020204" pitchFamily="34" charset="0"/>
+              <a:buChar char="•"/>
+            </a:pPr>
+            <a:r>
+              <a:rPr lang="en-US" sz="2400" dirty="0" smtClean="0"/>
+              <a:t>C++11</a:t>
+            </a:r>
+          </a:p>
+          <a:p>
+            <a:pPr marL="285750" indent="-285750">
+              <a:buFont typeface="Arial" panose="020B0604020202020204" pitchFamily="34" charset="0"/>
+              <a:buChar char="•"/>
+            </a:pPr>
+            <a:endParaRPr lang="en-US" sz="2400" dirty="0"/>
+          </a:p>
+          <a:p>
+            <a:pPr marL="285750" indent="-285750">
+              <a:buFont typeface="Arial" panose="020B0604020202020204" pitchFamily="34" charset="0"/>
+              <a:buChar char="•"/>
+            </a:pPr>
+            <a:r>
+              <a:rPr lang="en-US" sz="2400" dirty="0" smtClean="0"/>
+              <a:t>Post C++11</a:t>
+            </a:r>
+            <a:endParaRPr lang="en-GB" sz="2400" dirty="0"/>
+          </a:p>
+        </p:txBody>
+      </p:sp>
+    </p:spTree>
+    <p:extLst>
+      <p:ext uri="{BB962C8B-B14F-4D97-AF65-F5344CB8AC3E}">
+        <p14:creationId xmlns:p14="http://schemas.microsoft.com/office/powerpoint/2010/main" val="1945731487"/>
+      </p:ext>
+    </p:extLst>
+  </p:cSld>
+  <p:clrMapOvr>
+    <a:masterClrMapping/>
+  </p:clrMapOvr>
+  <p:timing>
+    <p:tnLst>
+      <p:par>
+        <p:cTn id="1" dur="indefinite" restart="never" nodeType="tmRoot"/>
+      </p:par>
+    </p:tnLst>
+  </p:timing>
+</p:sld>
+</file>
+
+<file path=ppt/slides/slide20.xml><?xml version="1.0" encoding="utf-8"?>
 <p:sld xmlns:a="http://schemas.openxmlformats.org/drawingml/2006/main" xmlns:r="http://schemas.openxmlformats.org/officeDocument/2006/relationships" xmlns:p="http://schemas.openxmlformats.org/presentationml/2006/main">
   <p:cSld>
     <p:spTree>
@@ -13471,133 +13663,7 @@
 </p:sld>
 </file>
 
-<file path=ppt/slides/slide2.xml><?xml version="1.0" encoding="utf-8"?>
-<p:sld xmlns:a="http://schemas.openxmlformats.org/drawingml/2006/main" xmlns:r="http://schemas.openxmlformats.org/officeDocument/2006/relationships" xmlns:p="http://schemas.openxmlformats.org/presentationml/2006/main">
-  <p:cSld>
-    <p:spTree>
-      <p:nvGrpSpPr>
-        <p:cNvPr id="1" name=""/>
-        <p:cNvGrpSpPr/>
-        <p:nvPr/>
-      </p:nvGrpSpPr>
-      <p:grpSpPr>
-        <a:xfrm>
-          <a:off x="0" y="0"/>
-          <a:ext cx="0" cy="0"/>
-          <a:chOff x="0" y="0"/>
-          <a:chExt cx="0" cy="0"/>
-        </a:xfrm>
-      </p:grpSpPr>
-      <p:sp>
-        <p:nvSpPr>
-          <p:cNvPr id="4" name="Title 3"/>
-          <p:cNvSpPr>
-            <a:spLocks noGrp="1"/>
-          </p:cNvSpPr>
-          <p:nvPr>
-            <p:ph type="title"/>
-          </p:nvPr>
-        </p:nvSpPr>
-        <p:spPr/>
-        <p:txBody>
-          <a:bodyPr/>
-          <a:lstStyle/>
-          <a:p>
-            <a:r>
-              <a:rPr lang="en-GB" dirty="0" smtClean="0"/>
-              <a:t>Agenda</a:t>
-            </a:r>
-            <a:endParaRPr lang="en-GB" dirty="0"/>
-          </a:p>
-        </p:txBody>
-      </p:sp>
-      <p:sp>
-        <p:nvSpPr>
-          <p:cNvPr id="7" name="Text Placeholder 6"/>
-          <p:cNvSpPr>
-            <a:spLocks noGrp="1"/>
-          </p:cNvSpPr>
-          <p:nvPr>
-            <p:ph sz="quarter" idx="10"/>
-          </p:nvPr>
-        </p:nvSpPr>
-        <p:spPr>
-          <a:xfrm>
-            <a:off x="329184" y="1188722"/>
-            <a:ext cx="8119872" cy="2860764"/>
-          </a:xfrm>
-        </p:spPr>
-        <p:txBody>
-          <a:bodyPr/>
-          <a:lstStyle/>
-          <a:p>
-            <a:pPr marL="285750" indent="-285750">
-              <a:buFont typeface="Arial" panose="020B0604020202020204" pitchFamily="34" charset="0"/>
-              <a:buChar char="•"/>
-            </a:pPr>
-            <a:r>
-              <a:rPr lang="en-US" sz="2400" dirty="0" smtClean="0"/>
-              <a:t>Pre C++11</a:t>
-            </a:r>
-          </a:p>
-          <a:p>
-            <a:pPr marL="285750" indent="-285750">
-              <a:buFont typeface="Arial" panose="020B0604020202020204" pitchFamily="34" charset="0"/>
-              <a:buChar char="•"/>
-            </a:pPr>
-            <a:endParaRPr lang="en-US" sz="2400" dirty="0"/>
-          </a:p>
-          <a:p>
-            <a:pPr marL="285750" indent="-285750">
-              <a:buFont typeface="Arial" panose="020B0604020202020204" pitchFamily="34" charset="0"/>
-              <a:buChar char="•"/>
-            </a:pPr>
-            <a:r>
-              <a:rPr lang="en-US" sz="2400" dirty="0" smtClean="0"/>
-              <a:t>C++11</a:t>
-            </a:r>
-          </a:p>
-          <a:p>
-            <a:pPr marL="285750" indent="-285750">
-              <a:buFont typeface="Arial" panose="020B0604020202020204" pitchFamily="34" charset="0"/>
-              <a:buChar char="•"/>
-            </a:pPr>
-            <a:endParaRPr lang="en-US" sz="2400" dirty="0"/>
-          </a:p>
-          <a:p>
-            <a:pPr marL="285750" indent="-285750">
-              <a:buFont typeface="Arial" panose="020B0604020202020204" pitchFamily="34" charset="0"/>
-              <a:buChar char="•"/>
-            </a:pPr>
-            <a:r>
-              <a:rPr lang="en-US" sz="2400" dirty="0" smtClean="0"/>
-              <a:t>Post C++11</a:t>
-            </a:r>
-            <a:endParaRPr lang="en-GB" sz="2400" dirty="0"/>
-          </a:p>
-        </p:txBody>
-      </p:sp>
-    </p:spTree>
-    <p:extLst>
-      <p:ext uri="{BB962C8B-B14F-4D97-AF65-F5344CB8AC3E}">
-        <p14:creationId xmlns:p14="http://schemas.microsoft.com/office/powerpoint/2010/main" val="1945731487"/>
-      </p:ext>
-    </p:extLst>
-  </p:cSld>
-  <p:clrMapOvr>
-    <a:masterClrMapping/>
-  </p:clrMapOvr>
-  <p:timing>
-    <p:tnLst>
-      <p:par>
-        <p:cTn id="1" dur="indefinite" restart="never" nodeType="tmRoot"/>
-      </p:par>
-    </p:tnLst>
-  </p:timing>
-</p:sld>
-</file>
-
-<file path=ppt/slides/slide20.xml><?xml version="1.0" encoding="utf-8"?>
+<file path=ppt/slides/slide21.xml><?xml version="1.0" encoding="utf-8"?>
 <p:sld xmlns:a="http://schemas.openxmlformats.org/drawingml/2006/main" xmlns:r="http://schemas.openxmlformats.org/officeDocument/2006/relationships" xmlns:p="http://schemas.openxmlformats.org/presentationml/2006/main">
   <p:cSld>
     <p:spTree>
@@ -19158,7 +19224,7 @@
 </p:sld>
 </file>
 
-<file path=ppt/slides/slide21.xml><?xml version="1.0" encoding="utf-8"?>
+<file path=ppt/slides/slide22.xml><?xml version="1.0" encoding="utf-8"?>
 <p:sld xmlns:a="http://schemas.openxmlformats.org/drawingml/2006/main" xmlns:r="http://schemas.openxmlformats.org/officeDocument/2006/relationships" xmlns:p="http://schemas.openxmlformats.org/presentationml/2006/main">
   <p:cSld>
     <p:spTree>
@@ -20634,7 +20700,7 @@
 </p:sld>
 </file>
 
-<file path=ppt/slides/slide22.xml><?xml version="1.0" encoding="utf-8"?>
+<file path=ppt/slides/slide23.xml><?xml version="1.0" encoding="utf-8"?>
 <p:sld xmlns:a="http://schemas.openxmlformats.org/drawingml/2006/main" xmlns:r="http://schemas.openxmlformats.org/officeDocument/2006/relationships" xmlns:p="http://schemas.openxmlformats.org/presentationml/2006/main">
   <p:cSld>
     <p:spTree>
@@ -21616,7 +21682,7 @@
 </p:sld>
 </file>
 
-<file path=ppt/slides/slide23.xml><?xml version="1.0" encoding="utf-8"?>
+<file path=ppt/slides/slide24.xml><?xml version="1.0" encoding="utf-8"?>
 <p:sld xmlns:a="http://schemas.openxmlformats.org/drawingml/2006/main" xmlns:r="http://schemas.openxmlformats.org/officeDocument/2006/relationships" xmlns:p="http://schemas.openxmlformats.org/presentationml/2006/main">
   <p:cSld>
     <p:spTree>
@@ -21770,7 +21836,7 @@
 </p:sld>
 </file>
 
-<file path=ppt/slides/slide24.xml><?xml version="1.0" encoding="utf-8"?>
+<file path=ppt/slides/slide25.xml><?xml version="1.0" encoding="utf-8"?>
 <p:sld xmlns:a="http://schemas.openxmlformats.org/drawingml/2006/main" xmlns:r="http://schemas.openxmlformats.org/officeDocument/2006/relationships" xmlns:p="http://schemas.openxmlformats.org/presentationml/2006/main">
   <p:cSld>
     <p:spTree>
@@ -21884,7 +21950,7 @@
 </p:sld>
 </file>
 
-<file path=ppt/slides/slide25.xml><?xml version="1.0" encoding="utf-8"?>
+<file path=ppt/slides/slide26.xml><?xml version="1.0" encoding="utf-8"?>
 <p:sld xmlns:a="http://schemas.openxmlformats.org/drawingml/2006/main" xmlns:r="http://schemas.openxmlformats.org/officeDocument/2006/relationships" xmlns:p="http://schemas.openxmlformats.org/presentationml/2006/main">
   <p:cSld>
     <p:spTree>
@@ -22009,7 +22075,7 @@
 </p:sld>
 </file>
 
-<file path=ppt/slides/slide26.xml><?xml version="1.0" encoding="utf-8"?>
+<file path=ppt/slides/slide27.xml><?xml version="1.0" encoding="utf-8"?>
 <p:sld xmlns:a="http://schemas.openxmlformats.org/drawingml/2006/main" xmlns:r="http://schemas.openxmlformats.org/officeDocument/2006/relationships" xmlns:p="http://schemas.openxmlformats.org/presentationml/2006/main">
   <p:cSld>
     <p:spTree>
@@ -23675,11 +23741,7 @@
           <a:p>
             <a:r>
               <a:rPr lang="en-US" dirty="0" smtClean="0"/>
-              <a:t>C++14 Committee Draft (CD) </a:t>
-            </a:r>
-            <a:r>
-              <a:rPr lang="en-US" dirty="0" smtClean="0"/>
-              <a:t>published at isocpp.org in May, 2013</a:t>
+              <a:t>C++14 Committee Draft (CD) published at isocpp.org in May, 2013</a:t>
             </a:r>
           </a:p>
           <a:p>
@@ -23907,34 +23969,60 @@
           <a:chExt cx="0" cy="0"/>
         </a:xfrm>
       </p:grpSpPr>
-      <p:sp>
-        <p:nvSpPr>
-          <p:cNvPr id="4" name="Title 3"/>
-          <p:cNvSpPr>
-            <a:spLocks noGrp="1"/>
-          </p:cNvSpPr>
-          <p:nvPr>
-            <p:ph type="title"/>
-          </p:nvPr>
-        </p:nvSpPr>
-        <p:spPr>
+      <p:pic>
+        <p:nvPicPr>
+          <p:cNvPr id="1026" name="Picture 2"/>
+          <p:cNvPicPr>
+            <a:picLocks noChangeAspect="1" noChangeArrowheads="1"/>
+          </p:cNvPicPr>
+          <p:nvPr/>
+        </p:nvPicPr>
+        <p:blipFill>
+          <a:blip r:embed="rId2">
+            <a:extLst>
+              <a:ext uri="{28A0092B-C50C-407E-A947-70E740481C1C}">
+                <a14:useLocalDpi xmlns:a14="http://schemas.microsoft.com/office/drawing/2010/main" val="0"/>
+              </a:ext>
+            </a:extLst>
+          </a:blip>
+          <a:srcRect/>
+          <a:stretch>
+            <a:fillRect/>
+          </a:stretch>
+        </p:blipFill>
+        <p:spPr bwMode="auto">
           <a:xfrm>
-            <a:off x="2830287" y="2194493"/>
-            <a:ext cx="3164114" cy="708363"/>
+            <a:off x="0" y="642938"/>
+            <a:ext cx="9191625" cy="3857625"/>
           </a:xfrm>
+          <a:prstGeom prst="rect">
+            <a:avLst/>
+          </a:prstGeom>
+          <a:noFill/>
+          <a:ln>
+            <a:noFill/>
+          </a:ln>
+          <a:extLst>
+            <a:ext uri="{909E8E84-426E-40DD-AFC4-6F175D3DCCD1}">
+              <a14:hiddenFill xmlns:a14="http://schemas.microsoft.com/office/drawing/2010/main">
+                <a:solidFill>
+                  <a:schemeClr val="accent1"/>
+                </a:solidFill>
+              </a14:hiddenFill>
+            </a:ext>
+            <a:ext uri="{91240B29-F687-4F45-9708-019B960494DF}">
+              <a14:hiddenLine xmlns:a14="http://schemas.microsoft.com/office/drawing/2010/main" w="9525">
+                <a:solidFill>
+                  <a:schemeClr val="tx1"/>
+                </a:solidFill>
+                <a:miter lim="800000"/>
+                <a:headEnd/>
+                <a:tailEnd/>
+              </a14:hiddenLine>
+            </a:ext>
+          </a:extLst>
         </p:spPr>
-        <p:txBody>
-          <a:bodyPr/>
-          <a:lstStyle/>
-          <a:p>
-            <a:r>
-              <a:rPr lang="en-GB" sz="3600" dirty="0" smtClean="0"/>
-              <a:t>Current C++11</a:t>
-            </a:r>
-            <a:endParaRPr lang="en-GB" sz="3600" dirty="0"/>
-          </a:p>
-        </p:txBody>
-      </p:sp>
+      </p:pic>
     </p:spTree>
     <p:extLst>
       <p:ext uri="{BB962C8B-B14F-4D97-AF65-F5344CB8AC3E}">

--- a/C++11.pptx
+++ b/C++11.pptx
@@ -5,39 +5,42 @@
     <p:sldMasterId id="2147483804" r:id="rId1"/>
   </p:sldMasterIdLst>
   <p:notesMasterIdLst>
-    <p:notesMasterId r:id="rId29"/>
+    <p:notesMasterId r:id="rId32"/>
   </p:notesMasterIdLst>
   <p:handoutMasterIdLst>
-    <p:handoutMasterId r:id="rId30"/>
+    <p:handoutMasterId r:id="rId33"/>
   </p:handoutMasterIdLst>
   <p:sldIdLst>
     <p:sldId id="553" r:id="rId2"/>
     <p:sldId id="572" r:id="rId3"/>
     <p:sldId id="571" r:id="rId4"/>
     <p:sldId id="432" r:id="rId5"/>
-    <p:sldId id="532" r:id="rId6"/>
-    <p:sldId id="576" r:id="rId7"/>
-    <p:sldId id="575" r:id="rId8"/>
-    <p:sldId id="577" r:id="rId9"/>
-    <p:sldId id="573" r:id="rId10"/>
-    <p:sldId id="578" r:id="rId11"/>
-    <p:sldId id="574" r:id="rId12"/>
-    <p:sldId id="570" r:id="rId13"/>
-    <p:sldId id="503" r:id="rId14"/>
-    <p:sldId id="533" r:id="rId15"/>
-    <p:sldId id="456" r:id="rId16"/>
-    <p:sldId id="534" r:id="rId17"/>
-    <p:sldId id="433" r:id="rId18"/>
-    <p:sldId id="535" r:id="rId19"/>
-    <p:sldId id="435" r:id="rId20"/>
-    <p:sldId id="562" r:id="rId21"/>
-    <p:sldId id="563" r:id="rId22"/>
-    <p:sldId id="564" r:id="rId23"/>
-    <p:sldId id="565" r:id="rId24"/>
-    <p:sldId id="451" r:id="rId25"/>
-    <p:sldId id="441" r:id="rId26"/>
-    <p:sldId id="455" r:id="rId27"/>
-    <p:sldId id="566" r:id="rId28"/>
+    <p:sldId id="579" r:id="rId6"/>
+    <p:sldId id="532" r:id="rId7"/>
+    <p:sldId id="578" r:id="rId8"/>
+    <p:sldId id="574" r:id="rId9"/>
+    <p:sldId id="580" r:id="rId10"/>
+    <p:sldId id="576" r:id="rId11"/>
+    <p:sldId id="575" r:id="rId12"/>
+    <p:sldId id="577" r:id="rId13"/>
+    <p:sldId id="581" r:id="rId14"/>
+    <p:sldId id="573" r:id="rId15"/>
+    <p:sldId id="570" r:id="rId16"/>
+    <p:sldId id="503" r:id="rId17"/>
+    <p:sldId id="533" r:id="rId18"/>
+    <p:sldId id="456" r:id="rId19"/>
+    <p:sldId id="534" r:id="rId20"/>
+    <p:sldId id="433" r:id="rId21"/>
+    <p:sldId id="535" r:id="rId22"/>
+    <p:sldId id="435" r:id="rId23"/>
+    <p:sldId id="562" r:id="rId24"/>
+    <p:sldId id="563" r:id="rId25"/>
+    <p:sldId id="564" r:id="rId26"/>
+    <p:sldId id="565" r:id="rId27"/>
+    <p:sldId id="451" r:id="rId28"/>
+    <p:sldId id="441" r:id="rId29"/>
+    <p:sldId id="455" r:id="rId30"/>
+    <p:sldId id="566" r:id="rId31"/>
   </p:sldIdLst>
   <p:sldSz cx="9144000" cy="5143500" type="screen16x9"/>
   <p:notesSz cx="6858000" cy="9144000"/>
@@ -553,11 +556,11 @@
         </c:dLbls>
         <c:gapWidth val="150"/>
         <c:overlap val="-15"/>
-        <c:axId val="97396608"/>
-        <c:axId val="97398144"/>
+        <c:axId val="25660416"/>
+        <c:axId val="25666304"/>
       </c:barChart>
       <c:catAx>
-        <c:axId val="97396608"/>
+        <c:axId val="25660416"/>
         <c:scaling>
           <c:orientation val="minMax"/>
         </c:scaling>
@@ -577,7 +580,7 @@
             <a:endParaRPr lang="zh-CN"/>
           </a:p>
         </c:txPr>
-        <c:crossAx val="97398144"/>
+        <c:crossAx val="25666304"/>
         <c:crosses val="autoZero"/>
         <c:auto val="1"/>
         <c:lblAlgn val="ctr"/>
@@ -585,7 +588,7 @@
         <c:noMultiLvlLbl val="0"/>
       </c:catAx>
       <c:valAx>
-        <c:axId val="97398144"/>
+        <c:axId val="25666304"/>
         <c:scaling>
           <c:orientation val="minMax"/>
           <c:max val="5"/>
@@ -607,7 +610,7 @@
             <a:endParaRPr lang="zh-CN"/>
           </a:p>
         </c:txPr>
-        <c:crossAx val="97396608"/>
+        <c:crossAx val="25660416"/>
         <c:crosses val="autoZero"/>
         <c:crossBetween val="between"/>
         <c:majorUnit val="1"/>
@@ -652,369 +655,6 @@
     </a:p>
   </c:txPr>
   <c:externalData r:id="rId1">
-    <c:autoUpdate val="0"/>
-  </c:externalData>
-</c:chartSpace>
-</file>
-
-<file path=ppt/charts/chart3.xml><?xml version="1.0" encoding="utf-8"?>
-<c:chartSpace xmlns:c="http://schemas.openxmlformats.org/drawingml/2006/chart" xmlns:a="http://schemas.openxmlformats.org/drawingml/2006/main" xmlns:r="http://schemas.openxmlformats.org/officeDocument/2006/relationships">
-  <c:date1904 val="0"/>
-  <c:lang val="zh-CN"/>
-  <c:roundedCorners val="0"/>
-  <mc:AlternateContent xmlns:mc="http://schemas.openxmlformats.org/markup-compatibility/2006">
-    <mc:Choice xmlns:c14="http://schemas.microsoft.com/office/drawing/2007/8/2/chart" Requires="c14">
-      <c14:style val="102"/>
-    </mc:Choice>
-    <mc:Fallback>
-      <c:style val="2"/>
-    </mc:Fallback>
-  </mc:AlternateContent>
-  <c:clrMapOvr bg1="lt1" tx1="dk1" bg2="lt2" tx2="dk2" accent1="accent1" accent2="accent2" accent3="accent3" accent4="accent4" accent5="accent5" accent6="accent6" hlink="hlink" folHlink="folHlink"/>
-  <c:chart>
-    <c:autoTitleDeleted val="0"/>
-    <c:plotArea>
-      <c:layout>
-        <c:manualLayout>
-          <c:layoutTarget val="inner"/>
-          <c:xMode val="edge"/>
-          <c:yMode val="edge"/>
-          <c:x val="6.1867755501831198E-2"/>
-          <c:y val="8.9577398122762025E-2"/>
-          <c:w val="0.91934179662404425"/>
-          <c:h val="0.64546013005686298"/>
-        </c:manualLayout>
-      </c:layout>
-      <c:lineChart>
-        <c:grouping val="standard"/>
-        <c:varyColors val="0"/>
-        <c:ser>
-          <c:idx val="0"/>
-          <c:order val="0"/>
-          <c:tx>
-            <c:strRef>
-              <c:f>Sheet1!$B$1</c:f>
-              <c:strCache>
-                <c:ptCount val="1"/>
-                <c:pt idx="0">
-                  <c:v>% of black</c:v>
-                </c:pt>
-              </c:strCache>
-            </c:strRef>
-          </c:tx>
-          <c:spPr>
-            <a:ln w="38100">
-              <a:solidFill>
-                <a:srgbClr val="87898B"/>
-              </a:solidFill>
-            </a:ln>
-          </c:spPr>
-          <c:marker>
-            <c:symbol val="none"/>
-          </c:marker>
-          <c:cat>
-            <c:numRef>
-              <c:f>Sheet1!$A$2:$A$6</c:f>
-              <c:numCache>
-                <c:formatCode>General</c:formatCode>
-                <c:ptCount val="5"/>
-                <c:pt idx="0">
-                  <c:v>2007</c:v>
-                </c:pt>
-                <c:pt idx="1">
-                  <c:v>2008</c:v>
-                </c:pt>
-                <c:pt idx="2">
-                  <c:v>2009</c:v>
-                </c:pt>
-                <c:pt idx="3">
-                  <c:v>2010</c:v>
-                </c:pt>
-                <c:pt idx="4">
-                  <c:v>2011</c:v>
-                </c:pt>
-              </c:numCache>
-            </c:numRef>
-          </c:cat>
-          <c:val>
-            <c:numRef>
-              <c:f>Sheet1!$B$2:$B$6</c:f>
-              <c:numCache>
-                <c:formatCode>General</c:formatCode>
-                <c:ptCount val="5"/>
-                <c:pt idx="0">
-                  <c:v>1.4</c:v>
-                </c:pt>
-                <c:pt idx="1">
-                  <c:v>2.8</c:v>
-                </c:pt>
-                <c:pt idx="2">
-                  <c:v>4.0999999999999996</c:v>
-                </c:pt>
-                <c:pt idx="3">
-                  <c:v>4.8</c:v>
-                </c:pt>
-                <c:pt idx="4">
-                  <c:v>2.8</c:v>
-                </c:pt>
-              </c:numCache>
-            </c:numRef>
-          </c:val>
-          <c:smooth val="0"/>
-        </c:ser>
-        <c:ser>
-          <c:idx val="1"/>
-          <c:order val="1"/>
-          <c:tx>
-            <c:strRef>
-              <c:f>Sheet1!$C$1</c:f>
-              <c:strCache>
-                <c:ptCount val="1"/>
-                <c:pt idx="0">
-                  <c:v>Another % of black</c:v>
-                </c:pt>
-              </c:strCache>
-            </c:strRef>
-          </c:tx>
-          <c:spPr>
-            <a:ln w="38100">
-              <a:solidFill>
-                <a:srgbClr val="B9B8BB"/>
-              </a:solidFill>
-            </a:ln>
-          </c:spPr>
-          <c:marker>
-            <c:symbol val="none"/>
-          </c:marker>
-          <c:cat>
-            <c:numRef>
-              <c:f>Sheet1!$A$2:$A$6</c:f>
-              <c:numCache>
-                <c:formatCode>General</c:formatCode>
-                <c:ptCount val="5"/>
-                <c:pt idx="0">
-                  <c:v>2007</c:v>
-                </c:pt>
-                <c:pt idx="1">
-                  <c:v>2008</c:v>
-                </c:pt>
-                <c:pt idx="2">
-                  <c:v>2009</c:v>
-                </c:pt>
-                <c:pt idx="3">
-                  <c:v>2010</c:v>
-                </c:pt>
-                <c:pt idx="4">
-                  <c:v>2011</c:v>
-                </c:pt>
-              </c:numCache>
-            </c:numRef>
-          </c:cat>
-          <c:val>
-            <c:numRef>
-              <c:f>Sheet1!$C$2:$C$6</c:f>
-              <c:numCache>
-                <c:formatCode>General</c:formatCode>
-                <c:ptCount val="5"/>
-                <c:pt idx="0">
-                  <c:v>2.2000000000000002</c:v>
-                </c:pt>
-                <c:pt idx="1">
-                  <c:v>1.8</c:v>
-                </c:pt>
-                <c:pt idx="2">
-                  <c:v>3.3</c:v>
-                </c:pt>
-                <c:pt idx="3">
-                  <c:v>3.7</c:v>
-                </c:pt>
-                <c:pt idx="4">
-                  <c:v>4.2</c:v>
-                </c:pt>
-              </c:numCache>
-            </c:numRef>
-          </c:val>
-          <c:smooth val="0"/>
-        </c:ser>
-        <c:ser>
-          <c:idx val="2"/>
-          <c:order val="2"/>
-          <c:tx>
-            <c:strRef>
-              <c:f>Sheet1!$D$1</c:f>
-              <c:strCache>
-                <c:ptCount val="1"/>
-                <c:pt idx="0">
-                  <c:v>HP blue / 14 pt. HP Simplified</c:v>
-                </c:pt>
-              </c:strCache>
-            </c:strRef>
-          </c:tx>
-          <c:spPr>
-            <a:ln w="38100">
-              <a:solidFill>
-                <a:srgbClr val="0096D6"/>
-              </a:solidFill>
-            </a:ln>
-          </c:spPr>
-          <c:marker>
-            <c:symbol val="none"/>
-          </c:marker>
-          <c:cat>
-            <c:numRef>
-              <c:f>Sheet1!$A$2:$A$6</c:f>
-              <c:numCache>
-                <c:formatCode>General</c:formatCode>
-                <c:ptCount val="5"/>
-                <c:pt idx="0">
-                  <c:v>2007</c:v>
-                </c:pt>
-                <c:pt idx="1">
-                  <c:v>2008</c:v>
-                </c:pt>
-                <c:pt idx="2">
-                  <c:v>2009</c:v>
-                </c:pt>
-                <c:pt idx="3">
-                  <c:v>2010</c:v>
-                </c:pt>
-                <c:pt idx="4">
-                  <c:v>2011</c:v>
-                </c:pt>
-              </c:numCache>
-            </c:numRef>
-          </c:cat>
-          <c:val>
-            <c:numRef>
-              <c:f>Sheet1!$D$2:$D$6</c:f>
-              <c:numCache>
-                <c:formatCode>General</c:formatCode>
-                <c:ptCount val="5"/>
-                <c:pt idx="0">
-                  <c:v>3.7</c:v>
-                </c:pt>
-                <c:pt idx="1">
-                  <c:v>2.1</c:v>
-                </c:pt>
-                <c:pt idx="2">
-                  <c:v>0.8</c:v>
-                </c:pt>
-                <c:pt idx="3">
-                  <c:v>4.2</c:v>
-                </c:pt>
-                <c:pt idx="4">
-                  <c:v>3.5</c:v>
-                </c:pt>
-              </c:numCache>
-            </c:numRef>
-          </c:val>
-          <c:smooth val="0"/>
-        </c:ser>
-        <c:dLbls>
-          <c:showLegendKey val="0"/>
-          <c:showVal val="0"/>
-          <c:showCatName val="0"/>
-          <c:showSerName val="0"/>
-          <c:showPercent val="0"/>
-          <c:showBubbleSize val="0"/>
-        </c:dLbls>
-        <c:marker val="1"/>
-        <c:smooth val="0"/>
-        <c:axId val="114268032"/>
-        <c:axId val="114269568"/>
-      </c:lineChart>
-      <c:catAx>
-        <c:axId val="114268032"/>
-        <c:scaling>
-          <c:orientation val="minMax"/>
-        </c:scaling>
-        <c:delete val="0"/>
-        <c:axPos val="b"/>
-        <c:numFmt formatCode="General" sourceLinked="1"/>
-        <c:majorTickMark val="none"/>
-        <c:minorTickMark val="none"/>
-        <c:tickLblPos val="nextTo"/>
-        <c:spPr>
-          <a:ln w="9525">
-            <a:noFill/>
-          </a:ln>
-        </c:spPr>
-        <c:crossAx val="114269568"/>
-        <c:crosses val="autoZero"/>
-        <c:auto val="1"/>
-        <c:lblAlgn val="ctr"/>
-        <c:lblOffset val="0"/>
-        <c:noMultiLvlLbl val="0"/>
-      </c:catAx>
-      <c:valAx>
-        <c:axId val="114269568"/>
-        <c:scaling>
-          <c:orientation val="minMax"/>
-          <c:max val="5"/>
-        </c:scaling>
-        <c:delete val="0"/>
-        <c:axPos val="l"/>
-        <c:majorGridlines>
-          <c:spPr>
-            <a:ln w="6350">
-              <a:solidFill>
-                <a:srgbClr val="191919">
-                  <a:alpha val="20000"/>
-                </a:srgbClr>
-              </a:solidFill>
-            </a:ln>
-          </c:spPr>
-        </c:majorGridlines>
-        <c:numFmt formatCode="General" sourceLinked="1"/>
-        <c:majorTickMark val="out"/>
-        <c:minorTickMark val="none"/>
-        <c:tickLblPos val="nextTo"/>
-        <c:spPr>
-          <a:ln>
-            <a:noFill/>
-          </a:ln>
-        </c:spPr>
-        <c:crossAx val="114268032"/>
-        <c:crosses val="autoZero"/>
-        <c:crossBetween val="between"/>
-        <c:majorUnit val="1"/>
-      </c:valAx>
-      <c:spPr>
-        <a:noFill/>
-      </c:spPr>
-    </c:plotArea>
-    <c:legend>
-      <c:legendPos val="b"/>
-      <c:layout>
-        <c:manualLayout>
-          <c:xMode val="edge"/>
-          <c:yMode val="edge"/>
-          <c:x val="4.0209330142816413E-2"/>
-          <c:y val="0.87070767059916543"/>
-          <c:w val="0.82950175400523196"/>
-          <c:h val="9.510519755400236E-2"/>
-        </c:manualLayout>
-      </c:layout>
-      <c:overlay val="0"/>
-    </c:legend>
-    <c:plotVisOnly val="1"/>
-    <c:dispBlanksAs val="gap"/>
-    <c:showDLblsOverMax val="0"/>
-  </c:chart>
-  <c:txPr>
-    <a:bodyPr/>
-    <a:lstStyle/>
-    <a:p>
-      <a:pPr>
-        <a:defRPr sz="1400" b="0" i="0">
-          <a:latin typeface="HP Simplified"/>
-          <a:cs typeface="HP Simplified"/>
-        </a:defRPr>
-      </a:pPr>
-      <a:endParaRPr lang="zh-CN"/>
-    </a:p>
-  </c:txPr>
-  <c:externalData r:id="rId2">
     <c:autoUpdate val="0"/>
   </c:externalData>
 </c:chartSpace>
@@ -1617,25 +1257,17 @@
           <a:p>
             <a:r>
               <a:rPr lang="en-US" altLang="zh-CN" dirty="0" smtClean="0"/>
-              <a:t>C++ is 27 years old, if you count it as the day that </a:t>
-            </a:r>
-            <a:r>
-              <a:rPr lang="en-US" altLang="zh-CN" dirty="0" err="1" smtClean="0"/>
-              <a:t>Stroustrup’s</a:t>
-            </a:r>
+              <a:t>http://isocpp.org/std/the-committee</a:t>
+            </a:r>
+          </a:p>
+          <a:p>
             <a:r>
               <a:rPr lang="en-US" altLang="zh-CN" dirty="0" smtClean="0"/>
-              <a:t> </a:t>
-            </a:r>
-            <a:r>
-              <a:rPr lang="en-US" altLang="zh-CN" dirty="0" smtClean="0">
-                <a:hlinkClick r:id="rId3"/>
-              </a:rPr>
-              <a:t>original C++ book</a:t>
-            </a:r>
-            <a:r>
-              <a:rPr lang="en-US" altLang="zh-CN" dirty="0" smtClean="0"/>
-              <a:t> was published on Oct 14, 1985 based on this picture.</a:t>
+              <a:t>Hans Boehm</a:t>
+            </a:r>
+            <a:r>
+              <a:rPr lang="en-US" altLang="zh-CN" baseline="0" dirty="0" smtClean="0"/>
+              <a:t> from HP leads SG1 Concurrency Study Group</a:t>
             </a:r>
             <a:endParaRPr lang="zh-CN" altLang="en-US" dirty="0"/>
           </a:p>
@@ -1659,7 +1291,114 @@
             <a:fld id="{22A853E8-D85F-5D49-95D2-E1D96ABFE2B9}" type="slidenum">
               <a:rPr lang="en-GB" smtClean="0"/>
               <a:pPr/>
-              <a:t>6</a:t>
+              <a:t>4</a:t>
+            </a:fld>
+            <a:endParaRPr lang="en-GB" dirty="0"/>
+          </a:p>
+        </p:txBody>
+      </p:sp>
+    </p:spTree>
+    <p:extLst>
+      <p:ext uri="{BB962C8B-B14F-4D97-AF65-F5344CB8AC3E}">
+        <p14:creationId xmlns:p14="http://schemas.microsoft.com/office/powerpoint/2010/main" val="2915766220"/>
+      </p:ext>
+    </p:extLst>
+  </p:cSld>
+  <p:clrMapOvr>
+    <a:masterClrMapping/>
+  </p:clrMapOvr>
+</p:notes>
+</file>
+
+<file path=ppt/notesSlides/notesSlide2.xml><?xml version="1.0" encoding="utf-8"?>
+<p:notes xmlns:a="http://schemas.openxmlformats.org/drawingml/2006/main" xmlns:r="http://schemas.openxmlformats.org/officeDocument/2006/relationships" xmlns:p="http://schemas.openxmlformats.org/presentationml/2006/main">
+  <p:cSld>
+    <p:spTree>
+      <p:nvGrpSpPr>
+        <p:cNvPr id="1" name=""/>
+        <p:cNvGrpSpPr/>
+        <p:nvPr/>
+      </p:nvGrpSpPr>
+      <p:grpSpPr>
+        <a:xfrm>
+          <a:off x="0" y="0"/>
+          <a:ext cx="0" cy="0"/>
+          <a:chOff x="0" y="0"/>
+          <a:chExt cx="0" cy="0"/>
+        </a:xfrm>
+      </p:grpSpPr>
+      <p:sp>
+        <p:nvSpPr>
+          <p:cNvPr id="2" name="Slide Image Placeholder 1"/>
+          <p:cNvSpPr>
+            <a:spLocks noGrp="1" noRot="1" noChangeAspect="1"/>
+          </p:cNvSpPr>
+          <p:nvPr>
+            <p:ph type="sldImg"/>
+          </p:nvPr>
+        </p:nvSpPr>
+        <p:spPr/>
+      </p:sp>
+      <p:sp>
+        <p:nvSpPr>
+          <p:cNvPr id="3" name="Notes Placeholder 2"/>
+          <p:cNvSpPr>
+            <a:spLocks noGrp="1"/>
+          </p:cNvSpPr>
+          <p:nvPr>
+            <p:ph type="body" idx="1"/>
+          </p:nvPr>
+        </p:nvSpPr>
+        <p:spPr/>
+        <p:txBody>
+          <a:bodyPr/>
+          <a:lstStyle/>
+          <a:p>
+            <a:r>
+              <a:rPr lang="en-US" altLang="zh-CN" dirty="0" smtClean="0"/>
+              <a:t>C++ is 27 years old, if you count it as the day that </a:t>
+            </a:r>
+            <a:r>
+              <a:rPr lang="en-US" altLang="zh-CN" dirty="0" err="1" smtClean="0"/>
+              <a:t>Stroustrup’s</a:t>
+            </a:r>
+            <a:r>
+              <a:rPr lang="en-US" altLang="zh-CN" dirty="0" smtClean="0"/>
+              <a:t> </a:t>
+            </a:r>
+            <a:r>
+              <a:rPr lang="en-US" altLang="zh-CN" dirty="0" smtClean="0">
+                <a:hlinkClick r:id="rId3"/>
+              </a:rPr>
+              <a:t>original C++ book</a:t>
+            </a:r>
+            <a:r>
+              <a:rPr lang="en-US" altLang="zh-CN" dirty="0" smtClean="0"/>
+              <a:t> was published on Oct 14, 1985 based on this picture.</a:t>
+            </a:r>
+            <a:endParaRPr lang="zh-CN" altLang="en-US" dirty="0"/>
+          </a:p>
+        </p:txBody>
+      </p:sp>
+      <p:sp>
+        <p:nvSpPr>
+          <p:cNvPr id="4" name="Slide Number Placeholder 3"/>
+          <p:cNvSpPr>
+            <a:spLocks noGrp="1"/>
+          </p:cNvSpPr>
+          <p:nvPr>
+            <p:ph type="sldNum" sz="quarter" idx="10"/>
+          </p:nvPr>
+        </p:nvSpPr>
+        <p:spPr/>
+        <p:txBody>
+          <a:bodyPr/>
+          <a:lstStyle/>
+          <a:p>
+            <a:fld id="{22A853E8-D85F-5D49-95D2-E1D96ABFE2B9}" type="slidenum">
+              <a:rPr lang="en-GB" smtClean="0"/>
+              <a:pPr/>
+              <a:t>10</a:t>
             </a:fld>
             <a:endParaRPr lang="en-GB" dirty="0"/>
           </a:p>
@@ -1678,7 +1417,7 @@
 </p:notes>
 </file>
 
-<file path=ppt/notesSlides/notesSlide2.xml><?xml version="1.0" encoding="utf-8"?>
+<file path=ppt/notesSlides/notesSlide3.xml><?xml version="1.0" encoding="utf-8"?>
 <p:notes xmlns:a="http://schemas.openxmlformats.org/drawingml/2006/main" xmlns:r="http://schemas.openxmlformats.org/officeDocument/2006/relationships" xmlns:p="http://schemas.openxmlformats.org/presentationml/2006/main">
   <p:cSld>
     <p:spTree>
@@ -1749,7 +1488,7 @@
             <a:fld id="{22A853E8-D85F-5D49-95D2-E1D96ABFE2B9}" type="slidenum">
               <a:rPr lang="en-GB" smtClean="0"/>
               <a:pPr/>
-              <a:t>19</a:t>
+              <a:t>22</a:t>
             </a:fld>
             <a:endParaRPr lang="en-GB" dirty="0"/>
           </a:p>
@@ -6376,8 +6115,8 @@
         </p:nvSpPr>
         <p:spPr>
           <a:xfrm>
-            <a:off x="2830287" y="2194493"/>
-            <a:ext cx="3164114" cy="708363"/>
+            <a:off x="331470" y="235064"/>
+            <a:ext cx="5401673" cy="430887"/>
           </a:xfrm>
         </p:spPr>
         <p:txBody>
@@ -6385,17 +6124,114 @@
           <a:lstStyle/>
           <a:p>
             <a:r>
-              <a:rPr lang="en-GB" sz="3600" dirty="0" smtClean="0"/>
-              <a:t>Current C++11</a:t>
-            </a:r>
-            <a:endParaRPr lang="en-GB" sz="3600" dirty="0"/>
+              <a:rPr lang="en-US" altLang="zh-CN" dirty="0"/>
+              <a:t>C++ Standard meeting </a:t>
+            </a:r>
+            <a:r>
+              <a:rPr lang="en-US" altLang="zh-CN" dirty="0" smtClean="0"/>
+              <a:t>Oct 2012</a:t>
+            </a:r>
+            <a:endParaRPr lang="en-US" altLang="zh-CN" dirty="0"/>
+          </a:p>
+        </p:txBody>
+      </p:sp>
+      <p:sp>
+        <p:nvSpPr>
+          <p:cNvPr id="7" name="Text Placeholder 6"/>
+          <p:cNvSpPr>
+            <a:spLocks noGrp="1"/>
+          </p:cNvSpPr>
+          <p:nvPr>
+            <p:ph sz="quarter" idx="10"/>
+          </p:nvPr>
+        </p:nvSpPr>
+        <p:spPr>
+          <a:xfrm>
+            <a:off x="329184" y="754743"/>
+            <a:ext cx="8117904" cy="3653745"/>
+          </a:xfrm>
+        </p:spPr>
+        <p:txBody>
+          <a:bodyPr/>
+          <a:lstStyle/>
+          <a:p>
+            <a:endParaRPr lang="en-GB" dirty="0"/>
+          </a:p>
+          <a:p>
+            <a:pPr lvl="2"/>
+            <a:r>
+              <a:rPr lang="en-US" altLang="zh-CN" sz="1600" dirty="0"/>
+              <a:t>C++ is technically 27 years old </a:t>
+            </a:r>
+            <a:endParaRPr lang="en-US" altLang="zh-CN" sz="1600" dirty="0" smtClean="0"/>
+          </a:p>
+          <a:p>
+            <a:pPr lvl="2"/>
+            <a:r>
+              <a:rPr lang="en-US" altLang="zh-CN" sz="1600" dirty="0"/>
+              <a:t>C++</a:t>
+            </a:r>
+            <a:r>
+              <a:rPr lang="en-US" altLang="zh-CN" sz="1600" dirty="0" smtClean="0"/>
+              <a:t>14 is proposed </a:t>
+            </a:r>
+            <a:r>
+              <a:rPr lang="en-US" altLang="zh-CN" sz="1600" dirty="0"/>
+              <a:t>to address C++11 annoyances and a bug fix </a:t>
+            </a:r>
+            <a:r>
+              <a:rPr lang="en-US" altLang="zh-CN" sz="1600" dirty="0" smtClean="0"/>
+              <a:t>release</a:t>
+            </a:r>
+            <a:endParaRPr lang="en-US" altLang="zh-CN" sz="1600" dirty="0"/>
+          </a:p>
+          <a:p>
+            <a:pPr lvl="2"/>
+            <a:r>
+              <a:rPr lang="en-US" sz="1600" dirty="0" smtClean="0"/>
+              <a:t>Pick up some drafts dropped in C++11 due to time constraint</a:t>
+            </a:r>
+          </a:p>
+          <a:p>
+            <a:pPr lvl="2"/>
+            <a:r>
+              <a:rPr lang="en-US" altLang="zh-CN" sz="1600" dirty="0" smtClean="0"/>
+              <a:t>Processes over 120 defects, discuss some issues</a:t>
+            </a:r>
+          </a:p>
+          <a:p>
+            <a:pPr lvl="2"/>
+            <a:r>
+              <a:rPr lang="en-US" altLang="zh-CN" sz="1600" dirty="0" smtClean="0"/>
+              <a:t>Potential features for future standard</a:t>
+            </a:r>
+          </a:p>
+          <a:p>
+            <a:pPr lvl="2"/>
+            <a:r>
+              <a:rPr lang="en-US" altLang="zh-CN" sz="1600" dirty="0"/>
+              <a:t>A</a:t>
+            </a:r>
+            <a:r>
+              <a:rPr lang="en-US" altLang="zh-CN" sz="1600" dirty="0" smtClean="0"/>
+              <a:t>dvanced </a:t>
+            </a:r>
+            <a:r>
+              <a:rPr lang="en-US" altLang="zh-CN" sz="1600" dirty="0"/>
+              <a:t>abstractions of </a:t>
+            </a:r>
+            <a:r>
+              <a:rPr lang="en-US" altLang="zh-CN" sz="1600" dirty="0" smtClean="0"/>
+              <a:t>concurrency</a:t>
+            </a:r>
+            <a:endParaRPr lang="en-US" sz="1600" dirty="0" smtClean="0"/>
           </a:p>
         </p:txBody>
       </p:sp>
     </p:spTree>
     <p:extLst>
       <p:ext uri="{BB962C8B-B14F-4D97-AF65-F5344CB8AC3E}">
-        <p14:creationId xmlns:p14="http://schemas.microsoft.com/office/powerpoint/2010/main" val="3462151274"/>
+        <p14:creationId xmlns:p14="http://schemas.microsoft.com/office/powerpoint/2010/main" val="524126237"/>
       </p:ext>
     </p:extLst>
   </p:cSld>
@@ -6441,8 +6277,8 @@
         </p:nvSpPr>
         <p:spPr>
           <a:xfrm>
-            <a:off x="2830286" y="2194493"/>
-            <a:ext cx="3976913" cy="708363"/>
+            <a:off x="331470" y="235064"/>
+            <a:ext cx="1119959" cy="430887"/>
           </a:xfrm>
         </p:spPr>
         <p:txBody>
@@ -6450,17 +6286,112 @@
           <a:lstStyle/>
           <a:p>
             <a:r>
-              <a:rPr lang="en-GB" sz="3600" dirty="0" smtClean="0"/>
-              <a:t>After C++11……</a:t>
-            </a:r>
-            <a:endParaRPr lang="en-GB" sz="3600" dirty="0"/>
+              <a:rPr lang="en-GB" dirty="0" smtClean="0"/>
+              <a:t>C++14</a:t>
+            </a:r>
+            <a:endParaRPr lang="en-GB" dirty="0"/>
+          </a:p>
+        </p:txBody>
+      </p:sp>
+      <p:sp>
+        <p:nvSpPr>
+          <p:cNvPr id="7" name="Text Placeholder 6"/>
+          <p:cNvSpPr>
+            <a:spLocks noGrp="1"/>
+          </p:cNvSpPr>
+          <p:nvPr>
+            <p:ph sz="quarter" idx="10"/>
+          </p:nvPr>
+        </p:nvSpPr>
+        <p:spPr>
+          <a:xfrm>
+            <a:off x="329184" y="754743"/>
+            <a:ext cx="8117904" cy="3653745"/>
+          </a:xfrm>
+        </p:spPr>
+        <p:txBody>
+          <a:bodyPr/>
+          <a:lstStyle/>
+          <a:p>
+            <a:r>
+              <a:rPr lang="en-US" dirty="0" smtClean="0"/>
+              <a:t>C++14 Committee Draft (CD) published at isocpp.org in May, 2013</a:t>
+            </a:r>
+          </a:p>
+          <a:p>
+            <a:endParaRPr lang="en-GB" dirty="0"/>
+          </a:p>
+          <a:p>
+            <a:pPr lvl="2"/>
+            <a:r>
+              <a:rPr lang="en-US" sz="1600" dirty="0" smtClean="0"/>
+              <a:t>National Body (NB) Balloting at SC22 level: 3 months</a:t>
+            </a:r>
+          </a:p>
+          <a:p>
+            <a:pPr lvl="2"/>
+            <a:r>
+              <a:rPr lang="en-US" sz="1600" dirty="0" smtClean="0"/>
+              <a:t>Many issues are solved at C++ Standard Meeting, </a:t>
+            </a:r>
+            <a:r>
+              <a:rPr lang="en-US" sz="1600" dirty="0" err="1" smtClean="0"/>
+              <a:t>Chigago</a:t>
+            </a:r>
+            <a:r>
+              <a:rPr lang="en-US" sz="1600" dirty="0" smtClean="0"/>
+              <a:t> in </a:t>
+            </a:r>
+            <a:r>
+              <a:rPr lang="en-US" altLang="zh-CN" sz="1600" dirty="0" smtClean="0"/>
+              <a:t>Sept. 2013</a:t>
+            </a:r>
+            <a:endParaRPr lang="en-US" sz="1600" dirty="0" smtClean="0"/>
+          </a:p>
+          <a:p>
+            <a:pPr lvl="2"/>
+            <a:r>
+              <a:rPr lang="en-US" altLang="zh-CN" sz="1600" dirty="0" smtClean="0"/>
+              <a:t>Draft International Standard (DIS) balloting at the JTC level: 5 months</a:t>
+            </a:r>
+          </a:p>
+          <a:p>
+            <a:pPr lvl="2"/>
+            <a:r>
+              <a:rPr lang="en-US" altLang="zh-CN" sz="1600" dirty="0" smtClean="0"/>
+              <a:t>Valid International Standard (IS) balloting at the JTC level: 2 months</a:t>
+            </a:r>
+          </a:p>
+          <a:p>
+            <a:pPr lvl="2"/>
+            <a:r>
+              <a:rPr lang="en-US" altLang="zh-CN" sz="1600" dirty="0" smtClean="0"/>
+              <a:t>A ratified C++14 will be released summer 2014, likely at the </a:t>
+            </a:r>
+            <a:r>
+              <a:rPr lang="en-US" altLang="zh-CN" sz="1600" dirty="0" err="1" smtClean="0"/>
+              <a:t>Rapperswill</a:t>
+            </a:r>
+            <a:r>
+              <a:rPr lang="en-US" altLang="zh-CN" sz="1600" dirty="0" smtClean="0"/>
+              <a:t>, Switzerland meeting</a:t>
+            </a:r>
+            <a:endParaRPr lang="en-US" sz="1600" dirty="0" smtClean="0"/>
+          </a:p>
+          <a:p>
+            <a:pPr lvl="3"/>
+            <a:r>
+              <a:rPr lang="en-US" altLang="zh-CN" sz="1600" dirty="0" smtClean="0"/>
+              <a:t>If any of the step fails because some NB comment could not be addressed, then a second CD may need to be issued, which would push the process back, likely until end of 2014, or even past it.</a:t>
+            </a:r>
+            <a:endParaRPr lang="en-US" sz="1600" dirty="0"/>
           </a:p>
         </p:txBody>
       </p:sp>
     </p:spTree>
     <p:extLst>
       <p:ext uri="{BB962C8B-B14F-4D97-AF65-F5344CB8AC3E}">
-        <p14:creationId xmlns:p14="http://schemas.microsoft.com/office/powerpoint/2010/main" val="2495056151"/>
+        <p14:creationId xmlns:p14="http://schemas.microsoft.com/office/powerpoint/2010/main" val="1404998740"/>
       </p:ext>
     </p:extLst>
   </p:cSld>
@@ -6496,29 +6427,7 @@
       </p:grpSpPr>
       <p:sp>
         <p:nvSpPr>
-          <p:cNvPr id="4" name="Subtitle 3"/>
-          <p:cNvSpPr>
-            <a:spLocks noGrp="1"/>
-          </p:cNvSpPr>
-          <p:nvPr>
-            <p:ph type="subTitle" idx="1"/>
-          </p:nvPr>
-        </p:nvSpPr>
-        <p:spPr/>
-        <p:txBody>
-          <a:bodyPr/>
-          <a:lstStyle/>
-          <a:p>
-            <a:r>
-              <a:rPr lang="en-US" dirty="0" smtClean="0"/>
-              <a:t>Subtitle (18 pt. HP Simplified)</a:t>
-            </a:r>
-          </a:p>
-        </p:txBody>
-      </p:sp>
-      <p:sp>
-        <p:nvSpPr>
-          <p:cNvPr id="2" name="Title 1"/>
+          <p:cNvPr id="4" name="Title 3"/>
           <p:cNvSpPr>
             <a:spLocks noGrp="1"/>
           </p:cNvSpPr>
@@ -6526,22 +6435,27 @@
             <p:ph type="title"/>
           </p:nvPr>
         </p:nvSpPr>
-        <p:spPr/>
+        <p:spPr>
+          <a:xfrm>
+            <a:off x="331470" y="235064"/>
+            <a:ext cx="1119959" cy="430887"/>
+          </a:xfrm>
+        </p:spPr>
         <p:txBody>
           <a:bodyPr/>
           <a:lstStyle/>
           <a:p>
             <a:r>
               <a:rPr lang="en-GB" dirty="0" smtClean="0"/>
-              <a:t>Title (28 pt. HP Simplified bold)</a:t>
-            </a:r>
-            <a:endParaRPr lang="en-US" dirty="0"/>
+              <a:t>C++14</a:t>
+            </a:r>
+            <a:endParaRPr lang="en-GB" dirty="0"/>
           </a:p>
         </p:txBody>
       </p:sp>
       <p:sp>
         <p:nvSpPr>
-          <p:cNvPr id="5" name="Content Placeholder 4"/>
+          <p:cNvPr id="7" name="Text Placeholder 6"/>
           <p:cNvSpPr>
             <a:spLocks noGrp="1"/>
           </p:cNvSpPr>
@@ -6549,78 +6463,55 @@
             <p:ph sz="quarter" idx="10"/>
           </p:nvPr>
         </p:nvSpPr>
-        <p:spPr/>
+        <p:spPr>
+          <a:xfrm>
+            <a:off x="503356" y="1480458"/>
+            <a:ext cx="7784302" cy="1524000"/>
+          </a:xfrm>
+        </p:spPr>
         <p:txBody>
           <a:bodyPr/>
           <a:lstStyle/>
           <a:p>
             <a:r>
-              <a:rPr lang="en-US" dirty="0" smtClean="0"/>
-              <a:t>Put your first-level bullet here. Try to keep bullet lists simple. (14 pt. HP Simplified)</a:t>
-            </a:r>
-          </a:p>
-          <a:p>
-            <a:pPr lvl="1"/>
-            <a:r>
-              <a:rPr lang="en-US" dirty="0" smtClean="0"/>
-              <a:t>Put your second-level bullet here. Use no more than you need to explain your point. </a:t>
-            </a:r>
-            <a:br>
-              <a:rPr lang="en-US" dirty="0" smtClean="0"/>
-            </a:br>
-            <a:r>
-              <a:rPr lang="en-US" dirty="0" smtClean="0"/>
-              <a:t>(14 pt. HP Simplified)</a:t>
-            </a:r>
-          </a:p>
-          <a:p>
-            <a:pPr lvl="2"/>
-            <a:r>
-              <a:rPr lang="en-US" dirty="0" smtClean="0"/>
-              <a:t>Put your third-level of copy here. Use no more than you need to explain your point. </a:t>
-            </a:r>
-            <a:br>
-              <a:rPr lang="en-US" dirty="0" smtClean="0"/>
-            </a:br>
-            <a:r>
-              <a:rPr lang="en-US" dirty="0" smtClean="0"/>
-              <a:t>(14 pt. HP Simplified) </a:t>
-            </a:r>
-          </a:p>
-          <a:p>
-            <a:pPr lvl="3"/>
-            <a:r>
-              <a:rPr lang="en-US" dirty="0" smtClean="0"/>
-              <a:t>Put your fourth-level of copy here. Use no more than you need to explain your point. </a:t>
-            </a:r>
-            <a:br>
-              <a:rPr lang="en-US" dirty="0" smtClean="0"/>
-            </a:br>
-            <a:r>
-              <a:rPr lang="en-US" dirty="0" smtClean="0"/>
-              <a:t>(14 pt. HP Simplified)</a:t>
-            </a:r>
-          </a:p>
-          <a:p>
-            <a:pPr lvl="4"/>
-            <a:r>
-              <a:rPr lang="en-US" dirty="0" smtClean="0"/>
-              <a:t>Put your fifth-level of copy here. Use no more than you need to explain your point. </a:t>
-            </a:r>
-            <a:br>
-              <a:rPr lang="en-US" dirty="0" smtClean="0"/>
-            </a:br>
-            <a:r>
-              <a:rPr lang="en-US" dirty="0" smtClean="0"/>
-              <a:t>(14 pt. HP Simplified)</a:t>
-            </a:r>
-          </a:p>
-          <a:p>
-            <a:endParaRPr lang="en-US" dirty="0"/>
+              <a:rPr lang="en-US" altLang="zh-CN" dirty="0"/>
+              <a:t>Clang is (draft) C++14 </a:t>
+            </a:r>
+            <a:r>
+              <a:rPr lang="en-US" altLang="zh-CN" dirty="0" smtClean="0"/>
+              <a:t>feature-complete at Nov. 7 2013</a:t>
+            </a:r>
+            <a:endParaRPr lang="en-US" altLang="zh-CN" dirty="0"/>
+          </a:p>
+          <a:p>
+            <a:endParaRPr lang="en-GB" dirty="0"/>
+          </a:p>
+          <a:p>
+            <a:pPr marL="0" lvl="2" indent="0">
+              <a:buNone/>
+            </a:pPr>
+            <a:r>
+              <a:rPr lang="en-US" altLang="zh-CN" sz="1800" dirty="0" smtClean="0"/>
+              <a:t>It</a:t>
+            </a:r>
+            <a:r>
+              <a:rPr lang="en-US" altLang="zh-CN" sz="1800" dirty="0"/>
+              <a:t> appears that the next release of Clang and LLVM, expected in December or January, will be draft C++14 feature-complete</a:t>
+            </a:r>
+            <a:r>
+              <a:rPr lang="en-US" altLang="zh-CN" sz="1800" dirty="0" smtClean="0"/>
+              <a:t>.</a:t>
+            </a:r>
+            <a:endParaRPr lang="en-US" sz="1800" dirty="0"/>
           </a:p>
         </p:txBody>
       </p:sp>
     </p:spTree>
+    <p:extLst>
+      <p:ext uri="{BB962C8B-B14F-4D97-AF65-F5344CB8AC3E}">
+        <p14:creationId xmlns:p14="http://schemas.microsoft.com/office/powerpoint/2010/main" val="1455022355"/>
+      </p:ext>
+    </p:extLst>
   </p:cSld>
   <p:clrMapOvr>
     <a:masterClrMapping/>
@@ -6662,15 +6553,29 @@
             <p:ph type="title"/>
           </p:nvPr>
         </p:nvSpPr>
-        <p:spPr/>
+        <p:spPr>
+          <a:xfrm>
+            <a:off x="331469" y="235064"/>
+            <a:ext cx="5212988" cy="430887"/>
+          </a:xfrm>
+        </p:spPr>
         <p:txBody>
           <a:bodyPr/>
           <a:lstStyle/>
           <a:p>
             <a:r>
-              <a:rPr lang="en-GB" dirty="0"/>
-              <a:t>Title (28 pt. HP Simplified bold)</a:t>
-            </a:r>
+              <a:rPr lang="en-GB" dirty="0" smtClean="0"/>
+              <a:t>What will C</a:t>
+            </a:r>
+            <a:r>
+              <a:rPr lang="en-GB" dirty="0" smtClean="0"/>
+              <a:t>++</a:t>
+            </a:r>
+            <a:r>
+              <a:rPr lang="en-GB" dirty="0" smtClean="0"/>
+              <a:t>14 look like?</a:t>
+            </a:r>
+            <a:endParaRPr lang="en-GB" dirty="0"/>
           </a:p>
         </p:txBody>
       </p:sp>
@@ -6681,199 +6586,56 @@
             <a:spLocks noGrp="1"/>
           </p:cNvSpPr>
           <p:nvPr>
-            <p:ph sz="quarter" idx="16"/>
+            <p:ph sz="quarter" idx="10"/>
           </p:nvPr>
         </p:nvSpPr>
-        <p:spPr/>
+        <p:spPr>
+          <a:xfrm>
+            <a:off x="503356" y="1480458"/>
+            <a:ext cx="7784302" cy="1524000"/>
+          </a:xfrm>
+        </p:spPr>
         <p:txBody>
           <a:bodyPr/>
           <a:lstStyle/>
           <a:p>
             <a:r>
-              <a:rPr lang="en-US" dirty="0"/>
-              <a:t>Heading (18 pt. HP Simplified</a:t>
-            </a:r>
-            <a:r>
-              <a:rPr lang="en-US" dirty="0" smtClean="0"/>
-              <a:t> bold </a:t>
-            </a:r>
-            <a:br>
-              <a:rPr lang="en-US" dirty="0" smtClean="0"/>
-            </a:br>
-            <a:r>
-              <a:rPr lang="en-US" dirty="0" smtClean="0"/>
-              <a:t>HP </a:t>
-            </a:r>
-            <a:r>
-              <a:rPr lang="en-US" dirty="0"/>
-              <a:t>blue)</a:t>
-            </a:r>
+              <a:rPr lang="en-US" altLang="zh-CN" dirty="0"/>
+              <a:t>Clang is (draft) C++14 </a:t>
+            </a:r>
+            <a:r>
+              <a:rPr lang="en-US" altLang="zh-CN" dirty="0" smtClean="0"/>
+              <a:t>feature-complete at Nov. 7 2013</a:t>
+            </a:r>
+            <a:endParaRPr lang="en-US" altLang="zh-CN" dirty="0"/>
+          </a:p>
+          <a:p>
             <a:endParaRPr lang="en-GB" dirty="0"/>
           </a:p>
           <a:p>
-            <a:pPr lvl="1"/>
-            <a:r>
-              <a:rPr lang="en-US" dirty="0"/>
-              <a:t>Body copy (16 pt. HP Simplified)</a:t>
-            </a:r>
-          </a:p>
-          <a:p>
-            <a:pPr lvl="2"/>
-            <a:r>
-              <a:rPr lang="en-US" dirty="0"/>
-              <a:t>Put your first-level bullet here. </a:t>
-            </a:r>
-            <a:br>
-              <a:rPr lang="en-US" dirty="0"/>
-            </a:br>
-            <a:r>
-              <a:rPr lang="en-US" dirty="0"/>
-              <a:t>(14 pt. HP Simplified)</a:t>
-            </a:r>
-          </a:p>
-          <a:p>
-            <a:pPr lvl="3"/>
-            <a:r>
-              <a:rPr lang="en-US" dirty="0"/>
-              <a:t>Put your second-level bullet here. </a:t>
-            </a:r>
-            <a:br>
-              <a:rPr lang="en-US" dirty="0"/>
-            </a:br>
-            <a:r>
-              <a:rPr lang="en-US" dirty="0"/>
-              <a:t>(14 pt. HP Simplified)</a:t>
-            </a:r>
-          </a:p>
-          <a:p>
-            <a:pPr lvl="4"/>
-            <a:r>
-              <a:rPr lang="en-US" dirty="0"/>
-              <a:t>Put your third-level of copy here. </a:t>
-            </a:r>
-            <a:br>
-              <a:rPr lang="en-US" dirty="0"/>
-            </a:br>
-            <a:r>
-              <a:rPr lang="en-US" dirty="0"/>
-              <a:t>(14 pt. HP Simplified)</a:t>
-            </a:r>
-          </a:p>
-        </p:txBody>
-      </p:sp>
-      <p:sp>
-        <p:nvSpPr>
-          <p:cNvPr id="18" name="Text Placeholder 17"/>
-          <p:cNvSpPr>
-            <a:spLocks noGrp="1"/>
-          </p:cNvSpPr>
-          <p:nvPr>
-            <p:ph sz="quarter" idx="17"/>
-          </p:nvPr>
-        </p:nvSpPr>
-        <p:spPr/>
-        <p:txBody>
-          <a:bodyPr/>
-          <a:lstStyle/>
-          <a:p>
-            <a:r>
-              <a:rPr lang="en-US" dirty="0"/>
-              <a:t>Heading (18 pt. HP Simplified</a:t>
-            </a:r>
-            <a:r>
-              <a:rPr lang="en-US" dirty="0" smtClean="0"/>
-              <a:t> bold </a:t>
-            </a:r>
-            <a:br>
-              <a:rPr lang="en-US" dirty="0" smtClean="0"/>
-            </a:br>
-            <a:r>
-              <a:rPr lang="en-US" dirty="0" smtClean="0"/>
-              <a:t>HP </a:t>
-            </a:r>
-            <a:r>
-              <a:rPr lang="en-US" dirty="0"/>
-              <a:t>blue)</a:t>
-            </a:r>
-            <a:endParaRPr lang="en-GB" dirty="0"/>
-          </a:p>
-          <a:p>
-            <a:pPr lvl="1"/>
-            <a:r>
-              <a:rPr lang="en-US" dirty="0"/>
-              <a:t>Body copy (16 pt. HP Simplified)</a:t>
-            </a:r>
-          </a:p>
-          <a:p>
-            <a:pPr lvl="2"/>
-            <a:r>
-              <a:rPr lang="en-US" dirty="0"/>
-              <a:t>Put your first-level bullet here. </a:t>
-            </a:r>
-            <a:br>
-              <a:rPr lang="en-US" dirty="0"/>
-            </a:br>
-            <a:r>
-              <a:rPr lang="en-US" dirty="0"/>
-              <a:t>(14 pt. HP Simplified)</a:t>
-            </a:r>
-          </a:p>
-          <a:p>
-            <a:pPr lvl="3"/>
-            <a:r>
-              <a:rPr lang="en-US" dirty="0"/>
-              <a:t>Put your second-level bullet here. </a:t>
-            </a:r>
-            <a:br>
-              <a:rPr lang="en-US" dirty="0"/>
-            </a:br>
-            <a:r>
-              <a:rPr lang="en-US" dirty="0"/>
-              <a:t>(14 pt. HP Simplified)</a:t>
-            </a:r>
-          </a:p>
-          <a:p>
-            <a:pPr lvl="4"/>
-            <a:r>
-              <a:rPr lang="en-US" dirty="0"/>
-              <a:t>Put your third-level of copy here. </a:t>
-            </a:r>
-            <a:br>
-              <a:rPr lang="en-US" dirty="0"/>
-            </a:br>
-            <a:r>
-              <a:rPr lang="en-US" dirty="0"/>
-              <a:t>(14 pt. HP Simplified)</a:t>
-            </a:r>
-          </a:p>
-        </p:txBody>
-      </p:sp>
-      <p:sp>
-        <p:nvSpPr>
-          <p:cNvPr id="2" name="Subtitle 1"/>
-          <p:cNvSpPr>
-            <a:spLocks noGrp="1"/>
-          </p:cNvSpPr>
-          <p:nvPr>
-            <p:ph type="subTitle" idx="1"/>
-          </p:nvPr>
-        </p:nvSpPr>
-        <p:spPr/>
-        <p:txBody>
-          <a:bodyPr/>
-          <a:lstStyle/>
-          <a:p>
-            <a:r>
-              <a:rPr lang="en-US" dirty="0"/>
-              <a:t>Subtitle (18 pt. HP Simplified)</a:t>
-            </a:r>
+            <a:pPr marL="0" lvl="2" indent="0">
+              <a:buNone/>
+            </a:pPr>
+            <a:r>
+              <a:rPr lang="en-US" altLang="zh-CN" sz="1800" dirty="0" smtClean="0"/>
+              <a:t>It</a:t>
+            </a:r>
+            <a:r>
+              <a:rPr lang="en-US" altLang="zh-CN" sz="1800" dirty="0"/>
+              <a:t> appears that the next release of Clang and LLVM, expected in December or January, will be draft C++14 feature-complete</a:t>
+            </a:r>
+            <a:r>
+              <a:rPr lang="en-US" altLang="zh-CN" sz="1800" dirty="0" smtClean="0"/>
+              <a:t>.</a:t>
+            </a:r>
+            <a:endParaRPr lang="en-US" sz="1800" dirty="0"/>
           </a:p>
         </p:txBody>
       </p:sp>
     </p:spTree>
     <p:extLst>
       <p:ext uri="{BB962C8B-B14F-4D97-AF65-F5344CB8AC3E}">
-        <p14:creationId xmlns:p14="http://schemas.microsoft.com/office/powerpoint/2010/main" val="1774947844"/>
+        <p14:creationId xmlns:p14="http://schemas.microsoft.com/office/powerpoint/2010/main" val="3099681194"/>
       </p:ext>
     </p:extLst>
   </p:cSld>
@@ -6907,6 +6669,510 @@
           <a:chExt cx="0" cy="0"/>
         </a:xfrm>
       </p:grpSpPr>
+      <p:pic>
+        <p:nvPicPr>
+          <p:cNvPr id="1026" name="Picture 2"/>
+          <p:cNvPicPr>
+            <a:picLocks noChangeAspect="1" noChangeArrowheads="1"/>
+          </p:cNvPicPr>
+          <p:nvPr/>
+        </p:nvPicPr>
+        <p:blipFill>
+          <a:blip r:embed="rId2">
+            <a:extLst>
+              <a:ext uri="{28A0092B-C50C-407E-A947-70E740481C1C}">
+                <a14:useLocalDpi xmlns:a14="http://schemas.microsoft.com/office/drawing/2010/main" val="0"/>
+              </a:ext>
+            </a:extLst>
+          </a:blip>
+          <a:srcRect/>
+          <a:stretch>
+            <a:fillRect/>
+          </a:stretch>
+        </p:blipFill>
+        <p:spPr bwMode="auto">
+          <a:xfrm>
+            <a:off x="0" y="642938"/>
+            <a:ext cx="9191625" cy="3857625"/>
+          </a:xfrm>
+          <a:prstGeom prst="rect">
+            <a:avLst/>
+          </a:prstGeom>
+          <a:noFill/>
+          <a:ln>
+            <a:noFill/>
+          </a:ln>
+          <a:extLst>
+            <a:ext uri="{909E8E84-426E-40DD-AFC4-6F175D3DCCD1}">
+              <a14:hiddenFill xmlns:a14="http://schemas.microsoft.com/office/drawing/2010/main">
+                <a:solidFill>
+                  <a:schemeClr val="accent1"/>
+                </a:solidFill>
+              </a14:hiddenFill>
+            </a:ext>
+            <a:ext uri="{91240B29-F687-4F45-9708-019B960494DF}">
+              <a14:hiddenLine xmlns:a14="http://schemas.microsoft.com/office/drawing/2010/main" w="9525">
+                <a:solidFill>
+                  <a:schemeClr val="tx1"/>
+                </a:solidFill>
+                <a:miter lim="800000"/>
+                <a:headEnd/>
+                <a:tailEnd/>
+              </a14:hiddenLine>
+            </a:ext>
+          </a:extLst>
+        </p:spPr>
+      </p:pic>
+    </p:spTree>
+    <p:extLst>
+      <p:ext uri="{BB962C8B-B14F-4D97-AF65-F5344CB8AC3E}">
+        <p14:creationId xmlns:p14="http://schemas.microsoft.com/office/powerpoint/2010/main" val="2625290376"/>
+      </p:ext>
+    </p:extLst>
+  </p:cSld>
+  <p:clrMapOvr>
+    <a:masterClrMapping/>
+  </p:clrMapOvr>
+  <p:timing>
+    <p:tnLst>
+      <p:par>
+        <p:cTn id="1" dur="indefinite" restart="never" nodeType="tmRoot"/>
+      </p:par>
+    </p:tnLst>
+  </p:timing>
+</p:sld>
+</file>
+
+<file path=ppt/slides/slide15.xml><?xml version="1.0" encoding="utf-8"?>
+<p:sld xmlns:a="http://schemas.openxmlformats.org/drawingml/2006/main" xmlns:r="http://schemas.openxmlformats.org/officeDocument/2006/relationships" xmlns:p="http://schemas.openxmlformats.org/presentationml/2006/main">
+  <p:cSld>
+    <p:spTree>
+      <p:nvGrpSpPr>
+        <p:cNvPr id="1" name=""/>
+        <p:cNvGrpSpPr/>
+        <p:nvPr/>
+      </p:nvGrpSpPr>
+      <p:grpSpPr>
+        <a:xfrm>
+          <a:off x="0" y="0"/>
+          <a:ext cx="0" cy="0"/>
+          <a:chOff x="0" y="0"/>
+          <a:chExt cx="0" cy="0"/>
+        </a:xfrm>
+      </p:grpSpPr>
+      <p:sp>
+        <p:nvSpPr>
+          <p:cNvPr id="4" name="Subtitle 3"/>
+          <p:cNvSpPr>
+            <a:spLocks noGrp="1"/>
+          </p:cNvSpPr>
+          <p:nvPr>
+            <p:ph type="subTitle" idx="1"/>
+          </p:nvPr>
+        </p:nvSpPr>
+        <p:spPr/>
+        <p:txBody>
+          <a:bodyPr/>
+          <a:lstStyle/>
+          <a:p>
+            <a:r>
+              <a:rPr lang="en-US" dirty="0" smtClean="0"/>
+              <a:t>Subtitle (18 pt. HP Simplified)</a:t>
+            </a:r>
+          </a:p>
+        </p:txBody>
+      </p:sp>
+      <p:sp>
+        <p:nvSpPr>
+          <p:cNvPr id="2" name="Title 1"/>
+          <p:cNvSpPr>
+            <a:spLocks noGrp="1"/>
+          </p:cNvSpPr>
+          <p:nvPr>
+            <p:ph type="title"/>
+          </p:nvPr>
+        </p:nvSpPr>
+        <p:spPr/>
+        <p:txBody>
+          <a:bodyPr/>
+          <a:lstStyle/>
+          <a:p>
+            <a:r>
+              <a:rPr lang="en-GB" dirty="0" smtClean="0"/>
+              <a:t>Title (28 pt. HP Simplified bold)</a:t>
+            </a:r>
+            <a:endParaRPr lang="en-US" dirty="0"/>
+          </a:p>
+        </p:txBody>
+      </p:sp>
+      <p:sp>
+        <p:nvSpPr>
+          <p:cNvPr id="5" name="Content Placeholder 4"/>
+          <p:cNvSpPr>
+            <a:spLocks noGrp="1"/>
+          </p:cNvSpPr>
+          <p:nvPr>
+            <p:ph sz="quarter" idx="10"/>
+          </p:nvPr>
+        </p:nvSpPr>
+        <p:spPr/>
+        <p:txBody>
+          <a:bodyPr/>
+          <a:lstStyle/>
+          <a:p>
+            <a:r>
+              <a:rPr lang="en-US" dirty="0" smtClean="0"/>
+              <a:t>Put your first-level bullet here. Try to keep bullet lists simple. (14 pt. HP Simplified)</a:t>
+            </a:r>
+          </a:p>
+          <a:p>
+            <a:pPr lvl="1"/>
+            <a:r>
+              <a:rPr lang="en-US" dirty="0" smtClean="0"/>
+              <a:t>Put your second-level bullet here. Use no more than you need to explain your point. </a:t>
+            </a:r>
+            <a:br>
+              <a:rPr lang="en-US" dirty="0" smtClean="0"/>
+            </a:br>
+            <a:r>
+              <a:rPr lang="en-US" dirty="0" smtClean="0"/>
+              <a:t>(14 pt. HP Simplified)</a:t>
+            </a:r>
+          </a:p>
+          <a:p>
+            <a:pPr lvl="2"/>
+            <a:r>
+              <a:rPr lang="en-US" dirty="0" smtClean="0"/>
+              <a:t>Put your third-level of copy here. Use no more than you need to explain your point. </a:t>
+            </a:r>
+            <a:br>
+              <a:rPr lang="en-US" dirty="0" smtClean="0"/>
+            </a:br>
+            <a:r>
+              <a:rPr lang="en-US" dirty="0" smtClean="0"/>
+              <a:t>(14 pt. HP Simplified) </a:t>
+            </a:r>
+          </a:p>
+          <a:p>
+            <a:pPr lvl="3"/>
+            <a:r>
+              <a:rPr lang="en-US" dirty="0" smtClean="0"/>
+              <a:t>Put your fourth-level of copy here. Use no more than you need to explain your point. </a:t>
+            </a:r>
+            <a:br>
+              <a:rPr lang="en-US" dirty="0" smtClean="0"/>
+            </a:br>
+            <a:r>
+              <a:rPr lang="en-US" dirty="0" smtClean="0"/>
+              <a:t>(14 pt. HP Simplified)</a:t>
+            </a:r>
+          </a:p>
+          <a:p>
+            <a:pPr lvl="4"/>
+            <a:r>
+              <a:rPr lang="en-US" dirty="0" smtClean="0"/>
+              <a:t>Put your fifth-level of copy here. Use no more than you need to explain your point. </a:t>
+            </a:r>
+            <a:br>
+              <a:rPr lang="en-US" dirty="0" smtClean="0"/>
+            </a:br>
+            <a:r>
+              <a:rPr lang="en-US" dirty="0" smtClean="0"/>
+              <a:t>(14 pt. HP Simplified)</a:t>
+            </a:r>
+          </a:p>
+          <a:p>
+            <a:endParaRPr lang="en-US" dirty="0"/>
+          </a:p>
+        </p:txBody>
+      </p:sp>
+    </p:spTree>
+  </p:cSld>
+  <p:clrMapOvr>
+    <a:masterClrMapping/>
+  </p:clrMapOvr>
+  <p:timing>
+    <p:tnLst>
+      <p:par>
+        <p:cTn id="1" dur="indefinite" restart="never" nodeType="tmRoot"/>
+      </p:par>
+    </p:tnLst>
+  </p:timing>
+</p:sld>
+</file>
+
+<file path=ppt/slides/slide16.xml><?xml version="1.0" encoding="utf-8"?>
+<p:sld xmlns:a="http://schemas.openxmlformats.org/drawingml/2006/main" xmlns:r="http://schemas.openxmlformats.org/officeDocument/2006/relationships" xmlns:p="http://schemas.openxmlformats.org/presentationml/2006/main">
+  <p:cSld>
+    <p:spTree>
+      <p:nvGrpSpPr>
+        <p:cNvPr id="1" name=""/>
+        <p:cNvGrpSpPr/>
+        <p:nvPr/>
+      </p:nvGrpSpPr>
+      <p:grpSpPr>
+        <a:xfrm>
+          <a:off x="0" y="0"/>
+          <a:ext cx="0" cy="0"/>
+          <a:chOff x="0" y="0"/>
+          <a:chExt cx="0" cy="0"/>
+        </a:xfrm>
+      </p:grpSpPr>
+      <p:sp>
+        <p:nvSpPr>
+          <p:cNvPr id="4" name="Title 3"/>
+          <p:cNvSpPr>
+            <a:spLocks noGrp="1"/>
+          </p:cNvSpPr>
+          <p:nvPr>
+            <p:ph type="title"/>
+          </p:nvPr>
+        </p:nvSpPr>
+        <p:spPr/>
+        <p:txBody>
+          <a:bodyPr/>
+          <a:lstStyle/>
+          <a:p>
+            <a:r>
+              <a:rPr lang="en-GB" dirty="0"/>
+              <a:t>Title (28 pt. HP Simplified bold)</a:t>
+            </a:r>
+          </a:p>
+        </p:txBody>
+      </p:sp>
+      <p:sp>
+        <p:nvSpPr>
+          <p:cNvPr id="7" name="Text Placeholder 6"/>
+          <p:cNvSpPr>
+            <a:spLocks noGrp="1"/>
+          </p:cNvSpPr>
+          <p:nvPr>
+            <p:ph sz="quarter" idx="16"/>
+          </p:nvPr>
+        </p:nvSpPr>
+        <p:spPr/>
+        <p:txBody>
+          <a:bodyPr/>
+          <a:lstStyle/>
+          <a:p>
+            <a:r>
+              <a:rPr lang="en-US" dirty="0"/>
+              <a:t>Heading (18 pt. HP Simplified</a:t>
+            </a:r>
+            <a:r>
+              <a:rPr lang="en-US" dirty="0" smtClean="0"/>
+              <a:t> bold </a:t>
+            </a:r>
+            <a:br>
+              <a:rPr lang="en-US" dirty="0" smtClean="0"/>
+            </a:br>
+            <a:r>
+              <a:rPr lang="en-US" dirty="0" smtClean="0"/>
+              <a:t>HP </a:t>
+            </a:r>
+            <a:r>
+              <a:rPr lang="en-US" dirty="0"/>
+              <a:t>blue)</a:t>
+            </a:r>
+            <a:endParaRPr lang="en-GB" dirty="0"/>
+          </a:p>
+          <a:p>
+            <a:pPr lvl="1"/>
+            <a:r>
+              <a:rPr lang="en-US" dirty="0"/>
+              <a:t>Body copy (16 pt. HP Simplified)</a:t>
+            </a:r>
+          </a:p>
+          <a:p>
+            <a:pPr lvl="2"/>
+            <a:r>
+              <a:rPr lang="en-US" dirty="0"/>
+              <a:t>Put your first-level bullet here. </a:t>
+            </a:r>
+            <a:br>
+              <a:rPr lang="en-US" dirty="0"/>
+            </a:br>
+            <a:r>
+              <a:rPr lang="en-US" dirty="0"/>
+              <a:t>(14 pt. HP Simplified)</a:t>
+            </a:r>
+          </a:p>
+          <a:p>
+            <a:pPr lvl="3"/>
+            <a:r>
+              <a:rPr lang="en-US" dirty="0"/>
+              <a:t>Put your second-level bullet here. </a:t>
+            </a:r>
+            <a:br>
+              <a:rPr lang="en-US" dirty="0"/>
+            </a:br>
+            <a:r>
+              <a:rPr lang="en-US" dirty="0"/>
+              <a:t>(14 pt. HP Simplified)</a:t>
+            </a:r>
+          </a:p>
+          <a:p>
+            <a:pPr lvl="4"/>
+            <a:r>
+              <a:rPr lang="en-US" dirty="0"/>
+              <a:t>Put your third-level of copy here. </a:t>
+            </a:r>
+            <a:br>
+              <a:rPr lang="en-US" dirty="0"/>
+            </a:br>
+            <a:r>
+              <a:rPr lang="en-US" dirty="0"/>
+              <a:t>(14 pt. HP Simplified)</a:t>
+            </a:r>
+          </a:p>
+        </p:txBody>
+      </p:sp>
+      <p:sp>
+        <p:nvSpPr>
+          <p:cNvPr id="18" name="Text Placeholder 17"/>
+          <p:cNvSpPr>
+            <a:spLocks noGrp="1"/>
+          </p:cNvSpPr>
+          <p:nvPr>
+            <p:ph sz="quarter" idx="17"/>
+          </p:nvPr>
+        </p:nvSpPr>
+        <p:spPr/>
+        <p:txBody>
+          <a:bodyPr/>
+          <a:lstStyle/>
+          <a:p>
+            <a:r>
+              <a:rPr lang="en-US" dirty="0"/>
+              <a:t>Heading (18 pt. HP Simplified</a:t>
+            </a:r>
+            <a:r>
+              <a:rPr lang="en-US" dirty="0" smtClean="0"/>
+              <a:t> bold </a:t>
+            </a:r>
+            <a:br>
+              <a:rPr lang="en-US" dirty="0" smtClean="0"/>
+            </a:br>
+            <a:r>
+              <a:rPr lang="en-US" dirty="0" smtClean="0"/>
+              <a:t>HP </a:t>
+            </a:r>
+            <a:r>
+              <a:rPr lang="en-US" dirty="0"/>
+              <a:t>blue)</a:t>
+            </a:r>
+            <a:endParaRPr lang="en-GB" dirty="0"/>
+          </a:p>
+          <a:p>
+            <a:pPr lvl="1"/>
+            <a:r>
+              <a:rPr lang="en-US" dirty="0"/>
+              <a:t>Body copy (16 pt. HP Simplified)</a:t>
+            </a:r>
+          </a:p>
+          <a:p>
+            <a:pPr lvl="2"/>
+            <a:r>
+              <a:rPr lang="en-US" dirty="0"/>
+              <a:t>Put your first-level bullet here. </a:t>
+            </a:r>
+            <a:br>
+              <a:rPr lang="en-US" dirty="0"/>
+            </a:br>
+            <a:r>
+              <a:rPr lang="en-US" dirty="0"/>
+              <a:t>(14 pt. HP Simplified)</a:t>
+            </a:r>
+          </a:p>
+          <a:p>
+            <a:pPr lvl="3"/>
+            <a:r>
+              <a:rPr lang="en-US" dirty="0"/>
+              <a:t>Put your second-level bullet here. </a:t>
+            </a:r>
+            <a:br>
+              <a:rPr lang="en-US" dirty="0"/>
+            </a:br>
+            <a:r>
+              <a:rPr lang="en-US" dirty="0"/>
+              <a:t>(14 pt. HP Simplified)</a:t>
+            </a:r>
+          </a:p>
+          <a:p>
+            <a:pPr lvl="4"/>
+            <a:r>
+              <a:rPr lang="en-US" dirty="0"/>
+              <a:t>Put your third-level of copy here. </a:t>
+            </a:r>
+            <a:br>
+              <a:rPr lang="en-US" dirty="0"/>
+            </a:br>
+            <a:r>
+              <a:rPr lang="en-US" dirty="0"/>
+              <a:t>(14 pt. HP Simplified)</a:t>
+            </a:r>
+          </a:p>
+        </p:txBody>
+      </p:sp>
+      <p:sp>
+        <p:nvSpPr>
+          <p:cNvPr id="2" name="Subtitle 1"/>
+          <p:cNvSpPr>
+            <a:spLocks noGrp="1"/>
+          </p:cNvSpPr>
+          <p:nvPr>
+            <p:ph type="subTitle" idx="1"/>
+          </p:nvPr>
+        </p:nvSpPr>
+        <p:spPr/>
+        <p:txBody>
+          <a:bodyPr/>
+          <a:lstStyle/>
+          <a:p>
+            <a:r>
+              <a:rPr lang="en-US" dirty="0"/>
+              <a:t>Subtitle (18 pt. HP Simplified)</a:t>
+            </a:r>
+          </a:p>
+        </p:txBody>
+      </p:sp>
+    </p:spTree>
+    <p:extLst>
+      <p:ext uri="{BB962C8B-B14F-4D97-AF65-F5344CB8AC3E}">
+        <p14:creationId xmlns:p14="http://schemas.microsoft.com/office/powerpoint/2010/main" val="1774947844"/>
+      </p:ext>
+    </p:extLst>
+  </p:cSld>
+  <p:clrMapOvr>
+    <a:masterClrMapping/>
+  </p:clrMapOvr>
+  <p:timing>
+    <p:tnLst>
+      <p:par>
+        <p:cTn id="1" dur="indefinite" restart="never" nodeType="tmRoot"/>
+      </p:par>
+    </p:tnLst>
+  </p:timing>
+</p:sld>
+</file>
+
+<file path=ppt/slides/slide17.xml><?xml version="1.0" encoding="utf-8"?>
+<p:sld xmlns:a="http://schemas.openxmlformats.org/drawingml/2006/main" xmlns:r="http://schemas.openxmlformats.org/officeDocument/2006/relationships" xmlns:p="http://schemas.openxmlformats.org/presentationml/2006/main">
+  <p:cSld>
+    <p:spTree>
+      <p:nvGrpSpPr>
+        <p:cNvPr id="1" name=""/>
+        <p:cNvGrpSpPr/>
+        <p:nvPr/>
+      </p:nvGrpSpPr>
+      <p:grpSpPr>
+        <a:xfrm>
+          <a:off x="0" y="0"/>
+          <a:ext cx="0" cy="0"/>
+          <a:chOff x="0" y="0"/>
+          <a:chExt cx="0" cy="0"/>
+        </a:xfrm>
+      </p:grpSpPr>
       <p:sp>
         <p:nvSpPr>
           <p:cNvPr id="4" name="Title 3"/>
@@ -7123,7 +7389,7 @@
 </p:sld>
 </file>
 
-<file path=ppt/slides/slide15.xml><?xml version="1.0" encoding="utf-8"?>
+<file path=ppt/slides/slide18.xml><?xml version="1.0" encoding="utf-8"?>
 <p:sld xmlns:a="http://schemas.openxmlformats.org/drawingml/2006/main" xmlns:r="http://schemas.openxmlformats.org/officeDocument/2006/relationships" xmlns:p="http://schemas.openxmlformats.org/presentationml/2006/main">
   <p:cSld>
     <p:spTree>
@@ -7319,7 +7585,7 @@
 </p:sld>
 </file>
 
-<file path=ppt/slides/slide16.xml><?xml version="1.0" encoding="utf-8"?>
+<file path=ppt/slides/slide19.xml><?xml version="1.0" encoding="utf-8"?>
 <p:sld xmlns:a="http://schemas.openxmlformats.org/drawingml/2006/main" xmlns:r="http://schemas.openxmlformats.org/officeDocument/2006/relationships" xmlns:p="http://schemas.openxmlformats.org/presentationml/2006/main">
   <p:cSld>
     <p:spTree>
@@ -7493,7 +7759,133 @@
 </p:sld>
 </file>
 
-<file path=ppt/slides/slide17.xml><?xml version="1.0" encoding="utf-8"?>
+<file path=ppt/slides/slide2.xml><?xml version="1.0" encoding="utf-8"?>
+<p:sld xmlns:a="http://schemas.openxmlformats.org/drawingml/2006/main" xmlns:r="http://schemas.openxmlformats.org/officeDocument/2006/relationships" xmlns:p="http://schemas.openxmlformats.org/presentationml/2006/main">
+  <p:cSld>
+    <p:spTree>
+      <p:nvGrpSpPr>
+        <p:cNvPr id="1" name=""/>
+        <p:cNvGrpSpPr/>
+        <p:nvPr/>
+      </p:nvGrpSpPr>
+      <p:grpSpPr>
+        <a:xfrm>
+          <a:off x="0" y="0"/>
+          <a:ext cx="0" cy="0"/>
+          <a:chOff x="0" y="0"/>
+          <a:chExt cx="0" cy="0"/>
+        </a:xfrm>
+      </p:grpSpPr>
+      <p:sp>
+        <p:nvSpPr>
+          <p:cNvPr id="4" name="Title 3"/>
+          <p:cNvSpPr>
+            <a:spLocks noGrp="1"/>
+          </p:cNvSpPr>
+          <p:nvPr>
+            <p:ph type="title"/>
+          </p:nvPr>
+        </p:nvSpPr>
+        <p:spPr/>
+        <p:txBody>
+          <a:bodyPr/>
+          <a:lstStyle/>
+          <a:p>
+            <a:r>
+              <a:rPr lang="en-GB" dirty="0" smtClean="0"/>
+              <a:t>Agenda</a:t>
+            </a:r>
+            <a:endParaRPr lang="en-GB" dirty="0"/>
+          </a:p>
+        </p:txBody>
+      </p:sp>
+      <p:sp>
+        <p:nvSpPr>
+          <p:cNvPr id="7" name="Text Placeholder 6"/>
+          <p:cNvSpPr>
+            <a:spLocks noGrp="1"/>
+          </p:cNvSpPr>
+          <p:nvPr>
+            <p:ph sz="quarter" idx="10"/>
+          </p:nvPr>
+        </p:nvSpPr>
+        <p:spPr>
+          <a:xfrm>
+            <a:off x="329184" y="1188722"/>
+            <a:ext cx="8119872" cy="2860764"/>
+          </a:xfrm>
+        </p:spPr>
+        <p:txBody>
+          <a:bodyPr/>
+          <a:lstStyle/>
+          <a:p>
+            <a:pPr marL="285750" indent="-285750">
+              <a:buFont typeface="Arial" panose="020B0604020202020204" pitchFamily="34" charset="0"/>
+              <a:buChar char="•"/>
+            </a:pPr>
+            <a:r>
+              <a:rPr lang="en-US" sz="2400" dirty="0" smtClean="0"/>
+              <a:t>Pre C++11</a:t>
+            </a:r>
+          </a:p>
+          <a:p>
+            <a:pPr marL="285750" indent="-285750">
+              <a:buFont typeface="Arial" panose="020B0604020202020204" pitchFamily="34" charset="0"/>
+              <a:buChar char="•"/>
+            </a:pPr>
+            <a:endParaRPr lang="en-US" sz="2400" dirty="0"/>
+          </a:p>
+          <a:p>
+            <a:pPr marL="285750" indent="-285750">
+              <a:buFont typeface="Arial" panose="020B0604020202020204" pitchFamily="34" charset="0"/>
+              <a:buChar char="•"/>
+            </a:pPr>
+            <a:r>
+              <a:rPr lang="en-US" sz="2400" dirty="0" smtClean="0"/>
+              <a:t>C++11</a:t>
+            </a:r>
+          </a:p>
+          <a:p>
+            <a:pPr marL="285750" indent="-285750">
+              <a:buFont typeface="Arial" panose="020B0604020202020204" pitchFamily="34" charset="0"/>
+              <a:buChar char="•"/>
+            </a:pPr>
+            <a:endParaRPr lang="en-US" sz="2400" dirty="0"/>
+          </a:p>
+          <a:p>
+            <a:pPr marL="285750" indent="-285750">
+              <a:buFont typeface="Arial" panose="020B0604020202020204" pitchFamily="34" charset="0"/>
+              <a:buChar char="•"/>
+            </a:pPr>
+            <a:r>
+              <a:rPr lang="en-US" sz="2400" dirty="0" smtClean="0"/>
+              <a:t>Post C++11</a:t>
+            </a:r>
+            <a:endParaRPr lang="en-GB" sz="2400" dirty="0"/>
+          </a:p>
+        </p:txBody>
+      </p:sp>
+    </p:spTree>
+    <p:extLst>
+      <p:ext uri="{BB962C8B-B14F-4D97-AF65-F5344CB8AC3E}">
+        <p14:creationId xmlns:p14="http://schemas.microsoft.com/office/powerpoint/2010/main" val="1945731487"/>
+      </p:ext>
+    </p:extLst>
+  </p:cSld>
+  <p:clrMapOvr>
+    <a:masterClrMapping/>
+  </p:clrMapOvr>
+  <p:timing>
+    <p:tnLst>
+      <p:par>
+        <p:cTn id="1" dur="indefinite" restart="never" nodeType="tmRoot"/>
+      </p:par>
+    </p:tnLst>
+  </p:timing>
+</p:sld>
+</file>
+
+<file path=ppt/slides/slide20.xml><?xml version="1.0" encoding="utf-8"?>
 <p:sld xmlns:a="http://schemas.openxmlformats.org/drawingml/2006/main" xmlns:r="http://schemas.openxmlformats.org/officeDocument/2006/relationships" xmlns:p="http://schemas.openxmlformats.org/presentationml/2006/main">
   <p:cSld>
     <p:spTree>
@@ -7798,7 +8190,7 @@
 </p:sld>
 </file>
 
-<file path=ppt/slides/slide18.xml><?xml version="1.0" encoding="utf-8"?>
+<file path=ppt/slides/slide21.xml><?xml version="1.0" encoding="utf-8"?>
 <p:sld xmlns:a="http://schemas.openxmlformats.org/drawingml/2006/main" xmlns:r="http://schemas.openxmlformats.org/officeDocument/2006/relationships" xmlns:p="http://schemas.openxmlformats.org/presentationml/2006/main">
   <p:cSld>
     <p:spTree>
@@ -8082,7 +8474,7 @@
 </p:sld>
 </file>
 
-<file path=ppt/slides/slide19.xml><?xml version="1.0" encoding="utf-8"?>
+<file path=ppt/slides/slide22.xml><?xml version="1.0" encoding="utf-8"?>
 <p:sld xmlns:a="http://schemas.openxmlformats.org/drawingml/2006/main" xmlns:r="http://schemas.openxmlformats.org/officeDocument/2006/relationships" xmlns:p="http://schemas.openxmlformats.org/presentationml/2006/main">
   <p:cSld>
     <p:spTree>
@@ -9216,133 +9608,7 @@
 </p:sld>
 </file>
 
-<file path=ppt/slides/slide2.xml><?xml version="1.0" encoding="utf-8"?>
-<p:sld xmlns:a="http://schemas.openxmlformats.org/drawingml/2006/main" xmlns:r="http://schemas.openxmlformats.org/officeDocument/2006/relationships" xmlns:p="http://schemas.openxmlformats.org/presentationml/2006/main">
-  <p:cSld>
-    <p:spTree>
-      <p:nvGrpSpPr>
-        <p:cNvPr id="1" name=""/>
-        <p:cNvGrpSpPr/>
-        <p:nvPr/>
-      </p:nvGrpSpPr>
-      <p:grpSpPr>
-        <a:xfrm>
-          <a:off x="0" y="0"/>
-          <a:ext cx="0" cy="0"/>
-          <a:chOff x="0" y="0"/>
-          <a:chExt cx="0" cy="0"/>
-        </a:xfrm>
-      </p:grpSpPr>
-      <p:sp>
-        <p:nvSpPr>
-          <p:cNvPr id="4" name="Title 3"/>
-          <p:cNvSpPr>
-            <a:spLocks noGrp="1"/>
-          </p:cNvSpPr>
-          <p:nvPr>
-            <p:ph type="title"/>
-          </p:nvPr>
-        </p:nvSpPr>
-        <p:spPr/>
-        <p:txBody>
-          <a:bodyPr/>
-          <a:lstStyle/>
-          <a:p>
-            <a:r>
-              <a:rPr lang="en-GB" dirty="0" smtClean="0"/>
-              <a:t>Agenda</a:t>
-            </a:r>
-            <a:endParaRPr lang="en-GB" dirty="0"/>
-          </a:p>
-        </p:txBody>
-      </p:sp>
-      <p:sp>
-        <p:nvSpPr>
-          <p:cNvPr id="7" name="Text Placeholder 6"/>
-          <p:cNvSpPr>
-            <a:spLocks noGrp="1"/>
-          </p:cNvSpPr>
-          <p:nvPr>
-            <p:ph sz="quarter" idx="10"/>
-          </p:nvPr>
-        </p:nvSpPr>
-        <p:spPr>
-          <a:xfrm>
-            <a:off x="329184" y="1188722"/>
-            <a:ext cx="8119872" cy="2860764"/>
-          </a:xfrm>
-        </p:spPr>
-        <p:txBody>
-          <a:bodyPr/>
-          <a:lstStyle/>
-          <a:p>
-            <a:pPr marL="285750" indent="-285750">
-              <a:buFont typeface="Arial" panose="020B0604020202020204" pitchFamily="34" charset="0"/>
-              <a:buChar char="•"/>
-            </a:pPr>
-            <a:r>
-              <a:rPr lang="en-US" sz="2400" dirty="0" smtClean="0"/>
-              <a:t>Pre C++11</a:t>
-            </a:r>
-          </a:p>
-          <a:p>
-            <a:pPr marL="285750" indent="-285750">
-              <a:buFont typeface="Arial" panose="020B0604020202020204" pitchFamily="34" charset="0"/>
-              <a:buChar char="•"/>
-            </a:pPr>
-            <a:endParaRPr lang="en-US" sz="2400" dirty="0"/>
-          </a:p>
-          <a:p>
-            <a:pPr marL="285750" indent="-285750">
-              <a:buFont typeface="Arial" panose="020B0604020202020204" pitchFamily="34" charset="0"/>
-              <a:buChar char="•"/>
-            </a:pPr>
-            <a:r>
-              <a:rPr lang="en-US" sz="2400" dirty="0" smtClean="0"/>
-              <a:t>C++11</a:t>
-            </a:r>
-          </a:p>
-          <a:p>
-            <a:pPr marL="285750" indent="-285750">
-              <a:buFont typeface="Arial" panose="020B0604020202020204" pitchFamily="34" charset="0"/>
-              <a:buChar char="•"/>
-            </a:pPr>
-            <a:endParaRPr lang="en-US" sz="2400" dirty="0"/>
-          </a:p>
-          <a:p>
-            <a:pPr marL="285750" indent="-285750">
-              <a:buFont typeface="Arial" panose="020B0604020202020204" pitchFamily="34" charset="0"/>
-              <a:buChar char="•"/>
-            </a:pPr>
-            <a:r>
-              <a:rPr lang="en-US" sz="2400" dirty="0" smtClean="0"/>
-              <a:t>Post C++11</a:t>
-            </a:r>
-            <a:endParaRPr lang="en-GB" sz="2400" dirty="0"/>
-          </a:p>
-        </p:txBody>
-      </p:sp>
-    </p:spTree>
-    <p:extLst>
-      <p:ext uri="{BB962C8B-B14F-4D97-AF65-F5344CB8AC3E}">
-        <p14:creationId xmlns:p14="http://schemas.microsoft.com/office/powerpoint/2010/main" val="1945731487"/>
-      </p:ext>
-    </p:extLst>
-  </p:cSld>
-  <p:clrMapOvr>
-    <a:masterClrMapping/>
-  </p:clrMapOvr>
-  <p:timing>
-    <p:tnLst>
-      <p:par>
-        <p:cTn id="1" dur="indefinite" restart="never" nodeType="tmRoot"/>
-      </p:par>
-    </p:tnLst>
-  </p:timing>
-</p:sld>
-</file>
-
-<file path=ppt/slides/slide20.xml><?xml version="1.0" encoding="utf-8"?>
+<file path=ppt/slides/slide23.xml><?xml version="1.0" encoding="utf-8"?>
 <p:sld xmlns:a="http://schemas.openxmlformats.org/drawingml/2006/main" xmlns:r="http://schemas.openxmlformats.org/officeDocument/2006/relationships" xmlns:p="http://schemas.openxmlformats.org/presentationml/2006/main">
   <p:cSld>
     <p:spTree>
@@ -13663,7 +13929,7 @@
 </p:sld>
 </file>
 
-<file path=ppt/slides/slide21.xml><?xml version="1.0" encoding="utf-8"?>
+<file path=ppt/slides/slide24.xml><?xml version="1.0" encoding="utf-8"?>
 <p:sld xmlns:a="http://schemas.openxmlformats.org/drawingml/2006/main" xmlns:r="http://schemas.openxmlformats.org/officeDocument/2006/relationships" xmlns:p="http://schemas.openxmlformats.org/presentationml/2006/main">
   <p:cSld>
     <p:spTree>
@@ -19224,7 +19490,7 @@
 </p:sld>
 </file>
 
-<file path=ppt/slides/slide22.xml><?xml version="1.0" encoding="utf-8"?>
+<file path=ppt/slides/slide25.xml><?xml version="1.0" encoding="utf-8"?>
 <p:sld xmlns:a="http://schemas.openxmlformats.org/drawingml/2006/main" xmlns:r="http://schemas.openxmlformats.org/officeDocument/2006/relationships" xmlns:p="http://schemas.openxmlformats.org/presentationml/2006/main">
   <p:cSld>
     <p:spTree>
@@ -20700,7 +20966,7 @@
 </p:sld>
 </file>
 
-<file path=ppt/slides/slide23.xml><?xml version="1.0" encoding="utf-8"?>
+<file path=ppt/slides/slide26.xml><?xml version="1.0" encoding="utf-8"?>
 <p:sld xmlns:a="http://schemas.openxmlformats.org/drawingml/2006/main" xmlns:r="http://schemas.openxmlformats.org/officeDocument/2006/relationships" xmlns:p="http://schemas.openxmlformats.org/presentationml/2006/main">
   <p:cSld>
     <p:spTree>
@@ -21682,7 +21948,7 @@
 </p:sld>
 </file>
 
-<file path=ppt/slides/slide24.xml><?xml version="1.0" encoding="utf-8"?>
+<file path=ppt/slides/slide27.xml><?xml version="1.0" encoding="utf-8"?>
 <p:sld xmlns:a="http://schemas.openxmlformats.org/drawingml/2006/main" xmlns:r="http://schemas.openxmlformats.org/officeDocument/2006/relationships" xmlns:p="http://schemas.openxmlformats.org/presentationml/2006/main">
   <p:cSld>
     <p:spTree>
@@ -21836,7 +22102,7 @@
 </p:sld>
 </file>
 
-<file path=ppt/slides/slide25.xml><?xml version="1.0" encoding="utf-8"?>
+<file path=ppt/slides/slide28.xml><?xml version="1.0" encoding="utf-8"?>
 <p:sld xmlns:a="http://schemas.openxmlformats.org/drawingml/2006/main" xmlns:r="http://schemas.openxmlformats.org/officeDocument/2006/relationships" xmlns:p="http://schemas.openxmlformats.org/presentationml/2006/main">
   <p:cSld>
     <p:spTree>
@@ -21950,7 +22216,7 @@
 </p:sld>
 </file>
 
-<file path=ppt/slides/slide26.xml><?xml version="1.0" encoding="utf-8"?>
+<file path=ppt/slides/slide29.xml><?xml version="1.0" encoding="utf-8"?>
 <p:sld xmlns:a="http://schemas.openxmlformats.org/drawingml/2006/main" xmlns:r="http://schemas.openxmlformats.org/officeDocument/2006/relationships" xmlns:p="http://schemas.openxmlformats.org/presentationml/2006/main">
   <p:cSld>
     <p:spTree>
@@ -21983,12 +22249,8 @@
           <a:lstStyle/>
           <a:p>
             <a:r>
-              <a:rPr lang="en-GB" dirty="0"/>
-              <a:t>L</a:t>
-            </a:r>
-            <a:r>
               <a:rPr lang="en-GB" dirty="0" smtClean="0"/>
-              <a:t>ine chart sample</a:t>
+              <a:t>New Edition of Classic C++ Books </a:t>
             </a:r>
             <a:endParaRPr lang="en-US" dirty="0"/>
           </a:p>
@@ -22011,55 +22273,97 @@
           <a:p>
             <a:pPr lvl="1"/>
             <a:r>
-              <a:rPr lang="en-US" dirty="0"/>
-              <a:t>Entries may </a:t>
-            </a:r>
-            <a:r>
-              <a:rPr lang="en-US" dirty="0" smtClean="0"/>
-              <a:t>vary, </a:t>
-            </a:r>
-            <a:r>
-              <a:rPr lang="en-US" dirty="0"/>
-              <a:t>but the only color can be HP blue </a:t>
-            </a:r>
-            <a:r>
-              <a:rPr lang="en-US" dirty="0" smtClean="0"/>
-              <a:t>and </a:t>
-            </a:r>
-            <a:r>
-              <a:rPr lang="en-US" dirty="0"/>
-              <a:t>the permitted values of </a:t>
-            </a:r>
-            <a:r>
-              <a:rPr lang="en-US" dirty="0" smtClean="0"/>
-              <a:t>black.</a:t>
-            </a:r>
-            <a:endParaRPr lang="en-US" dirty="0"/>
+              <a:rPr lang="en-US" sz="1800" dirty="0" smtClean="0"/>
+              <a:t>The C++ Programming Language, 4</a:t>
+            </a:r>
+            <a:r>
+              <a:rPr lang="en-US" sz="1800" baseline="30000" dirty="0" smtClean="0"/>
+              <a:t>th</a:t>
+            </a:r>
+            <a:r>
+              <a:rPr lang="en-US" sz="1800" dirty="0" smtClean="0"/>
+              <a:t> Edition, </a:t>
+            </a:r>
+            <a:r>
+              <a:rPr lang="en-US" altLang="zh-CN" sz="1800" dirty="0" err="1"/>
+              <a:t>Bjarne</a:t>
+            </a:r>
+            <a:r>
+              <a:rPr lang="en-US" altLang="zh-CN" sz="1800" dirty="0"/>
+              <a:t> </a:t>
+            </a:r>
+            <a:r>
+              <a:rPr lang="en-US" altLang="zh-CN" sz="1800" dirty="0" err="1" smtClean="0"/>
+              <a:t>Stroustrup</a:t>
+            </a:r>
+            <a:endParaRPr lang="en-US" altLang="zh-CN" sz="1800" dirty="0" smtClean="0"/>
+          </a:p>
+          <a:p>
+            <a:pPr lvl="1"/>
+            <a:endParaRPr lang="en-US" sz="1800" dirty="0"/>
+          </a:p>
+          <a:p>
+            <a:pPr lvl="1"/>
+            <a:r>
+              <a:rPr lang="en-US" sz="1800" dirty="0" smtClean="0"/>
+              <a:t>C++ Primer, 5</a:t>
+            </a:r>
+            <a:r>
+              <a:rPr lang="en-US" sz="1800" baseline="30000" dirty="0" smtClean="0"/>
+              <a:t>th</a:t>
+            </a:r>
+            <a:r>
+              <a:rPr lang="en-US" sz="1800" dirty="0" smtClean="0"/>
+              <a:t> Edition, </a:t>
+            </a:r>
+            <a:r>
+              <a:rPr lang="en-US" altLang="zh-CN" sz="1800" dirty="0"/>
+              <a:t>Stanley B. </a:t>
+            </a:r>
+            <a:r>
+              <a:rPr lang="en-US" altLang="zh-CN" sz="1800" dirty="0" err="1" smtClean="0"/>
+              <a:t>Lippman</a:t>
+            </a:r>
+            <a:r>
+              <a:rPr lang="fr-FR" altLang="zh-CN" sz="1800" dirty="0"/>
+              <a:t>, Josée Lajoie, Barbara E. </a:t>
+            </a:r>
+            <a:r>
+              <a:rPr lang="fr-FR" altLang="zh-CN" sz="1800" dirty="0" err="1" smtClean="0"/>
+              <a:t>Moo</a:t>
+            </a:r>
+            <a:endParaRPr lang="fr-FR" altLang="zh-CN" sz="1800" dirty="0" smtClean="0"/>
+          </a:p>
+          <a:p>
+            <a:pPr lvl="1"/>
+            <a:endParaRPr lang="en-US" sz="1800" dirty="0" smtClean="0"/>
+          </a:p>
+          <a:p>
+            <a:pPr lvl="1"/>
+            <a:r>
+              <a:rPr lang="en-US" sz="1800" dirty="0" smtClean="0"/>
+              <a:t>The </a:t>
+            </a:r>
+            <a:r>
+              <a:rPr lang="en-US" sz="1800" dirty="0"/>
+              <a:t>C++ Standard Library - A Tutorial and Reference, </a:t>
+            </a:r>
+            <a:r>
+              <a:rPr lang="en-US" sz="1800" dirty="0" smtClean="0"/>
+              <a:t>2nd </a:t>
+            </a:r>
+            <a:r>
+              <a:rPr lang="en-US" sz="1800" dirty="0"/>
+              <a:t>Edition, Nicolai M. </a:t>
+            </a:r>
+            <a:r>
+              <a:rPr lang="en-US" sz="1800" dirty="0" err="1"/>
+              <a:t>Josuttis</a:t>
+            </a:r>
+            <a:endParaRPr lang="en-US" sz="1800" dirty="0"/>
           </a:p>
         </p:txBody>
       </p:sp>
-      <p:graphicFrame>
-        <p:nvGraphicFramePr>
-          <p:cNvPr id="4" name="Chart 3"/>
-          <p:cNvGraphicFramePr/>
-          <p:nvPr>
-            <p:extLst>
-              <p:ext uri="{D42A27DB-BD31-4B8C-83A1-F6EECF244321}">
-                <p14:modId xmlns:p14="http://schemas.microsoft.com/office/powerpoint/2010/main" val="156123412"/>
-              </p:ext>
-            </p:extLst>
-          </p:nvPr>
-        </p:nvGraphicFramePr>
-        <p:xfrm>
-          <a:off x="82298" y="1406937"/>
-          <a:ext cx="8257387" cy="2795589"/>
-        </p:xfrm>
-        <a:graphic>
-          <a:graphicData uri="http://schemas.openxmlformats.org/drawingml/2006/chart">
-            <c:chart xmlns:c="http://schemas.openxmlformats.org/drawingml/2006/chart" xmlns:r="http://schemas.openxmlformats.org/officeDocument/2006/relationships" r:id="rId2"/>
-          </a:graphicData>
-        </a:graphic>
-      </p:graphicFrame>
     </p:spTree>
   </p:cSld>
   <p:clrMapOvr>
@@ -22072,59 +22376,6 @@
       </p:par>
     </p:tnLst>
   </p:timing>
-</p:sld>
-</file>
-
-<file path=ppt/slides/slide27.xml><?xml version="1.0" encoding="utf-8"?>
-<p:sld xmlns:a="http://schemas.openxmlformats.org/drawingml/2006/main" xmlns:r="http://schemas.openxmlformats.org/officeDocument/2006/relationships" xmlns:p="http://schemas.openxmlformats.org/presentationml/2006/main">
-  <p:cSld>
-    <p:spTree>
-      <p:nvGrpSpPr>
-        <p:cNvPr id="1" name=""/>
-        <p:cNvGrpSpPr/>
-        <p:nvPr/>
-      </p:nvGrpSpPr>
-      <p:grpSpPr>
-        <a:xfrm>
-          <a:off x="0" y="0"/>
-          <a:ext cx="0" cy="0"/>
-          <a:chOff x="0" y="0"/>
-          <a:chExt cx="0" cy="0"/>
-        </a:xfrm>
-      </p:grpSpPr>
-      <p:sp>
-        <p:nvSpPr>
-          <p:cNvPr id="2" name="Title 1"/>
-          <p:cNvSpPr>
-            <a:spLocks noGrp="1"/>
-          </p:cNvSpPr>
-          <p:nvPr>
-            <p:ph type="ctrTitle"/>
-          </p:nvPr>
-        </p:nvSpPr>
-        <p:spPr/>
-        <p:txBody>
-          <a:bodyPr/>
-          <a:lstStyle/>
-          <a:p>
-            <a:r>
-              <a:rPr lang="en-US" dirty="0" smtClean="0"/>
-              <a:t>Thank you</a:t>
-            </a:r>
-            <a:endParaRPr lang="en-US" dirty="0"/>
-          </a:p>
-        </p:txBody>
-      </p:sp>
-    </p:spTree>
-    <p:extLst>
-      <p:ext uri="{BB962C8B-B14F-4D97-AF65-F5344CB8AC3E}">
-        <p14:creationId xmlns:p14="http://schemas.microsoft.com/office/powerpoint/2010/main" val="895399720"/>
-      </p:ext>
-    </p:extLst>
-  </p:cSld>
-  <p:clrMapOvr>
-    <a:masterClrMapping/>
-  </p:clrMapOvr>
 </p:sld>
 </file>
 
@@ -22200,32 +22451,36 @@
             <a:off x="227585" y="1447802"/>
             <a:ext cx="2486587" cy="567507"/>
           </a:xfrm>
-          <a:ln w="3175">
-            <a:solidFill>
-              <a:schemeClr val="tx1"/>
-            </a:solidFill>
+          <a:ln w="0">
+            <a:noFill/>
           </a:ln>
         </p:spPr>
         <p:txBody>
           <a:bodyPr/>
           <a:lstStyle/>
           <a:p>
-            <a:r>
-              <a:rPr lang="en-US" altLang="zh-CN" sz="1400" dirty="0"/>
+            <a:pPr algn="ctr"/>
+            <a:r>
+              <a:rPr lang="en-US" altLang="zh-CN" sz="1600" dirty="0"/>
               <a:t>International Organization </a:t>
             </a:r>
-            <a:endParaRPr lang="en-US" altLang="zh-CN" sz="1400" dirty="0" smtClean="0"/>
-          </a:p>
-          <a:p>
-            <a:r>
-              <a:rPr lang="en-US" altLang="zh-CN" sz="1400" dirty="0"/>
+            <a:endParaRPr lang="en-US" altLang="zh-CN" sz="1600" dirty="0" smtClean="0"/>
+          </a:p>
+          <a:p>
+            <a:pPr algn="ctr"/>
+            <a:r>
+              <a:rPr lang="en-US" altLang="zh-CN" sz="1600" dirty="0"/>
               <a:t> </a:t>
             </a:r>
             <a:r>
-              <a:rPr lang="en-US" altLang="zh-CN" sz="1400" dirty="0" smtClean="0"/>
-              <a:t>  for Standardization</a:t>
-            </a:r>
-            <a:endParaRPr lang="en-GB" sz="1400" dirty="0"/>
+              <a:rPr lang="en-US" altLang="zh-CN" sz="1600" dirty="0" smtClean="0"/>
+              <a:t>for </a:t>
+            </a:r>
+            <a:r>
+              <a:rPr lang="en-US" altLang="zh-CN" sz="1600" dirty="0" smtClean="0"/>
+              <a:t>Standardization</a:t>
+            </a:r>
+            <a:endParaRPr lang="en-GB" sz="1600" dirty="0"/>
           </a:p>
         </p:txBody>
       </p:sp>
@@ -22246,9 +22501,7 @@
             <a:avLst/>
           </a:prstGeom>
           <a:ln w="3175">
-            <a:solidFill>
-              <a:schemeClr val="tx1"/>
-            </a:solidFill>
+            <a:noFill/>
           </a:ln>
         </p:spPr>
         <p:txBody>
@@ -22430,19 +22683,24 @@
             </a:lvl9pPr>
           </a:lstStyle>
           <a:p>
-            <a:r>
-              <a:rPr lang="en-US" altLang="zh-CN" sz="1400" dirty="0" smtClean="0"/>
-              <a:t>       International </a:t>
-            </a:r>
-            <a:r>
-              <a:rPr lang="en-US" altLang="zh-CN" sz="1400" dirty="0" err="1"/>
+            <a:pPr algn="ctr"/>
+            <a:r>
+              <a:rPr lang="en-US" altLang="zh-CN" sz="1600" dirty="0" smtClean="0"/>
+              <a:t> </a:t>
+            </a:r>
+            <a:r>
+              <a:rPr lang="en-US" altLang="zh-CN" sz="1600" dirty="0" smtClean="0"/>
+              <a:t>International </a:t>
+            </a:r>
+            <a:r>
+              <a:rPr lang="en-US" altLang="zh-CN" sz="1600" dirty="0" err="1"/>
               <a:t>Electrotechnical</a:t>
             </a:r>
             <a:r>
-              <a:rPr lang="en-US" altLang="zh-CN" sz="1400" dirty="0"/>
+              <a:rPr lang="en-US" altLang="zh-CN" sz="1600" dirty="0"/>
               <a:t> Commission</a:t>
             </a:r>
-            <a:endParaRPr lang="en-GB" sz="1400" dirty="0"/>
+            <a:endParaRPr lang="en-GB" sz="1600" dirty="0"/>
           </a:p>
         </p:txBody>
       </p:sp>
@@ -22456,16 +22714,14 @@
         </p:nvSpPr>
         <p:spPr bwMode="black">
           <a:xfrm>
-            <a:off x="2711849" y="3271524"/>
+            <a:off x="2711849" y="3271523"/>
             <a:ext cx="2685141" cy="499289"/>
           </a:xfrm>
           <a:prstGeom prst="rect">
             <a:avLst/>
           </a:prstGeom>
           <a:ln w="3175">
-            <a:solidFill>
-              <a:schemeClr val="tx1"/>
-            </a:solidFill>
+            <a:noFill/>
           </a:ln>
         </p:spPr>
         <p:txBody>
@@ -22647,15 +22903,12 @@
             </a:lvl9pPr>
           </a:lstStyle>
           <a:p>
-            <a:r>
-              <a:rPr lang="en-US" altLang="zh-CN" sz="1400" dirty="0"/>
-              <a:t>Information </a:t>
-            </a:r>
-            <a:r>
-              <a:rPr lang="en-US" altLang="zh-CN" sz="1400" dirty="0" smtClean="0"/>
-              <a:t>Technology Vision</a:t>
-            </a:r>
-            <a:endParaRPr lang="en-US" altLang="zh-CN" sz="1400" dirty="0"/>
+            <a:pPr algn="ctr"/>
+            <a:r>
+              <a:rPr lang="en-US" altLang="zh-CN" sz="1600" dirty="0" smtClean="0"/>
+              <a:t>Joint Technical Committee</a:t>
+            </a:r>
+            <a:endParaRPr lang="en-US" altLang="zh-CN" sz="1600" dirty="0"/>
           </a:p>
         </p:txBody>
       </p:sp>
@@ -22676,9 +22929,7 @@
             <a:avLst/>
           </a:prstGeom>
           <a:ln w="3175">
-            <a:solidFill>
-              <a:schemeClr val="tx1"/>
-            </a:solidFill>
+            <a:noFill/>
           </a:ln>
         </p:spPr>
         <p:txBody>
@@ -22860,15 +23111,27 @@
             </a:lvl9pPr>
           </a:lstStyle>
           <a:p>
-            <a:r>
-              <a:rPr lang="en-US" altLang="zh-CN" sz="1400" dirty="0" smtClean="0"/>
+            <a:pPr algn="ctr"/>
+            <a:r>
+              <a:rPr lang="en-US" altLang="zh-CN" sz="1500" dirty="0" smtClean="0"/>
               <a:t>International </a:t>
             </a:r>
             <a:r>
-              <a:rPr lang="en-US" altLang="zh-CN" sz="1400" dirty="0"/>
-              <a:t>standardization subcommittee for programming languages, their environments and system software interfaces</a:t>
-            </a:r>
-            <a:endParaRPr lang="en-GB" sz="1400" dirty="0"/>
+              <a:rPr lang="en-US" altLang="zh-CN" sz="1500" dirty="0"/>
+              <a:t>standardization subcommittee for programming languages, their environments and system software </a:t>
+            </a:r>
+            <a:r>
+              <a:rPr lang="en-US" altLang="zh-CN" sz="1500" dirty="0" smtClean="0"/>
+              <a:t>interfaces</a:t>
+            </a:r>
+          </a:p>
+          <a:p>
+            <a:pPr algn="ctr"/>
+            <a:r>
+              <a:rPr lang="en-US" sz="1500" dirty="0" smtClean="0"/>
+              <a:t>SubCommittee22</a:t>
+            </a:r>
+            <a:endParaRPr lang="en-GB" sz="1500" dirty="0"/>
           </a:p>
         </p:txBody>
       </p:sp>
@@ -22889,9 +23152,7 @@
             <a:avLst/>
           </a:prstGeom>
           <a:ln w="3175">
-            <a:solidFill>
-              <a:schemeClr val="tx1"/>
-            </a:solidFill>
+            <a:noFill/>
           </a:ln>
         </p:spPr>
         <p:txBody>
@@ -23073,10 +23334,23 @@
             </a:lvl9pPr>
           </a:lstStyle>
           <a:p>
-            <a:r>
-              <a:rPr lang="en-US" altLang="zh-CN" sz="1400" dirty="0"/>
-              <a:t>The C++ Standards Committee</a:t>
-            </a:r>
+            <a:pPr algn="ctr"/>
+            <a:r>
+              <a:rPr lang="en-US" altLang="zh-CN" sz="1600" dirty="0"/>
+              <a:t>The C++ Standards </a:t>
+            </a:r>
+            <a:r>
+              <a:rPr lang="en-US" altLang="zh-CN" sz="1600" dirty="0" smtClean="0"/>
+              <a:t>Committee</a:t>
+            </a:r>
+          </a:p>
+          <a:p>
+            <a:pPr algn="ctr"/>
+            <a:r>
+              <a:rPr lang="en-US" altLang="zh-CN" sz="1600" dirty="0" smtClean="0"/>
+              <a:t>Working Group 21</a:t>
+            </a:r>
+            <a:endParaRPr lang="en-US" altLang="zh-CN" sz="1600" dirty="0"/>
           </a:p>
         </p:txBody>
       </p:sp>
@@ -23169,7 +23443,7 @@
         </p:nvCxnSpPr>
         <p:spPr>
           <a:xfrm flipH="1" flipV="1">
-            <a:off x="4054419" y="1045029"/>
+            <a:off x="4054419" y="1045028"/>
             <a:ext cx="1" cy="2226495"/>
           </a:xfrm>
           <a:prstGeom prst="straightConnector1">
@@ -23296,7 +23570,7 @@
 </p:sld>
 </file>
 
-<file path=ppt/slides/slide4.xml><?xml version="1.0" encoding="utf-8"?>
+<file path=ppt/slides/slide30.xml><?xml version="1.0" encoding="utf-8"?>
 <p:sld xmlns:a="http://schemas.openxmlformats.org/drawingml/2006/main" xmlns:r="http://schemas.openxmlformats.org/officeDocument/2006/relationships" xmlns:p="http://schemas.openxmlformats.org/presentationml/2006/main">
   <p:cSld>
     <p:spTree>
@@ -23315,32 +23589,105 @@
       </p:grpSpPr>
       <p:sp>
         <p:nvSpPr>
-          <p:cNvPr id="4" name="Title 3"/>
+          <p:cNvPr id="2" name="Title 1"/>
           <p:cNvSpPr>
             <a:spLocks noGrp="1"/>
           </p:cNvSpPr>
           <p:nvPr>
-            <p:ph type="title"/>
+            <p:ph type="ctrTitle"/>
           </p:nvPr>
         </p:nvSpPr>
-        <p:spPr>
-          <a:xfrm>
-            <a:off x="2830286" y="2194493"/>
-            <a:ext cx="4194627" cy="708363"/>
-          </a:xfrm>
-        </p:spPr>
+        <p:spPr/>
         <p:txBody>
           <a:bodyPr/>
           <a:lstStyle/>
           <a:p>
             <a:r>
-              <a:rPr lang="en-GB" sz="3600" dirty="0" smtClean="0"/>
-              <a:t>…… Before C++11</a:t>
-            </a:r>
-            <a:endParaRPr lang="en-GB" sz="3600" dirty="0"/>
+              <a:rPr lang="en-US" dirty="0" smtClean="0"/>
+              <a:t>Thank you</a:t>
+            </a:r>
+            <a:endParaRPr lang="en-US" dirty="0"/>
           </a:p>
         </p:txBody>
       </p:sp>
+    </p:spTree>
+    <p:extLst>
+      <p:ext uri="{BB962C8B-B14F-4D97-AF65-F5344CB8AC3E}">
+        <p14:creationId xmlns:p14="http://schemas.microsoft.com/office/powerpoint/2010/main" val="895399720"/>
+      </p:ext>
+    </p:extLst>
+  </p:cSld>
+  <p:clrMapOvr>
+    <a:masterClrMapping/>
+  </p:clrMapOvr>
+  <p:timing>
+    <p:tnLst>
+      <p:par>
+        <p:cTn id="1" dur="indefinite" restart="never" nodeType="tmRoot"/>
+      </p:par>
+    </p:tnLst>
+  </p:timing>
+</p:sld>
+</file>
+
+<file path=ppt/slides/slide4.xml><?xml version="1.0" encoding="utf-8"?>
+<p:sld xmlns:a="http://schemas.openxmlformats.org/drawingml/2006/main" xmlns:r="http://schemas.openxmlformats.org/officeDocument/2006/relationships" xmlns:p="http://schemas.openxmlformats.org/presentationml/2006/main">
+  <p:cSld>
+    <p:spTree>
+      <p:nvGrpSpPr>
+        <p:cNvPr id="1" name=""/>
+        <p:cNvGrpSpPr/>
+        <p:nvPr/>
+      </p:nvGrpSpPr>
+      <p:grpSpPr>
+        <a:xfrm>
+          <a:off x="0" y="0"/>
+          <a:ext cx="0" cy="0"/>
+          <a:chOff x="0" y="0"/>
+          <a:chExt cx="0" cy="0"/>
+        </a:xfrm>
+      </p:grpSpPr>
+      <p:pic>
+        <p:nvPicPr>
+          <p:cNvPr id="1026" name="Picture 2" descr="http://isocpp.org/files/img/wg21-structure.png"/>
+          <p:cNvPicPr>
+            <a:picLocks noChangeAspect="1" noChangeArrowheads="1"/>
+          </p:cNvPicPr>
+          <p:nvPr/>
+        </p:nvPicPr>
+        <p:blipFill>
+          <a:blip r:embed="rId3">
+            <a:extLst>
+              <a:ext uri="{28A0092B-C50C-407E-A947-70E740481C1C}">
+                <a14:useLocalDpi xmlns:a14="http://schemas.microsoft.com/office/drawing/2010/main" val="0"/>
+              </a:ext>
+            </a:extLst>
+          </a:blip>
+          <a:srcRect/>
+          <a:stretch>
+            <a:fillRect/>
+          </a:stretch>
+        </p:blipFill>
+        <p:spPr bwMode="auto">
+          <a:xfrm>
+            <a:off x="170807" y="333828"/>
+            <a:ext cx="8828049" cy="4209143"/>
+          </a:xfrm>
+          <a:prstGeom prst="rect">
+            <a:avLst/>
+          </a:prstGeom>
+          <a:noFill/>
+          <a:extLst>
+            <a:ext uri="{909E8E84-426E-40DD-AFC4-6F175D3DCCD1}">
+              <a14:hiddenFill xmlns:a14="http://schemas.microsoft.com/office/drawing/2010/main">
+                <a:solidFill>
+                  <a:srgbClr val="FFFFFF"/>
+                </a:solidFill>
+              </a14:hiddenFill>
+            </a:ext>
+          </a:extLst>
+        </p:spPr>
+      </p:pic>
     </p:spTree>
     <p:extLst>
       <p:ext uri="{BB962C8B-B14F-4D97-AF65-F5344CB8AC3E}">
@@ -23390,8 +23737,8 @@
         </p:nvSpPr>
         <p:spPr>
           <a:xfrm>
-            <a:off x="331470" y="235064"/>
-            <a:ext cx="5401673" cy="430887"/>
+            <a:off x="2467429" y="2209007"/>
+            <a:ext cx="4194627" cy="708363"/>
           </a:xfrm>
         </p:spPr>
         <p:txBody>
@@ -23399,103 +23746,17 @@
           <a:lstStyle/>
           <a:p>
             <a:r>
-              <a:rPr lang="en-US" altLang="zh-CN" dirty="0"/>
-              <a:t>C++ Standard meeting Feb 2012</a:t>
-            </a:r>
-          </a:p>
-        </p:txBody>
-      </p:sp>
-      <p:sp>
-        <p:nvSpPr>
-          <p:cNvPr id="7" name="Text Placeholder 6"/>
-          <p:cNvSpPr>
-            <a:spLocks noGrp="1"/>
-          </p:cNvSpPr>
-          <p:nvPr>
-            <p:ph sz="quarter" idx="10"/>
-          </p:nvPr>
-        </p:nvSpPr>
-        <p:spPr>
-          <a:xfrm>
-            <a:off x="329184" y="754743"/>
-            <a:ext cx="8117904" cy="3653745"/>
-          </a:xfrm>
-        </p:spPr>
-        <p:txBody>
-          <a:bodyPr/>
-          <a:lstStyle/>
-          <a:p>
-            <a:endParaRPr lang="en-GB" dirty="0"/>
-          </a:p>
-          <a:p>
-            <a:pPr lvl="2"/>
-            <a:r>
-              <a:rPr lang="en-US" altLang="zh-CN" sz="1600" dirty="0" smtClean="0"/>
-              <a:t>The </a:t>
-            </a:r>
-            <a:r>
-              <a:rPr lang="en-US" altLang="zh-CN" sz="1600" dirty="0"/>
-              <a:t>first meeting since the ratification of C++11</a:t>
-            </a:r>
-          </a:p>
-          <a:p>
-            <a:pPr lvl="2"/>
-            <a:r>
-              <a:rPr lang="en-US" altLang="zh-CN" sz="1600" dirty="0" smtClean="0"/>
-              <a:t>No </a:t>
-            </a:r>
-            <a:r>
-              <a:rPr lang="en-US" altLang="zh-CN" sz="1600" dirty="0"/>
-              <a:t>new Standard before 2017, with a 2022 follow-on standard, every five years</a:t>
-            </a:r>
-          </a:p>
-          <a:p>
-            <a:pPr lvl="2"/>
-            <a:r>
-              <a:rPr lang="en-US" sz="1600" dirty="0" smtClean="0"/>
-              <a:t>Discuss public Open Source Library – Portable C++ Library</a:t>
-            </a:r>
-          </a:p>
-          <a:p>
-            <a:pPr lvl="2"/>
-            <a:r>
-              <a:rPr lang="en-US" altLang="zh-CN" sz="1600" dirty="0" smtClean="0"/>
-              <a:t>Processes over 120 defects, discuss some issues</a:t>
-            </a:r>
-          </a:p>
-          <a:p>
-            <a:pPr lvl="2"/>
-            <a:r>
-              <a:rPr lang="en-US" altLang="zh-CN" sz="1600" dirty="0" smtClean="0"/>
-              <a:t>Potential features for future standard</a:t>
-            </a:r>
-          </a:p>
-          <a:p>
-            <a:pPr lvl="2"/>
-            <a:r>
-              <a:rPr lang="en-US" altLang="zh-CN" sz="1600" dirty="0"/>
-              <a:t>A</a:t>
-            </a:r>
-            <a:r>
-              <a:rPr lang="en-US" altLang="zh-CN" sz="1600" dirty="0" smtClean="0"/>
-              <a:t>dvanced </a:t>
-            </a:r>
-            <a:r>
-              <a:rPr lang="en-US" altLang="zh-CN" sz="1600" dirty="0"/>
-              <a:t>abstractions of </a:t>
-            </a:r>
-            <a:r>
-              <a:rPr lang="en-US" altLang="zh-CN" sz="1600" dirty="0" smtClean="0"/>
-              <a:t>concurrency</a:t>
-            </a:r>
-            <a:endParaRPr lang="en-US" sz="1600" dirty="0" smtClean="0"/>
+              <a:rPr lang="en-GB" sz="3600" dirty="0" smtClean="0"/>
+              <a:t>…… Before C++11</a:t>
+            </a:r>
+            <a:endParaRPr lang="en-GB" sz="3600" dirty="0"/>
           </a:p>
         </p:txBody>
       </p:sp>
     </p:spTree>
     <p:extLst>
       <p:ext uri="{BB962C8B-B14F-4D97-AF65-F5344CB8AC3E}">
-        <p14:creationId xmlns:p14="http://schemas.microsoft.com/office/powerpoint/2010/main" val="847111980"/>
+        <p14:creationId xmlns:p14="http://schemas.microsoft.com/office/powerpoint/2010/main" val="746768562"/>
       </p:ext>
     </p:extLst>
   </p:cSld>
@@ -23542,7 +23803,7 @@
         <p:spPr>
           <a:xfrm>
             <a:off x="331470" y="235064"/>
-            <a:ext cx="5401673" cy="430887"/>
+            <a:ext cx="6591844" cy="430887"/>
           </a:xfrm>
         </p:spPr>
         <p:txBody>
@@ -23551,11 +23812,11 @@
           <a:p>
             <a:r>
               <a:rPr lang="en-US" altLang="zh-CN" dirty="0"/>
-              <a:t>C++ Standard meeting </a:t>
+              <a:t>C++ </a:t>
             </a:r>
             <a:r>
               <a:rPr lang="en-US" altLang="zh-CN" dirty="0" smtClean="0"/>
-              <a:t>Oct 2012</a:t>
+              <a:t>Standard Progress before C++11</a:t>
             </a:r>
             <a:endParaRPr lang="en-US" altLang="zh-CN" dirty="0"/>
           </a:p>
@@ -23573,8 +23834,8 @@
         </p:nvSpPr>
         <p:spPr>
           <a:xfrm>
-            <a:off x="329184" y="754743"/>
-            <a:ext cx="8117904" cy="3653745"/>
+            <a:off x="300155" y="856343"/>
+            <a:ext cx="8117904" cy="2293257"/>
           </a:xfrm>
         </p:spPr>
         <p:txBody>
@@ -23586,78 +23847,187 @@
           <a:p>
             <a:pPr lvl="2"/>
             <a:r>
-              <a:rPr lang="en-US" altLang="zh-CN" sz="1600" dirty="0"/>
-              <a:t>C++ is technically 27 years old </a:t>
-            </a:r>
-            <a:endParaRPr lang="en-US" altLang="zh-CN" sz="1600" dirty="0" smtClean="0"/>
+              <a:rPr lang="en-US" altLang="zh-CN" sz="1800" dirty="0" smtClean="0"/>
+              <a:t>1998 ISO/IEC 14882:1998 C++98</a:t>
+            </a:r>
+            <a:endParaRPr lang="en-US" altLang="zh-CN" sz="1800" dirty="0"/>
           </a:p>
           <a:p>
             <a:pPr lvl="2"/>
             <a:r>
-              <a:rPr lang="en-US" altLang="zh-CN" sz="1600" dirty="0"/>
-              <a:t>C++</a:t>
-            </a:r>
-            <a:r>
-              <a:rPr lang="en-US" altLang="zh-CN" sz="1600" dirty="0" smtClean="0"/>
-              <a:t>14 is proposed </a:t>
-            </a:r>
-            <a:r>
-              <a:rPr lang="en-US" altLang="zh-CN" sz="1600" dirty="0"/>
-              <a:t>to address C++11 annoyances and a bug fix </a:t>
-            </a:r>
-            <a:r>
-              <a:rPr lang="en-US" altLang="zh-CN" sz="1600" dirty="0" smtClean="0"/>
-              <a:t>release</a:t>
-            </a:r>
-            <a:endParaRPr lang="en-US" altLang="zh-CN" sz="1600" dirty="0"/>
+              <a:rPr lang="en-US" altLang="zh-CN" sz="1800" dirty="0" smtClean="0"/>
+              <a:t>2003 </a:t>
+            </a:r>
+            <a:r>
+              <a:rPr lang="en-US" altLang="zh-CN" sz="1800" dirty="0"/>
+              <a:t>ISO/IEC </a:t>
+            </a:r>
+            <a:r>
+              <a:rPr lang="en-US" altLang="zh-CN" sz="1800" dirty="0" smtClean="0"/>
+              <a:t>14882:2003 </a:t>
+            </a:r>
+            <a:r>
+              <a:rPr lang="en-US" altLang="zh-CN" sz="1800" dirty="0"/>
+              <a:t>C</a:t>
+            </a:r>
+            <a:r>
+              <a:rPr lang="en-US" altLang="zh-CN" sz="1800" dirty="0" smtClean="0"/>
+              <a:t>++03, only bug fix for C++98</a:t>
+            </a:r>
+            <a:endParaRPr lang="en-US" altLang="zh-CN" sz="1800" dirty="0"/>
           </a:p>
           <a:p>
             <a:pPr lvl="2"/>
             <a:r>
-              <a:rPr lang="en-US" sz="1600" dirty="0" smtClean="0"/>
-              <a:t>Pick up some drafts dropped in C++11 due to time constraint</a:t>
+              <a:rPr lang="en-US" sz="1800" dirty="0" smtClean="0"/>
+              <a:t>2007 ISO/IEC TR 19768:2007, TR1, C++ Library Extension</a:t>
             </a:r>
           </a:p>
           <a:p>
             <a:pPr lvl="2"/>
             <a:r>
-              <a:rPr lang="en-US" altLang="zh-CN" sz="1600" dirty="0" smtClean="0"/>
-              <a:t>Processes over 120 defects, discuss some issues</a:t>
-            </a:r>
+              <a:rPr lang="en-US" sz="1800" dirty="0" smtClean="0"/>
+              <a:t>2008 C++0x Committee Draft SC22 Balloting</a:t>
+            </a:r>
+            <a:endParaRPr lang="en-US" sz="1800" dirty="0" smtClean="0"/>
           </a:p>
           <a:p>
             <a:pPr lvl="2"/>
             <a:r>
-              <a:rPr lang="en-US" altLang="zh-CN" sz="1600" dirty="0" smtClean="0"/>
-              <a:t>Potential features for future standard</a:t>
+              <a:rPr lang="en-US" altLang="zh-CN" sz="1800" dirty="0"/>
+              <a:t>2010 C++0x </a:t>
+            </a:r>
+            <a:r>
+              <a:rPr lang="en-US" altLang="zh-CN" sz="1800" dirty="0" smtClean="0"/>
+              <a:t>Final </a:t>
+            </a:r>
+            <a:r>
+              <a:rPr lang="en-US" altLang="zh-CN" sz="1800" dirty="0"/>
+              <a:t>Committee Draft SC22 </a:t>
+            </a:r>
+            <a:r>
+              <a:rPr lang="en-US" altLang="zh-CN" sz="1800" dirty="0" smtClean="0"/>
+              <a:t>Balloting</a:t>
             </a:r>
           </a:p>
           <a:p>
             <a:pPr lvl="2"/>
             <a:r>
-              <a:rPr lang="en-US" altLang="zh-CN" sz="1600" dirty="0"/>
-              <a:t>A</a:t>
-            </a:r>
-            <a:r>
-              <a:rPr lang="en-US" altLang="zh-CN" sz="1600" dirty="0" smtClean="0"/>
-              <a:t>dvanced </a:t>
-            </a:r>
-            <a:r>
-              <a:rPr lang="en-US" altLang="zh-CN" sz="1600" dirty="0"/>
-              <a:t>abstractions of </a:t>
-            </a:r>
-            <a:r>
-              <a:rPr lang="en-US" altLang="zh-CN" sz="1600" dirty="0" smtClean="0"/>
-              <a:t>concurrency</a:t>
-            </a:r>
-            <a:endParaRPr lang="en-US" sz="1600" dirty="0" smtClean="0"/>
+              <a:rPr lang="en-US" altLang="zh-CN" sz="1800" dirty="0"/>
+              <a:t>2011 ISO/IEC </a:t>
+            </a:r>
+            <a:r>
+              <a:rPr lang="en-US" altLang="zh-CN" sz="1800" dirty="0" smtClean="0"/>
+              <a:t>14882:2011 </a:t>
+            </a:r>
+            <a:r>
+              <a:rPr lang="en-US" altLang="zh-CN" sz="1800" dirty="0"/>
+              <a:t>C</a:t>
+            </a:r>
+            <a:r>
+              <a:rPr lang="en-US" altLang="zh-CN" sz="1800" dirty="0" smtClean="0"/>
+              <a:t>++11</a:t>
+            </a:r>
+            <a:endParaRPr lang="en-US" sz="1800" dirty="0" smtClean="0"/>
+          </a:p>
+        </p:txBody>
+      </p:sp>
+      <p:sp>
+        <p:nvSpPr>
+          <p:cNvPr id="2" name="Right Brace 1"/>
+          <p:cNvSpPr/>
+          <p:nvPr/>
+        </p:nvSpPr>
+        <p:spPr>
+          <a:xfrm>
+            <a:off x="6720114" y="1741714"/>
+            <a:ext cx="362857" cy="1291772"/>
+          </a:xfrm>
+          <a:prstGeom prst="rightBrace">
+            <a:avLst/>
+          </a:prstGeom>
+          <a:ln w="12700" cmpd="sng">
+            <a:solidFill>
+              <a:schemeClr val="tx1"/>
+            </a:solidFill>
+          </a:ln>
+          <a:effectLst/>
+        </p:spPr>
+        <p:style>
+          <a:lnRef idx="2">
+            <a:schemeClr val="accent1"/>
+          </a:lnRef>
+          <a:fillRef idx="0">
+            <a:schemeClr val="accent1"/>
+          </a:fillRef>
+          <a:effectRef idx="1">
+            <a:schemeClr val="accent1"/>
+          </a:effectRef>
+          <a:fontRef idx="minor">
+            <a:schemeClr val="tx1"/>
+          </a:fontRef>
+        </p:style>
+        <p:txBody>
+          <a:bodyPr rtlCol="0" anchor="ctr"/>
+          <a:lstStyle/>
+          <a:p>
+            <a:pPr algn="ctr"/>
+            <a:endParaRPr lang="zh-CN" altLang="en-US"/>
+          </a:p>
+        </p:txBody>
+      </p:sp>
+      <p:sp>
+        <p:nvSpPr>
+          <p:cNvPr id="3" name="TextBox 2"/>
+          <p:cNvSpPr txBox="1"/>
+          <p:nvPr/>
+        </p:nvSpPr>
+        <p:spPr>
+          <a:xfrm>
+            <a:off x="7082971" y="2228725"/>
+            <a:ext cx="914401" cy="369332"/>
+          </a:xfrm>
+          <a:prstGeom prst="rect">
+            <a:avLst/>
+          </a:prstGeom>
+          <a:noFill/>
+        </p:spPr>
+        <p:txBody>
+          <a:bodyPr wrap="square" rtlCol="0">
+            <a:spAutoFit/>
+          </a:bodyPr>
+          <a:lstStyle/>
+          <a:p>
+            <a:pPr marL="0" defTabSz="430213">
+              <a:spcAft>
+                <a:spcPts val="400"/>
+              </a:spcAft>
+              <a:buSzPct val="100000"/>
+            </a:pPr>
+            <a:r>
+              <a:rPr lang="en-US" altLang="zh-CN" dirty="0" smtClean="0">
+                <a:solidFill>
+                  <a:srgbClr val="000000"/>
+                </a:solidFill>
+                <a:latin typeface="HP Simplified" pitchFamily="34" charset="0"/>
+                <a:cs typeface="HP Simplified" pitchFamily="34" charset="0"/>
+              </a:rPr>
+              <a:t>C++0x</a:t>
+            </a:r>
+            <a:endParaRPr lang="zh-CN" altLang="en-US" dirty="0" smtClean="0">
+              <a:solidFill>
+                <a:srgbClr val="000000"/>
+              </a:solidFill>
+              <a:latin typeface="HP Simplified" pitchFamily="34" charset="0"/>
+              <a:cs typeface="HP Simplified" pitchFamily="34" charset="0"/>
+            </a:endParaRPr>
           </a:p>
         </p:txBody>
       </p:sp>
     </p:spTree>
     <p:extLst>
       <p:ext uri="{BB962C8B-B14F-4D97-AF65-F5344CB8AC3E}">
-        <p14:creationId xmlns:p14="http://schemas.microsoft.com/office/powerpoint/2010/main" val="524126237"/>
+        <p14:creationId xmlns:p14="http://schemas.microsoft.com/office/powerpoint/2010/main" val="847111980"/>
       </p:ext>
     </p:extLst>
   </p:cSld>
@@ -23703,8 +24073,8 @@
         </p:nvSpPr>
         <p:spPr>
           <a:xfrm>
-            <a:off x="331470" y="235064"/>
-            <a:ext cx="1119959" cy="430887"/>
+            <a:off x="2830287" y="2194493"/>
+            <a:ext cx="3164114" cy="708363"/>
           </a:xfrm>
         </p:spPr>
         <p:txBody>
@@ -23712,112 +24082,17 @@
           <a:lstStyle/>
           <a:p>
             <a:r>
-              <a:rPr lang="en-GB" dirty="0" smtClean="0"/>
-              <a:t>C++14</a:t>
-            </a:r>
-            <a:endParaRPr lang="en-GB" dirty="0"/>
-          </a:p>
-        </p:txBody>
-      </p:sp>
-      <p:sp>
-        <p:nvSpPr>
-          <p:cNvPr id="7" name="Text Placeholder 6"/>
-          <p:cNvSpPr>
-            <a:spLocks noGrp="1"/>
-          </p:cNvSpPr>
-          <p:nvPr>
-            <p:ph sz="quarter" idx="10"/>
-          </p:nvPr>
-        </p:nvSpPr>
-        <p:spPr>
-          <a:xfrm>
-            <a:off x="329184" y="754743"/>
-            <a:ext cx="8117904" cy="3653745"/>
-          </a:xfrm>
-        </p:spPr>
-        <p:txBody>
-          <a:bodyPr/>
-          <a:lstStyle/>
-          <a:p>
-            <a:r>
-              <a:rPr lang="en-US" dirty="0" smtClean="0"/>
-              <a:t>C++14 Committee Draft (CD) published at isocpp.org in May, 2013</a:t>
-            </a:r>
-          </a:p>
-          <a:p>
-            <a:endParaRPr lang="en-GB" dirty="0"/>
-          </a:p>
-          <a:p>
-            <a:pPr lvl="2"/>
-            <a:r>
-              <a:rPr lang="en-US" sz="1600" dirty="0" smtClean="0"/>
-              <a:t>National Body (NB) Balloting at SC22 level: 3 months</a:t>
-            </a:r>
-          </a:p>
-          <a:p>
-            <a:pPr lvl="2"/>
-            <a:r>
-              <a:rPr lang="en-US" sz="1600" dirty="0" smtClean="0"/>
-              <a:t>Many issues are solved at C++ Standard Meeting, </a:t>
-            </a:r>
-            <a:r>
-              <a:rPr lang="en-US" sz="1600" dirty="0" err="1" smtClean="0"/>
-              <a:t>Chigago</a:t>
-            </a:r>
-            <a:r>
-              <a:rPr lang="en-US" sz="1600" dirty="0" smtClean="0"/>
-              <a:t> in </a:t>
-            </a:r>
-            <a:r>
-              <a:rPr lang="en-US" altLang="zh-CN" sz="1600" dirty="0" smtClean="0"/>
-              <a:t>Sept. 2013</a:t>
-            </a:r>
-            <a:endParaRPr lang="en-US" sz="1600" dirty="0" smtClean="0"/>
-          </a:p>
-          <a:p>
-            <a:pPr lvl="2"/>
-            <a:r>
-              <a:rPr lang="en-US" altLang="zh-CN" sz="1600" dirty="0" smtClean="0"/>
-              <a:t>Draft International Standard (DIS) balloting at the JTC level: 5 months</a:t>
-            </a:r>
-          </a:p>
-          <a:p>
-            <a:pPr lvl="2"/>
-            <a:r>
-              <a:rPr lang="en-US" altLang="zh-CN" sz="1600" dirty="0" smtClean="0"/>
-              <a:t>Valid International Standard (IS) balloting at the JTC level: 2 months</a:t>
-            </a:r>
-          </a:p>
-          <a:p>
-            <a:pPr lvl="2"/>
-            <a:r>
-              <a:rPr lang="en-US" altLang="zh-CN" sz="1600" dirty="0" smtClean="0"/>
-              <a:t>A ratified C++14 will be released summer 2014, likely at the </a:t>
-            </a:r>
-            <a:r>
-              <a:rPr lang="en-US" altLang="zh-CN" sz="1600" dirty="0" err="1" smtClean="0"/>
-              <a:t>Rapperswill</a:t>
-            </a:r>
-            <a:r>
-              <a:rPr lang="en-US" altLang="zh-CN" sz="1600" dirty="0" smtClean="0"/>
-              <a:t>, Switzerland meeting</a:t>
-            </a:r>
-            <a:endParaRPr lang="en-US" sz="1600" dirty="0" smtClean="0"/>
-          </a:p>
-          <a:p>
-            <a:pPr lvl="3"/>
-            <a:r>
-              <a:rPr lang="en-US" altLang="zh-CN" sz="1600" dirty="0" smtClean="0"/>
-              <a:t>If any of the step fails because some NB comment could not be addressed, then a second CD may need to be issued, which would push the process back, likely until end of 2014, or even past it.</a:t>
-            </a:r>
-            <a:endParaRPr lang="en-US" sz="1600" dirty="0"/>
+              <a:rPr lang="en-GB" sz="3600" dirty="0" smtClean="0"/>
+              <a:t>Current C++11</a:t>
+            </a:r>
+            <a:endParaRPr lang="en-GB" sz="3600" dirty="0"/>
           </a:p>
         </p:txBody>
       </p:sp>
     </p:spTree>
     <p:extLst>
       <p:ext uri="{BB962C8B-B14F-4D97-AF65-F5344CB8AC3E}">
-        <p14:creationId xmlns:p14="http://schemas.microsoft.com/office/powerpoint/2010/main" val="1404998740"/>
+        <p14:creationId xmlns:p14="http://schemas.microsoft.com/office/powerpoint/2010/main" val="3462151274"/>
       </p:ext>
     </p:extLst>
   </p:cSld>
@@ -23863,8 +24138,8 @@
         </p:nvSpPr>
         <p:spPr>
           <a:xfrm>
-            <a:off x="331470" y="235064"/>
-            <a:ext cx="1119959" cy="430887"/>
+            <a:off x="2830286" y="2194493"/>
+            <a:ext cx="3976913" cy="708363"/>
           </a:xfrm>
         </p:spPr>
         <p:txBody>
@@ -23872,70 +24147,17 @@
           <a:lstStyle/>
           <a:p>
             <a:r>
-              <a:rPr lang="en-GB" dirty="0" smtClean="0"/>
-              <a:t>C++14</a:t>
-            </a:r>
-            <a:endParaRPr lang="en-GB" dirty="0"/>
-          </a:p>
-        </p:txBody>
-      </p:sp>
-      <p:sp>
-        <p:nvSpPr>
-          <p:cNvPr id="7" name="Text Placeholder 6"/>
-          <p:cNvSpPr>
-            <a:spLocks noGrp="1"/>
-          </p:cNvSpPr>
-          <p:nvPr>
-            <p:ph sz="quarter" idx="10"/>
-          </p:nvPr>
-        </p:nvSpPr>
-        <p:spPr>
-          <a:xfrm>
-            <a:off x="503356" y="1480458"/>
-            <a:ext cx="7784302" cy="1524000"/>
-          </a:xfrm>
-        </p:spPr>
-        <p:txBody>
-          <a:bodyPr/>
-          <a:lstStyle/>
-          <a:p>
-            <a:r>
-              <a:rPr lang="en-US" altLang="zh-CN" dirty="0"/>
-              <a:t>Clang is (draft) C++14 </a:t>
-            </a:r>
-            <a:r>
-              <a:rPr lang="en-US" altLang="zh-CN" dirty="0" smtClean="0"/>
-              <a:t>feature-complete at Nov. 7 2013</a:t>
-            </a:r>
-            <a:endParaRPr lang="en-US" altLang="zh-CN" dirty="0"/>
-          </a:p>
-          <a:p>
-            <a:endParaRPr lang="en-GB" dirty="0"/>
-          </a:p>
-          <a:p>
-            <a:pPr marL="0" lvl="2" indent="0">
-              <a:buNone/>
-            </a:pPr>
-            <a:r>
-              <a:rPr lang="en-US" altLang="zh-CN" sz="1800" dirty="0" smtClean="0"/>
-              <a:t>It</a:t>
-            </a:r>
-            <a:r>
-              <a:rPr lang="en-US" altLang="zh-CN" sz="1800" dirty="0"/>
-              <a:t> appears that the next release of Clang and LLVM, expected in December or January, will be draft C++14 feature-complete</a:t>
-            </a:r>
-            <a:r>
-              <a:rPr lang="en-US" altLang="zh-CN" sz="1800" dirty="0" smtClean="0"/>
-              <a:t>.</a:t>
-            </a:r>
-            <a:endParaRPr lang="en-US" sz="1800" dirty="0"/>
+              <a:rPr lang="en-GB" sz="3600" dirty="0" smtClean="0"/>
+              <a:t>After C++11……</a:t>
+            </a:r>
+            <a:endParaRPr lang="en-GB" sz="3600" dirty="0"/>
           </a:p>
         </p:txBody>
       </p:sp>
     </p:spTree>
     <p:extLst>
       <p:ext uri="{BB962C8B-B14F-4D97-AF65-F5344CB8AC3E}">
-        <p14:creationId xmlns:p14="http://schemas.microsoft.com/office/powerpoint/2010/main" val="1455022355"/>
+        <p14:creationId xmlns:p14="http://schemas.microsoft.com/office/powerpoint/2010/main" val="2495056151"/>
       </p:ext>
     </p:extLst>
   </p:cSld>
@@ -23969,64 +24191,124 @@
           <a:chExt cx="0" cy="0"/>
         </a:xfrm>
       </p:grpSpPr>
-      <p:pic>
-        <p:nvPicPr>
-          <p:cNvPr id="1026" name="Picture 2"/>
-          <p:cNvPicPr>
-            <a:picLocks noChangeAspect="1" noChangeArrowheads="1"/>
-          </p:cNvPicPr>
-          <p:nvPr/>
-        </p:nvPicPr>
-        <p:blipFill>
-          <a:blip r:embed="rId2">
-            <a:extLst>
-              <a:ext uri="{28A0092B-C50C-407E-A947-70E740481C1C}">
-                <a14:useLocalDpi xmlns:a14="http://schemas.microsoft.com/office/drawing/2010/main" val="0"/>
-              </a:ext>
-            </a:extLst>
-          </a:blip>
-          <a:srcRect/>
-          <a:stretch>
-            <a:fillRect/>
-          </a:stretch>
-        </p:blipFill>
-        <p:spPr bwMode="auto">
+      <p:sp>
+        <p:nvSpPr>
+          <p:cNvPr id="4" name="Title 3"/>
+          <p:cNvSpPr>
+            <a:spLocks noGrp="1"/>
+          </p:cNvSpPr>
+          <p:nvPr>
+            <p:ph type="title"/>
+          </p:nvPr>
+        </p:nvSpPr>
+        <p:spPr>
           <a:xfrm>
-            <a:off x="0" y="642938"/>
-            <a:ext cx="9191625" cy="3857625"/>
+            <a:off x="331470" y="235064"/>
+            <a:ext cx="5401673" cy="430887"/>
           </a:xfrm>
-          <a:prstGeom prst="rect">
-            <a:avLst/>
-          </a:prstGeom>
-          <a:noFill/>
-          <a:ln>
-            <a:noFill/>
-          </a:ln>
-          <a:extLst>
-            <a:ext uri="{909E8E84-426E-40DD-AFC4-6F175D3DCCD1}">
-              <a14:hiddenFill xmlns:a14="http://schemas.microsoft.com/office/drawing/2010/main">
-                <a:solidFill>
-                  <a:schemeClr val="accent1"/>
-                </a:solidFill>
-              </a14:hiddenFill>
-            </a:ext>
-            <a:ext uri="{91240B29-F687-4F45-9708-019B960494DF}">
-              <a14:hiddenLine xmlns:a14="http://schemas.microsoft.com/office/drawing/2010/main" w="9525">
-                <a:solidFill>
-                  <a:schemeClr val="tx1"/>
-                </a:solidFill>
-                <a:miter lim="800000"/>
-                <a:headEnd/>
-                <a:tailEnd/>
-              </a14:hiddenLine>
-            </a:ext>
-          </a:extLst>
         </p:spPr>
-      </p:pic>
+        <p:txBody>
+          <a:bodyPr/>
+          <a:lstStyle/>
+          <a:p>
+            <a:r>
+              <a:rPr lang="en-US" altLang="zh-CN" dirty="0"/>
+              <a:t>C++ Standard meeting Feb 2012</a:t>
+            </a:r>
+          </a:p>
+        </p:txBody>
+      </p:sp>
+      <p:sp>
+        <p:nvSpPr>
+          <p:cNvPr id="7" name="Text Placeholder 6"/>
+          <p:cNvSpPr>
+            <a:spLocks noGrp="1"/>
+          </p:cNvSpPr>
+          <p:nvPr>
+            <p:ph sz="quarter" idx="10"/>
+          </p:nvPr>
+        </p:nvSpPr>
+        <p:spPr>
+          <a:xfrm>
+            <a:off x="329184" y="754743"/>
+            <a:ext cx="8117904" cy="3653745"/>
+          </a:xfrm>
+        </p:spPr>
+        <p:txBody>
+          <a:bodyPr/>
+          <a:lstStyle/>
+          <a:p>
+            <a:endParaRPr lang="en-GB" dirty="0"/>
+          </a:p>
+          <a:p>
+            <a:pPr lvl="2"/>
+            <a:r>
+              <a:rPr lang="en-US" altLang="zh-CN" sz="1600" dirty="0" smtClean="0"/>
+              <a:t>The </a:t>
+            </a:r>
+            <a:r>
+              <a:rPr lang="en-US" altLang="zh-CN" sz="1600" dirty="0"/>
+              <a:t>first meeting since the ratification of C++11</a:t>
+            </a:r>
+          </a:p>
+          <a:p>
+            <a:pPr lvl="2"/>
+            <a:r>
+              <a:rPr lang="en-US" altLang="zh-CN" sz="1600" dirty="0" smtClean="0"/>
+              <a:t>No </a:t>
+            </a:r>
+            <a:r>
+              <a:rPr lang="en-US" altLang="zh-CN" sz="1600" dirty="0"/>
+              <a:t>new Standard before 2017, with a 2022 follow-on standard, every five years</a:t>
+            </a:r>
+          </a:p>
+          <a:p>
+            <a:pPr lvl="2"/>
+            <a:r>
+              <a:rPr lang="en-US" sz="1600" dirty="0" smtClean="0"/>
+              <a:t>Discuss public Open Source Library – Portable C++ Library</a:t>
+            </a:r>
+          </a:p>
+          <a:p>
+            <a:pPr lvl="2"/>
+            <a:r>
+              <a:rPr lang="en-US" altLang="zh-CN" sz="1600" dirty="0" smtClean="0"/>
+              <a:t>Processes over 120 defects, discuss some issues</a:t>
+            </a:r>
+          </a:p>
+          <a:p>
+            <a:pPr lvl="2"/>
+            <a:r>
+              <a:rPr lang="en-US" altLang="zh-CN" sz="1600" dirty="0" smtClean="0"/>
+              <a:t>Potential features for future standard</a:t>
+            </a:r>
+          </a:p>
+          <a:p>
+            <a:pPr lvl="2"/>
+            <a:r>
+              <a:rPr lang="en-US" altLang="zh-CN" sz="1600" dirty="0"/>
+              <a:t>A</a:t>
+            </a:r>
+            <a:r>
+              <a:rPr lang="en-US" altLang="zh-CN" sz="1600" dirty="0" smtClean="0"/>
+              <a:t>dvanced </a:t>
+            </a:r>
+            <a:r>
+              <a:rPr lang="en-US" altLang="zh-CN" sz="1600" dirty="0"/>
+              <a:t>abstractions of </a:t>
+            </a:r>
+            <a:r>
+              <a:rPr lang="en-US" altLang="zh-CN" sz="1600" dirty="0" smtClean="0"/>
+              <a:t>concurrency</a:t>
+            </a:r>
+            <a:endParaRPr lang="en-US" sz="1600" dirty="0" smtClean="0"/>
+          </a:p>
+        </p:txBody>
+      </p:sp>
     </p:spTree>
     <p:extLst>
       <p:ext uri="{BB962C8B-B14F-4D97-AF65-F5344CB8AC3E}">
-        <p14:creationId xmlns:p14="http://schemas.microsoft.com/office/powerpoint/2010/main" val="2625290376"/>
+        <p14:creationId xmlns:p14="http://schemas.microsoft.com/office/powerpoint/2010/main" val="501794704"/>
       </p:ext>
     </p:extLst>
   </p:cSld>
@@ -24923,281 +25205,4 @@
   </a:objectDefaults>
   <a:extraClrSchemeLst/>
 </a:theme>
-</file>
-
-<file path=ppt/theme/themeOverride1.xml><?xml version="1.0" encoding="utf-8"?>
-<a:themeOverride xmlns:a="http://schemas.openxmlformats.org/drawingml/2006/main">
-  <a:clrScheme name="00_HP">
-    <a:dk1>
-      <a:sysClr val="windowText" lastClr="000000"/>
-    </a:dk1>
-    <a:lt1>
-      <a:sysClr val="window" lastClr="FFFFFF"/>
-    </a:lt1>
-    <a:dk2>
-      <a:srgbClr val="858689"/>
-    </a:dk2>
-    <a:lt2>
-      <a:srgbClr val="DDDEDD"/>
-    </a:lt2>
-    <a:accent1>
-      <a:srgbClr val="007FC5"/>
-    </a:accent1>
-    <a:accent2>
-      <a:srgbClr val="00A145"/>
-    </a:accent2>
-    <a:accent3>
-      <a:srgbClr val="56378A"/>
-    </a:accent3>
-    <a:accent4>
-      <a:srgbClr val="FFDD00"/>
-    </a:accent4>
-    <a:accent5>
-      <a:srgbClr val="F39900"/>
-    </a:accent5>
-    <a:accent6>
-      <a:srgbClr val="E31C19"/>
-    </a:accent6>
-    <a:hlink>
-      <a:srgbClr val="0000FF"/>
-    </a:hlink>
-    <a:folHlink>
-      <a:srgbClr val="800080"/>
-    </a:folHlink>
-  </a:clrScheme>
-  <a:fontScheme name="Office">
-    <a:majorFont>
-      <a:latin typeface="Calibri"/>
-      <a:ea typeface=""/>
-      <a:cs typeface=""/>
-      <a:font script="Jpan" typeface="ＭＳ Ｐゴシック"/>
-      <a:font script="Hang" typeface="맑은 고딕"/>
-      <a:font script="Hans" typeface="宋体"/>
-      <a:font script="Hant" typeface="新細明體"/>
-      <a:font script="Arab" typeface="Times New Roman"/>
-      <a:font script="Hebr" typeface="Times New Roman"/>
-      <a:font script="Thai" typeface="Angsana New"/>
-      <a:font script="Ethi" typeface="Nyala"/>
-      <a:font script="Beng" typeface="Vrinda"/>
-      <a:font script="Gujr" typeface="Shruti"/>
-      <a:font script="Khmr" typeface="MoolBoran"/>
-      <a:font script="Knda" typeface="Tunga"/>
-      <a:font script="Guru" typeface="Raavi"/>
-      <a:font script="Cans" typeface="Euphemia"/>
-      <a:font script="Cher" typeface="Plantagenet Cherokee"/>
-      <a:font script="Yiii" typeface="Microsoft Yi Baiti"/>
-      <a:font script="Tibt" typeface="Microsoft Himalaya"/>
-      <a:font script="Thaa" typeface="MV Boli"/>
-      <a:font script="Deva" typeface="Mangal"/>
-      <a:font script="Telu" typeface="Gautami"/>
-      <a:font script="Taml" typeface="Latha"/>
-      <a:font script="Syrc" typeface="Estrangelo Edessa"/>
-      <a:font script="Orya" typeface="Kalinga"/>
-      <a:font script="Mlym" typeface="Kartika"/>
-      <a:font script="Laoo" typeface="DokChampa"/>
-      <a:font script="Sinh" typeface="Iskoola Pota"/>
-      <a:font script="Mong" typeface="Mongolian Baiti"/>
-      <a:font script="Viet" typeface="Times New Roman"/>
-      <a:font script="Uigh" typeface="Microsoft Uighur"/>
-      <a:font script="Geor" typeface="Sylfaen"/>
-    </a:majorFont>
-    <a:minorFont>
-      <a:latin typeface="Calibri"/>
-      <a:ea typeface=""/>
-      <a:cs typeface=""/>
-      <a:font script="Jpan" typeface="ＭＳ Ｐゴシック"/>
-      <a:font script="Hang" typeface="맑은 고딕"/>
-      <a:font script="Hans" typeface="宋体"/>
-      <a:font script="Hant" typeface="新細明體"/>
-      <a:font script="Arab" typeface="Arial"/>
-      <a:font script="Hebr" typeface="Arial"/>
-      <a:font script="Thai" typeface="Cordia New"/>
-      <a:font script="Ethi" typeface="Nyala"/>
-      <a:font script="Beng" typeface="Vrinda"/>
-      <a:font script="Gujr" typeface="Shruti"/>
-      <a:font script="Khmr" typeface="DaunPenh"/>
-      <a:font script="Knda" typeface="Tunga"/>
-      <a:font script="Guru" typeface="Raavi"/>
-      <a:font script="Cans" typeface="Euphemia"/>
-      <a:font script="Cher" typeface="Plantagenet Cherokee"/>
-      <a:font script="Yiii" typeface="Microsoft Yi Baiti"/>
-      <a:font script="Tibt" typeface="Microsoft Himalaya"/>
-      <a:font script="Thaa" typeface="MV Boli"/>
-      <a:font script="Deva" typeface="Mangal"/>
-      <a:font script="Telu" typeface="Gautami"/>
-      <a:font script="Taml" typeface="Latha"/>
-      <a:font script="Syrc" typeface="Estrangelo Edessa"/>
-      <a:font script="Orya" typeface="Kalinga"/>
-      <a:font script="Mlym" typeface="Kartika"/>
-      <a:font script="Laoo" typeface="DokChampa"/>
-      <a:font script="Sinh" typeface="Iskoola Pota"/>
-      <a:font script="Mong" typeface="Mongolian Baiti"/>
-      <a:font script="Viet" typeface="Arial"/>
-      <a:font script="Uigh" typeface="Microsoft Uighur"/>
-      <a:font script="Geor" typeface="Sylfaen"/>
-    </a:minorFont>
-  </a:fontScheme>
-  <a:fmtScheme name="Office">
-    <a:fillStyleLst>
-      <a:solidFill>
-        <a:schemeClr val="phClr"/>
-      </a:solidFill>
-      <a:gradFill rotWithShape="1">
-        <a:gsLst>
-          <a:gs pos="0">
-            <a:schemeClr val="phClr">
-              <a:tint val="50000"/>
-              <a:satMod val="300000"/>
-            </a:schemeClr>
-          </a:gs>
-          <a:gs pos="35000">
-            <a:schemeClr val="phClr">
-              <a:tint val="37000"/>
-              <a:satMod val="300000"/>
-            </a:schemeClr>
-          </a:gs>
-          <a:gs pos="100000">
-            <a:schemeClr val="phClr">
-              <a:tint val="15000"/>
-              <a:satMod val="350000"/>
-            </a:schemeClr>
-          </a:gs>
-        </a:gsLst>
-        <a:lin ang="16200000" scaled="1"/>
-      </a:gradFill>
-      <a:gradFill rotWithShape="1">
-        <a:gsLst>
-          <a:gs pos="0">
-            <a:schemeClr val="phClr">
-              <a:tint val="100000"/>
-              <a:shade val="100000"/>
-              <a:satMod val="130000"/>
-            </a:schemeClr>
-          </a:gs>
-          <a:gs pos="100000">
-            <a:schemeClr val="phClr">
-              <a:tint val="50000"/>
-              <a:shade val="100000"/>
-              <a:satMod val="350000"/>
-            </a:schemeClr>
-          </a:gs>
-        </a:gsLst>
-        <a:lin ang="16200000" scaled="0"/>
-      </a:gradFill>
-    </a:fillStyleLst>
-    <a:lnStyleLst>
-      <a:ln w="9525" cap="flat" cmpd="sng" algn="ctr">
-        <a:solidFill>
-          <a:schemeClr val="phClr">
-            <a:shade val="95000"/>
-            <a:satMod val="105000"/>
-          </a:schemeClr>
-        </a:solidFill>
-        <a:prstDash val="solid"/>
-      </a:ln>
-      <a:ln w="25400" cap="flat" cmpd="sng" algn="ctr">
-        <a:solidFill>
-          <a:schemeClr val="phClr"/>
-        </a:solidFill>
-        <a:prstDash val="solid"/>
-      </a:ln>
-      <a:ln w="38100" cap="flat" cmpd="sng" algn="ctr">
-        <a:solidFill>
-          <a:schemeClr val="phClr"/>
-        </a:solidFill>
-        <a:prstDash val="solid"/>
-      </a:ln>
-    </a:lnStyleLst>
-    <a:effectStyleLst>
-      <a:effectStyle>
-        <a:effectLst>
-          <a:outerShdw blurRad="40000" dist="20000" dir="5400000" rotWithShape="0">
-            <a:srgbClr val="000000">
-              <a:alpha val="38000"/>
-            </a:srgbClr>
-          </a:outerShdw>
-        </a:effectLst>
-      </a:effectStyle>
-      <a:effectStyle>
-        <a:effectLst>
-          <a:outerShdw blurRad="40000" dist="23000" dir="5400000" rotWithShape="0">
-            <a:srgbClr val="000000">
-              <a:alpha val="35000"/>
-            </a:srgbClr>
-          </a:outerShdw>
-        </a:effectLst>
-      </a:effectStyle>
-      <a:effectStyle>
-        <a:effectLst>
-          <a:outerShdw blurRad="40000" dist="23000" dir="5400000" rotWithShape="0">
-            <a:srgbClr val="000000">
-              <a:alpha val="35000"/>
-            </a:srgbClr>
-          </a:outerShdw>
-        </a:effectLst>
-        <a:scene3d>
-          <a:camera prst="orthographicFront">
-            <a:rot lat="0" lon="0" rev="0"/>
-          </a:camera>
-          <a:lightRig rig="threePt" dir="t">
-            <a:rot lat="0" lon="0" rev="1200000"/>
-          </a:lightRig>
-        </a:scene3d>
-        <a:sp3d>
-          <a:bevelT w="63500" h="25400"/>
-        </a:sp3d>
-      </a:effectStyle>
-    </a:effectStyleLst>
-    <a:bgFillStyleLst>
-      <a:solidFill>
-        <a:schemeClr val="phClr"/>
-      </a:solidFill>
-      <a:gradFill rotWithShape="1">
-        <a:gsLst>
-          <a:gs pos="0">
-            <a:schemeClr val="phClr">
-              <a:tint val="40000"/>
-              <a:satMod val="350000"/>
-            </a:schemeClr>
-          </a:gs>
-          <a:gs pos="40000">
-            <a:schemeClr val="phClr">
-              <a:tint val="45000"/>
-              <a:shade val="99000"/>
-              <a:satMod val="350000"/>
-            </a:schemeClr>
-          </a:gs>
-          <a:gs pos="100000">
-            <a:schemeClr val="phClr">
-              <a:shade val="20000"/>
-              <a:satMod val="255000"/>
-            </a:schemeClr>
-          </a:gs>
-        </a:gsLst>
-        <a:path path="circle">
-          <a:fillToRect l="50000" t="-80000" r="50000" b="180000"/>
-        </a:path>
-      </a:gradFill>
-      <a:gradFill rotWithShape="1">
-        <a:gsLst>
-          <a:gs pos="0">
-            <a:schemeClr val="phClr">
-              <a:tint val="80000"/>
-              <a:satMod val="300000"/>
-            </a:schemeClr>
-          </a:gs>
-          <a:gs pos="100000">
-            <a:schemeClr val="phClr">
-              <a:shade val="30000"/>
-              <a:satMod val="200000"/>
-            </a:schemeClr>
-          </a:gs>
-        </a:gsLst>
-        <a:path path="circle">
-          <a:fillToRect l="50000" t="50000" r="50000" b="50000"/>
-        </a:path>
-      </a:gradFill>
-    </a:bgFillStyleLst>
-  </a:fmtScheme>
-</a:themeOverride>
 </file>
--- a/C++11.pptx
+++ b/C++11.pptx
@@ -5,10 +5,10 @@
     <p:sldMasterId id="2147483804" r:id="rId1"/>
   </p:sldMasterIdLst>
   <p:notesMasterIdLst>
-    <p:notesMasterId r:id="rId32"/>
+    <p:notesMasterId r:id="rId37"/>
   </p:notesMasterIdLst>
   <p:handoutMasterIdLst>
-    <p:handoutMasterId r:id="rId33"/>
+    <p:handoutMasterId r:id="rId38"/>
   </p:handoutMasterIdLst>
   <p:sldIdLst>
     <p:sldId id="553" r:id="rId2"/>
@@ -18,29 +18,34 @@
     <p:sldId id="579" r:id="rId6"/>
     <p:sldId id="532" r:id="rId7"/>
     <p:sldId id="578" r:id="rId8"/>
-    <p:sldId id="574" r:id="rId9"/>
-    <p:sldId id="580" r:id="rId10"/>
-    <p:sldId id="576" r:id="rId11"/>
-    <p:sldId id="575" r:id="rId12"/>
-    <p:sldId id="577" r:id="rId13"/>
-    <p:sldId id="581" r:id="rId14"/>
-    <p:sldId id="573" r:id="rId15"/>
-    <p:sldId id="570" r:id="rId16"/>
-    <p:sldId id="503" r:id="rId17"/>
-    <p:sldId id="533" r:id="rId18"/>
-    <p:sldId id="456" r:id="rId19"/>
-    <p:sldId id="534" r:id="rId20"/>
-    <p:sldId id="433" r:id="rId21"/>
-    <p:sldId id="535" r:id="rId22"/>
-    <p:sldId id="435" r:id="rId23"/>
-    <p:sldId id="562" r:id="rId24"/>
-    <p:sldId id="563" r:id="rId25"/>
-    <p:sldId id="564" r:id="rId26"/>
-    <p:sldId id="565" r:id="rId27"/>
-    <p:sldId id="451" r:id="rId28"/>
-    <p:sldId id="441" r:id="rId29"/>
-    <p:sldId id="455" r:id="rId30"/>
-    <p:sldId id="566" r:id="rId31"/>
+    <p:sldId id="580" r:id="rId9"/>
+    <p:sldId id="584" r:id="rId10"/>
+    <p:sldId id="574" r:id="rId11"/>
+    <p:sldId id="570" r:id="rId12"/>
+    <p:sldId id="586" r:id="rId13"/>
+    <p:sldId id="585" r:id="rId14"/>
+    <p:sldId id="582" r:id="rId15"/>
+    <p:sldId id="576" r:id="rId16"/>
+    <p:sldId id="575" r:id="rId17"/>
+    <p:sldId id="577" r:id="rId18"/>
+    <p:sldId id="581" r:id="rId19"/>
+    <p:sldId id="573" r:id="rId20"/>
+    <p:sldId id="583" r:id="rId21"/>
+    <p:sldId id="503" r:id="rId22"/>
+    <p:sldId id="533" r:id="rId23"/>
+    <p:sldId id="456" r:id="rId24"/>
+    <p:sldId id="534" r:id="rId25"/>
+    <p:sldId id="433" r:id="rId26"/>
+    <p:sldId id="535" r:id="rId27"/>
+    <p:sldId id="435" r:id="rId28"/>
+    <p:sldId id="562" r:id="rId29"/>
+    <p:sldId id="563" r:id="rId30"/>
+    <p:sldId id="564" r:id="rId31"/>
+    <p:sldId id="565" r:id="rId32"/>
+    <p:sldId id="451" r:id="rId33"/>
+    <p:sldId id="441" r:id="rId34"/>
+    <p:sldId id="455" r:id="rId35"/>
+    <p:sldId id="566" r:id="rId36"/>
   </p:sldIdLst>
   <p:sldSz cx="9144000" cy="5143500" type="screen16x9"/>
   <p:notesSz cx="6858000" cy="9144000"/>
@@ -145,7 +150,7 @@
 <file path=ppt/charts/chart1.xml><?xml version="1.0" encoding="utf-8"?>
 <c:chartSpace xmlns:c="http://schemas.openxmlformats.org/drawingml/2006/chart" xmlns:a="http://schemas.openxmlformats.org/drawingml/2006/main" xmlns:r="http://schemas.openxmlformats.org/officeDocument/2006/relationships">
   <c:date1904 val="0"/>
-  <c:lang val="zh-CN"/>
+  <c:lang val="en-US"/>
   <c:roundedCorners val="0"/>
   <mc:AlternateContent xmlns:mc="http://schemas.openxmlformats.org/markup-compatibility/2006">
     <mc:Choice xmlns:c14="http://schemas.microsoft.com/office/drawing/2007/8/2/chart" Requires="c14">
@@ -208,7 +213,7 @@
                 <a:pPr>
                   <a:defRPr sz="1400"/>
                 </a:pPr>
-                <a:endParaRPr lang="zh-CN"/>
+                <a:endParaRPr lang="en-US"/>
               </a:p>
             </c:txPr>
             <c:dLblPos val="outEnd"/>
@@ -294,7 +299,7 @@
           <a:pPr>
             <a:defRPr sz="1400"/>
           </a:pPr>
-          <a:endParaRPr lang="zh-CN"/>
+          <a:endParaRPr lang="en-US"/>
         </a:p>
       </c:txPr>
     </c:legend>
@@ -309,7 +314,7 @@
       <a:pPr>
         <a:defRPr sz="1800"/>
       </a:pPr>
-      <a:endParaRPr lang="zh-CN"/>
+      <a:endParaRPr lang="en-US"/>
     </a:p>
   </c:txPr>
   <c:externalData r:id="rId1">
@@ -321,7 +326,7 @@
 <file path=ppt/charts/chart2.xml><?xml version="1.0" encoding="utf-8"?>
 <c:chartSpace xmlns:c="http://schemas.openxmlformats.org/drawingml/2006/chart" xmlns:a="http://schemas.openxmlformats.org/drawingml/2006/main" xmlns:r="http://schemas.openxmlformats.org/officeDocument/2006/relationships">
   <c:date1904 val="0"/>
-  <c:lang val="zh-CN"/>
+  <c:lang val="en-US"/>
   <c:roundedCorners val="0"/>
   <mc:AlternateContent xmlns:mc="http://schemas.openxmlformats.org/markup-compatibility/2006">
     <mc:Choice xmlns:c14="http://schemas.microsoft.com/office/drawing/2007/8/2/chart" Requires="c14">
@@ -556,11 +561,11 @@
         </c:dLbls>
         <c:gapWidth val="150"/>
         <c:overlap val="-15"/>
-        <c:axId val="25660416"/>
-        <c:axId val="25666304"/>
+        <c:axId val="34461952"/>
+        <c:axId val="34463744"/>
       </c:barChart>
       <c:catAx>
-        <c:axId val="25660416"/>
+        <c:axId val="34461952"/>
         <c:scaling>
           <c:orientation val="minMax"/>
         </c:scaling>
@@ -577,10 +582,10 @@
             <a:pPr>
               <a:defRPr sz="1400"/>
             </a:pPr>
-            <a:endParaRPr lang="zh-CN"/>
+            <a:endParaRPr lang="en-US"/>
           </a:p>
         </c:txPr>
-        <c:crossAx val="25666304"/>
+        <c:crossAx val="34463744"/>
         <c:crosses val="autoZero"/>
         <c:auto val="1"/>
         <c:lblAlgn val="ctr"/>
@@ -588,7 +593,7 @@
         <c:noMultiLvlLbl val="0"/>
       </c:catAx>
       <c:valAx>
-        <c:axId val="25666304"/>
+        <c:axId val="34463744"/>
         <c:scaling>
           <c:orientation val="minMax"/>
           <c:max val="5"/>
@@ -607,10 +612,10 @@
             <a:pPr>
               <a:defRPr sz="1400"/>
             </a:pPr>
-            <a:endParaRPr lang="zh-CN"/>
+            <a:endParaRPr lang="en-US"/>
           </a:p>
         </c:txPr>
-        <c:crossAx val="25660416"/>
+        <c:crossAx val="34461952"/>
         <c:crosses val="autoZero"/>
         <c:crossBetween val="between"/>
         <c:majorUnit val="1"/>
@@ -636,7 +641,7 @@
           <a:pPr>
             <a:defRPr sz="1400"/>
           </a:pPr>
-          <a:endParaRPr lang="zh-CN"/>
+          <a:endParaRPr lang="en-US"/>
         </a:p>
       </c:txPr>
     </c:legend>
@@ -651,7 +656,7 @@
       <a:pPr>
         <a:defRPr sz="1800"/>
       </a:pPr>
-      <a:endParaRPr lang="zh-CN"/>
+      <a:endParaRPr lang="en-US"/>
     </a:p>
   </c:txPr>
   <c:externalData r:id="rId1">
@@ -749,7 +754,7 @@
                 <a:cs typeface="HP Simplified"/>
               </a:rPr>
               <a:pPr/>
-              <a:t>11/13/2013</a:t>
+              <a:t>11/16/2013</a:t>
             </a:fld>
             <a:endParaRPr lang="en-GB" dirty="0">
               <a:latin typeface="HP Simplified"/>
@@ -935,7 +940,7 @@
             <a:fld id="{2D9CAF8C-0805-8440-B43D-DCCAAA4D80CE}" type="datetimeFigureOut">
               <a:rPr lang="en-US" smtClean="0"/>
               <a:pPr/>
-              <a:t>11/13/2013</a:t>
+              <a:t>11/16/2013</a:t>
             </a:fld>
             <a:endParaRPr lang="en-GB" dirty="0"/>
           </a:p>
@@ -1398,7 +1403,7 @@
             <a:fld id="{22A853E8-D85F-5D49-95D2-E1D96ABFE2B9}" type="slidenum">
               <a:rPr lang="en-GB" smtClean="0"/>
               <a:pPr/>
-              <a:t>10</a:t>
+              <a:t>15</a:t>
             </a:fld>
             <a:endParaRPr lang="en-GB" dirty="0"/>
           </a:p>
@@ -1488,7 +1493,7 @@
             <a:fld id="{22A853E8-D85F-5D49-95D2-E1D96ABFE2B9}" type="slidenum">
               <a:rPr lang="en-GB" smtClean="0"/>
               <a:pPr/>
-              <a:t>22</a:t>
+              <a:t>27</a:t>
             </a:fld>
             <a:endParaRPr lang="en-GB" dirty="0"/>
           </a:p>
@@ -6115,8 +6120,8 @@
         </p:nvSpPr>
         <p:spPr>
           <a:xfrm>
-            <a:off x="331470" y="235064"/>
-            <a:ext cx="5401673" cy="430887"/>
+            <a:off x="1582058" y="1904207"/>
+            <a:ext cx="5849256" cy="708363"/>
           </a:xfrm>
         </p:spPr>
         <p:txBody>
@@ -6124,114 +6129,25 @@
           <a:lstStyle/>
           <a:p>
             <a:r>
-              <a:rPr lang="en-US" altLang="zh-CN" dirty="0"/>
-              <a:t>C++ Standard meeting </a:t>
-            </a:r>
-            <a:r>
-              <a:rPr lang="en-US" altLang="zh-CN" dirty="0" smtClean="0"/>
-              <a:t>Oct 2012</a:t>
-            </a:r>
-            <a:endParaRPr lang="en-US" altLang="zh-CN" dirty="0"/>
-          </a:p>
-        </p:txBody>
-      </p:sp>
-      <p:sp>
-        <p:nvSpPr>
-          <p:cNvPr id="7" name="Text Placeholder 6"/>
-          <p:cNvSpPr>
-            <a:spLocks noGrp="1"/>
-          </p:cNvSpPr>
-          <p:nvPr>
-            <p:ph sz="quarter" idx="10"/>
-          </p:nvPr>
-        </p:nvSpPr>
-        <p:spPr>
-          <a:xfrm>
-            <a:off x="329184" y="754743"/>
-            <a:ext cx="8117904" cy="3653745"/>
-          </a:xfrm>
-        </p:spPr>
-        <p:txBody>
-          <a:bodyPr/>
-          <a:lstStyle/>
-          <a:p>
-            <a:endParaRPr lang="en-GB" dirty="0"/>
-          </a:p>
-          <a:p>
-            <a:pPr lvl="2"/>
-            <a:r>
-              <a:rPr lang="en-US" altLang="zh-CN" sz="1600" dirty="0"/>
-              <a:t>C++ is technically 27 years old </a:t>
-            </a:r>
-            <a:endParaRPr lang="en-US" altLang="zh-CN" sz="1600" dirty="0" smtClean="0"/>
-          </a:p>
-          <a:p>
-            <a:pPr lvl="2"/>
-            <a:r>
-              <a:rPr lang="en-US" altLang="zh-CN" sz="1600" dirty="0"/>
-              <a:t>C++</a:t>
-            </a:r>
-            <a:r>
-              <a:rPr lang="en-US" altLang="zh-CN" sz="1600" dirty="0" smtClean="0"/>
-              <a:t>14 is proposed </a:t>
-            </a:r>
-            <a:r>
-              <a:rPr lang="en-US" altLang="zh-CN" sz="1600" dirty="0"/>
-              <a:t>to address C++11 annoyances and a bug fix </a:t>
-            </a:r>
-            <a:r>
-              <a:rPr lang="en-US" altLang="zh-CN" sz="1600" dirty="0" smtClean="0"/>
-              <a:t>release</a:t>
-            </a:r>
-            <a:endParaRPr lang="en-US" altLang="zh-CN" sz="1600" dirty="0"/>
-          </a:p>
-          <a:p>
-            <a:pPr lvl="2"/>
-            <a:r>
-              <a:rPr lang="en-US" sz="1600" dirty="0" smtClean="0"/>
-              <a:t>Pick up some drafts dropped in C++11 due to time constraint</a:t>
-            </a:r>
-          </a:p>
-          <a:p>
-            <a:pPr lvl="2"/>
-            <a:r>
-              <a:rPr lang="en-US" altLang="zh-CN" sz="1600" dirty="0" smtClean="0"/>
-              <a:t>Processes over 120 defects, discuss some issues</a:t>
-            </a:r>
-          </a:p>
-          <a:p>
-            <a:pPr lvl="2"/>
-            <a:r>
-              <a:rPr lang="en-US" altLang="zh-CN" sz="1600" dirty="0" smtClean="0"/>
-              <a:t>Potential features for future standard</a:t>
-            </a:r>
-          </a:p>
-          <a:p>
-            <a:pPr lvl="2"/>
-            <a:r>
-              <a:rPr lang="en-US" altLang="zh-CN" sz="1600" dirty="0"/>
-              <a:t>A</a:t>
-            </a:r>
-            <a:r>
-              <a:rPr lang="en-US" altLang="zh-CN" sz="1600" dirty="0" smtClean="0"/>
-              <a:t>dvanced </a:t>
-            </a:r>
-            <a:r>
-              <a:rPr lang="en-US" altLang="zh-CN" sz="1600" dirty="0"/>
-              <a:t>abstractions of </a:t>
-            </a:r>
-            <a:r>
-              <a:rPr lang="en-US" altLang="zh-CN" sz="1600" dirty="0" smtClean="0"/>
-              <a:t>concurrency</a:t>
-            </a:r>
-            <a:endParaRPr lang="en-US" sz="1600" dirty="0" smtClean="0"/>
+              <a:rPr lang="en-GB" sz="3600" dirty="0" smtClean="0"/>
+              <a:t>C++ </a:t>
+            </a:r>
+            <a:r>
+              <a:rPr lang="en-GB" sz="3600" dirty="0"/>
+              <a:t>c</a:t>
+            </a:r>
+            <a:r>
+              <a:rPr lang="en-GB" sz="3600" dirty="0" smtClean="0"/>
+              <a:t>ore language runtime performance enhancement</a:t>
+            </a:r>
+            <a:endParaRPr lang="en-GB" sz="3600" dirty="0"/>
           </a:p>
         </p:txBody>
       </p:sp>
     </p:spTree>
     <p:extLst>
       <p:ext uri="{BB962C8B-B14F-4D97-AF65-F5344CB8AC3E}">
-        <p14:creationId xmlns:p14="http://schemas.microsoft.com/office/powerpoint/2010/main" val="524126237"/>
+        <p14:creationId xmlns:p14="http://schemas.microsoft.com/office/powerpoint/2010/main" val="2495056151"/>
       </p:ext>
     </p:extLst>
   </p:cSld>
@@ -6267,7 +6183,7 @@
       </p:grpSpPr>
       <p:sp>
         <p:nvSpPr>
-          <p:cNvPr id="4" name="Title 3"/>
+          <p:cNvPr id="2" name="Title 1"/>
           <p:cNvSpPr>
             <a:spLocks noGrp="1"/>
           </p:cNvSpPr>
@@ -6275,27 +6191,26 @@
             <p:ph type="title"/>
           </p:nvPr>
         </p:nvSpPr>
-        <p:spPr>
-          <a:xfrm>
-            <a:off x="331470" y="235064"/>
-            <a:ext cx="1119959" cy="430887"/>
-          </a:xfrm>
-        </p:spPr>
+        <p:spPr/>
         <p:txBody>
           <a:bodyPr/>
           <a:lstStyle/>
           <a:p>
             <a:r>
-              <a:rPr lang="en-GB" dirty="0" smtClean="0"/>
-              <a:t>C++14</a:t>
-            </a:r>
-            <a:endParaRPr lang="en-GB" dirty="0"/>
+              <a:rPr lang="en-US" dirty="0" err="1" smtClean="0"/>
+              <a:t>Rvalue</a:t>
+            </a:r>
+            <a:r>
+              <a:rPr lang="en-US" dirty="0" smtClean="0"/>
+              <a:t> Reference and move constructor</a:t>
+            </a:r>
+            <a:endParaRPr lang="en-US" dirty="0"/>
           </a:p>
         </p:txBody>
       </p:sp>
       <p:sp>
         <p:nvSpPr>
-          <p:cNvPr id="7" name="Text Placeholder 6"/>
+          <p:cNvPr id="5" name="Content Placeholder 4"/>
           <p:cNvSpPr>
             <a:spLocks noGrp="1"/>
           </p:cNvSpPr>
@@ -6305,8 +6220,8 @@
         </p:nvSpPr>
         <p:spPr>
           <a:xfrm>
-            <a:off x="329184" y="754743"/>
-            <a:ext cx="8117904" cy="3653745"/>
+            <a:off x="329184" y="753293"/>
+            <a:ext cx="8119872" cy="3731622"/>
           </a:xfrm>
         </p:spPr>
         <p:txBody>
@@ -6314,86 +6229,360 @@
           <a:lstStyle/>
           <a:p>
             <a:r>
+              <a:rPr lang="en-US" dirty="0" err="1" smtClean="0"/>
+              <a:t>Lvalue</a:t>
+            </a:r>
+            <a:r>
               <a:rPr lang="en-US" dirty="0" smtClean="0"/>
-              <a:t>C++14 Committee Draft (CD) published at isocpp.org in May, 2013</a:t>
-            </a:r>
-          </a:p>
-          <a:p>
-            <a:endParaRPr lang="en-GB" dirty="0"/>
+              <a:t> and </a:t>
+            </a:r>
+            <a:r>
+              <a:rPr lang="en-US" dirty="0" err="1" smtClean="0"/>
+              <a:t>Rvalue</a:t>
+            </a:r>
+            <a:r>
+              <a:rPr lang="en-US" dirty="0" smtClean="0"/>
+              <a:t> </a:t>
+            </a:r>
+          </a:p>
+          <a:p>
+            <a:r>
+              <a:rPr lang="en-US" dirty="0" err="1" smtClean="0"/>
+              <a:t>Rvalue</a:t>
+            </a:r>
+            <a:r>
+              <a:rPr lang="en-US" dirty="0" smtClean="0"/>
+              <a:t> in C++03 is undistinguished from </a:t>
+            </a:r>
+            <a:r>
+              <a:rPr lang="en-US" dirty="0" err="1" smtClean="0">
+                <a:latin typeface="High Tower Text" panose="02040502050506030303" pitchFamily="18" charset="0"/>
+              </a:rPr>
+              <a:t>const</a:t>
+            </a:r>
+            <a:r>
+              <a:rPr lang="en-US" dirty="0" smtClean="0">
+                <a:latin typeface="High Tower Text" panose="02040502050506030303" pitchFamily="18" charset="0"/>
+              </a:rPr>
+              <a:t> T&amp;</a:t>
+            </a:r>
+          </a:p>
+          <a:p>
+            <a:r>
+              <a:rPr lang="en-US" dirty="0" err="1" smtClean="0"/>
+              <a:t>Rvalue</a:t>
+            </a:r>
+            <a:r>
+              <a:rPr lang="en-US" dirty="0" smtClean="0"/>
+              <a:t> in C++11</a:t>
+            </a:r>
           </a:p>
           <a:p>
             <a:pPr lvl="2"/>
             <a:r>
-              <a:rPr lang="en-US" sz="1600" dirty="0" smtClean="0"/>
-              <a:t>National Body (NB) Balloting at SC22 level: 3 months</a:t>
-            </a:r>
+              <a:rPr lang="en-US" dirty="0" err="1"/>
+              <a:t>p</a:t>
+            </a:r>
+            <a:r>
+              <a:rPr lang="en-US" dirty="0" err="1" smtClean="0"/>
+              <a:t>rvalue</a:t>
+            </a:r>
+            <a:r>
+              <a:rPr lang="en-US" dirty="0" smtClean="0"/>
+              <a:t> (pure </a:t>
+            </a:r>
+            <a:r>
+              <a:rPr lang="en-US" dirty="0" err="1" smtClean="0"/>
+              <a:t>rvalue</a:t>
+            </a:r>
+            <a:r>
+              <a:rPr lang="en-US" dirty="0" smtClean="0"/>
+              <a:t>): same as </a:t>
+            </a:r>
+            <a:r>
+              <a:rPr lang="en-US" dirty="0" err="1" smtClean="0"/>
+              <a:t>rvalue</a:t>
+            </a:r>
+            <a:r>
+              <a:rPr lang="en-US" dirty="0" smtClean="0"/>
+              <a:t> in C++03</a:t>
+            </a:r>
+            <a:endParaRPr lang="en-US" dirty="0"/>
           </a:p>
           <a:p>
             <a:pPr lvl="2"/>
             <a:r>
-              <a:rPr lang="en-US" sz="1600" dirty="0" smtClean="0"/>
-              <a:t>Many issues are solved at C++ Standard Meeting, </a:t>
-            </a:r>
-            <a:r>
-              <a:rPr lang="en-US" sz="1600" dirty="0" err="1" smtClean="0"/>
-              <a:t>Chigago</a:t>
-            </a:r>
-            <a:r>
-              <a:rPr lang="en-US" sz="1600" dirty="0" smtClean="0"/>
-              <a:t> in </a:t>
-            </a:r>
-            <a:r>
-              <a:rPr lang="en-US" altLang="zh-CN" sz="1600" dirty="0" smtClean="0"/>
-              <a:t>Sept. 2013</a:t>
-            </a:r>
-            <a:endParaRPr lang="en-US" sz="1600" dirty="0" smtClean="0"/>
+              <a:rPr lang="en-US" dirty="0" err="1"/>
+              <a:t>x</a:t>
+            </a:r>
+            <a:r>
+              <a:rPr lang="en-US" dirty="0" err="1" smtClean="0"/>
+              <a:t>value</a:t>
+            </a:r>
+            <a:r>
+              <a:rPr lang="en-US" dirty="0" smtClean="0"/>
+              <a:t> (</a:t>
+            </a:r>
+            <a:r>
+              <a:rPr lang="en-US" dirty="0" err="1" smtClean="0"/>
+              <a:t>eXpiring</a:t>
+            </a:r>
+            <a:r>
+              <a:rPr lang="en-US" dirty="0" smtClean="0"/>
+              <a:t> value): to be moved</a:t>
+            </a:r>
           </a:p>
           <a:p>
             <a:pPr lvl="2"/>
             <a:r>
-              <a:rPr lang="en-US" altLang="zh-CN" sz="1600" dirty="0" smtClean="0"/>
-              <a:t>Draft International Standard (DIS) balloting at the JTC level: 5 months</a:t>
+              <a:rPr lang="en-US" dirty="0" err="1" smtClean="0"/>
+              <a:t>Rvalue</a:t>
+            </a:r>
+            <a:r>
+              <a:rPr lang="en-US" dirty="0" smtClean="0"/>
+              <a:t> reference: </a:t>
+            </a:r>
+            <a:r>
+              <a:rPr lang="en-US" dirty="0" smtClean="0">
+                <a:latin typeface="High Tower Text" panose="02040502050506030303" pitchFamily="18" charset="0"/>
+              </a:rPr>
+              <a:t>T&amp;&amp;</a:t>
+            </a:r>
+          </a:p>
+          <a:p>
+            <a:pPr lvl="3"/>
+            <a:r>
+              <a:rPr lang="en-US" dirty="0" smtClean="0"/>
+              <a:t>“Extend” the life cycle of </a:t>
+            </a:r>
+            <a:r>
+              <a:rPr lang="en-US" dirty="0" err="1" smtClean="0"/>
+              <a:t>rvalue</a:t>
+            </a:r>
+            <a:endParaRPr lang="en-US" dirty="0"/>
+          </a:p>
+          <a:p>
+            <a:r>
+              <a:rPr lang="en-US" dirty="0" err="1"/>
+              <a:t>s</a:t>
+            </a:r>
+            <a:r>
+              <a:rPr lang="en-US" dirty="0" err="1" smtClean="0"/>
+              <a:t>td</a:t>
+            </a:r>
+            <a:r>
+              <a:rPr lang="en-US" dirty="0" smtClean="0"/>
+              <a:t>::move(): </a:t>
+            </a:r>
+            <a:r>
+              <a:rPr lang="en-US" dirty="0" err="1" smtClean="0"/>
+              <a:t>lvalue</a:t>
+            </a:r>
+            <a:r>
+              <a:rPr lang="en-US" dirty="0" smtClean="0"/>
+              <a:t> -&gt; </a:t>
+            </a:r>
+            <a:r>
+              <a:rPr lang="en-US" dirty="0" err="1" smtClean="0"/>
+              <a:t>rvalue</a:t>
+            </a:r>
+            <a:r>
+              <a:rPr lang="en-US" dirty="0" smtClean="0"/>
+              <a:t> reference</a:t>
+            </a:r>
+          </a:p>
+          <a:p>
+            <a:r>
+              <a:rPr lang="en-US" dirty="0" smtClean="0"/>
+              <a:t>Helper templates</a:t>
             </a:r>
           </a:p>
           <a:p>
             <a:pPr lvl="2"/>
             <a:r>
-              <a:rPr lang="en-US" altLang="zh-CN" sz="1600" dirty="0" smtClean="0"/>
-              <a:t>Valid International Standard (IS) balloting at the JTC level: 2 months</a:t>
+              <a:rPr lang="en-US" dirty="0" err="1"/>
+              <a:t>s</a:t>
+            </a:r>
+            <a:r>
+              <a:rPr lang="en-US" dirty="0" err="1" smtClean="0"/>
+              <a:t>td</a:t>
+            </a:r>
+            <a:r>
+              <a:rPr lang="en-US" dirty="0" smtClean="0"/>
+              <a:t>::</a:t>
+            </a:r>
+            <a:r>
+              <a:rPr lang="en-US" dirty="0" err="1" smtClean="0"/>
+              <a:t>is_rvalue_reference</a:t>
+            </a:r>
+            <a:r>
+              <a:rPr lang="en-US" dirty="0" smtClean="0"/>
+              <a:t>&lt;&gt;::value</a:t>
             </a:r>
           </a:p>
           <a:p>
             <a:pPr lvl="2"/>
             <a:r>
-              <a:rPr lang="en-US" altLang="zh-CN" sz="1600" dirty="0" smtClean="0"/>
-              <a:t>A ratified C++14 will be released summer 2014, likely at the </a:t>
-            </a:r>
-            <a:r>
-              <a:rPr lang="en-US" altLang="zh-CN" sz="1600" dirty="0" err="1" smtClean="0"/>
-              <a:t>Rapperswill</a:t>
-            </a:r>
-            <a:r>
-              <a:rPr lang="en-US" altLang="zh-CN" sz="1600" dirty="0" smtClean="0"/>
-              <a:t>, Switzerland meeting</a:t>
-            </a:r>
-            <a:endParaRPr lang="en-US" sz="1600" dirty="0" smtClean="0"/>
-          </a:p>
-          <a:p>
-            <a:pPr lvl="3"/>
-            <a:r>
-              <a:rPr lang="en-US" altLang="zh-CN" sz="1600" dirty="0" smtClean="0"/>
-              <a:t>If any of the step fails because some NB comment could not be addressed, then a second CD may need to be issued, which would push the process back, likely until end of 2014, or even past it.</a:t>
-            </a:r>
-            <a:endParaRPr lang="en-US" sz="1600" dirty="0"/>
+              <a:rPr lang="en-US" dirty="0" err="1"/>
+              <a:t>s</a:t>
+            </a:r>
+            <a:r>
+              <a:rPr lang="en-US" dirty="0" err="1" smtClean="0"/>
+              <a:t>td</a:t>
+            </a:r>
+            <a:r>
+              <a:rPr lang="en-US" dirty="0" smtClean="0"/>
+              <a:t>::</a:t>
+            </a:r>
+            <a:r>
+              <a:rPr lang="en-US" dirty="0" err="1" smtClean="0"/>
+              <a:t>is_lvalue_reference</a:t>
+            </a:r>
+            <a:r>
+              <a:rPr lang="en-US" dirty="0" smtClean="0"/>
+              <a:t>&lt;&gt;::value</a:t>
+            </a:r>
+          </a:p>
+          <a:p>
+            <a:pPr lvl="2"/>
+            <a:r>
+              <a:rPr lang="en-US" dirty="0" err="1"/>
+              <a:t>s</a:t>
+            </a:r>
+            <a:r>
+              <a:rPr lang="en-US" dirty="0" err="1" smtClean="0"/>
+              <a:t>td</a:t>
+            </a:r>
+            <a:r>
+              <a:rPr lang="en-US" dirty="0" smtClean="0"/>
+              <a:t>::</a:t>
+            </a:r>
+            <a:r>
+              <a:rPr lang="en-US" dirty="0" err="1" smtClean="0"/>
+              <a:t>is_reference</a:t>
+            </a:r>
+            <a:r>
+              <a:rPr lang="en-US" dirty="0" smtClean="0"/>
+              <a:t>&lt;&gt;::value</a:t>
+            </a:r>
+          </a:p>
+        </p:txBody>
+      </p:sp>
+      <p:sp>
+        <p:nvSpPr>
+          <p:cNvPr id="7" name="Rectangle 6"/>
+          <p:cNvSpPr/>
+          <p:nvPr/>
+        </p:nvSpPr>
+        <p:spPr>
+          <a:xfrm>
+            <a:off x="4296228" y="1625600"/>
+            <a:ext cx="3236686" cy="1683657"/>
+          </a:xfrm>
+          <a:prstGeom prst="rect">
+            <a:avLst/>
+          </a:prstGeom>
+          <a:noFill/>
+          <a:ln>
+            <a:noFill/>
+          </a:ln>
+          <a:effectLst/>
+        </p:spPr>
+        <p:style>
+          <a:lnRef idx="1">
+            <a:schemeClr val="accent1"/>
+          </a:lnRef>
+          <a:fillRef idx="3">
+            <a:schemeClr val="accent1"/>
+          </a:fillRef>
+          <a:effectRef idx="2">
+            <a:schemeClr val="accent1"/>
+          </a:effectRef>
+          <a:fontRef idx="minor">
+            <a:schemeClr val="lt1"/>
+          </a:fontRef>
+        </p:style>
+        <p:txBody>
+          <a:bodyPr rtlCol="0" anchor="ctr"/>
+          <a:lstStyle/>
+          <a:p>
+            <a:pPr algn="ctr"/>
+            <a:r>
+              <a:rPr lang="en-US" dirty="0" smtClean="0">
+                <a:solidFill>
+                  <a:schemeClr val="tx1"/>
+                </a:solidFill>
+                <a:latin typeface="High Tower Text" panose="02040502050506030303" pitchFamily="18" charset="0"/>
+              </a:rPr>
+              <a:t>T a = </a:t>
+            </a:r>
+            <a:r>
+              <a:rPr lang="en-US" dirty="0" err="1" smtClean="0">
+                <a:solidFill>
+                  <a:schemeClr val="tx1"/>
+                </a:solidFill>
+                <a:latin typeface="High Tower Text" panose="02040502050506030303" pitchFamily="18" charset="0"/>
+              </a:rPr>
+              <a:t>ReturnRvalue</a:t>
+            </a:r>
+            <a:r>
+              <a:rPr lang="en-US" dirty="0" smtClean="0">
+                <a:solidFill>
+                  <a:schemeClr val="tx1"/>
+                </a:solidFill>
+                <a:latin typeface="High Tower Text" panose="02040502050506030303" pitchFamily="18" charset="0"/>
+              </a:rPr>
+              <a:t>();</a:t>
+            </a:r>
+          </a:p>
+          <a:p>
+            <a:pPr algn="ctr"/>
+            <a:endParaRPr lang="en-US" dirty="0" smtClean="0">
+              <a:solidFill>
+                <a:schemeClr val="tx1"/>
+              </a:solidFill>
+              <a:latin typeface="High Tower Text" panose="02040502050506030303" pitchFamily="18" charset="0"/>
+            </a:endParaRPr>
+          </a:p>
+          <a:p>
+            <a:pPr algn="ctr"/>
+            <a:r>
+              <a:rPr lang="en-US" dirty="0" smtClean="0">
+                <a:solidFill>
+                  <a:schemeClr val="tx1"/>
+                </a:solidFill>
+                <a:latin typeface="High Tower Text" panose="02040502050506030303" pitchFamily="18" charset="0"/>
+              </a:rPr>
+              <a:t>T&amp;&amp; a = </a:t>
+            </a:r>
+            <a:r>
+              <a:rPr lang="en-US" dirty="0" err="1" smtClean="0">
+                <a:solidFill>
+                  <a:schemeClr val="tx1"/>
+                </a:solidFill>
+                <a:latin typeface="High Tower Text" panose="02040502050506030303" pitchFamily="18" charset="0"/>
+              </a:rPr>
+              <a:t>ReturnRvalue</a:t>
+            </a:r>
+            <a:r>
+              <a:rPr lang="en-US" dirty="0" smtClean="0">
+                <a:solidFill>
+                  <a:schemeClr val="tx1"/>
+                </a:solidFill>
+                <a:latin typeface="High Tower Text" panose="02040502050506030303" pitchFamily="18" charset="0"/>
+              </a:rPr>
+              <a:t>();</a:t>
+            </a:r>
+            <a:endParaRPr lang="en-US" dirty="0">
+              <a:solidFill>
+                <a:schemeClr val="tx1"/>
+              </a:solidFill>
+              <a:latin typeface="High Tower Text" panose="02040502050506030303" pitchFamily="18" charset="0"/>
+            </a:endParaRPr>
           </a:p>
         </p:txBody>
       </p:sp>
     </p:spTree>
-    <p:extLst>
-      <p:ext uri="{BB962C8B-B14F-4D97-AF65-F5344CB8AC3E}">
-        <p14:creationId xmlns:p14="http://schemas.microsoft.com/office/powerpoint/2010/main" val="1404998740"/>
-      </p:ext>
-    </p:extLst>
   </p:cSld>
   <p:clrMapOvr>
     <a:masterClrMapping/>
@@ -6427,7 +6616,7 @@
       </p:grpSpPr>
       <p:sp>
         <p:nvSpPr>
-          <p:cNvPr id="4" name="Title 3"/>
+          <p:cNvPr id="2" name="Title 1"/>
           <p:cNvSpPr>
             <a:spLocks noGrp="1"/>
           </p:cNvSpPr>
@@ -6435,27 +6624,26 @@
             <p:ph type="title"/>
           </p:nvPr>
         </p:nvSpPr>
-        <p:spPr>
-          <a:xfrm>
-            <a:off x="331470" y="235064"/>
-            <a:ext cx="1119959" cy="430887"/>
-          </a:xfrm>
-        </p:spPr>
+        <p:spPr/>
         <p:txBody>
           <a:bodyPr/>
           <a:lstStyle/>
           <a:p>
             <a:r>
-              <a:rPr lang="en-GB" dirty="0" smtClean="0"/>
-              <a:t>C++14</a:t>
-            </a:r>
-            <a:endParaRPr lang="en-GB" dirty="0"/>
+              <a:rPr lang="en-US" dirty="0"/>
+              <a:t>No garbage collection </a:t>
+            </a:r>
+            <a:r>
+              <a:rPr lang="en-US" dirty="0" smtClean="0"/>
+              <a:t>needed – B.J</a:t>
+            </a:r>
+            <a:endParaRPr lang="en-US" dirty="0"/>
           </a:p>
         </p:txBody>
       </p:sp>
       <p:sp>
         <p:nvSpPr>
-          <p:cNvPr id="7" name="Text Placeholder 6"/>
+          <p:cNvPr id="5" name="Content Placeholder 4"/>
           <p:cNvSpPr>
             <a:spLocks noGrp="1"/>
           </p:cNvSpPr>
@@ -6465,8 +6653,8 @@
         </p:nvSpPr>
         <p:spPr>
           <a:xfrm>
-            <a:off x="503356" y="1480458"/>
-            <a:ext cx="7784302" cy="1524000"/>
+            <a:off x="329184" y="753293"/>
+            <a:ext cx="8119872" cy="3731622"/>
           </a:xfrm>
         </p:spPr>
         <p:txBody>
@@ -6474,42 +6662,154 @@
           <a:lstStyle/>
           <a:p>
             <a:r>
-              <a:rPr lang="en-US" altLang="zh-CN" dirty="0"/>
-              <a:t>Clang is (draft) C++14 </a:t>
-            </a:r>
-            <a:r>
-              <a:rPr lang="en-US" altLang="zh-CN" dirty="0" smtClean="0"/>
-              <a:t>feature-complete at Nov. 7 2013</a:t>
-            </a:r>
-            <a:endParaRPr lang="en-US" altLang="zh-CN" dirty="0"/>
-          </a:p>
-          <a:p>
-            <a:endParaRPr lang="en-GB" dirty="0"/>
-          </a:p>
-          <a:p>
-            <a:pPr marL="0" lvl="2" indent="0">
-              <a:buNone/>
-            </a:pPr>
-            <a:r>
-              <a:rPr lang="en-US" altLang="zh-CN" sz="1800" dirty="0" smtClean="0"/>
-              <a:t>It</a:t>
-            </a:r>
-            <a:r>
-              <a:rPr lang="en-US" altLang="zh-CN" sz="1800" dirty="0"/>
-              <a:t> appears that the next release of Clang and LLVM, expected in December or January, will be draft C++14 feature-complete</a:t>
-            </a:r>
-            <a:r>
-              <a:rPr lang="en-US" altLang="zh-CN" sz="1800" dirty="0" smtClean="0"/>
-              <a:t>.</a:t>
-            </a:r>
-            <a:endParaRPr lang="en-US" sz="1800" dirty="0"/>
+              <a:rPr lang="en-US" dirty="0"/>
+              <a:t>For general, simple, implicit, and efficient resource management </a:t>
+            </a:r>
+            <a:endParaRPr lang="en-US" dirty="0" smtClean="0"/>
+          </a:p>
+          <a:p>
+            <a:r>
+              <a:rPr lang="en-US" dirty="0"/>
+              <a:t>Apply these techniques in order</a:t>
+            </a:r>
+            <a:r>
+              <a:rPr lang="en-US" dirty="0" smtClean="0"/>
+              <a:t>:</a:t>
+            </a:r>
+            <a:endParaRPr lang="en-US" dirty="0" smtClean="0"/>
+          </a:p>
+          <a:p>
+            <a:pPr lvl="2"/>
+            <a:r>
+              <a:rPr lang="en-US" dirty="0"/>
+              <a:t>Store data in containers</a:t>
+            </a:r>
+          </a:p>
+          <a:p>
+            <a:pPr lvl="3"/>
+            <a:r>
+              <a:rPr lang="en-US" dirty="0"/>
+              <a:t>The semantics of the fundamental abstraction is reflected in the interface</a:t>
+            </a:r>
+          </a:p>
+          <a:p>
+            <a:pPr lvl="3"/>
+            <a:r>
+              <a:rPr lang="en-US" dirty="0"/>
+              <a:t>Including </a:t>
+            </a:r>
+            <a:r>
+              <a:rPr lang="en-US" dirty="0" smtClean="0"/>
+              <a:t>lifetime</a:t>
+            </a:r>
+            <a:r>
+              <a:rPr lang="en-US" dirty="0" smtClean="0"/>
+              <a:t>  </a:t>
+            </a:r>
+            <a:endParaRPr lang="en-US" dirty="0"/>
+          </a:p>
+          <a:p>
+            <a:pPr lvl="2"/>
+            <a:r>
+              <a:rPr lang="en-US" dirty="0"/>
+              <a:t>Manage </a:t>
+            </a:r>
+            <a:r>
+              <a:rPr lang="en-US" b="1" i="1" dirty="0"/>
+              <a:t>all</a:t>
+            </a:r>
+            <a:r>
+              <a:rPr lang="en-US" dirty="0"/>
+              <a:t> resources with resource handles </a:t>
+            </a:r>
+            <a:endParaRPr lang="en-US" dirty="0" smtClean="0"/>
+          </a:p>
+          <a:p>
+            <a:pPr lvl="3"/>
+            <a:r>
+              <a:rPr lang="en-US" dirty="0" smtClean="0"/>
+              <a:t>RAII</a:t>
+            </a:r>
+          </a:p>
+          <a:p>
+            <a:pPr lvl="3"/>
+            <a:r>
+              <a:rPr lang="en-US" dirty="0"/>
+              <a:t>Not just memory: </a:t>
+            </a:r>
+            <a:r>
+              <a:rPr lang="en-US" b="1" i="1" dirty="0"/>
+              <a:t>all</a:t>
+            </a:r>
+            <a:r>
+              <a:rPr lang="en-US" dirty="0"/>
+              <a:t> </a:t>
+            </a:r>
+            <a:r>
+              <a:rPr lang="en-US" dirty="0" smtClean="0"/>
+              <a:t>resources</a:t>
+            </a:r>
+          </a:p>
+          <a:p>
+            <a:pPr lvl="2"/>
+            <a:r>
+              <a:rPr lang="en-US" dirty="0"/>
+              <a:t>Use “smart pointers</a:t>
+            </a:r>
+            <a:r>
+              <a:rPr lang="en-US" dirty="0" smtClean="0"/>
+              <a:t>”</a:t>
+            </a:r>
+          </a:p>
+          <a:p>
+            <a:pPr lvl="3"/>
+            <a:r>
+              <a:rPr lang="en-US" dirty="0"/>
+              <a:t>They are still pointers</a:t>
+            </a:r>
+          </a:p>
+          <a:p>
+            <a:pPr lvl="2"/>
+            <a:r>
+              <a:rPr lang="en-US" dirty="0"/>
+              <a:t>Plug in a garbage </a:t>
+            </a:r>
+            <a:r>
+              <a:rPr lang="en-US" dirty="0" smtClean="0"/>
+              <a:t>collector</a:t>
+            </a:r>
+          </a:p>
+          <a:p>
+            <a:pPr lvl="3"/>
+            <a:r>
+              <a:rPr lang="en-US" dirty="0"/>
+              <a:t>For “litter collection”</a:t>
+            </a:r>
+          </a:p>
+          <a:p>
+            <a:pPr lvl="3"/>
+            <a:r>
+              <a:rPr lang="en-US" dirty="0"/>
+              <a:t>C++11 specifies an interface</a:t>
+            </a:r>
+          </a:p>
+          <a:p>
+            <a:pPr lvl="3"/>
+            <a:r>
+              <a:rPr lang="en-US" dirty="0"/>
+              <a:t>Can still leak non-memory resources</a:t>
+            </a:r>
+          </a:p>
+          <a:p>
+            <a:pPr lvl="3"/>
+            <a:endParaRPr lang="en-US" dirty="0"/>
           </a:p>
         </p:txBody>
       </p:sp>
     </p:spTree>
     <p:extLst>
       <p:ext uri="{BB962C8B-B14F-4D97-AF65-F5344CB8AC3E}">
-        <p14:creationId xmlns:p14="http://schemas.microsoft.com/office/powerpoint/2010/main" val="1455022355"/>
+        <p14:creationId xmlns:p14="http://schemas.microsoft.com/office/powerpoint/2010/main" val="1137847219"/>
       </p:ext>
     </p:extLst>
   </p:cSld>
@@ -6555,6 +6855,662 @@
         </p:nvSpPr>
         <p:spPr>
           <a:xfrm>
+            <a:off x="2830286" y="2194493"/>
+            <a:ext cx="3976913" cy="708363"/>
+          </a:xfrm>
+        </p:spPr>
+        <p:txBody>
+          <a:bodyPr/>
+          <a:lstStyle/>
+          <a:p>
+            <a:r>
+              <a:rPr lang="en-GB" sz="3600" dirty="0" smtClean="0"/>
+              <a:t>After C++11……</a:t>
+            </a:r>
+            <a:endParaRPr lang="en-GB" sz="3600" dirty="0"/>
+          </a:p>
+        </p:txBody>
+      </p:sp>
+    </p:spTree>
+    <p:extLst>
+      <p:ext uri="{BB962C8B-B14F-4D97-AF65-F5344CB8AC3E}">
+        <p14:creationId xmlns:p14="http://schemas.microsoft.com/office/powerpoint/2010/main" val="3763922804"/>
+      </p:ext>
+    </p:extLst>
+  </p:cSld>
+  <p:clrMapOvr>
+    <a:masterClrMapping/>
+  </p:clrMapOvr>
+  <p:timing>
+    <p:tnLst>
+      <p:par>
+        <p:cTn id="1" dur="indefinite" restart="never" nodeType="tmRoot"/>
+      </p:par>
+    </p:tnLst>
+  </p:timing>
+</p:sld>
+</file>
+
+<file path=ppt/slides/slide14.xml><?xml version="1.0" encoding="utf-8"?>
+<p:sld xmlns:a="http://schemas.openxmlformats.org/drawingml/2006/main" xmlns:r="http://schemas.openxmlformats.org/officeDocument/2006/relationships" xmlns:p="http://schemas.openxmlformats.org/presentationml/2006/main">
+  <p:cSld>
+    <p:spTree>
+      <p:nvGrpSpPr>
+        <p:cNvPr id="1" name=""/>
+        <p:cNvGrpSpPr/>
+        <p:nvPr/>
+      </p:nvGrpSpPr>
+      <p:grpSpPr>
+        <a:xfrm>
+          <a:off x="0" y="0"/>
+          <a:ext cx="0" cy="0"/>
+          <a:chOff x="0" y="0"/>
+          <a:chExt cx="0" cy="0"/>
+        </a:xfrm>
+      </p:grpSpPr>
+      <p:sp>
+        <p:nvSpPr>
+          <p:cNvPr id="4" name="Title 3"/>
+          <p:cNvSpPr>
+            <a:spLocks noGrp="1"/>
+          </p:cNvSpPr>
+          <p:nvPr>
+            <p:ph type="title"/>
+          </p:nvPr>
+        </p:nvSpPr>
+        <p:spPr>
+          <a:xfrm>
+            <a:off x="331470" y="235064"/>
+            <a:ext cx="5401673" cy="430887"/>
+          </a:xfrm>
+        </p:spPr>
+        <p:txBody>
+          <a:bodyPr/>
+          <a:lstStyle/>
+          <a:p>
+            <a:r>
+              <a:rPr lang="en-US" altLang="zh-CN" dirty="0"/>
+              <a:t>C++ Standard meeting Feb 2012</a:t>
+            </a:r>
+          </a:p>
+        </p:txBody>
+      </p:sp>
+      <p:sp>
+        <p:nvSpPr>
+          <p:cNvPr id="7" name="Text Placeholder 6"/>
+          <p:cNvSpPr>
+            <a:spLocks noGrp="1"/>
+          </p:cNvSpPr>
+          <p:nvPr>
+            <p:ph sz="quarter" idx="10"/>
+          </p:nvPr>
+        </p:nvSpPr>
+        <p:spPr>
+          <a:xfrm>
+            <a:off x="329184" y="754743"/>
+            <a:ext cx="8117904" cy="3653745"/>
+          </a:xfrm>
+        </p:spPr>
+        <p:txBody>
+          <a:bodyPr/>
+          <a:lstStyle/>
+          <a:p>
+            <a:endParaRPr lang="en-GB" dirty="0"/>
+          </a:p>
+          <a:p>
+            <a:pPr lvl="2"/>
+            <a:r>
+              <a:rPr lang="en-US" altLang="zh-CN" sz="1600" dirty="0" smtClean="0"/>
+              <a:t>The </a:t>
+            </a:r>
+            <a:r>
+              <a:rPr lang="en-US" altLang="zh-CN" sz="1600" dirty="0"/>
+              <a:t>first meeting since the ratification of C++11</a:t>
+            </a:r>
+          </a:p>
+          <a:p>
+            <a:pPr lvl="2"/>
+            <a:r>
+              <a:rPr lang="en-US" altLang="zh-CN" sz="1600" dirty="0" smtClean="0"/>
+              <a:t>No </a:t>
+            </a:r>
+            <a:r>
+              <a:rPr lang="en-US" altLang="zh-CN" sz="1600" dirty="0"/>
+              <a:t>new Standard before 2017, with a 2022 follow-on standard, every five years</a:t>
+            </a:r>
+          </a:p>
+          <a:p>
+            <a:pPr lvl="2"/>
+            <a:r>
+              <a:rPr lang="en-US" sz="1600" dirty="0" smtClean="0"/>
+              <a:t>Discuss public Open Source Library – Portable C++ Library</a:t>
+            </a:r>
+          </a:p>
+          <a:p>
+            <a:pPr lvl="2"/>
+            <a:r>
+              <a:rPr lang="en-US" altLang="zh-CN" sz="1600" dirty="0" smtClean="0"/>
+              <a:t>Processes over 120 defects, discuss some issues</a:t>
+            </a:r>
+          </a:p>
+          <a:p>
+            <a:pPr lvl="2"/>
+            <a:r>
+              <a:rPr lang="en-US" altLang="zh-CN" sz="1600" dirty="0" smtClean="0"/>
+              <a:t>Potential features for future standard</a:t>
+            </a:r>
+          </a:p>
+          <a:p>
+            <a:pPr lvl="2"/>
+            <a:r>
+              <a:rPr lang="en-US" altLang="zh-CN" sz="1600" dirty="0"/>
+              <a:t>A</a:t>
+            </a:r>
+            <a:r>
+              <a:rPr lang="en-US" altLang="zh-CN" sz="1600" dirty="0" smtClean="0"/>
+              <a:t>dvanced </a:t>
+            </a:r>
+            <a:r>
+              <a:rPr lang="en-US" altLang="zh-CN" sz="1600" dirty="0"/>
+              <a:t>abstractions of </a:t>
+            </a:r>
+            <a:r>
+              <a:rPr lang="en-US" altLang="zh-CN" sz="1600" dirty="0" smtClean="0"/>
+              <a:t>concurrency</a:t>
+            </a:r>
+            <a:endParaRPr lang="en-US" sz="1600" dirty="0" smtClean="0"/>
+          </a:p>
+        </p:txBody>
+      </p:sp>
+    </p:spTree>
+    <p:extLst>
+      <p:ext uri="{BB962C8B-B14F-4D97-AF65-F5344CB8AC3E}">
+        <p14:creationId xmlns:p14="http://schemas.microsoft.com/office/powerpoint/2010/main" val="2945059531"/>
+      </p:ext>
+    </p:extLst>
+  </p:cSld>
+  <p:clrMapOvr>
+    <a:masterClrMapping/>
+  </p:clrMapOvr>
+  <p:timing>
+    <p:tnLst>
+      <p:par>
+        <p:cTn id="1" dur="indefinite" restart="never" nodeType="tmRoot"/>
+      </p:par>
+    </p:tnLst>
+  </p:timing>
+</p:sld>
+</file>
+
+<file path=ppt/slides/slide15.xml><?xml version="1.0" encoding="utf-8"?>
+<p:sld xmlns:a="http://schemas.openxmlformats.org/drawingml/2006/main" xmlns:r="http://schemas.openxmlformats.org/officeDocument/2006/relationships" xmlns:p="http://schemas.openxmlformats.org/presentationml/2006/main">
+  <p:cSld>
+    <p:spTree>
+      <p:nvGrpSpPr>
+        <p:cNvPr id="1" name=""/>
+        <p:cNvGrpSpPr/>
+        <p:nvPr/>
+      </p:nvGrpSpPr>
+      <p:grpSpPr>
+        <a:xfrm>
+          <a:off x="0" y="0"/>
+          <a:ext cx="0" cy="0"/>
+          <a:chOff x="0" y="0"/>
+          <a:chExt cx="0" cy="0"/>
+        </a:xfrm>
+      </p:grpSpPr>
+      <p:sp>
+        <p:nvSpPr>
+          <p:cNvPr id="4" name="Title 3"/>
+          <p:cNvSpPr>
+            <a:spLocks noGrp="1"/>
+          </p:cNvSpPr>
+          <p:nvPr>
+            <p:ph type="title"/>
+          </p:nvPr>
+        </p:nvSpPr>
+        <p:spPr>
+          <a:xfrm>
+            <a:off x="331470" y="235064"/>
+            <a:ext cx="5401673" cy="430887"/>
+          </a:xfrm>
+        </p:spPr>
+        <p:txBody>
+          <a:bodyPr/>
+          <a:lstStyle/>
+          <a:p>
+            <a:r>
+              <a:rPr lang="en-US" altLang="zh-CN" dirty="0"/>
+              <a:t>C++ Standard meeting </a:t>
+            </a:r>
+            <a:r>
+              <a:rPr lang="en-US" altLang="zh-CN" dirty="0" smtClean="0"/>
+              <a:t>Oct 2012</a:t>
+            </a:r>
+            <a:endParaRPr lang="en-US" altLang="zh-CN" dirty="0"/>
+          </a:p>
+        </p:txBody>
+      </p:sp>
+      <p:sp>
+        <p:nvSpPr>
+          <p:cNvPr id="7" name="Text Placeholder 6"/>
+          <p:cNvSpPr>
+            <a:spLocks noGrp="1"/>
+          </p:cNvSpPr>
+          <p:nvPr>
+            <p:ph sz="quarter" idx="10"/>
+          </p:nvPr>
+        </p:nvSpPr>
+        <p:spPr>
+          <a:xfrm>
+            <a:off x="329184" y="754743"/>
+            <a:ext cx="8117904" cy="3653745"/>
+          </a:xfrm>
+        </p:spPr>
+        <p:txBody>
+          <a:bodyPr/>
+          <a:lstStyle/>
+          <a:p>
+            <a:endParaRPr lang="en-GB" dirty="0"/>
+          </a:p>
+          <a:p>
+            <a:pPr lvl="2"/>
+            <a:r>
+              <a:rPr lang="en-US" altLang="zh-CN" sz="1600" dirty="0"/>
+              <a:t>C++ is technically 27 years old </a:t>
+            </a:r>
+            <a:endParaRPr lang="en-US" altLang="zh-CN" sz="1600" dirty="0" smtClean="0"/>
+          </a:p>
+          <a:p>
+            <a:pPr lvl="2"/>
+            <a:r>
+              <a:rPr lang="en-US" altLang="zh-CN" sz="1600" dirty="0"/>
+              <a:t>C++</a:t>
+            </a:r>
+            <a:r>
+              <a:rPr lang="en-US" altLang="zh-CN" sz="1600" dirty="0" smtClean="0"/>
+              <a:t>14 is proposed </a:t>
+            </a:r>
+            <a:r>
+              <a:rPr lang="en-US" altLang="zh-CN" sz="1600" dirty="0"/>
+              <a:t>to address C++11 annoyances and a bug fix </a:t>
+            </a:r>
+            <a:r>
+              <a:rPr lang="en-US" altLang="zh-CN" sz="1600" dirty="0" smtClean="0"/>
+              <a:t>release</a:t>
+            </a:r>
+            <a:endParaRPr lang="en-US" altLang="zh-CN" sz="1600" dirty="0"/>
+          </a:p>
+          <a:p>
+            <a:pPr lvl="2"/>
+            <a:r>
+              <a:rPr lang="en-US" sz="1600" dirty="0" smtClean="0"/>
+              <a:t>Pick up some drafts dropped in C++11 due to time constraint</a:t>
+            </a:r>
+          </a:p>
+          <a:p>
+            <a:pPr lvl="2"/>
+            <a:r>
+              <a:rPr lang="en-US" altLang="zh-CN" sz="1600" dirty="0" smtClean="0"/>
+              <a:t>Processes over 120 defects, discuss some issues</a:t>
+            </a:r>
+          </a:p>
+          <a:p>
+            <a:pPr lvl="2"/>
+            <a:r>
+              <a:rPr lang="en-US" altLang="zh-CN" sz="1600" dirty="0" smtClean="0"/>
+              <a:t>Potential features for future standard</a:t>
+            </a:r>
+          </a:p>
+          <a:p>
+            <a:pPr lvl="2"/>
+            <a:r>
+              <a:rPr lang="en-US" altLang="zh-CN" sz="1600" dirty="0"/>
+              <a:t>A</a:t>
+            </a:r>
+            <a:r>
+              <a:rPr lang="en-US" altLang="zh-CN" sz="1600" dirty="0" smtClean="0"/>
+              <a:t>dvanced </a:t>
+            </a:r>
+            <a:r>
+              <a:rPr lang="en-US" altLang="zh-CN" sz="1600" dirty="0"/>
+              <a:t>abstractions of </a:t>
+            </a:r>
+            <a:r>
+              <a:rPr lang="en-US" altLang="zh-CN" sz="1600" dirty="0" smtClean="0"/>
+              <a:t>concurrency</a:t>
+            </a:r>
+            <a:endParaRPr lang="en-US" sz="1600" dirty="0" smtClean="0"/>
+          </a:p>
+        </p:txBody>
+      </p:sp>
+    </p:spTree>
+    <p:extLst>
+      <p:ext uri="{BB962C8B-B14F-4D97-AF65-F5344CB8AC3E}">
+        <p14:creationId xmlns:p14="http://schemas.microsoft.com/office/powerpoint/2010/main" val="524126237"/>
+      </p:ext>
+    </p:extLst>
+  </p:cSld>
+  <p:clrMapOvr>
+    <a:masterClrMapping/>
+  </p:clrMapOvr>
+  <p:timing>
+    <p:tnLst>
+      <p:par>
+        <p:cTn id="1" dur="indefinite" restart="never" nodeType="tmRoot"/>
+      </p:par>
+    </p:tnLst>
+  </p:timing>
+</p:sld>
+</file>
+
+<file path=ppt/slides/slide16.xml><?xml version="1.0" encoding="utf-8"?>
+<p:sld xmlns:a="http://schemas.openxmlformats.org/drawingml/2006/main" xmlns:r="http://schemas.openxmlformats.org/officeDocument/2006/relationships" xmlns:p="http://schemas.openxmlformats.org/presentationml/2006/main">
+  <p:cSld>
+    <p:spTree>
+      <p:nvGrpSpPr>
+        <p:cNvPr id="1" name=""/>
+        <p:cNvGrpSpPr/>
+        <p:nvPr/>
+      </p:nvGrpSpPr>
+      <p:grpSpPr>
+        <a:xfrm>
+          <a:off x="0" y="0"/>
+          <a:ext cx="0" cy="0"/>
+          <a:chOff x="0" y="0"/>
+          <a:chExt cx="0" cy="0"/>
+        </a:xfrm>
+      </p:grpSpPr>
+      <p:sp>
+        <p:nvSpPr>
+          <p:cNvPr id="4" name="Title 3"/>
+          <p:cNvSpPr>
+            <a:spLocks noGrp="1"/>
+          </p:cNvSpPr>
+          <p:nvPr>
+            <p:ph type="title"/>
+          </p:nvPr>
+        </p:nvSpPr>
+        <p:spPr>
+          <a:xfrm>
+            <a:off x="331470" y="235064"/>
+            <a:ext cx="1119959" cy="430887"/>
+          </a:xfrm>
+        </p:spPr>
+        <p:txBody>
+          <a:bodyPr/>
+          <a:lstStyle/>
+          <a:p>
+            <a:r>
+              <a:rPr lang="en-GB" dirty="0" smtClean="0"/>
+              <a:t>C++14</a:t>
+            </a:r>
+            <a:endParaRPr lang="en-GB" dirty="0"/>
+          </a:p>
+        </p:txBody>
+      </p:sp>
+      <p:sp>
+        <p:nvSpPr>
+          <p:cNvPr id="7" name="Text Placeholder 6"/>
+          <p:cNvSpPr>
+            <a:spLocks noGrp="1"/>
+          </p:cNvSpPr>
+          <p:nvPr>
+            <p:ph sz="quarter" idx="10"/>
+          </p:nvPr>
+        </p:nvSpPr>
+        <p:spPr>
+          <a:xfrm>
+            <a:off x="329184" y="754743"/>
+            <a:ext cx="8117904" cy="3653745"/>
+          </a:xfrm>
+        </p:spPr>
+        <p:txBody>
+          <a:bodyPr/>
+          <a:lstStyle/>
+          <a:p>
+            <a:r>
+              <a:rPr lang="en-US" dirty="0" smtClean="0"/>
+              <a:t>C++14 Committee Draft (CD) published at isocpp.org in May, 2013</a:t>
+            </a:r>
+          </a:p>
+          <a:p>
+            <a:endParaRPr lang="en-GB" dirty="0"/>
+          </a:p>
+          <a:p>
+            <a:pPr lvl="2"/>
+            <a:r>
+              <a:rPr lang="en-US" sz="1600" dirty="0" smtClean="0"/>
+              <a:t>National Body (NB) Balloting at SC22 level: 3 months</a:t>
+            </a:r>
+          </a:p>
+          <a:p>
+            <a:pPr lvl="2"/>
+            <a:r>
+              <a:rPr lang="en-US" sz="1600" dirty="0" smtClean="0"/>
+              <a:t>Many issues are solved at C++ Standard Meeting, </a:t>
+            </a:r>
+            <a:r>
+              <a:rPr lang="en-US" sz="1600" dirty="0" err="1" smtClean="0"/>
+              <a:t>Chigago</a:t>
+            </a:r>
+            <a:r>
+              <a:rPr lang="en-US" sz="1600" dirty="0" smtClean="0"/>
+              <a:t> in </a:t>
+            </a:r>
+            <a:r>
+              <a:rPr lang="en-US" altLang="zh-CN" sz="1600" dirty="0" smtClean="0"/>
+              <a:t>Sept. 2013</a:t>
+            </a:r>
+            <a:endParaRPr lang="en-US" sz="1600" dirty="0" smtClean="0"/>
+          </a:p>
+          <a:p>
+            <a:pPr lvl="2"/>
+            <a:r>
+              <a:rPr lang="en-US" altLang="zh-CN" sz="1600" dirty="0" smtClean="0"/>
+              <a:t>Draft International Standard (DIS) balloting at the JTC level: 5 months</a:t>
+            </a:r>
+          </a:p>
+          <a:p>
+            <a:pPr lvl="2"/>
+            <a:r>
+              <a:rPr lang="en-US" altLang="zh-CN" sz="1600" dirty="0" smtClean="0"/>
+              <a:t>Valid International Standard (IS) balloting at the JTC level: 2 months</a:t>
+            </a:r>
+          </a:p>
+          <a:p>
+            <a:pPr lvl="2"/>
+            <a:r>
+              <a:rPr lang="en-US" altLang="zh-CN" sz="1600" dirty="0" smtClean="0"/>
+              <a:t>A ratified C++14 will be released summer 2014, likely at the </a:t>
+            </a:r>
+            <a:r>
+              <a:rPr lang="en-US" altLang="zh-CN" sz="1600" dirty="0" err="1" smtClean="0"/>
+              <a:t>Rapperswill</a:t>
+            </a:r>
+            <a:r>
+              <a:rPr lang="en-US" altLang="zh-CN" sz="1600" dirty="0" smtClean="0"/>
+              <a:t>, Switzerland meeting</a:t>
+            </a:r>
+            <a:endParaRPr lang="en-US" sz="1600" dirty="0" smtClean="0"/>
+          </a:p>
+          <a:p>
+            <a:pPr lvl="3"/>
+            <a:r>
+              <a:rPr lang="en-US" altLang="zh-CN" sz="1600" dirty="0" smtClean="0"/>
+              <a:t>If any of the step fails because some NB comment could not be addressed, then a second CD may need to be issued, which would push the process back, likely until end of 2014, or even past it.</a:t>
+            </a:r>
+            <a:endParaRPr lang="en-US" sz="1600" dirty="0"/>
+          </a:p>
+        </p:txBody>
+      </p:sp>
+    </p:spTree>
+    <p:extLst>
+      <p:ext uri="{BB962C8B-B14F-4D97-AF65-F5344CB8AC3E}">
+        <p14:creationId xmlns:p14="http://schemas.microsoft.com/office/powerpoint/2010/main" val="1404998740"/>
+      </p:ext>
+    </p:extLst>
+  </p:cSld>
+  <p:clrMapOvr>
+    <a:masterClrMapping/>
+  </p:clrMapOvr>
+  <p:timing>
+    <p:tnLst>
+      <p:par>
+        <p:cTn id="1" dur="indefinite" restart="never" nodeType="tmRoot"/>
+      </p:par>
+    </p:tnLst>
+  </p:timing>
+</p:sld>
+</file>
+
+<file path=ppt/slides/slide17.xml><?xml version="1.0" encoding="utf-8"?>
+<p:sld xmlns:a="http://schemas.openxmlformats.org/drawingml/2006/main" xmlns:r="http://schemas.openxmlformats.org/officeDocument/2006/relationships" xmlns:p="http://schemas.openxmlformats.org/presentationml/2006/main">
+  <p:cSld>
+    <p:spTree>
+      <p:nvGrpSpPr>
+        <p:cNvPr id="1" name=""/>
+        <p:cNvGrpSpPr/>
+        <p:nvPr/>
+      </p:nvGrpSpPr>
+      <p:grpSpPr>
+        <a:xfrm>
+          <a:off x="0" y="0"/>
+          <a:ext cx="0" cy="0"/>
+          <a:chOff x="0" y="0"/>
+          <a:chExt cx="0" cy="0"/>
+        </a:xfrm>
+      </p:grpSpPr>
+      <p:sp>
+        <p:nvSpPr>
+          <p:cNvPr id="4" name="Title 3"/>
+          <p:cNvSpPr>
+            <a:spLocks noGrp="1"/>
+          </p:cNvSpPr>
+          <p:nvPr>
+            <p:ph type="title"/>
+          </p:nvPr>
+        </p:nvSpPr>
+        <p:spPr>
+          <a:xfrm>
+            <a:off x="331470" y="235064"/>
+            <a:ext cx="1119959" cy="430887"/>
+          </a:xfrm>
+        </p:spPr>
+        <p:txBody>
+          <a:bodyPr/>
+          <a:lstStyle/>
+          <a:p>
+            <a:r>
+              <a:rPr lang="en-GB" dirty="0" smtClean="0"/>
+              <a:t>C++14</a:t>
+            </a:r>
+            <a:endParaRPr lang="en-GB" dirty="0"/>
+          </a:p>
+        </p:txBody>
+      </p:sp>
+      <p:sp>
+        <p:nvSpPr>
+          <p:cNvPr id="7" name="Text Placeholder 6"/>
+          <p:cNvSpPr>
+            <a:spLocks noGrp="1"/>
+          </p:cNvSpPr>
+          <p:nvPr>
+            <p:ph sz="quarter" idx="10"/>
+          </p:nvPr>
+        </p:nvSpPr>
+        <p:spPr>
+          <a:xfrm>
+            <a:off x="503356" y="1480458"/>
+            <a:ext cx="7784302" cy="1524000"/>
+          </a:xfrm>
+        </p:spPr>
+        <p:txBody>
+          <a:bodyPr/>
+          <a:lstStyle/>
+          <a:p>
+            <a:r>
+              <a:rPr lang="en-US" altLang="zh-CN" dirty="0"/>
+              <a:t>Clang is (draft) C++14 </a:t>
+            </a:r>
+            <a:r>
+              <a:rPr lang="en-US" altLang="zh-CN" dirty="0" smtClean="0"/>
+              <a:t>feature-complete at Nov. 7 2013</a:t>
+            </a:r>
+            <a:endParaRPr lang="en-US" altLang="zh-CN" dirty="0"/>
+          </a:p>
+          <a:p>
+            <a:endParaRPr lang="en-GB" dirty="0"/>
+          </a:p>
+          <a:p>
+            <a:pPr marL="0" lvl="2" indent="0">
+              <a:buNone/>
+            </a:pPr>
+            <a:r>
+              <a:rPr lang="en-US" altLang="zh-CN" sz="1800" dirty="0" smtClean="0"/>
+              <a:t>It</a:t>
+            </a:r>
+            <a:r>
+              <a:rPr lang="en-US" altLang="zh-CN" sz="1800" dirty="0"/>
+              <a:t> appears that the next release of Clang and LLVM, expected in December or January, will be draft C++14 feature-complete</a:t>
+            </a:r>
+            <a:r>
+              <a:rPr lang="en-US" altLang="zh-CN" sz="1800" dirty="0" smtClean="0"/>
+              <a:t>.</a:t>
+            </a:r>
+            <a:endParaRPr lang="en-US" sz="1800" dirty="0"/>
+          </a:p>
+        </p:txBody>
+      </p:sp>
+    </p:spTree>
+    <p:extLst>
+      <p:ext uri="{BB962C8B-B14F-4D97-AF65-F5344CB8AC3E}">
+        <p14:creationId xmlns:p14="http://schemas.microsoft.com/office/powerpoint/2010/main" val="1455022355"/>
+      </p:ext>
+    </p:extLst>
+  </p:cSld>
+  <p:clrMapOvr>
+    <a:masterClrMapping/>
+  </p:clrMapOvr>
+  <p:timing>
+    <p:tnLst>
+      <p:par>
+        <p:cTn id="1" dur="indefinite" restart="never" nodeType="tmRoot"/>
+      </p:par>
+    </p:tnLst>
+  </p:timing>
+</p:sld>
+</file>
+
+<file path=ppt/slides/slide18.xml><?xml version="1.0" encoding="utf-8"?>
+<p:sld xmlns:a="http://schemas.openxmlformats.org/drawingml/2006/main" xmlns:r="http://schemas.openxmlformats.org/officeDocument/2006/relationships" xmlns:p="http://schemas.openxmlformats.org/presentationml/2006/main">
+  <p:cSld>
+    <p:spTree>
+      <p:nvGrpSpPr>
+        <p:cNvPr id="1" name=""/>
+        <p:cNvGrpSpPr/>
+        <p:nvPr/>
+      </p:nvGrpSpPr>
+      <p:grpSpPr>
+        <a:xfrm>
+          <a:off x="0" y="0"/>
+          <a:ext cx="0" cy="0"/>
+          <a:chOff x="0" y="0"/>
+          <a:chExt cx="0" cy="0"/>
+        </a:xfrm>
+      </p:grpSpPr>
+      <p:sp>
+        <p:nvSpPr>
+          <p:cNvPr id="4" name="Title 3"/>
+          <p:cNvSpPr>
+            <a:spLocks noGrp="1"/>
+          </p:cNvSpPr>
+          <p:nvPr>
+            <p:ph type="title"/>
+          </p:nvPr>
+        </p:nvSpPr>
+        <p:spPr>
+          <a:xfrm>
             <a:off x="331469" y="235064"/>
             <a:ext cx="5212988" cy="430887"/>
           </a:xfrm>
@@ -6565,15 +7521,7 @@
           <a:p>
             <a:r>
               <a:rPr lang="en-GB" dirty="0" smtClean="0"/>
-              <a:t>What will C</a:t>
-            </a:r>
-            <a:r>
-              <a:rPr lang="en-GB" dirty="0" smtClean="0"/>
-              <a:t>++</a:t>
-            </a:r>
-            <a:r>
-              <a:rPr lang="en-GB" dirty="0" smtClean="0"/>
-              <a:t>14 look like?</a:t>
+              <a:t>What will C++14 look like?</a:t>
             </a:r>
             <a:endParaRPr lang="en-GB" dirty="0"/>
           </a:p>
@@ -6652,7 +7600,7 @@
 </p:sld>
 </file>
 
-<file path=ppt/slides/slide14.xml><?xml version="1.0" encoding="utf-8"?>
+<file path=ppt/slides/slide19.xml><?xml version="1.0" encoding="utf-8"?>
 <p:sld xmlns:a="http://schemas.openxmlformats.org/drawingml/2006/main" xmlns:r="http://schemas.openxmlformats.org/officeDocument/2006/relationships" xmlns:p="http://schemas.openxmlformats.org/presentationml/2006/main">
   <p:cSld>
     <p:spTree>
@@ -6743,7 +7691,133 @@
 </p:sld>
 </file>
 
-<file path=ppt/slides/slide15.xml><?xml version="1.0" encoding="utf-8"?>
+<file path=ppt/slides/slide2.xml><?xml version="1.0" encoding="utf-8"?>
+<p:sld xmlns:a="http://schemas.openxmlformats.org/drawingml/2006/main" xmlns:r="http://schemas.openxmlformats.org/officeDocument/2006/relationships" xmlns:p="http://schemas.openxmlformats.org/presentationml/2006/main">
+  <p:cSld>
+    <p:spTree>
+      <p:nvGrpSpPr>
+        <p:cNvPr id="1" name=""/>
+        <p:cNvGrpSpPr/>
+        <p:nvPr/>
+      </p:nvGrpSpPr>
+      <p:grpSpPr>
+        <a:xfrm>
+          <a:off x="0" y="0"/>
+          <a:ext cx="0" cy="0"/>
+          <a:chOff x="0" y="0"/>
+          <a:chExt cx="0" cy="0"/>
+        </a:xfrm>
+      </p:grpSpPr>
+      <p:sp>
+        <p:nvSpPr>
+          <p:cNvPr id="4" name="Title 3"/>
+          <p:cNvSpPr>
+            <a:spLocks noGrp="1"/>
+          </p:cNvSpPr>
+          <p:nvPr>
+            <p:ph type="title"/>
+          </p:nvPr>
+        </p:nvSpPr>
+        <p:spPr/>
+        <p:txBody>
+          <a:bodyPr/>
+          <a:lstStyle/>
+          <a:p>
+            <a:r>
+              <a:rPr lang="en-GB" dirty="0" smtClean="0"/>
+              <a:t>Agenda</a:t>
+            </a:r>
+            <a:endParaRPr lang="en-GB" dirty="0"/>
+          </a:p>
+        </p:txBody>
+      </p:sp>
+      <p:sp>
+        <p:nvSpPr>
+          <p:cNvPr id="7" name="Text Placeholder 6"/>
+          <p:cNvSpPr>
+            <a:spLocks noGrp="1"/>
+          </p:cNvSpPr>
+          <p:nvPr>
+            <p:ph sz="quarter" idx="10"/>
+          </p:nvPr>
+        </p:nvSpPr>
+        <p:spPr>
+          <a:xfrm>
+            <a:off x="329184" y="1188722"/>
+            <a:ext cx="8119872" cy="2860764"/>
+          </a:xfrm>
+        </p:spPr>
+        <p:txBody>
+          <a:bodyPr/>
+          <a:lstStyle/>
+          <a:p>
+            <a:pPr marL="285750" indent="-285750">
+              <a:buFont typeface="Arial" panose="020B0604020202020204" pitchFamily="34" charset="0"/>
+              <a:buChar char="•"/>
+            </a:pPr>
+            <a:r>
+              <a:rPr lang="en-US" sz="2400" dirty="0" smtClean="0"/>
+              <a:t>Pre C++11</a:t>
+            </a:r>
+          </a:p>
+          <a:p>
+            <a:pPr marL="285750" indent="-285750">
+              <a:buFont typeface="Arial" panose="020B0604020202020204" pitchFamily="34" charset="0"/>
+              <a:buChar char="•"/>
+            </a:pPr>
+            <a:endParaRPr lang="en-US" sz="2400" dirty="0"/>
+          </a:p>
+          <a:p>
+            <a:pPr marL="285750" indent="-285750">
+              <a:buFont typeface="Arial" panose="020B0604020202020204" pitchFamily="34" charset="0"/>
+              <a:buChar char="•"/>
+            </a:pPr>
+            <a:r>
+              <a:rPr lang="en-US" sz="2400" dirty="0" smtClean="0"/>
+              <a:t>C++11</a:t>
+            </a:r>
+          </a:p>
+          <a:p>
+            <a:pPr marL="285750" indent="-285750">
+              <a:buFont typeface="Arial" panose="020B0604020202020204" pitchFamily="34" charset="0"/>
+              <a:buChar char="•"/>
+            </a:pPr>
+            <a:endParaRPr lang="en-US" sz="2400" dirty="0"/>
+          </a:p>
+          <a:p>
+            <a:pPr marL="285750" indent="-285750">
+              <a:buFont typeface="Arial" panose="020B0604020202020204" pitchFamily="34" charset="0"/>
+              <a:buChar char="•"/>
+            </a:pPr>
+            <a:r>
+              <a:rPr lang="en-US" sz="2400" dirty="0" smtClean="0"/>
+              <a:t>Post C++11</a:t>
+            </a:r>
+            <a:endParaRPr lang="en-GB" sz="2400" dirty="0"/>
+          </a:p>
+        </p:txBody>
+      </p:sp>
+    </p:spTree>
+    <p:extLst>
+      <p:ext uri="{BB962C8B-B14F-4D97-AF65-F5344CB8AC3E}">
+        <p14:creationId xmlns:p14="http://schemas.microsoft.com/office/powerpoint/2010/main" val="1945731487"/>
+      </p:ext>
+    </p:extLst>
+  </p:cSld>
+  <p:clrMapOvr>
+    <a:masterClrMapping/>
+  </p:clrMapOvr>
+  <p:timing>
+    <p:tnLst>
+      <p:par>
+        <p:cTn id="1" dur="indefinite" restart="never" nodeType="tmRoot"/>
+      </p:par>
+    </p:tnLst>
+  </p:timing>
+</p:sld>
+</file>
+
+<file path=ppt/slides/slide20.xml><?xml version="1.0" encoding="utf-8"?>
 <p:sld xmlns:a="http://schemas.openxmlformats.org/drawingml/2006/main" xmlns:r="http://schemas.openxmlformats.org/officeDocument/2006/relationships" xmlns:p="http://schemas.openxmlformats.org/presentationml/2006/main">
   <p:cSld>
     <p:spTree>
@@ -6887,6 +7961,11 @@
         </p:txBody>
       </p:sp>
     </p:spTree>
+    <p:extLst>
+      <p:ext uri="{BB962C8B-B14F-4D97-AF65-F5344CB8AC3E}">
+        <p14:creationId xmlns:p14="http://schemas.microsoft.com/office/powerpoint/2010/main" val="492257227"/>
+      </p:ext>
+    </p:extLst>
   </p:cSld>
   <p:clrMapOvr>
     <a:masterClrMapping/>
@@ -6901,7 +7980,7 @@
 </p:sld>
 </file>
 
-<file path=ppt/slides/slide16.xml><?xml version="1.0" encoding="utf-8"?>
+<file path=ppt/slides/slide21.xml><?xml version="1.0" encoding="utf-8"?>
 <p:sld xmlns:a="http://schemas.openxmlformats.org/drawingml/2006/main" xmlns:r="http://schemas.openxmlformats.org/officeDocument/2006/relationships" xmlns:p="http://schemas.openxmlformats.org/presentationml/2006/main">
   <p:cSld>
     <p:spTree>
@@ -7156,7 +8235,7 @@
 </p:sld>
 </file>
 
-<file path=ppt/slides/slide17.xml><?xml version="1.0" encoding="utf-8"?>
+<file path=ppt/slides/slide22.xml><?xml version="1.0" encoding="utf-8"?>
 <p:sld xmlns:a="http://schemas.openxmlformats.org/drawingml/2006/main" xmlns:r="http://schemas.openxmlformats.org/officeDocument/2006/relationships" xmlns:p="http://schemas.openxmlformats.org/presentationml/2006/main">
   <p:cSld>
     <p:spTree>
@@ -7389,7 +8468,7 @@
 </p:sld>
 </file>
 
-<file path=ppt/slides/slide18.xml><?xml version="1.0" encoding="utf-8"?>
+<file path=ppt/slides/slide23.xml><?xml version="1.0" encoding="utf-8"?>
 <p:sld xmlns:a="http://schemas.openxmlformats.org/drawingml/2006/main" xmlns:r="http://schemas.openxmlformats.org/officeDocument/2006/relationships" xmlns:p="http://schemas.openxmlformats.org/presentationml/2006/main">
   <p:cSld>
     <p:spTree>
@@ -7585,7 +8664,7 @@
 </p:sld>
 </file>
 
-<file path=ppt/slides/slide19.xml><?xml version="1.0" encoding="utf-8"?>
+<file path=ppt/slides/slide24.xml><?xml version="1.0" encoding="utf-8"?>
 <p:sld xmlns:a="http://schemas.openxmlformats.org/drawingml/2006/main" xmlns:r="http://schemas.openxmlformats.org/officeDocument/2006/relationships" xmlns:p="http://schemas.openxmlformats.org/presentationml/2006/main">
   <p:cSld>
     <p:spTree>
@@ -7759,133 +8838,7 @@
 </p:sld>
 </file>
 
-<file path=ppt/slides/slide2.xml><?xml version="1.0" encoding="utf-8"?>
-<p:sld xmlns:a="http://schemas.openxmlformats.org/drawingml/2006/main" xmlns:r="http://schemas.openxmlformats.org/officeDocument/2006/relationships" xmlns:p="http://schemas.openxmlformats.org/presentationml/2006/main">
-  <p:cSld>
-    <p:spTree>
-      <p:nvGrpSpPr>
-        <p:cNvPr id="1" name=""/>
-        <p:cNvGrpSpPr/>
-        <p:nvPr/>
-      </p:nvGrpSpPr>
-      <p:grpSpPr>
-        <a:xfrm>
-          <a:off x="0" y="0"/>
-          <a:ext cx="0" cy="0"/>
-          <a:chOff x="0" y="0"/>
-          <a:chExt cx="0" cy="0"/>
-        </a:xfrm>
-      </p:grpSpPr>
-      <p:sp>
-        <p:nvSpPr>
-          <p:cNvPr id="4" name="Title 3"/>
-          <p:cNvSpPr>
-            <a:spLocks noGrp="1"/>
-          </p:cNvSpPr>
-          <p:nvPr>
-            <p:ph type="title"/>
-          </p:nvPr>
-        </p:nvSpPr>
-        <p:spPr/>
-        <p:txBody>
-          <a:bodyPr/>
-          <a:lstStyle/>
-          <a:p>
-            <a:r>
-              <a:rPr lang="en-GB" dirty="0" smtClean="0"/>
-              <a:t>Agenda</a:t>
-            </a:r>
-            <a:endParaRPr lang="en-GB" dirty="0"/>
-          </a:p>
-        </p:txBody>
-      </p:sp>
-      <p:sp>
-        <p:nvSpPr>
-          <p:cNvPr id="7" name="Text Placeholder 6"/>
-          <p:cNvSpPr>
-            <a:spLocks noGrp="1"/>
-          </p:cNvSpPr>
-          <p:nvPr>
-            <p:ph sz="quarter" idx="10"/>
-          </p:nvPr>
-        </p:nvSpPr>
-        <p:spPr>
-          <a:xfrm>
-            <a:off x="329184" y="1188722"/>
-            <a:ext cx="8119872" cy="2860764"/>
-          </a:xfrm>
-        </p:spPr>
-        <p:txBody>
-          <a:bodyPr/>
-          <a:lstStyle/>
-          <a:p>
-            <a:pPr marL="285750" indent="-285750">
-              <a:buFont typeface="Arial" panose="020B0604020202020204" pitchFamily="34" charset="0"/>
-              <a:buChar char="•"/>
-            </a:pPr>
-            <a:r>
-              <a:rPr lang="en-US" sz="2400" dirty="0" smtClean="0"/>
-              <a:t>Pre C++11</a:t>
-            </a:r>
-          </a:p>
-          <a:p>
-            <a:pPr marL="285750" indent="-285750">
-              <a:buFont typeface="Arial" panose="020B0604020202020204" pitchFamily="34" charset="0"/>
-              <a:buChar char="•"/>
-            </a:pPr>
-            <a:endParaRPr lang="en-US" sz="2400" dirty="0"/>
-          </a:p>
-          <a:p>
-            <a:pPr marL="285750" indent="-285750">
-              <a:buFont typeface="Arial" panose="020B0604020202020204" pitchFamily="34" charset="0"/>
-              <a:buChar char="•"/>
-            </a:pPr>
-            <a:r>
-              <a:rPr lang="en-US" sz="2400" dirty="0" smtClean="0"/>
-              <a:t>C++11</a:t>
-            </a:r>
-          </a:p>
-          <a:p>
-            <a:pPr marL="285750" indent="-285750">
-              <a:buFont typeface="Arial" panose="020B0604020202020204" pitchFamily="34" charset="0"/>
-              <a:buChar char="•"/>
-            </a:pPr>
-            <a:endParaRPr lang="en-US" sz="2400" dirty="0"/>
-          </a:p>
-          <a:p>
-            <a:pPr marL="285750" indent="-285750">
-              <a:buFont typeface="Arial" panose="020B0604020202020204" pitchFamily="34" charset="0"/>
-              <a:buChar char="•"/>
-            </a:pPr>
-            <a:r>
-              <a:rPr lang="en-US" sz="2400" dirty="0" smtClean="0"/>
-              <a:t>Post C++11</a:t>
-            </a:r>
-            <a:endParaRPr lang="en-GB" sz="2400" dirty="0"/>
-          </a:p>
-        </p:txBody>
-      </p:sp>
-    </p:spTree>
-    <p:extLst>
-      <p:ext uri="{BB962C8B-B14F-4D97-AF65-F5344CB8AC3E}">
-        <p14:creationId xmlns:p14="http://schemas.microsoft.com/office/powerpoint/2010/main" val="1945731487"/>
-      </p:ext>
-    </p:extLst>
-  </p:cSld>
-  <p:clrMapOvr>
-    <a:masterClrMapping/>
-  </p:clrMapOvr>
-  <p:timing>
-    <p:tnLst>
-      <p:par>
-        <p:cTn id="1" dur="indefinite" restart="never" nodeType="tmRoot"/>
-      </p:par>
-    </p:tnLst>
-  </p:timing>
-</p:sld>
-</file>
-
-<file path=ppt/slides/slide20.xml><?xml version="1.0" encoding="utf-8"?>
+<file path=ppt/slides/slide25.xml><?xml version="1.0" encoding="utf-8"?>
 <p:sld xmlns:a="http://schemas.openxmlformats.org/drawingml/2006/main" xmlns:r="http://schemas.openxmlformats.org/officeDocument/2006/relationships" xmlns:p="http://schemas.openxmlformats.org/presentationml/2006/main">
   <p:cSld>
     <p:spTree>
@@ -8190,7 +9143,7 @@
 </p:sld>
 </file>
 
-<file path=ppt/slides/slide21.xml><?xml version="1.0" encoding="utf-8"?>
+<file path=ppt/slides/slide26.xml><?xml version="1.0" encoding="utf-8"?>
 <p:sld xmlns:a="http://schemas.openxmlformats.org/drawingml/2006/main" xmlns:r="http://schemas.openxmlformats.org/officeDocument/2006/relationships" xmlns:p="http://schemas.openxmlformats.org/presentationml/2006/main">
   <p:cSld>
     <p:spTree>
@@ -8474,7 +9427,7 @@
 </p:sld>
 </file>
 
-<file path=ppt/slides/slide22.xml><?xml version="1.0" encoding="utf-8"?>
+<file path=ppt/slides/slide27.xml><?xml version="1.0" encoding="utf-8"?>
 <p:sld xmlns:a="http://schemas.openxmlformats.org/drawingml/2006/main" xmlns:r="http://schemas.openxmlformats.org/officeDocument/2006/relationships" xmlns:p="http://schemas.openxmlformats.org/presentationml/2006/main">
   <p:cSld>
     <p:spTree>
@@ -9608,7 +10561,7 @@
 </p:sld>
 </file>
 
-<file path=ppt/slides/slide23.xml><?xml version="1.0" encoding="utf-8"?>
+<file path=ppt/slides/slide28.xml><?xml version="1.0" encoding="utf-8"?>
 <p:sld xmlns:a="http://schemas.openxmlformats.org/drawingml/2006/main" xmlns:r="http://schemas.openxmlformats.org/officeDocument/2006/relationships" xmlns:p="http://schemas.openxmlformats.org/presentationml/2006/main">
   <p:cSld>
     <p:spTree>
@@ -13929,7 +14882,7 @@
 </p:sld>
 </file>
 
-<file path=ppt/slides/slide24.xml><?xml version="1.0" encoding="utf-8"?>
+<file path=ppt/slides/slide29.xml><?xml version="1.0" encoding="utf-8"?>
 <p:sld xmlns:a="http://schemas.openxmlformats.org/drawingml/2006/main" xmlns:r="http://schemas.openxmlformats.org/officeDocument/2006/relationships" xmlns:p="http://schemas.openxmlformats.org/presentationml/2006/main">
   <p:cSld>
     <p:spTree>
@@ -19490,7 +20443,1190 @@
 </p:sld>
 </file>
 
-<file path=ppt/slides/slide25.xml><?xml version="1.0" encoding="utf-8"?>
+<file path=ppt/slides/slide3.xml><?xml version="1.0" encoding="utf-8"?>
+<p:sld xmlns:a="http://schemas.openxmlformats.org/drawingml/2006/main" xmlns:r="http://schemas.openxmlformats.org/officeDocument/2006/relationships" xmlns:p="http://schemas.openxmlformats.org/presentationml/2006/main">
+  <p:cSld>
+    <p:spTree>
+      <p:nvGrpSpPr>
+        <p:cNvPr id="1" name=""/>
+        <p:cNvGrpSpPr/>
+        <p:nvPr/>
+      </p:nvGrpSpPr>
+      <p:grpSpPr>
+        <a:xfrm>
+          <a:off x="0" y="0"/>
+          <a:ext cx="0" cy="0"/>
+          <a:chOff x="0" y="0"/>
+          <a:chExt cx="0" cy="0"/>
+        </a:xfrm>
+      </p:grpSpPr>
+      <p:sp>
+        <p:nvSpPr>
+          <p:cNvPr id="2" name="Subtitle 1"/>
+          <p:cNvSpPr>
+            <a:spLocks noGrp="1"/>
+          </p:cNvSpPr>
+          <p:nvPr>
+            <p:ph type="subTitle" idx="1"/>
+          </p:nvPr>
+        </p:nvSpPr>
+        <p:spPr>
+          <a:xfrm>
+            <a:off x="2566670" y="678817"/>
+            <a:ext cx="3819616" cy="409753"/>
+          </a:xfrm>
+        </p:spPr>
+        <p:txBody>
+          <a:bodyPr/>
+          <a:lstStyle/>
+          <a:p>
+            <a:r>
+              <a:rPr lang="en-US" sz="2400" b="1" dirty="0" smtClean="0">
+                <a:solidFill>
+                  <a:schemeClr val="accent1">
+                    <a:lumMod val="75000"/>
+                  </a:schemeClr>
+                </a:solidFill>
+              </a:rPr>
+              <a:t>ISO/IEC/JTC1/SC22/WG21</a:t>
+            </a:r>
+            <a:endParaRPr lang="en-US" sz="2400" b="1" dirty="0">
+              <a:solidFill>
+                <a:schemeClr val="accent1">
+                  <a:lumMod val="75000"/>
+                </a:schemeClr>
+              </a:solidFill>
+            </a:endParaRPr>
+          </a:p>
+        </p:txBody>
+      </p:sp>
+      <p:sp>
+        <p:nvSpPr>
+          <p:cNvPr id="7" name="Text Placeholder 6"/>
+          <p:cNvSpPr>
+            <a:spLocks noGrp="1"/>
+          </p:cNvSpPr>
+          <p:nvPr>
+            <p:ph sz="quarter" idx="10"/>
+          </p:nvPr>
+        </p:nvSpPr>
+        <p:spPr>
+          <a:xfrm>
+            <a:off x="227585" y="1447802"/>
+            <a:ext cx="2486587" cy="567507"/>
+          </a:xfrm>
+          <a:ln w="0">
+            <a:noFill/>
+          </a:ln>
+        </p:spPr>
+        <p:txBody>
+          <a:bodyPr/>
+          <a:lstStyle/>
+          <a:p>
+            <a:pPr algn="ctr"/>
+            <a:r>
+              <a:rPr lang="en-US" altLang="zh-CN" sz="1600" dirty="0"/>
+              <a:t>International Organization </a:t>
+            </a:r>
+            <a:endParaRPr lang="en-US" altLang="zh-CN" sz="1600" dirty="0" smtClean="0"/>
+          </a:p>
+          <a:p>
+            <a:pPr algn="ctr"/>
+            <a:r>
+              <a:rPr lang="en-US" altLang="zh-CN" sz="1600" dirty="0"/>
+              <a:t> </a:t>
+            </a:r>
+            <a:r>
+              <a:rPr lang="en-US" altLang="zh-CN" sz="1600" dirty="0" smtClean="0"/>
+              <a:t>for Standardization</a:t>
+            </a:r>
+            <a:endParaRPr lang="en-GB" sz="1600" dirty="0"/>
+          </a:p>
+        </p:txBody>
+      </p:sp>
+      <p:sp>
+        <p:nvSpPr>
+          <p:cNvPr id="6" name="Text Placeholder 6"/>
+          <p:cNvSpPr txBox="1">
+            <a:spLocks/>
+          </p:cNvSpPr>
+          <p:nvPr/>
+        </p:nvSpPr>
+        <p:spPr bwMode="black">
+          <a:xfrm>
+            <a:off x="1468555" y="2354946"/>
+            <a:ext cx="2486587" cy="567507"/>
+          </a:xfrm>
+          <a:prstGeom prst="rect">
+            <a:avLst/>
+          </a:prstGeom>
+          <a:ln w="3175">
+            <a:noFill/>
+          </a:ln>
+        </p:spPr>
+        <p:txBody>
+          <a:bodyPr vert="horz" wrap="square" lIns="0" tIns="0" rIns="0" bIns="0" rtlCol="0">
+            <a:noAutofit/>
+          </a:bodyPr>
+          <a:lstStyle>
+            <a:lvl1pPr marL="0" indent="0" algn="l" defTabSz="457200" rtl="0" eaLnBrk="1" latinLnBrk="0" hangingPunct="1">
+              <a:lnSpc>
+                <a:spcPct val="100000"/>
+              </a:lnSpc>
+              <a:spcBef>
+                <a:spcPts val="0"/>
+              </a:spcBef>
+              <a:spcAft>
+                <a:spcPts val="400"/>
+              </a:spcAft>
+              <a:buSzPct val="100000"/>
+              <a:buFont typeface="Arial"/>
+              <a:buNone/>
+              <a:defRPr sz="1800" b="1" i="0" kern="1200">
+                <a:solidFill>
+                  <a:schemeClr val="accent1"/>
+                </a:solidFill>
+                <a:latin typeface="HP Simplified" pitchFamily="34" charset="0"/>
+                <a:ea typeface="+mn-ea"/>
+                <a:cs typeface="HP Simplified" pitchFamily="34" charset="0"/>
+              </a:defRPr>
+            </a:lvl1pPr>
+            <a:lvl2pPr marL="0" indent="0" algn="l" defTabSz="430213" rtl="0" eaLnBrk="1" latinLnBrk="0" hangingPunct="1">
+              <a:lnSpc>
+                <a:spcPct val="100000"/>
+              </a:lnSpc>
+              <a:spcBef>
+                <a:spcPts val="0"/>
+              </a:spcBef>
+              <a:spcAft>
+                <a:spcPts val="400"/>
+              </a:spcAft>
+              <a:buSzPct val="100000"/>
+              <a:buFont typeface="Lucida Grande"/>
+              <a:buNone/>
+              <a:defRPr sz="1600" b="0" i="0" kern="1200">
+                <a:solidFill>
+                  <a:srgbClr val="000000"/>
+                </a:solidFill>
+                <a:latin typeface="HP Simplified" pitchFamily="34" charset="0"/>
+                <a:ea typeface="+mn-ea"/>
+                <a:cs typeface="HP Simplified" pitchFamily="34" charset="0"/>
+              </a:defRPr>
+            </a:lvl2pPr>
+            <a:lvl3pPr marL="169863" indent="-169863" algn="l" defTabSz="457200" rtl="0" eaLnBrk="1" latinLnBrk="0" hangingPunct="1">
+              <a:lnSpc>
+                <a:spcPct val="100000"/>
+              </a:lnSpc>
+              <a:spcBef>
+                <a:spcPts val="0"/>
+              </a:spcBef>
+              <a:spcAft>
+                <a:spcPts val="400"/>
+              </a:spcAft>
+              <a:buFont typeface="HP Simplified" pitchFamily="34" charset="0"/>
+              <a:buChar char="•"/>
+              <a:defRPr sz="1400" b="0" i="0" kern="1200">
+                <a:solidFill>
+                  <a:srgbClr val="000000"/>
+                </a:solidFill>
+                <a:latin typeface="HP Simplified" pitchFamily="34" charset="0"/>
+                <a:ea typeface="+mn-ea"/>
+                <a:cs typeface="HP Simplified" pitchFamily="34" charset="0"/>
+              </a:defRPr>
+            </a:lvl3pPr>
+            <a:lvl4pPr marL="341313" indent="-180975" algn="l" defTabSz="457200" rtl="0" eaLnBrk="1" latinLnBrk="0" hangingPunct="1">
+              <a:lnSpc>
+                <a:spcPct val="100000"/>
+              </a:lnSpc>
+              <a:spcBef>
+                <a:spcPts val="0"/>
+              </a:spcBef>
+              <a:spcAft>
+                <a:spcPts val="400"/>
+              </a:spcAft>
+              <a:buSzPct val="80000"/>
+              <a:buFont typeface="HP Simplified" pitchFamily="34" charset="0"/>
+              <a:buChar char="–"/>
+              <a:defRPr lang="en-US" sz="1400" b="0" i="0" kern="1200">
+                <a:solidFill>
+                  <a:srgbClr val="000000"/>
+                </a:solidFill>
+                <a:latin typeface="HP Simplified" pitchFamily="34" charset="0"/>
+                <a:ea typeface="+mn-ea"/>
+                <a:cs typeface="HP Simplified" pitchFamily="34" charset="0"/>
+              </a:defRPr>
+            </a:lvl4pPr>
+            <a:lvl5pPr marL="469900" indent="-150813" algn="l" defTabSz="457200" rtl="0" eaLnBrk="1" latinLnBrk="0" hangingPunct="1">
+              <a:lnSpc>
+                <a:spcPct val="100000"/>
+              </a:lnSpc>
+              <a:spcBef>
+                <a:spcPts val="0"/>
+              </a:spcBef>
+              <a:spcAft>
+                <a:spcPts val="400"/>
+              </a:spcAft>
+              <a:buFont typeface="HP Simplified" pitchFamily="34" charset="0"/>
+              <a:buChar char="•"/>
+              <a:tabLst/>
+              <a:defRPr sz="1400" b="0" i="0" kern="1200">
+                <a:solidFill>
+                  <a:srgbClr val="000000"/>
+                </a:solidFill>
+                <a:latin typeface="HP Simplified" pitchFamily="34" charset="0"/>
+                <a:ea typeface="+mn-ea"/>
+                <a:cs typeface="HP Simplified" pitchFamily="34" charset="0"/>
+              </a:defRPr>
+            </a:lvl5pPr>
+            <a:lvl6pPr marL="2286000" indent="0" algn="l" defTabSz="457200" rtl="0" eaLnBrk="1" latinLnBrk="0" hangingPunct="1">
+              <a:lnSpc>
+                <a:spcPts val="2500"/>
+              </a:lnSpc>
+              <a:spcBef>
+                <a:spcPct val="20000"/>
+              </a:spcBef>
+              <a:buFont typeface="Arial"/>
+              <a:buNone/>
+              <a:defRPr sz="1800" kern="1200">
+                <a:solidFill>
+                  <a:schemeClr val="tx1"/>
+                </a:solidFill>
+                <a:latin typeface="+mn-lt"/>
+                <a:ea typeface="+mn-ea"/>
+                <a:cs typeface="+mn-cs"/>
+              </a:defRPr>
+            </a:lvl6pPr>
+            <a:lvl7pPr marL="2971800" indent="-228600" algn="l" defTabSz="457200" rtl="0" eaLnBrk="1" latinLnBrk="0" hangingPunct="1">
+              <a:spcBef>
+                <a:spcPct val="20000"/>
+              </a:spcBef>
+              <a:buFont typeface="Arial"/>
+              <a:buChar char="•"/>
+              <a:defRPr sz="2000" kern="1200">
+                <a:solidFill>
+                  <a:schemeClr val="tx1"/>
+                </a:solidFill>
+                <a:latin typeface="+mn-lt"/>
+                <a:ea typeface="+mn-ea"/>
+                <a:cs typeface="+mn-cs"/>
+              </a:defRPr>
+            </a:lvl7pPr>
+            <a:lvl8pPr marL="3429000" indent="-228600" algn="l" defTabSz="457200" rtl="0" eaLnBrk="1" latinLnBrk="0" hangingPunct="1">
+              <a:spcBef>
+                <a:spcPct val="20000"/>
+              </a:spcBef>
+              <a:buFont typeface="Arial"/>
+              <a:buChar char="•"/>
+              <a:defRPr sz="2000" kern="1200">
+                <a:solidFill>
+                  <a:schemeClr val="tx1"/>
+                </a:solidFill>
+                <a:latin typeface="+mn-lt"/>
+                <a:ea typeface="+mn-ea"/>
+                <a:cs typeface="+mn-cs"/>
+              </a:defRPr>
+            </a:lvl8pPr>
+            <a:lvl9pPr marL="3886200" indent="-228600" algn="l" defTabSz="457200" rtl="0" eaLnBrk="1" latinLnBrk="0" hangingPunct="1">
+              <a:spcBef>
+                <a:spcPct val="20000"/>
+              </a:spcBef>
+              <a:buFont typeface="Arial"/>
+              <a:buChar char="•"/>
+              <a:defRPr sz="2000" kern="1200">
+                <a:solidFill>
+                  <a:schemeClr val="tx1"/>
+                </a:solidFill>
+                <a:latin typeface="+mn-lt"/>
+                <a:ea typeface="+mn-ea"/>
+                <a:cs typeface="+mn-cs"/>
+              </a:defRPr>
+            </a:lvl9pPr>
+          </a:lstStyle>
+          <a:p>
+            <a:pPr algn="ctr"/>
+            <a:r>
+              <a:rPr lang="en-US" altLang="zh-CN" sz="1600" dirty="0" smtClean="0"/>
+              <a:t> International </a:t>
+            </a:r>
+            <a:r>
+              <a:rPr lang="en-US" altLang="zh-CN" sz="1600" dirty="0" err="1"/>
+              <a:t>Electrotechnical</a:t>
+            </a:r>
+            <a:r>
+              <a:rPr lang="en-US" altLang="zh-CN" sz="1600" dirty="0"/>
+              <a:t> Commission</a:t>
+            </a:r>
+            <a:endParaRPr lang="en-GB" sz="1600" dirty="0"/>
+          </a:p>
+        </p:txBody>
+      </p:sp>
+      <p:sp>
+        <p:nvSpPr>
+          <p:cNvPr id="8" name="Text Placeholder 6"/>
+          <p:cNvSpPr txBox="1">
+            <a:spLocks/>
+          </p:cNvSpPr>
+          <p:nvPr/>
+        </p:nvSpPr>
+        <p:spPr bwMode="black">
+          <a:xfrm>
+            <a:off x="2711849" y="3271523"/>
+            <a:ext cx="2685141" cy="499289"/>
+          </a:xfrm>
+          <a:prstGeom prst="rect">
+            <a:avLst/>
+          </a:prstGeom>
+          <a:ln w="3175">
+            <a:noFill/>
+          </a:ln>
+        </p:spPr>
+        <p:txBody>
+          <a:bodyPr vert="horz" wrap="square" lIns="0" tIns="0" rIns="0" bIns="0" rtlCol="0">
+            <a:noAutofit/>
+          </a:bodyPr>
+          <a:lstStyle>
+            <a:lvl1pPr marL="0" indent="0" algn="l" defTabSz="457200" rtl="0" eaLnBrk="1" latinLnBrk="0" hangingPunct="1">
+              <a:lnSpc>
+                <a:spcPct val="100000"/>
+              </a:lnSpc>
+              <a:spcBef>
+                <a:spcPts val="0"/>
+              </a:spcBef>
+              <a:spcAft>
+                <a:spcPts val="400"/>
+              </a:spcAft>
+              <a:buSzPct val="100000"/>
+              <a:buFont typeface="Arial"/>
+              <a:buNone/>
+              <a:defRPr sz="1800" b="1" i="0" kern="1200">
+                <a:solidFill>
+                  <a:schemeClr val="accent1"/>
+                </a:solidFill>
+                <a:latin typeface="HP Simplified" pitchFamily="34" charset="0"/>
+                <a:ea typeface="+mn-ea"/>
+                <a:cs typeface="HP Simplified" pitchFamily="34" charset="0"/>
+              </a:defRPr>
+            </a:lvl1pPr>
+            <a:lvl2pPr marL="0" indent="0" algn="l" defTabSz="430213" rtl="0" eaLnBrk="1" latinLnBrk="0" hangingPunct="1">
+              <a:lnSpc>
+                <a:spcPct val="100000"/>
+              </a:lnSpc>
+              <a:spcBef>
+                <a:spcPts val="0"/>
+              </a:spcBef>
+              <a:spcAft>
+                <a:spcPts val="400"/>
+              </a:spcAft>
+              <a:buSzPct val="100000"/>
+              <a:buFont typeface="Lucida Grande"/>
+              <a:buNone/>
+              <a:defRPr sz="1600" b="0" i="0" kern="1200">
+                <a:solidFill>
+                  <a:srgbClr val="000000"/>
+                </a:solidFill>
+                <a:latin typeface="HP Simplified" pitchFamily="34" charset="0"/>
+                <a:ea typeface="+mn-ea"/>
+                <a:cs typeface="HP Simplified" pitchFamily="34" charset="0"/>
+              </a:defRPr>
+            </a:lvl2pPr>
+            <a:lvl3pPr marL="169863" indent="-169863" algn="l" defTabSz="457200" rtl="0" eaLnBrk="1" latinLnBrk="0" hangingPunct="1">
+              <a:lnSpc>
+                <a:spcPct val="100000"/>
+              </a:lnSpc>
+              <a:spcBef>
+                <a:spcPts val="0"/>
+              </a:spcBef>
+              <a:spcAft>
+                <a:spcPts val="400"/>
+              </a:spcAft>
+              <a:buFont typeface="HP Simplified" pitchFamily="34" charset="0"/>
+              <a:buChar char="•"/>
+              <a:defRPr sz="1400" b="0" i="0" kern="1200">
+                <a:solidFill>
+                  <a:srgbClr val="000000"/>
+                </a:solidFill>
+                <a:latin typeface="HP Simplified" pitchFamily="34" charset="0"/>
+                <a:ea typeface="+mn-ea"/>
+                <a:cs typeface="HP Simplified" pitchFamily="34" charset="0"/>
+              </a:defRPr>
+            </a:lvl3pPr>
+            <a:lvl4pPr marL="341313" indent="-180975" algn="l" defTabSz="457200" rtl="0" eaLnBrk="1" latinLnBrk="0" hangingPunct="1">
+              <a:lnSpc>
+                <a:spcPct val="100000"/>
+              </a:lnSpc>
+              <a:spcBef>
+                <a:spcPts val="0"/>
+              </a:spcBef>
+              <a:spcAft>
+                <a:spcPts val="400"/>
+              </a:spcAft>
+              <a:buSzPct val="80000"/>
+              <a:buFont typeface="HP Simplified" pitchFamily="34" charset="0"/>
+              <a:buChar char="–"/>
+              <a:defRPr lang="en-US" sz="1400" b="0" i="0" kern="1200">
+                <a:solidFill>
+                  <a:srgbClr val="000000"/>
+                </a:solidFill>
+                <a:latin typeface="HP Simplified" pitchFamily="34" charset="0"/>
+                <a:ea typeface="+mn-ea"/>
+                <a:cs typeface="HP Simplified" pitchFamily="34" charset="0"/>
+              </a:defRPr>
+            </a:lvl4pPr>
+            <a:lvl5pPr marL="469900" indent="-150813" algn="l" defTabSz="457200" rtl="0" eaLnBrk="1" latinLnBrk="0" hangingPunct="1">
+              <a:lnSpc>
+                <a:spcPct val="100000"/>
+              </a:lnSpc>
+              <a:spcBef>
+                <a:spcPts val="0"/>
+              </a:spcBef>
+              <a:spcAft>
+                <a:spcPts val="400"/>
+              </a:spcAft>
+              <a:buFont typeface="HP Simplified" pitchFamily="34" charset="0"/>
+              <a:buChar char="•"/>
+              <a:tabLst/>
+              <a:defRPr sz="1400" b="0" i="0" kern="1200">
+                <a:solidFill>
+                  <a:srgbClr val="000000"/>
+                </a:solidFill>
+                <a:latin typeface="HP Simplified" pitchFamily="34" charset="0"/>
+                <a:ea typeface="+mn-ea"/>
+                <a:cs typeface="HP Simplified" pitchFamily="34" charset="0"/>
+              </a:defRPr>
+            </a:lvl5pPr>
+            <a:lvl6pPr marL="2286000" indent="0" algn="l" defTabSz="457200" rtl="0" eaLnBrk="1" latinLnBrk="0" hangingPunct="1">
+              <a:lnSpc>
+                <a:spcPts val="2500"/>
+              </a:lnSpc>
+              <a:spcBef>
+                <a:spcPct val="20000"/>
+              </a:spcBef>
+              <a:buFont typeface="Arial"/>
+              <a:buNone/>
+              <a:defRPr sz="1800" kern="1200">
+                <a:solidFill>
+                  <a:schemeClr val="tx1"/>
+                </a:solidFill>
+                <a:latin typeface="+mn-lt"/>
+                <a:ea typeface="+mn-ea"/>
+                <a:cs typeface="+mn-cs"/>
+              </a:defRPr>
+            </a:lvl6pPr>
+            <a:lvl7pPr marL="2971800" indent="-228600" algn="l" defTabSz="457200" rtl="0" eaLnBrk="1" latinLnBrk="0" hangingPunct="1">
+              <a:spcBef>
+                <a:spcPct val="20000"/>
+              </a:spcBef>
+              <a:buFont typeface="Arial"/>
+              <a:buChar char="•"/>
+              <a:defRPr sz="2000" kern="1200">
+                <a:solidFill>
+                  <a:schemeClr val="tx1"/>
+                </a:solidFill>
+                <a:latin typeface="+mn-lt"/>
+                <a:ea typeface="+mn-ea"/>
+                <a:cs typeface="+mn-cs"/>
+              </a:defRPr>
+            </a:lvl7pPr>
+            <a:lvl8pPr marL="3429000" indent="-228600" algn="l" defTabSz="457200" rtl="0" eaLnBrk="1" latinLnBrk="0" hangingPunct="1">
+              <a:spcBef>
+                <a:spcPct val="20000"/>
+              </a:spcBef>
+              <a:buFont typeface="Arial"/>
+              <a:buChar char="•"/>
+              <a:defRPr sz="2000" kern="1200">
+                <a:solidFill>
+                  <a:schemeClr val="tx1"/>
+                </a:solidFill>
+                <a:latin typeface="+mn-lt"/>
+                <a:ea typeface="+mn-ea"/>
+                <a:cs typeface="+mn-cs"/>
+              </a:defRPr>
+            </a:lvl8pPr>
+            <a:lvl9pPr marL="3886200" indent="-228600" algn="l" defTabSz="457200" rtl="0" eaLnBrk="1" latinLnBrk="0" hangingPunct="1">
+              <a:spcBef>
+                <a:spcPct val="20000"/>
+              </a:spcBef>
+              <a:buFont typeface="Arial"/>
+              <a:buChar char="•"/>
+              <a:defRPr sz="2000" kern="1200">
+                <a:solidFill>
+                  <a:schemeClr val="tx1"/>
+                </a:solidFill>
+                <a:latin typeface="+mn-lt"/>
+                <a:ea typeface="+mn-ea"/>
+                <a:cs typeface="+mn-cs"/>
+              </a:defRPr>
+            </a:lvl9pPr>
+          </a:lstStyle>
+          <a:p>
+            <a:pPr algn="ctr"/>
+            <a:r>
+              <a:rPr lang="en-US" altLang="zh-CN" sz="1600" dirty="0" smtClean="0"/>
+              <a:t>Joint Technical Committee</a:t>
+            </a:r>
+            <a:endParaRPr lang="en-US" altLang="zh-CN" sz="1600" dirty="0"/>
+          </a:p>
+        </p:txBody>
+      </p:sp>
+      <p:sp>
+        <p:nvSpPr>
+          <p:cNvPr id="9" name="Text Placeholder 6"/>
+          <p:cNvSpPr txBox="1">
+            <a:spLocks/>
+          </p:cNvSpPr>
+          <p:nvPr/>
+        </p:nvSpPr>
+        <p:spPr bwMode="black">
+          <a:xfrm>
+            <a:off x="5660571" y="2783119"/>
+            <a:ext cx="3091543" cy="1031239"/>
+          </a:xfrm>
+          <a:prstGeom prst="rect">
+            <a:avLst/>
+          </a:prstGeom>
+          <a:ln w="3175">
+            <a:noFill/>
+          </a:ln>
+        </p:spPr>
+        <p:txBody>
+          <a:bodyPr vert="horz" wrap="square" lIns="0" tIns="0" rIns="0" bIns="0" rtlCol="0">
+            <a:noAutofit/>
+          </a:bodyPr>
+          <a:lstStyle>
+            <a:lvl1pPr marL="0" indent="0" algn="l" defTabSz="457200" rtl="0" eaLnBrk="1" latinLnBrk="0" hangingPunct="1">
+              <a:lnSpc>
+                <a:spcPct val="100000"/>
+              </a:lnSpc>
+              <a:spcBef>
+                <a:spcPts val="0"/>
+              </a:spcBef>
+              <a:spcAft>
+                <a:spcPts val="400"/>
+              </a:spcAft>
+              <a:buSzPct val="100000"/>
+              <a:buFont typeface="Arial"/>
+              <a:buNone/>
+              <a:defRPr sz="1800" b="1" i="0" kern="1200">
+                <a:solidFill>
+                  <a:schemeClr val="accent1"/>
+                </a:solidFill>
+                <a:latin typeface="HP Simplified" pitchFamily="34" charset="0"/>
+                <a:ea typeface="+mn-ea"/>
+                <a:cs typeface="HP Simplified" pitchFamily="34" charset="0"/>
+              </a:defRPr>
+            </a:lvl1pPr>
+            <a:lvl2pPr marL="0" indent="0" algn="l" defTabSz="430213" rtl="0" eaLnBrk="1" latinLnBrk="0" hangingPunct="1">
+              <a:lnSpc>
+                <a:spcPct val="100000"/>
+              </a:lnSpc>
+              <a:spcBef>
+                <a:spcPts val="0"/>
+              </a:spcBef>
+              <a:spcAft>
+                <a:spcPts val="400"/>
+              </a:spcAft>
+              <a:buSzPct val="100000"/>
+              <a:buFont typeface="Lucida Grande"/>
+              <a:buNone/>
+              <a:defRPr sz="1600" b="0" i="0" kern="1200">
+                <a:solidFill>
+                  <a:srgbClr val="000000"/>
+                </a:solidFill>
+                <a:latin typeface="HP Simplified" pitchFamily="34" charset="0"/>
+                <a:ea typeface="+mn-ea"/>
+                <a:cs typeface="HP Simplified" pitchFamily="34" charset="0"/>
+              </a:defRPr>
+            </a:lvl2pPr>
+            <a:lvl3pPr marL="169863" indent="-169863" algn="l" defTabSz="457200" rtl="0" eaLnBrk="1" latinLnBrk="0" hangingPunct="1">
+              <a:lnSpc>
+                <a:spcPct val="100000"/>
+              </a:lnSpc>
+              <a:spcBef>
+                <a:spcPts val="0"/>
+              </a:spcBef>
+              <a:spcAft>
+                <a:spcPts val="400"/>
+              </a:spcAft>
+              <a:buFont typeface="HP Simplified" pitchFamily="34" charset="0"/>
+              <a:buChar char="•"/>
+              <a:defRPr sz="1400" b="0" i="0" kern="1200">
+                <a:solidFill>
+                  <a:srgbClr val="000000"/>
+                </a:solidFill>
+                <a:latin typeface="HP Simplified" pitchFamily="34" charset="0"/>
+                <a:ea typeface="+mn-ea"/>
+                <a:cs typeface="HP Simplified" pitchFamily="34" charset="0"/>
+              </a:defRPr>
+            </a:lvl3pPr>
+            <a:lvl4pPr marL="341313" indent="-180975" algn="l" defTabSz="457200" rtl="0" eaLnBrk="1" latinLnBrk="0" hangingPunct="1">
+              <a:lnSpc>
+                <a:spcPct val="100000"/>
+              </a:lnSpc>
+              <a:spcBef>
+                <a:spcPts val="0"/>
+              </a:spcBef>
+              <a:spcAft>
+                <a:spcPts val="400"/>
+              </a:spcAft>
+              <a:buSzPct val="80000"/>
+              <a:buFont typeface="HP Simplified" pitchFamily="34" charset="0"/>
+              <a:buChar char="–"/>
+              <a:defRPr lang="en-US" sz="1400" b="0" i="0" kern="1200">
+                <a:solidFill>
+                  <a:srgbClr val="000000"/>
+                </a:solidFill>
+                <a:latin typeface="HP Simplified" pitchFamily="34" charset="0"/>
+                <a:ea typeface="+mn-ea"/>
+                <a:cs typeface="HP Simplified" pitchFamily="34" charset="0"/>
+              </a:defRPr>
+            </a:lvl4pPr>
+            <a:lvl5pPr marL="469900" indent="-150813" algn="l" defTabSz="457200" rtl="0" eaLnBrk="1" latinLnBrk="0" hangingPunct="1">
+              <a:lnSpc>
+                <a:spcPct val="100000"/>
+              </a:lnSpc>
+              <a:spcBef>
+                <a:spcPts val="0"/>
+              </a:spcBef>
+              <a:spcAft>
+                <a:spcPts val="400"/>
+              </a:spcAft>
+              <a:buFont typeface="HP Simplified" pitchFamily="34" charset="0"/>
+              <a:buChar char="•"/>
+              <a:tabLst/>
+              <a:defRPr sz="1400" b="0" i="0" kern="1200">
+                <a:solidFill>
+                  <a:srgbClr val="000000"/>
+                </a:solidFill>
+                <a:latin typeface="HP Simplified" pitchFamily="34" charset="0"/>
+                <a:ea typeface="+mn-ea"/>
+                <a:cs typeface="HP Simplified" pitchFamily="34" charset="0"/>
+              </a:defRPr>
+            </a:lvl5pPr>
+            <a:lvl6pPr marL="2286000" indent="0" algn="l" defTabSz="457200" rtl="0" eaLnBrk="1" latinLnBrk="0" hangingPunct="1">
+              <a:lnSpc>
+                <a:spcPts val="2500"/>
+              </a:lnSpc>
+              <a:spcBef>
+                <a:spcPct val="20000"/>
+              </a:spcBef>
+              <a:buFont typeface="Arial"/>
+              <a:buNone/>
+              <a:defRPr sz="1800" kern="1200">
+                <a:solidFill>
+                  <a:schemeClr val="tx1"/>
+                </a:solidFill>
+                <a:latin typeface="+mn-lt"/>
+                <a:ea typeface="+mn-ea"/>
+                <a:cs typeface="+mn-cs"/>
+              </a:defRPr>
+            </a:lvl6pPr>
+            <a:lvl7pPr marL="2971800" indent="-228600" algn="l" defTabSz="457200" rtl="0" eaLnBrk="1" latinLnBrk="0" hangingPunct="1">
+              <a:spcBef>
+                <a:spcPct val="20000"/>
+              </a:spcBef>
+              <a:buFont typeface="Arial"/>
+              <a:buChar char="•"/>
+              <a:defRPr sz="2000" kern="1200">
+                <a:solidFill>
+                  <a:schemeClr val="tx1"/>
+                </a:solidFill>
+                <a:latin typeface="+mn-lt"/>
+                <a:ea typeface="+mn-ea"/>
+                <a:cs typeface="+mn-cs"/>
+              </a:defRPr>
+            </a:lvl7pPr>
+            <a:lvl8pPr marL="3429000" indent="-228600" algn="l" defTabSz="457200" rtl="0" eaLnBrk="1" latinLnBrk="0" hangingPunct="1">
+              <a:spcBef>
+                <a:spcPct val="20000"/>
+              </a:spcBef>
+              <a:buFont typeface="Arial"/>
+              <a:buChar char="•"/>
+              <a:defRPr sz="2000" kern="1200">
+                <a:solidFill>
+                  <a:schemeClr val="tx1"/>
+                </a:solidFill>
+                <a:latin typeface="+mn-lt"/>
+                <a:ea typeface="+mn-ea"/>
+                <a:cs typeface="+mn-cs"/>
+              </a:defRPr>
+            </a:lvl8pPr>
+            <a:lvl9pPr marL="3886200" indent="-228600" algn="l" defTabSz="457200" rtl="0" eaLnBrk="1" latinLnBrk="0" hangingPunct="1">
+              <a:spcBef>
+                <a:spcPct val="20000"/>
+              </a:spcBef>
+              <a:buFont typeface="Arial"/>
+              <a:buChar char="•"/>
+              <a:defRPr sz="2000" kern="1200">
+                <a:solidFill>
+                  <a:schemeClr val="tx1"/>
+                </a:solidFill>
+                <a:latin typeface="+mn-lt"/>
+                <a:ea typeface="+mn-ea"/>
+                <a:cs typeface="+mn-cs"/>
+              </a:defRPr>
+            </a:lvl9pPr>
+          </a:lstStyle>
+          <a:p>
+            <a:pPr algn="ctr"/>
+            <a:r>
+              <a:rPr lang="en-US" altLang="zh-CN" sz="1500" dirty="0" smtClean="0"/>
+              <a:t>International </a:t>
+            </a:r>
+            <a:r>
+              <a:rPr lang="en-US" altLang="zh-CN" sz="1500" dirty="0"/>
+              <a:t>standardization subcommittee for programming languages, their environments and system software </a:t>
+            </a:r>
+            <a:r>
+              <a:rPr lang="en-US" altLang="zh-CN" sz="1500" dirty="0" smtClean="0"/>
+              <a:t>interfaces</a:t>
+            </a:r>
+          </a:p>
+          <a:p>
+            <a:pPr algn="ctr"/>
+            <a:r>
+              <a:rPr lang="en-US" sz="1500" dirty="0" smtClean="0"/>
+              <a:t>SubCommittee22</a:t>
+            </a:r>
+            <a:endParaRPr lang="en-GB" sz="1500" dirty="0"/>
+          </a:p>
+        </p:txBody>
+      </p:sp>
+      <p:sp>
+        <p:nvSpPr>
+          <p:cNvPr id="10" name="Text Placeholder 6"/>
+          <p:cNvSpPr txBox="1">
+            <a:spLocks/>
+          </p:cNvSpPr>
+          <p:nvPr/>
+        </p:nvSpPr>
+        <p:spPr bwMode="black">
+          <a:xfrm>
+            <a:off x="6350001" y="1378678"/>
+            <a:ext cx="2677886" cy="642618"/>
+          </a:xfrm>
+          <a:prstGeom prst="rect">
+            <a:avLst/>
+          </a:prstGeom>
+          <a:ln w="3175">
+            <a:noFill/>
+          </a:ln>
+        </p:spPr>
+        <p:txBody>
+          <a:bodyPr vert="horz" wrap="square" lIns="0" tIns="0" rIns="0" bIns="0" rtlCol="0">
+            <a:noAutofit/>
+          </a:bodyPr>
+          <a:lstStyle>
+            <a:lvl1pPr marL="0" indent="0" algn="l" defTabSz="457200" rtl="0" eaLnBrk="1" latinLnBrk="0" hangingPunct="1">
+              <a:lnSpc>
+                <a:spcPct val="100000"/>
+              </a:lnSpc>
+              <a:spcBef>
+                <a:spcPts val="0"/>
+              </a:spcBef>
+              <a:spcAft>
+                <a:spcPts val="400"/>
+              </a:spcAft>
+              <a:buSzPct val="100000"/>
+              <a:buFont typeface="Arial"/>
+              <a:buNone/>
+              <a:defRPr sz="1800" b="1" i="0" kern="1200">
+                <a:solidFill>
+                  <a:schemeClr val="accent1"/>
+                </a:solidFill>
+                <a:latin typeface="HP Simplified" pitchFamily="34" charset="0"/>
+                <a:ea typeface="+mn-ea"/>
+                <a:cs typeface="HP Simplified" pitchFamily="34" charset="0"/>
+              </a:defRPr>
+            </a:lvl1pPr>
+            <a:lvl2pPr marL="0" indent="0" algn="l" defTabSz="430213" rtl="0" eaLnBrk="1" latinLnBrk="0" hangingPunct="1">
+              <a:lnSpc>
+                <a:spcPct val="100000"/>
+              </a:lnSpc>
+              <a:spcBef>
+                <a:spcPts val="0"/>
+              </a:spcBef>
+              <a:spcAft>
+                <a:spcPts val="400"/>
+              </a:spcAft>
+              <a:buSzPct val="100000"/>
+              <a:buFont typeface="Lucida Grande"/>
+              <a:buNone/>
+              <a:defRPr sz="1600" b="0" i="0" kern="1200">
+                <a:solidFill>
+                  <a:srgbClr val="000000"/>
+                </a:solidFill>
+                <a:latin typeface="HP Simplified" pitchFamily="34" charset="0"/>
+                <a:ea typeface="+mn-ea"/>
+                <a:cs typeface="HP Simplified" pitchFamily="34" charset="0"/>
+              </a:defRPr>
+            </a:lvl2pPr>
+            <a:lvl3pPr marL="169863" indent="-169863" algn="l" defTabSz="457200" rtl="0" eaLnBrk="1" latinLnBrk="0" hangingPunct="1">
+              <a:lnSpc>
+                <a:spcPct val="100000"/>
+              </a:lnSpc>
+              <a:spcBef>
+                <a:spcPts val="0"/>
+              </a:spcBef>
+              <a:spcAft>
+                <a:spcPts val="400"/>
+              </a:spcAft>
+              <a:buFont typeface="HP Simplified" pitchFamily="34" charset="0"/>
+              <a:buChar char="•"/>
+              <a:defRPr sz="1400" b="0" i="0" kern="1200">
+                <a:solidFill>
+                  <a:srgbClr val="000000"/>
+                </a:solidFill>
+                <a:latin typeface="HP Simplified" pitchFamily="34" charset="0"/>
+                <a:ea typeface="+mn-ea"/>
+                <a:cs typeface="HP Simplified" pitchFamily="34" charset="0"/>
+              </a:defRPr>
+            </a:lvl3pPr>
+            <a:lvl4pPr marL="341313" indent="-180975" algn="l" defTabSz="457200" rtl="0" eaLnBrk="1" latinLnBrk="0" hangingPunct="1">
+              <a:lnSpc>
+                <a:spcPct val="100000"/>
+              </a:lnSpc>
+              <a:spcBef>
+                <a:spcPts val="0"/>
+              </a:spcBef>
+              <a:spcAft>
+                <a:spcPts val="400"/>
+              </a:spcAft>
+              <a:buSzPct val="80000"/>
+              <a:buFont typeface="HP Simplified" pitchFamily="34" charset="0"/>
+              <a:buChar char="–"/>
+              <a:defRPr lang="en-US" sz="1400" b="0" i="0" kern="1200">
+                <a:solidFill>
+                  <a:srgbClr val="000000"/>
+                </a:solidFill>
+                <a:latin typeface="HP Simplified" pitchFamily="34" charset="0"/>
+                <a:ea typeface="+mn-ea"/>
+                <a:cs typeface="HP Simplified" pitchFamily="34" charset="0"/>
+              </a:defRPr>
+            </a:lvl4pPr>
+            <a:lvl5pPr marL="469900" indent="-150813" algn="l" defTabSz="457200" rtl="0" eaLnBrk="1" latinLnBrk="0" hangingPunct="1">
+              <a:lnSpc>
+                <a:spcPct val="100000"/>
+              </a:lnSpc>
+              <a:spcBef>
+                <a:spcPts val="0"/>
+              </a:spcBef>
+              <a:spcAft>
+                <a:spcPts val="400"/>
+              </a:spcAft>
+              <a:buFont typeface="HP Simplified" pitchFamily="34" charset="0"/>
+              <a:buChar char="•"/>
+              <a:tabLst/>
+              <a:defRPr sz="1400" b="0" i="0" kern="1200">
+                <a:solidFill>
+                  <a:srgbClr val="000000"/>
+                </a:solidFill>
+                <a:latin typeface="HP Simplified" pitchFamily="34" charset="0"/>
+                <a:ea typeface="+mn-ea"/>
+                <a:cs typeface="HP Simplified" pitchFamily="34" charset="0"/>
+              </a:defRPr>
+            </a:lvl5pPr>
+            <a:lvl6pPr marL="2286000" indent="0" algn="l" defTabSz="457200" rtl="0" eaLnBrk="1" latinLnBrk="0" hangingPunct="1">
+              <a:lnSpc>
+                <a:spcPts val="2500"/>
+              </a:lnSpc>
+              <a:spcBef>
+                <a:spcPct val="20000"/>
+              </a:spcBef>
+              <a:buFont typeface="Arial"/>
+              <a:buNone/>
+              <a:defRPr sz="1800" kern="1200">
+                <a:solidFill>
+                  <a:schemeClr val="tx1"/>
+                </a:solidFill>
+                <a:latin typeface="+mn-lt"/>
+                <a:ea typeface="+mn-ea"/>
+                <a:cs typeface="+mn-cs"/>
+              </a:defRPr>
+            </a:lvl6pPr>
+            <a:lvl7pPr marL="2971800" indent="-228600" algn="l" defTabSz="457200" rtl="0" eaLnBrk="1" latinLnBrk="0" hangingPunct="1">
+              <a:spcBef>
+                <a:spcPct val="20000"/>
+              </a:spcBef>
+              <a:buFont typeface="Arial"/>
+              <a:buChar char="•"/>
+              <a:defRPr sz="2000" kern="1200">
+                <a:solidFill>
+                  <a:schemeClr val="tx1"/>
+                </a:solidFill>
+                <a:latin typeface="+mn-lt"/>
+                <a:ea typeface="+mn-ea"/>
+                <a:cs typeface="+mn-cs"/>
+              </a:defRPr>
+            </a:lvl7pPr>
+            <a:lvl8pPr marL="3429000" indent="-228600" algn="l" defTabSz="457200" rtl="0" eaLnBrk="1" latinLnBrk="0" hangingPunct="1">
+              <a:spcBef>
+                <a:spcPct val="20000"/>
+              </a:spcBef>
+              <a:buFont typeface="Arial"/>
+              <a:buChar char="•"/>
+              <a:defRPr sz="2000" kern="1200">
+                <a:solidFill>
+                  <a:schemeClr val="tx1"/>
+                </a:solidFill>
+                <a:latin typeface="+mn-lt"/>
+                <a:ea typeface="+mn-ea"/>
+                <a:cs typeface="+mn-cs"/>
+              </a:defRPr>
+            </a:lvl8pPr>
+            <a:lvl9pPr marL="3886200" indent="-228600" algn="l" defTabSz="457200" rtl="0" eaLnBrk="1" latinLnBrk="0" hangingPunct="1">
+              <a:spcBef>
+                <a:spcPct val="20000"/>
+              </a:spcBef>
+              <a:buFont typeface="Arial"/>
+              <a:buChar char="•"/>
+              <a:defRPr sz="2000" kern="1200">
+                <a:solidFill>
+                  <a:schemeClr val="tx1"/>
+                </a:solidFill>
+                <a:latin typeface="+mn-lt"/>
+                <a:ea typeface="+mn-ea"/>
+                <a:cs typeface="+mn-cs"/>
+              </a:defRPr>
+            </a:lvl9pPr>
+          </a:lstStyle>
+          <a:p>
+            <a:pPr algn="ctr"/>
+            <a:r>
+              <a:rPr lang="en-US" altLang="zh-CN" sz="1600" dirty="0"/>
+              <a:t>The C++ Standards </a:t>
+            </a:r>
+            <a:r>
+              <a:rPr lang="en-US" altLang="zh-CN" sz="1600" dirty="0" smtClean="0"/>
+              <a:t>Committee</a:t>
+            </a:r>
+          </a:p>
+          <a:p>
+            <a:pPr algn="ctr"/>
+            <a:r>
+              <a:rPr lang="en-US" altLang="zh-CN" sz="1600" dirty="0" smtClean="0"/>
+              <a:t>Working Group 21</a:t>
+            </a:r>
+            <a:endParaRPr lang="en-US" altLang="zh-CN" sz="1600" dirty="0"/>
+          </a:p>
+        </p:txBody>
+      </p:sp>
+      <p:cxnSp>
+        <p:nvCxnSpPr>
+          <p:cNvPr id="11" name="Straight Arrow Connector 10"/>
+          <p:cNvCxnSpPr>
+            <a:stCxn id="7" idx="0"/>
+            <a:endCxn id="2" idx="1"/>
+          </p:cNvCxnSpPr>
+          <p:nvPr/>
+        </p:nvCxnSpPr>
+        <p:spPr>
+          <a:xfrm flipV="1">
+            <a:off x="1470879" y="883694"/>
+            <a:ext cx="1095791" cy="564108"/>
+          </a:xfrm>
+          <a:prstGeom prst="straightConnector1">
+            <a:avLst/>
+          </a:prstGeom>
+          <a:ln w="12700" cmpd="sng">
+            <a:solidFill>
+              <a:schemeClr val="tx1"/>
+            </a:solidFill>
+            <a:tailEnd type="arrow"/>
+          </a:ln>
+          <a:effectLst/>
+        </p:spPr>
+        <p:style>
+          <a:lnRef idx="2">
+            <a:schemeClr val="accent1"/>
+          </a:lnRef>
+          <a:fillRef idx="0">
+            <a:schemeClr val="accent1"/>
+          </a:fillRef>
+          <a:effectRef idx="1">
+            <a:schemeClr val="accent1"/>
+          </a:effectRef>
+          <a:fontRef idx="minor">
+            <a:schemeClr val="tx1"/>
+          </a:fontRef>
+        </p:style>
+      </p:cxnSp>
+      <p:cxnSp>
+        <p:nvCxnSpPr>
+          <p:cNvPr id="13" name="Straight Arrow Connector 12"/>
+          <p:cNvCxnSpPr>
+            <a:stCxn id="6" idx="0"/>
+          </p:cNvCxnSpPr>
+          <p:nvPr/>
+        </p:nvCxnSpPr>
+        <p:spPr>
+          <a:xfrm flipV="1">
+            <a:off x="2711849" y="1045029"/>
+            <a:ext cx="510322" cy="1309917"/>
+          </a:xfrm>
+          <a:prstGeom prst="straightConnector1">
+            <a:avLst/>
+          </a:prstGeom>
+          <a:ln w="12700" cmpd="sng">
+            <a:solidFill>
+              <a:schemeClr val="tx1"/>
+            </a:solidFill>
+            <a:tailEnd type="arrow"/>
+          </a:ln>
+          <a:effectLst/>
+        </p:spPr>
+        <p:style>
+          <a:lnRef idx="2">
+            <a:schemeClr val="accent1"/>
+          </a:lnRef>
+          <a:fillRef idx="0">
+            <a:schemeClr val="accent1"/>
+          </a:fillRef>
+          <a:effectRef idx="1">
+            <a:schemeClr val="accent1"/>
+          </a:effectRef>
+          <a:fontRef idx="minor">
+            <a:schemeClr val="tx1"/>
+          </a:fontRef>
+        </p:style>
+      </p:cxnSp>
+      <p:cxnSp>
+        <p:nvCxnSpPr>
+          <p:cNvPr id="15" name="Straight Arrow Connector 14"/>
+          <p:cNvCxnSpPr>
+            <a:stCxn id="8" idx="0"/>
+          </p:cNvCxnSpPr>
+          <p:nvPr/>
+        </p:nvCxnSpPr>
+        <p:spPr>
+          <a:xfrm flipH="1" flipV="1">
+            <a:off x="4054419" y="1045028"/>
+            <a:ext cx="1" cy="2226495"/>
+          </a:xfrm>
+          <a:prstGeom prst="straightConnector1">
+            <a:avLst/>
+          </a:prstGeom>
+          <a:ln w="12700" cmpd="sng">
+            <a:solidFill>
+              <a:schemeClr val="tx1"/>
+            </a:solidFill>
+            <a:tailEnd type="arrow"/>
+          </a:ln>
+          <a:effectLst/>
+        </p:spPr>
+        <p:style>
+          <a:lnRef idx="2">
+            <a:schemeClr val="accent1"/>
+          </a:lnRef>
+          <a:fillRef idx="0">
+            <a:schemeClr val="accent1"/>
+          </a:fillRef>
+          <a:effectRef idx="1">
+            <a:schemeClr val="accent1"/>
+          </a:effectRef>
+          <a:fontRef idx="minor">
+            <a:schemeClr val="tx1"/>
+          </a:fontRef>
+        </p:style>
+      </p:cxnSp>
+      <p:cxnSp>
+        <p:nvCxnSpPr>
+          <p:cNvPr id="17" name="Straight Arrow Connector 16"/>
+          <p:cNvCxnSpPr>
+            <a:stCxn id="9" idx="0"/>
+          </p:cNvCxnSpPr>
+          <p:nvPr/>
+        </p:nvCxnSpPr>
+        <p:spPr>
+          <a:xfrm flipH="1" flipV="1">
+            <a:off x="4644571" y="1045028"/>
+            <a:ext cx="2561772" cy="1738091"/>
+          </a:xfrm>
+          <a:prstGeom prst="straightConnector1">
+            <a:avLst/>
+          </a:prstGeom>
+          <a:ln w="12700" cmpd="sng">
+            <a:solidFill>
+              <a:schemeClr val="tx1"/>
+            </a:solidFill>
+            <a:tailEnd type="arrow"/>
+          </a:ln>
+          <a:effectLst/>
+        </p:spPr>
+        <p:style>
+          <a:lnRef idx="2">
+            <a:schemeClr val="accent1"/>
+          </a:lnRef>
+          <a:fillRef idx="0">
+            <a:schemeClr val="accent1"/>
+          </a:fillRef>
+          <a:effectRef idx="1">
+            <a:schemeClr val="accent1"/>
+          </a:effectRef>
+          <a:fontRef idx="minor">
+            <a:schemeClr val="tx1"/>
+          </a:fontRef>
+        </p:style>
+      </p:cxnSp>
+      <p:cxnSp>
+        <p:nvCxnSpPr>
+          <p:cNvPr id="19" name="Straight Arrow Connector 18"/>
+          <p:cNvCxnSpPr>
+            <a:stCxn id="10" idx="0"/>
+          </p:cNvCxnSpPr>
+          <p:nvPr/>
+        </p:nvCxnSpPr>
+        <p:spPr>
+          <a:xfrm flipH="1" flipV="1">
+            <a:off x="5776686" y="883694"/>
+            <a:ext cx="1912258" cy="494984"/>
+          </a:xfrm>
+          <a:prstGeom prst="straightConnector1">
+            <a:avLst/>
+          </a:prstGeom>
+          <a:ln w="12700" cmpd="sng">
+            <a:solidFill>
+              <a:schemeClr val="tx1"/>
+            </a:solidFill>
+            <a:tailEnd type="arrow"/>
+          </a:ln>
+          <a:effectLst/>
+        </p:spPr>
+        <p:style>
+          <a:lnRef idx="2">
+            <a:schemeClr val="accent1"/>
+          </a:lnRef>
+          <a:fillRef idx="0">
+            <a:schemeClr val="accent1"/>
+          </a:fillRef>
+          <a:effectRef idx="1">
+            <a:schemeClr val="accent1"/>
+          </a:effectRef>
+          <a:fontRef idx="minor">
+            <a:schemeClr val="tx1"/>
+          </a:fontRef>
+        </p:style>
+      </p:cxnSp>
+    </p:spTree>
+    <p:extLst>
+      <p:ext uri="{BB962C8B-B14F-4D97-AF65-F5344CB8AC3E}">
+        <p14:creationId xmlns:p14="http://schemas.microsoft.com/office/powerpoint/2010/main" val="3309934885"/>
+      </p:ext>
+    </p:extLst>
+  </p:cSld>
+  <p:clrMapOvr>
+    <a:masterClrMapping/>
+  </p:clrMapOvr>
+  <p:timing>
+    <p:tnLst>
+      <p:par>
+        <p:cTn id="1" dur="indefinite" restart="never" nodeType="tmRoot"/>
+      </p:par>
+    </p:tnLst>
+  </p:timing>
+</p:sld>
+</file>
+
+<file path=ppt/slides/slide30.xml><?xml version="1.0" encoding="utf-8"?>
 <p:sld xmlns:a="http://schemas.openxmlformats.org/drawingml/2006/main" xmlns:r="http://schemas.openxmlformats.org/officeDocument/2006/relationships" xmlns:p="http://schemas.openxmlformats.org/presentationml/2006/main">
   <p:cSld>
     <p:spTree>
@@ -20966,7 +23102,7 @@
 </p:sld>
 </file>
 
-<file path=ppt/slides/slide26.xml><?xml version="1.0" encoding="utf-8"?>
+<file path=ppt/slides/slide31.xml><?xml version="1.0" encoding="utf-8"?>
 <p:sld xmlns:a="http://schemas.openxmlformats.org/drawingml/2006/main" xmlns:r="http://schemas.openxmlformats.org/officeDocument/2006/relationships" xmlns:p="http://schemas.openxmlformats.org/presentationml/2006/main">
   <p:cSld>
     <p:spTree>
@@ -21948,7 +24084,7 @@
 </p:sld>
 </file>
 
-<file path=ppt/slides/slide27.xml><?xml version="1.0" encoding="utf-8"?>
+<file path=ppt/slides/slide32.xml><?xml version="1.0" encoding="utf-8"?>
 <p:sld xmlns:a="http://schemas.openxmlformats.org/drawingml/2006/main" xmlns:r="http://schemas.openxmlformats.org/officeDocument/2006/relationships" xmlns:p="http://schemas.openxmlformats.org/presentationml/2006/main">
   <p:cSld>
     <p:spTree>
@@ -22102,7 +24238,7 @@
 </p:sld>
 </file>
 
-<file path=ppt/slides/slide28.xml><?xml version="1.0" encoding="utf-8"?>
+<file path=ppt/slides/slide33.xml><?xml version="1.0" encoding="utf-8"?>
 <p:sld xmlns:a="http://schemas.openxmlformats.org/drawingml/2006/main" xmlns:r="http://schemas.openxmlformats.org/officeDocument/2006/relationships" xmlns:p="http://schemas.openxmlformats.org/presentationml/2006/main">
   <p:cSld>
     <p:spTree>
@@ -22216,7 +24352,7 @@
 </p:sld>
 </file>
 
-<file path=ppt/slides/slide29.xml><?xml version="1.0" encoding="utf-8"?>
+<file path=ppt/slides/slide34.xml><?xml version="1.0" encoding="utf-8"?>
 <p:sld xmlns:a="http://schemas.openxmlformats.org/drawingml/2006/main" xmlns:r="http://schemas.openxmlformats.org/officeDocument/2006/relationships" xmlns:p="http://schemas.openxmlformats.org/presentationml/2006/main">
   <p:cSld>
     <p:spTree>
@@ -22379,1198 +24515,7 @@
 </p:sld>
 </file>
 
-<file path=ppt/slides/slide3.xml><?xml version="1.0" encoding="utf-8"?>
-<p:sld xmlns:a="http://schemas.openxmlformats.org/drawingml/2006/main" xmlns:r="http://schemas.openxmlformats.org/officeDocument/2006/relationships" xmlns:p="http://schemas.openxmlformats.org/presentationml/2006/main">
-  <p:cSld>
-    <p:spTree>
-      <p:nvGrpSpPr>
-        <p:cNvPr id="1" name=""/>
-        <p:cNvGrpSpPr/>
-        <p:nvPr/>
-      </p:nvGrpSpPr>
-      <p:grpSpPr>
-        <a:xfrm>
-          <a:off x="0" y="0"/>
-          <a:ext cx="0" cy="0"/>
-          <a:chOff x="0" y="0"/>
-          <a:chExt cx="0" cy="0"/>
-        </a:xfrm>
-      </p:grpSpPr>
-      <p:sp>
-        <p:nvSpPr>
-          <p:cNvPr id="2" name="Subtitle 1"/>
-          <p:cNvSpPr>
-            <a:spLocks noGrp="1"/>
-          </p:cNvSpPr>
-          <p:nvPr>
-            <p:ph type="subTitle" idx="1"/>
-          </p:nvPr>
-        </p:nvSpPr>
-        <p:spPr>
-          <a:xfrm>
-            <a:off x="2566670" y="678817"/>
-            <a:ext cx="3819616" cy="409753"/>
-          </a:xfrm>
-        </p:spPr>
-        <p:txBody>
-          <a:bodyPr/>
-          <a:lstStyle/>
-          <a:p>
-            <a:r>
-              <a:rPr lang="en-US" sz="2400" b="1" dirty="0" smtClean="0">
-                <a:solidFill>
-                  <a:schemeClr val="accent1">
-                    <a:lumMod val="75000"/>
-                  </a:schemeClr>
-                </a:solidFill>
-              </a:rPr>
-              <a:t>ISO/IEC/JTC1/SC22/WG21</a:t>
-            </a:r>
-            <a:endParaRPr lang="en-US" sz="2400" b="1" dirty="0">
-              <a:solidFill>
-                <a:schemeClr val="accent1">
-                  <a:lumMod val="75000"/>
-                </a:schemeClr>
-              </a:solidFill>
-            </a:endParaRPr>
-          </a:p>
-        </p:txBody>
-      </p:sp>
-      <p:sp>
-        <p:nvSpPr>
-          <p:cNvPr id="7" name="Text Placeholder 6"/>
-          <p:cNvSpPr>
-            <a:spLocks noGrp="1"/>
-          </p:cNvSpPr>
-          <p:nvPr>
-            <p:ph sz="quarter" idx="10"/>
-          </p:nvPr>
-        </p:nvSpPr>
-        <p:spPr>
-          <a:xfrm>
-            <a:off x="227585" y="1447802"/>
-            <a:ext cx="2486587" cy="567507"/>
-          </a:xfrm>
-          <a:ln w="0">
-            <a:noFill/>
-          </a:ln>
-        </p:spPr>
-        <p:txBody>
-          <a:bodyPr/>
-          <a:lstStyle/>
-          <a:p>
-            <a:pPr algn="ctr"/>
-            <a:r>
-              <a:rPr lang="en-US" altLang="zh-CN" sz="1600" dirty="0"/>
-              <a:t>International Organization </a:t>
-            </a:r>
-            <a:endParaRPr lang="en-US" altLang="zh-CN" sz="1600" dirty="0" smtClean="0"/>
-          </a:p>
-          <a:p>
-            <a:pPr algn="ctr"/>
-            <a:r>
-              <a:rPr lang="en-US" altLang="zh-CN" sz="1600" dirty="0"/>
-              <a:t> </a:t>
-            </a:r>
-            <a:r>
-              <a:rPr lang="en-US" altLang="zh-CN" sz="1600" dirty="0" smtClean="0"/>
-              <a:t>for </a:t>
-            </a:r>
-            <a:r>
-              <a:rPr lang="en-US" altLang="zh-CN" sz="1600" dirty="0" smtClean="0"/>
-              <a:t>Standardization</a:t>
-            </a:r>
-            <a:endParaRPr lang="en-GB" sz="1600" dirty="0"/>
-          </a:p>
-        </p:txBody>
-      </p:sp>
-      <p:sp>
-        <p:nvSpPr>
-          <p:cNvPr id="6" name="Text Placeholder 6"/>
-          <p:cNvSpPr txBox="1">
-            <a:spLocks/>
-          </p:cNvSpPr>
-          <p:nvPr/>
-        </p:nvSpPr>
-        <p:spPr bwMode="black">
-          <a:xfrm>
-            <a:off x="1468555" y="2354946"/>
-            <a:ext cx="2486587" cy="567507"/>
-          </a:xfrm>
-          <a:prstGeom prst="rect">
-            <a:avLst/>
-          </a:prstGeom>
-          <a:ln w="3175">
-            <a:noFill/>
-          </a:ln>
-        </p:spPr>
-        <p:txBody>
-          <a:bodyPr vert="horz" wrap="square" lIns="0" tIns="0" rIns="0" bIns="0" rtlCol="0">
-            <a:noAutofit/>
-          </a:bodyPr>
-          <a:lstStyle>
-            <a:lvl1pPr marL="0" indent="0" algn="l" defTabSz="457200" rtl="0" eaLnBrk="1" latinLnBrk="0" hangingPunct="1">
-              <a:lnSpc>
-                <a:spcPct val="100000"/>
-              </a:lnSpc>
-              <a:spcBef>
-                <a:spcPts val="0"/>
-              </a:spcBef>
-              <a:spcAft>
-                <a:spcPts val="400"/>
-              </a:spcAft>
-              <a:buSzPct val="100000"/>
-              <a:buFont typeface="Arial"/>
-              <a:buNone/>
-              <a:defRPr sz="1800" b="1" i="0" kern="1200">
-                <a:solidFill>
-                  <a:schemeClr val="accent1"/>
-                </a:solidFill>
-                <a:latin typeface="HP Simplified" pitchFamily="34" charset="0"/>
-                <a:ea typeface="+mn-ea"/>
-                <a:cs typeface="HP Simplified" pitchFamily="34" charset="0"/>
-              </a:defRPr>
-            </a:lvl1pPr>
-            <a:lvl2pPr marL="0" indent="0" algn="l" defTabSz="430213" rtl="0" eaLnBrk="1" latinLnBrk="0" hangingPunct="1">
-              <a:lnSpc>
-                <a:spcPct val="100000"/>
-              </a:lnSpc>
-              <a:spcBef>
-                <a:spcPts val="0"/>
-              </a:spcBef>
-              <a:spcAft>
-                <a:spcPts val="400"/>
-              </a:spcAft>
-              <a:buSzPct val="100000"/>
-              <a:buFont typeface="Lucida Grande"/>
-              <a:buNone/>
-              <a:defRPr sz="1600" b="0" i="0" kern="1200">
-                <a:solidFill>
-                  <a:srgbClr val="000000"/>
-                </a:solidFill>
-                <a:latin typeface="HP Simplified" pitchFamily="34" charset="0"/>
-                <a:ea typeface="+mn-ea"/>
-                <a:cs typeface="HP Simplified" pitchFamily="34" charset="0"/>
-              </a:defRPr>
-            </a:lvl2pPr>
-            <a:lvl3pPr marL="169863" indent="-169863" algn="l" defTabSz="457200" rtl="0" eaLnBrk="1" latinLnBrk="0" hangingPunct="1">
-              <a:lnSpc>
-                <a:spcPct val="100000"/>
-              </a:lnSpc>
-              <a:spcBef>
-                <a:spcPts val="0"/>
-              </a:spcBef>
-              <a:spcAft>
-                <a:spcPts val="400"/>
-              </a:spcAft>
-              <a:buFont typeface="HP Simplified" pitchFamily="34" charset="0"/>
-              <a:buChar char="•"/>
-              <a:defRPr sz="1400" b="0" i="0" kern="1200">
-                <a:solidFill>
-                  <a:srgbClr val="000000"/>
-                </a:solidFill>
-                <a:latin typeface="HP Simplified" pitchFamily="34" charset="0"/>
-                <a:ea typeface="+mn-ea"/>
-                <a:cs typeface="HP Simplified" pitchFamily="34" charset="0"/>
-              </a:defRPr>
-            </a:lvl3pPr>
-            <a:lvl4pPr marL="341313" indent="-180975" algn="l" defTabSz="457200" rtl="0" eaLnBrk="1" latinLnBrk="0" hangingPunct="1">
-              <a:lnSpc>
-                <a:spcPct val="100000"/>
-              </a:lnSpc>
-              <a:spcBef>
-                <a:spcPts val="0"/>
-              </a:spcBef>
-              <a:spcAft>
-                <a:spcPts val="400"/>
-              </a:spcAft>
-              <a:buSzPct val="80000"/>
-              <a:buFont typeface="HP Simplified" pitchFamily="34" charset="0"/>
-              <a:buChar char="–"/>
-              <a:defRPr lang="en-US" sz="1400" b="0" i="0" kern="1200">
-                <a:solidFill>
-                  <a:srgbClr val="000000"/>
-                </a:solidFill>
-                <a:latin typeface="HP Simplified" pitchFamily="34" charset="0"/>
-                <a:ea typeface="+mn-ea"/>
-                <a:cs typeface="HP Simplified" pitchFamily="34" charset="0"/>
-              </a:defRPr>
-            </a:lvl4pPr>
-            <a:lvl5pPr marL="469900" indent="-150813" algn="l" defTabSz="457200" rtl="0" eaLnBrk="1" latinLnBrk="0" hangingPunct="1">
-              <a:lnSpc>
-                <a:spcPct val="100000"/>
-              </a:lnSpc>
-              <a:spcBef>
-                <a:spcPts val="0"/>
-              </a:spcBef>
-              <a:spcAft>
-                <a:spcPts val="400"/>
-              </a:spcAft>
-              <a:buFont typeface="HP Simplified" pitchFamily="34" charset="0"/>
-              <a:buChar char="•"/>
-              <a:tabLst/>
-              <a:defRPr sz="1400" b="0" i="0" kern="1200">
-                <a:solidFill>
-                  <a:srgbClr val="000000"/>
-                </a:solidFill>
-                <a:latin typeface="HP Simplified" pitchFamily="34" charset="0"/>
-                <a:ea typeface="+mn-ea"/>
-                <a:cs typeface="HP Simplified" pitchFamily="34" charset="0"/>
-              </a:defRPr>
-            </a:lvl5pPr>
-            <a:lvl6pPr marL="2286000" indent="0" algn="l" defTabSz="457200" rtl="0" eaLnBrk="1" latinLnBrk="0" hangingPunct="1">
-              <a:lnSpc>
-                <a:spcPts val="2500"/>
-              </a:lnSpc>
-              <a:spcBef>
-                <a:spcPct val="20000"/>
-              </a:spcBef>
-              <a:buFont typeface="Arial"/>
-              <a:buNone/>
-              <a:defRPr sz="1800" kern="1200">
-                <a:solidFill>
-                  <a:schemeClr val="tx1"/>
-                </a:solidFill>
-                <a:latin typeface="+mn-lt"/>
-                <a:ea typeface="+mn-ea"/>
-                <a:cs typeface="+mn-cs"/>
-              </a:defRPr>
-            </a:lvl6pPr>
-            <a:lvl7pPr marL="2971800" indent="-228600" algn="l" defTabSz="457200" rtl="0" eaLnBrk="1" latinLnBrk="0" hangingPunct="1">
-              <a:spcBef>
-                <a:spcPct val="20000"/>
-              </a:spcBef>
-              <a:buFont typeface="Arial"/>
-              <a:buChar char="•"/>
-              <a:defRPr sz="2000" kern="1200">
-                <a:solidFill>
-                  <a:schemeClr val="tx1"/>
-                </a:solidFill>
-                <a:latin typeface="+mn-lt"/>
-                <a:ea typeface="+mn-ea"/>
-                <a:cs typeface="+mn-cs"/>
-              </a:defRPr>
-            </a:lvl7pPr>
-            <a:lvl8pPr marL="3429000" indent="-228600" algn="l" defTabSz="457200" rtl="0" eaLnBrk="1" latinLnBrk="0" hangingPunct="1">
-              <a:spcBef>
-                <a:spcPct val="20000"/>
-              </a:spcBef>
-              <a:buFont typeface="Arial"/>
-              <a:buChar char="•"/>
-              <a:defRPr sz="2000" kern="1200">
-                <a:solidFill>
-                  <a:schemeClr val="tx1"/>
-                </a:solidFill>
-                <a:latin typeface="+mn-lt"/>
-                <a:ea typeface="+mn-ea"/>
-                <a:cs typeface="+mn-cs"/>
-              </a:defRPr>
-            </a:lvl8pPr>
-            <a:lvl9pPr marL="3886200" indent="-228600" algn="l" defTabSz="457200" rtl="0" eaLnBrk="1" latinLnBrk="0" hangingPunct="1">
-              <a:spcBef>
-                <a:spcPct val="20000"/>
-              </a:spcBef>
-              <a:buFont typeface="Arial"/>
-              <a:buChar char="•"/>
-              <a:defRPr sz="2000" kern="1200">
-                <a:solidFill>
-                  <a:schemeClr val="tx1"/>
-                </a:solidFill>
-                <a:latin typeface="+mn-lt"/>
-                <a:ea typeface="+mn-ea"/>
-                <a:cs typeface="+mn-cs"/>
-              </a:defRPr>
-            </a:lvl9pPr>
-          </a:lstStyle>
-          <a:p>
-            <a:pPr algn="ctr"/>
-            <a:r>
-              <a:rPr lang="en-US" altLang="zh-CN" sz="1600" dirty="0" smtClean="0"/>
-              <a:t> </a:t>
-            </a:r>
-            <a:r>
-              <a:rPr lang="en-US" altLang="zh-CN" sz="1600" dirty="0" smtClean="0"/>
-              <a:t>International </a:t>
-            </a:r>
-            <a:r>
-              <a:rPr lang="en-US" altLang="zh-CN" sz="1600" dirty="0" err="1"/>
-              <a:t>Electrotechnical</a:t>
-            </a:r>
-            <a:r>
-              <a:rPr lang="en-US" altLang="zh-CN" sz="1600" dirty="0"/>
-              <a:t> Commission</a:t>
-            </a:r>
-            <a:endParaRPr lang="en-GB" sz="1600" dirty="0"/>
-          </a:p>
-        </p:txBody>
-      </p:sp>
-      <p:sp>
-        <p:nvSpPr>
-          <p:cNvPr id="8" name="Text Placeholder 6"/>
-          <p:cNvSpPr txBox="1">
-            <a:spLocks/>
-          </p:cNvSpPr>
-          <p:nvPr/>
-        </p:nvSpPr>
-        <p:spPr bwMode="black">
-          <a:xfrm>
-            <a:off x="2711849" y="3271523"/>
-            <a:ext cx="2685141" cy="499289"/>
-          </a:xfrm>
-          <a:prstGeom prst="rect">
-            <a:avLst/>
-          </a:prstGeom>
-          <a:ln w="3175">
-            <a:noFill/>
-          </a:ln>
-        </p:spPr>
-        <p:txBody>
-          <a:bodyPr vert="horz" wrap="square" lIns="0" tIns="0" rIns="0" bIns="0" rtlCol="0">
-            <a:noAutofit/>
-          </a:bodyPr>
-          <a:lstStyle>
-            <a:lvl1pPr marL="0" indent="0" algn="l" defTabSz="457200" rtl="0" eaLnBrk="1" latinLnBrk="0" hangingPunct="1">
-              <a:lnSpc>
-                <a:spcPct val="100000"/>
-              </a:lnSpc>
-              <a:spcBef>
-                <a:spcPts val="0"/>
-              </a:spcBef>
-              <a:spcAft>
-                <a:spcPts val="400"/>
-              </a:spcAft>
-              <a:buSzPct val="100000"/>
-              <a:buFont typeface="Arial"/>
-              <a:buNone/>
-              <a:defRPr sz="1800" b="1" i="0" kern="1200">
-                <a:solidFill>
-                  <a:schemeClr val="accent1"/>
-                </a:solidFill>
-                <a:latin typeface="HP Simplified" pitchFamily="34" charset="0"/>
-                <a:ea typeface="+mn-ea"/>
-                <a:cs typeface="HP Simplified" pitchFamily="34" charset="0"/>
-              </a:defRPr>
-            </a:lvl1pPr>
-            <a:lvl2pPr marL="0" indent="0" algn="l" defTabSz="430213" rtl="0" eaLnBrk="1" latinLnBrk="0" hangingPunct="1">
-              <a:lnSpc>
-                <a:spcPct val="100000"/>
-              </a:lnSpc>
-              <a:spcBef>
-                <a:spcPts val="0"/>
-              </a:spcBef>
-              <a:spcAft>
-                <a:spcPts val="400"/>
-              </a:spcAft>
-              <a:buSzPct val="100000"/>
-              <a:buFont typeface="Lucida Grande"/>
-              <a:buNone/>
-              <a:defRPr sz="1600" b="0" i="0" kern="1200">
-                <a:solidFill>
-                  <a:srgbClr val="000000"/>
-                </a:solidFill>
-                <a:latin typeface="HP Simplified" pitchFamily="34" charset="0"/>
-                <a:ea typeface="+mn-ea"/>
-                <a:cs typeface="HP Simplified" pitchFamily="34" charset="0"/>
-              </a:defRPr>
-            </a:lvl2pPr>
-            <a:lvl3pPr marL="169863" indent="-169863" algn="l" defTabSz="457200" rtl="0" eaLnBrk="1" latinLnBrk="0" hangingPunct="1">
-              <a:lnSpc>
-                <a:spcPct val="100000"/>
-              </a:lnSpc>
-              <a:spcBef>
-                <a:spcPts val="0"/>
-              </a:spcBef>
-              <a:spcAft>
-                <a:spcPts val="400"/>
-              </a:spcAft>
-              <a:buFont typeface="HP Simplified" pitchFamily="34" charset="0"/>
-              <a:buChar char="•"/>
-              <a:defRPr sz="1400" b="0" i="0" kern="1200">
-                <a:solidFill>
-                  <a:srgbClr val="000000"/>
-                </a:solidFill>
-                <a:latin typeface="HP Simplified" pitchFamily="34" charset="0"/>
-                <a:ea typeface="+mn-ea"/>
-                <a:cs typeface="HP Simplified" pitchFamily="34" charset="0"/>
-              </a:defRPr>
-            </a:lvl3pPr>
-            <a:lvl4pPr marL="341313" indent="-180975" algn="l" defTabSz="457200" rtl="0" eaLnBrk="1" latinLnBrk="0" hangingPunct="1">
-              <a:lnSpc>
-                <a:spcPct val="100000"/>
-              </a:lnSpc>
-              <a:spcBef>
-                <a:spcPts val="0"/>
-              </a:spcBef>
-              <a:spcAft>
-                <a:spcPts val="400"/>
-              </a:spcAft>
-              <a:buSzPct val="80000"/>
-              <a:buFont typeface="HP Simplified" pitchFamily="34" charset="0"/>
-              <a:buChar char="–"/>
-              <a:defRPr lang="en-US" sz="1400" b="0" i="0" kern="1200">
-                <a:solidFill>
-                  <a:srgbClr val="000000"/>
-                </a:solidFill>
-                <a:latin typeface="HP Simplified" pitchFamily="34" charset="0"/>
-                <a:ea typeface="+mn-ea"/>
-                <a:cs typeface="HP Simplified" pitchFamily="34" charset="0"/>
-              </a:defRPr>
-            </a:lvl4pPr>
-            <a:lvl5pPr marL="469900" indent="-150813" algn="l" defTabSz="457200" rtl="0" eaLnBrk="1" latinLnBrk="0" hangingPunct="1">
-              <a:lnSpc>
-                <a:spcPct val="100000"/>
-              </a:lnSpc>
-              <a:spcBef>
-                <a:spcPts val="0"/>
-              </a:spcBef>
-              <a:spcAft>
-                <a:spcPts val="400"/>
-              </a:spcAft>
-              <a:buFont typeface="HP Simplified" pitchFamily="34" charset="0"/>
-              <a:buChar char="•"/>
-              <a:tabLst/>
-              <a:defRPr sz="1400" b="0" i="0" kern="1200">
-                <a:solidFill>
-                  <a:srgbClr val="000000"/>
-                </a:solidFill>
-                <a:latin typeface="HP Simplified" pitchFamily="34" charset="0"/>
-                <a:ea typeface="+mn-ea"/>
-                <a:cs typeface="HP Simplified" pitchFamily="34" charset="0"/>
-              </a:defRPr>
-            </a:lvl5pPr>
-            <a:lvl6pPr marL="2286000" indent="0" algn="l" defTabSz="457200" rtl="0" eaLnBrk="1" latinLnBrk="0" hangingPunct="1">
-              <a:lnSpc>
-                <a:spcPts val="2500"/>
-              </a:lnSpc>
-              <a:spcBef>
-                <a:spcPct val="20000"/>
-              </a:spcBef>
-              <a:buFont typeface="Arial"/>
-              <a:buNone/>
-              <a:defRPr sz="1800" kern="1200">
-                <a:solidFill>
-                  <a:schemeClr val="tx1"/>
-                </a:solidFill>
-                <a:latin typeface="+mn-lt"/>
-                <a:ea typeface="+mn-ea"/>
-                <a:cs typeface="+mn-cs"/>
-              </a:defRPr>
-            </a:lvl6pPr>
-            <a:lvl7pPr marL="2971800" indent="-228600" algn="l" defTabSz="457200" rtl="0" eaLnBrk="1" latinLnBrk="0" hangingPunct="1">
-              <a:spcBef>
-                <a:spcPct val="20000"/>
-              </a:spcBef>
-              <a:buFont typeface="Arial"/>
-              <a:buChar char="•"/>
-              <a:defRPr sz="2000" kern="1200">
-                <a:solidFill>
-                  <a:schemeClr val="tx1"/>
-                </a:solidFill>
-                <a:latin typeface="+mn-lt"/>
-                <a:ea typeface="+mn-ea"/>
-                <a:cs typeface="+mn-cs"/>
-              </a:defRPr>
-            </a:lvl7pPr>
-            <a:lvl8pPr marL="3429000" indent="-228600" algn="l" defTabSz="457200" rtl="0" eaLnBrk="1" latinLnBrk="0" hangingPunct="1">
-              <a:spcBef>
-                <a:spcPct val="20000"/>
-              </a:spcBef>
-              <a:buFont typeface="Arial"/>
-              <a:buChar char="•"/>
-              <a:defRPr sz="2000" kern="1200">
-                <a:solidFill>
-                  <a:schemeClr val="tx1"/>
-                </a:solidFill>
-                <a:latin typeface="+mn-lt"/>
-                <a:ea typeface="+mn-ea"/>
-                <a:cs typeface="+mn-cs"/>
-              </a:defRPr>
-            </a:lvl8pPr>
-            <a:lvl9pPr marL="3886200" indent="-228600" algn="l" defTabSz="457200" rtl="0" eaLnBrk="1" latinLnBrk="0" hangingPunct="1">
-              <a:spcBef>
-                <a:spcPct val="20000"/>
-              </a:spcBef>
-              <a:buFont typeface="Arial"/>
-              <a:buChar char="•"/>
-              <a:defRPr sz="2000" kern="1200">
-                <a:solidFill>
-                  <a:schemeClr val="tx1"/>
-                </a:solidFill>
-                <a:latin typeface="+mn-lt"/>
-                <a:ea typeface="+mn-ea"/>
-                <a:cs typeface="+mn-cs"/>
-              </a:defRPr>
-            </a:lvl9pPr>
-          </a:lstStyle>
-          <a:p>
-            <a:pPr algn="ctr"/>
-            <a:r>
-              <a:rPr lang="en-US" altLang="zh-CN" sz="1600" dirty="0" smtClean="0"/>
-              <a:t>Joint Technical Committee</a:t>
-            </a:r>
-            <a:endParaRPr lang="en-US" altLang="zh-CN" sz="1600" dirty="0"/>
-          </a:p>
-        </p:txBody>
-      </p:sp>
-      <p:sp>
-        <p:nvSpPr>
-          <p:cNvPr id="9" name="Text Placeholder 6"/>
-          <p:cNvSpPr txBox="1">
-            <a:spLocks/>
-          </p:cNvSpPr>
-          <p:nvPr/>
-        </p:nvSpPr>
-        <p:spPr bwMode="black">
-          <a:xfrm>
-            <a:off x="5660571" y="2783119"/>
-            <a:ext cx="3091543" cy="1031239"/>
-          </a:xfrm>
-          <a:prstGeom prst="rect">
-            <a:avLst/>
-          </a:prstGeom>
-          <a:ln w="3175">
-            <a:noFill/>
-          </a:ln>
-        </p:spPr>
-        <p:txBody>
-          <a:bodyPr vert="horz" wrap="square" lIns="0" tIns="0" rIns="0" bIns="0" rtlCol="0">
-            <a:noAutofit/>
-          </a:bodyPr>
-          <a:lstStyle>
-            <a:lvl1pPr marL="0" indent="0" algn="l" defTabSz="457200" rtl="0" eaLnBrk="1" latinLnBrk="0" hangingPunct="1">
-              <a:lnSpc>
-                <a:spcPct val="100000"/>
-              </a:lnSpc>
-              <a:spcBef>
-                <a:spcPts val="0"/>
-              </a:spcBef>
-              <a:spcAft>
-                <a:spcPts val="400"/>
-              </a:spcAft>
-              <a:buSzPct val="100000"/>
-              <a:buFont typeface="Arial"/>
-              <a:buNone/>
-              <a:defRPr sz="1800" b="1" i="0" kern="1200">
-                <a:solidFill>
-                  <a:schemeClr val="accent1"/>
-                </a:solidFill>
-                <a:latin typeface="HP Simplified" pitchFamily="34" charset="0"/>
-                <a:ea typeface="+mn-ea"/>
-                <a:cs typeface="HP Simplified" pitchFamily="34" charset="0"/>
-              </a:defRPr>
-            </a:lvl1pPr>
-            <a:lvl2pPr marL="0" indent="0" algn="l" defTabSz="430213" rtl="0" eaLnBrk="1" latinLnBrk="0" hangingPunct="1">
-              <a:lnSpc>
-                <a:spcPct val="100000"/>
-              </a:lnSpc>
-              <a:spcBef>
-                <a:spcPts val="0"/>
-              </a:spcBef>
-              <a:spcAft>
-                <a:spcPts val="400"/>
-              </a:spcAft>
-              <a:buSzPct val="100000"/>
-              <a:buFont typeface="Lucida Grande"/>
-              <a:buNone/>
-              <a:defRPr sz="1600" b="0" i="0" kern="1200">
-                <a:solidFill>
-                  <a:srgbClr val="000000"/>
-                </a:solidFill>
-                <a:latin typeface="HP Simplified" pitchFamily="34" charset="0"/>
-                <a:ea typeface="+mn-ea"/>
-                <a:cs typeface="HP Simplified" pitchFamily="34" charset="0"/>
-              </a:defRPr>
-            </a:lvl2pPr>
-            <a:lvl3pPr marL="169863" indent="-169863" algn="l" defTabSz="457200" rtl="0" eaLnBrk="1" latinLnBrk="0" hangingPunct="1">
-              <a:lnSpc>
-                <a:spcPct val="100000"/>
-              </a:lnSpc>
-              <a:spcBef>
-                <a:spcPts val="0"/>
-              </a:spcBef>
-              <a:spcAft>
-                <a:spcPts val="400"/>
-              </a:spcAft>
-              <a:buFont typeface="HP Simplified" pitchFamily="34" charset="0"/>
-              <a:buChar char="•"/>
-              <a:defRPr sz="1400" b="0" i="0" kern="1200">
-                <a:solidFill>
-                  <a:srgbClr val="000000"/>
-                </a:solidFill>
-                <a:latin typeface="HP Simplified" pitchFamily="34" charset="0"/>
-                <a:ea typeface="+mn-ea"/>
-                <a:cs typeface="HP Simplified" pitchFamily="34" charset="0"/>
-              </a:defRPr>
-            </a:lvl3pPr>
-            <a:lvl4pPr marL="341313" indent="-180975" algn="l" defTabSz="457200" rtl="0" eaLnBrk="1" latinLnBrk="0" hangingPunct="1">
-              <a:lnSpc>
-                <a:spcPct val="100000"/>
-              </a:lnSpc>
-              <a:spcBef>
-                <a:spcPts val="0"/>
-              </a:spcBef>
-              <a:spcAft>
-                <a:spcPts val="400"/>
-              </a:spcAft>
-              <a:buSzPct val="80000"/>
-              <a:buFont typeface="HP Simplified" pitchFamily="34" charset="0"/>
-              <a:buChar char="–"/>
-              <a:defRPr lang="en-US" sz="1400" b="0" i="0" kern="1200">
-                <a:solidFill>
-                  <a:srgbClr val="000000"/>
-                </a:solidFill>
-                <a:latin typeface="HP Simplified" pitchFamily="34" charset="0"/>
-                <a:ea typeface="+mn-ea"/>
-                <a:cs typeface="HP Simplified" pitchFamily="34" charset="0"/>
-              </a:defRPr>
-            </a:lvl4pPr>
-            <a:lvl5pPr marL="469900" indent="-150813" algn="l" defTabSz="457200" rtl="0" eaLnBrk="1" latinLnBrk="0" hangingPunct="1">
-              <a:lnSpc>
-                <a:spcPct val="100000"/>
-              </a:lnSpc>
-              <a:spcBef>
-                <a:spcPts val="0"/>
-              </a:spcBef>
-              <a:spcAft>
-                <a:spcPts val="400"/>
-              </a:spcAft>
-              <a:buFont typeface="HP Simplified" pitchFamily="34" charset="0"/>
-              <a:buChar char="•"/>
-              <a:tabLst/>
-              <a:defRPr sz="1400" b="0" i="0" kern="1200">
-                <a:solidFill>
-                  <a:srgbClr val="000000"/>
-                </a:solidFill>
-                <a:latin typeface="HP Simplified" pitchFamily="34" charset="0"/>
-                <a:ea typeface="+mn-ea"/>
-                <a:cs typeface="HP Simplified" pitchFamily="34" charset="0"/>
-              </a:defRPr>
-            </a:lvl5pPr>
-            <a:lvl6pPr marL="2286000" indent="0" algn="l" defTabSz="457200" rtl="0" eaLnBrk="1" latinLnBrk="0" hangingPunct="1">
-              <a:lnSpc>
-                <a:spcPts val="2500"/>
-              </a:lnSpc>
-              <a:spcBef>
-                <a:spcPct val="20000"/>
-              </a:spcBef>
-              <a:buFont typeface="Arial"/>
-              <a:buNone/>
-              <a:defRPr sz="1800" kern="1200">
-                <a:solidFill>
-                  <a:schemeClr val="tx1"/>
-                </a:solidFill>
-                <a:latin typeface="+mn-lt"/>
-                <a:ea typeface="+mn-ea"/>
-                <a:cs typeface="+mn-cs"/>
-              </a:defRPr>
-            </a:lvl6pPr>
-            <a:lvl7pPr marL="2971800" indent="-228600" algn="l" defTabSz="457200" rtl="0" eaLnBrk="1" latinLnBrk="0" hangingPunct="1">
-              <a:spcBef>
-                <a:spcPct val="20000"/>
-              </a:spcBef>
-              <a:buFont typeface="Arial"/>
-              <a:buChar char="•"/>
-              <a:defRPr sz="2000" kern="1200">
-                <a:solidFill>
-                  <a:schemeClr val="tx1"/>
-                </a:solidFill>
-                <a:latin typeface="+mn-lt"/>
-                <a:ea typeface="+mn-ea"/>
-                <a:cs typeface="+mn-cs"/>
-              </a:defRPr>
-            </a:lvl7pPr>
-            <a:lvl8pPr marL="3429000" indent="-228600" algn="l" defTabSz="457200" rtl="0" eaLnBrk="1" latinLnBrk="0" hangingPunct="1">
-              <a:spcBef>
-                <a:spcPct val="20000"/>
-              </a:spcBef>
-              <a:buFont typeface="Arial"/>
-              <a:buChar char="•"/>
-              <a:defRPr sz="2000" kern="1200">
-                <a:solidFill>
-                  <a:schemeClr val="tx1"/>
-                </a:solidFill>
-                <a:latin typeface="+mn-lt"/>
-                <a:ea typeface="+mn-ea"/>
-                <a:cs typeface="+mn-cs"/>
-              </a:defRPr>
-            </a:lvl8pPr>
-            <a:lvl9pPr marL="3886200" indent="-228600" algn="l" defTabSz="457200" rtl="0" eaLnBrk="1" latinLnBrk="0" hangingPunct="1">
-              <a:spcBef>
-                <a:spcPct val="20000"/>
-              </a:spcBef>
-              <a:buFont typeface="Arial"/>
-              <a:buChar char="•"/>
-              <a:defRPr sz="2000" kern="1200">
-                <a:solidFill>
-                  <a:schemeClr val="tx1"/>
-                </a:solidFill>
-                <a:latin typeface="+mn-lt"/>
-                <a:ea typeface="+mn-ea"/>
-                <a:cs typeface="+mn-cs"/>
-              </a:defRPr>
-            </a:lvl9pPr>
-          </a:lstStyle>
-          <a:p>
-            <a:pPr algn="ctr"/>
-            <a:r>
-              <a:rPr lang="en-US" altLang="zh-CN" sz="1500" dirty="0" smtClean="0"/>
-              <a:t>International </a:t>
-            </a:r>
-            <a:r>
-              <a:rPr lang="en-US" altLang="zh-CN" sz="1500" dirty="0"/>
-              <a:t>standardization subcommittee for programming languages, their environments and system software </a:t>
-            </a:r>
-            <a:r>
-              <a:rPr lang="en-US" altLang="zh-CN" sz="1500" dirty="0" smtClean="0"/>
-              <a:t>interfaces</a:t>
-            </a:r>
-          </a:p>
-          <a:p>
-            <a:pPr algn="ctr"/>
-            <a:r>
-              <a:rPr lang="en-US" sz="1500" dirty="0" smtClean="0"/>
-              <a:t>SubCommittee22</a:t>
-            </a:r>
-            <a:endParaRPr lang="en-GB" sz="1500" dirty="0"/>
-          </a:p>
-        </p:txBody>
-      </p:sp>
-      <p:sp>
-        <p:nvSpPr>
-          <p:cNvPr id="10" name="Text Placeholder 6"/>
-          <p:cNvSpPr txBox="1">
-            <a:spLocks/>
-          </p:cNvSpPr>
-          <p:nvPr/>
-        </p:nvSpPr>
-        <p:spPr bwMode="black">
-          <a:xfrm>
-            <a:off x="6350001" y="1378678"/>
-            <a:ext cx="2677886" cy="642618"/>
-          </a:xfrm>
-          <a:prstGeom prst="rect">
-            <a:avLst/>
-          </a:prstGeom>
-          <a:ln w="3175">
-            <a:noFill/>
-          </a:ln>
-        </p:spPr>
-        <p:txBody>
-          <a:bodyPr vert="horz" wrap="square" lIns="0" tIns="0" rIns="0" bIns="0" rtlCol="0">
-            <a:noAutofit/>
-          </a:bodyPr>
-          <a:lstStyle>
-            <a:lvl1pPr marL="0" indent="0" algn="l" defTabSz="457200" rtl="0" eaLnBrk="1" latinLnBrk="0" hangingPunct="1">
-              <a:lnSpc>
-                <a:spcPct val="100000"/>
-              </a:lnSpc>
-              <a:spcBef>
-                <a:spcPts val="0"/>
-              </a:spcBef>
-              <a:spcAft>
-                <a:spcPts val="400"/>
-              </a:spcAft>
-              <a:buSzPct val="100000"/>
-              <a:buFont typeface="Arial"/>
-              <a:buNone/>
-              <a:defRPr sz="1800" b="1" i="0" kern="1200">
-                <a:solidFill>
-                  <a:schemeClr val="accent1"/>
-                </a:solidFill>
-                <a:latin typeface="HP Simplified" pitchFamily="34" charset="0"/>
-                <a:ea typeface="+mn-ea"/>
-                <a:cs typeface="HP Simplified" pitchFamily="34" charset="0"/>
-              </a:defRPr>
-            </a:lvl1pPr>
-            <a:lvl2pPr marL="0" indent="0" algn="l" defTabSz="430213" rtl="0" eaLnBrk="1" latinLnBrk="0" hangingPunct="1">
-              <a:lnSpc>
-                <a:spcPct val="100000"/>
-              </a:lnSpc>
-              <a:spcBef>
-                <a:spcPts val="0"/>
-              </a:spcBef>
-              <a:spcAft>
-                <a:spcPts val="400"/>
-              </a:spcAft>
-              <a:buSzPct val="100000"/>
-              <a:buFont typeface="Lucida Grande"/>
-              <a:buNone/>
-              <a:defRPr sz="1600" b="0" i="0" kern="1200">
-                <a:solidFill>
-                  <a:srgbClr val="000000"/>
-                </a:solidFill>
-                <a:latin typeface="HP Simplified" pitchFamily="34" charset="0"/>
-                <a:ea typeface="+mn-ea"/>
-                <a:cs typeface="HP Simplified" pitchFamily="34" charset="0"/>
-              </a:defRPr>
-            </a:lvl2pPr>
-            <a:lvl3pPr marL="169863" indent="-169863" algn="l" defTabSz="457200" rtl="0" eaLnBrk="1" latinLnBrk="0" hangingPunct="1">
-              <a:lnSpc>
-                <a:spcPct val="100000"/>
-              </a:lnSpc>
-              <a:spcBef>
-                <a:spcPts val="0"/>
-              </a:spcBef>
-              <a:spcAft>
-                <a:spcPts val="400"/>
-              </a:spcAft>
-              <a:buFont typeface="HP Simplified" pitchFamily="34" charset="0"/>
-              <a:buChar char="•"/>
-              <a:defRPr sz="1400" b="0" i="0" kern="1200">
-                <a:solidFill>
-                  <a:srgbClr val="000000"/>
-                </a:solidFill>
-                <a:latin typeface="HP Simplified" pitchFamily="34" charset="0"/>
-                <a:ea typeface="+mn-ea"/>
-                <a:cs typeface="HP Simplified" pitchFamily="34" charset="0"/>
-              </a:defRPr>
-            </a:lvl3pPr>
-            <a:lvl4pPr marL="341313" indent="-180975" algn="l" defTabSz="457200" rtl="0" eaLnBrk="1" latinLnBrk="0" hangingPunct="1">
-              <a:lnSpc>
-                <a:spcPct val="100000"/>
-              </a:lnSpc>
-              <a:spcBef>
-                <a:spcPts val="0"/>
-              </a:spcBef>
-              <a:spcAft>
-                <a:spcPts val="400"/>
-              </a:spcAft>
-              <a:buSzPct val="80000"/>
-              <a:buFont typeface="HP Simplified" pitchFamily="34" charset="0"/>
-              <a:buChar char="–"/>
-              <a:defRPr lang="en-US" sz="1400" b="0" i="0" kern="1200">
-                <a:solidFill>
-                  <a:srgbClr val="000000"/>
-                </a:solidFill>
-                <a:latin typeface="HP Simplified" pitchFamily="34" charset="0"/>
-                <a:ea typeface="+mn-ea"/>
-                <a:cs typeface="HP Simplified" pitchFamily="34" charset="0"/>
-              </a:defRPr>
-            </a:lvl4pPr>
-            <a:lvl5pPr marL="469900" indent="-150813" algn="l" defTabSz="457200" rtl="0" eaLnBrk="1" latinLnBrk="0" hangingPunct="1">
-              <a:lnSpc>
-                <a:spcPct val="100000"/>
-              </a:lnSpc>
-              <a:spcBef>
-                <a:spcPts val="0"/>
-              </a:spcBef>
-              <a:spcAft>
-                <a:spcPts val="400"/>
-              </a:spcAft>
-              <a:buFont typeface="HP Simplified" pitchFamily="34" charset="0"/>
-              <a:buChar char="•"/>
-              <a:tabLst/>
-              <a:defRPr sz="1400" b="0" i="0" kern="1200">
-                <a:solidFill>
-                  <a:srgbClr val="000000"/>
-                </a:solidFill>
-                <a:latin typeface="HP Simplified" pitchFamily="34" charset="0"/>
-                <a:ea typeface="+mn-ea"/>
-                <a:cs typeface="HP Simplified" pitchFamily="34" charset="0"/>
-              </a:defRPr>
-            </a:lvl5pPr>
-            <a:lvl6pPr marL="2286000" indent="0" algn="l" defTabSz="457200" rtl="0" eaLnBrk="1" latinLnBrk="0" hangingPunct="1">
-              <a:lnSpc>
-                <a:spcPts val="2500"/>
-              </a:lnSpc>
-              <a:spcBef>
-                <a:spcPct val="20000"/>
-              </a:spcBef>
-              <a:buFont typeface="Arial"/>
-              <a:buNone/>
-              <a:defRPr sz="1800" kern="1200">
-                <a:solidFill>
-                  <a:schemeClr val="tx1"/>
-                </a:solidFill>
-                <a:latin typeface="+mn-lt"/>
-                <a:ea typeface="+mn-ea"/>
-                <a:cs typeface="+mn-cs"/>
-              </a:defRPr>
-            </a:lvl6pPr>
-            <a:lvl7pPr marL="2971800" indent="-228600" algn="l" defTabSz="457200" rtl="0" eaLnBrk="1" latinLnBrk="0" hangingPunct="1">
-              <a:spcBef>
-                <a:spcPct val="20000"/>
-              </a:spcBef>
-              <a:buFont typeface="Arial"/>
-              <a:buChar char="•"/>
-              <a:defRPr sz="2000" kern="1200">
-                <a:solidFill>
-                  <a:schemeClr val="tx1"/>
-                </a:solidFill>
-                <a:latin typeface="+mn-lt"/>
-                <a:ea typeface="+mn-ea"/>
-                <a:cs typeface="+mn-cs"/>
-              </a:defRPr>
-            </a:lvl7pPr>
-            <a:lvl8pPr marL="3429000" indent="-228600" algn="l" defTabSz="457200" rtl="0" eaLnBrk="1" latinLnBrk="0" hangingPunct="1">
-              <a:spcBef>
-                <a:spcPct val="20000"/>
-              </a:spcBef>
-              <a:buFont typeface="Arial"/>
-              <a:buChar char="•"/>
-              <a:defRPr sz="2000" kern="1200">
-                <a:solidFill>
-                  <a:schemeClr val="tx1"/>
-                </a:solidFill>
-                <a:latin typeface="+mn-lt"/>
-                <a:ea typeface="+mn-ea"/>
-                <a:cs typeface="+mn-cs"/>
-              </a:defRPr>
-            </a:lvl8pPr>
-            <a:lvl9pPr marL="3886200" indent="-228600" algn="l" defTabSz="457200" rtl="0" eaLnBrk="1" latinLnBrk="0" hangingPunct="1">
-              <a:spcBef>
-                <a:spcPct val="20000"/>
-              </a:spcBef>
-              <a:buFont typeface="Arial"/>
-              <a:buChar char="•"/>
-              <a:defRPr sz="2000" kern="1200">
-                <a:solidFill>
-                  <a:schemeClr val="tx1"/>
-                </a:solidFill>
-                <a:latin typeface="+mn-lt"/>
-                <a:ea typeface="+mn-ea"/>
-                <a:cs typeface="+mn-cs"/>
-              </a:defRPr>
-            </a:lvl9pPr>
-          </a:lstStyle>
-          <a:p>
-            <a:pPr algn="ctr"/>
-            <a:r>
-              <a:rPr lang="en-US" altLang="zh-CN" sz="1600" dirty="0"/>
-              <a:t>The C++ Standards </a:t>
-            </a:r>
-            <a:r>
-              <a:rPr lang="en-US" altLang="zh-CN" sz="1600" dirty="0" smtClean="0"/>
-              <a:t>Committee</a:t>
-            </a:r>
-          </a:p>
-          <a:p>
-            <a:pPr algn="ctr"/>
-            <a:r>
-              <a:rPr lang="en-US" altLang="zh-CN" sz="1600" dirty="0" smtClean="0"/>
-              <a:t>Working Group 21</a:t>
-            </a:r>
-            <a:endParaRPr lang="en-US" altLang="zh-CN" sz="1600" dirty="0"/>
-          </a:p>
-        </p:txBody>
-      </p:sp>
-      <p:cxnSp>
-        <p:nvCxnSpPr>
-          <p:cNvPr id="11" name="Straight Arrow Connector 10"/>
-          <p:cNvCxnSpPr>
-            <a:stCxn id="7" idx="0"/>
-            <a:endCxn id="2" idx="1"/>
-          </p:cNvCxnSpPr>
-          <p:nvPr/>
-        </p:nvCxnSpPr>
-        <p:spPr>
-          <a:xfrm flipV="1">
-            <a:off x="1470879" y="883694"/>
-            <a:ext cx="1095791" cy="564108"/>
-          </a:xfrm>
-          <a:prstGeom prst="straightConnector1">
-            <a:avLst/>
-          </a:prstGeom>
-          <a:ln w="12700" cmpd="sng">
-            <a:solidFill>
-              <a:schemeClr val="tx1"/>
-            </a:solidFill>
-            <a:tailEnd type="arrow"/>
-          </a:ln>
-          <a:effectLst/>
-        </p:spPr>
-        <p:style>
-          <a:lnRef idx="2">
-            <a:schemeClr val="accent1"/>
-          </a:lnRef>
-          <a:fillRef idx="0">
-            <a:schemeClr val="accent1"/>
-          </a:fillRef>
-          <a:effectRef idx="1">
-            <a:schemeClr val="accent1"/>
-          </a:effectRef>
-          <a:fontRef idx="minor">
-            <a:schemeClr val="tx1"/>
-          </a:fontRef>
-        </p:style>
-      </p:cxnSp>
-      <p:cxnSp>
-        <p:nvCxnSpPr>
-          <p:cNvPr id="13" name="Straight Arrow Connector 12"/>
-          <p:cNvCxnSpPr>
-            <a:stCxn id="6" idx="0"/>
-          </p:cNvCxnSpPr>
-          <p:nvPr/>
-        </p:nvCxnSpPr>
-        <p:spPr>
-          <a:xfrm flipV="1">
-            <a:off x="2711849" y="1045029"/>
-            <a:ext cx="742551" cy="1309917"/>
-          </a:xfrm>
-          <a:prstGeom prst="straightConnector1">
-            <a:avLst/>
-          </a:prstGeom>
-          <a:ln w="12700" cmpd="sng">
-            <a:solidFill>
-              <a:schemeClr val="tx1"/>
-            </a:solidFill>
-            <a:tailEnd type="arrow"/>
-          </a:ln>
-          <a:effectLst/>
-        </p:spPr>
-        <p:style>
-          <a:lnRef idx="2">
-            <a:schemeClr val="accent1"/>
-          </a:lnRef>
-          <a:fillRef idx="0">
-            <a:schemeClr val="accent1"/>
-          </a:fillRef>
-          <a:effectRef idx="1">
-            <a:schemeClr val="accent1"/>
-          </a:effectRef>
-          <a:fontRef idx="minor">
-            <a:schemeClr val="tx1"/>
-          </a:fontRef>
-        </p:style>
-      </p:cxnSp>
-      <p:cxnSp>
-        <p:nvCxnSpPr>
-          <p:cNvPr id="15" name="Straight Arrow Connector 14"/>
-          <p:cNvCxnSpPr>
-            <a:stCxn id="8" idx="0"/>
-          </p:cNvCxnSpPr>
-          <p:nvPr/>
-        </p:nvCxnSpPr>
-        <p:spPr>
-          <a:xfrm flipH="1" flipV="1">
-            <a:off x="4054419" y="1045028"/>
-            <a:ext cx="1" cy="2226495"/>
-          </a:xfrm>
-          <a:prstGeom prst="straightConnector1">
-            <a:avLst/>
-          </a:prstGeom>
-          <a:ln w="12700" cmpd="sng">
-            <a:solidFill>
-              <a:schemeClr val="tx1"/>
-            </a:solidFill>
-            <a:tailEnd type="arrow"/>
-          </a:ln>
-          <a:effectLst/>
-        </p:spPr>
-        <p:style>
-          <a:lnRef idx="2">
-            <a:schemeClr val="accent1"/>
-          </a:lnRef>
-          <a:fillRef idx="0">
-            <a:schemeClr val="accent1"/>
-          </a:fillRef>
-          <a:effectRef idx="1">
-            <a:schemeClr val="accent1"/>
-          </a:effectRef>
-          <a:fontRef idx="minor">
-            <a:schemeClr val="tx1"/>
-          </a:fontRef>
-        </p:style>
-      </p:cxnSp>
-      <p:cxnSp>
-        <p:nvCxnSpPr>
-          <p:cNvPr id="17" name="Straight Arrow Connector 16"/>
-          <p:cNvCxnSpPr>
-            <a:stCxn id="9" idx="0"/>
-          </p:cNvCxnSpPr>
-          <p:nvPr/>
-        </p:nvCxnSpPr>
-        <p:spPr>
-          <a:xfrm flipH="1" flipV="1">
-            <a:off x="4963886" y="1045029"/>
-            <a:ext cx="2242457" cy="1738090"/>
-          </a:xfrm>
-          <a:prstGeom prst="straightConnector1">
-            <a:avLst/>
-          </a:prstGeom>
-          <a:ln w="12700" cmpd="sng">
-            <a:solidFill>
-              <a:schemeClr val="tx1"/>
-            </a:solidFill>
-            <a:tailEnd type="arrow"/>
-          </a:ln>
-          <a:effectLst/>
-        </p:spPr>
-        <p:style>
-          <a:lnRef idx="2">
-            <a:schemeClr val="accent1"/>
-          </a:lnRef>
-          <a:fillRef idx="0">
-            <a:schemeClr val="accent1"/>
-          </a:fillRef>
-          <a:effectRef idx="1">
-            <a:schemeClr val="accent1"/>
-          </a:effectRef>
-          <a:fontRef idx="minor">
-            <a:schemeClr val="tx1"/>
-          </a:fontRef>
-        </p:style>
-      </p:cxnSp>
-      <p:cxnSp>
-        <p:nvCxnSpPr>
-          <p:cNvPr id="19" name="Straight Arrow Connector 18"/>
-          <p:cNvCxnSpPr>
-            <a:stCxn id="10" idx="0"/>
-          </p:cNvCxnSpPr>
-          <p:nvPr/>
-        </p:nvCxnSpPr>
-        <p:spPr>
-          <a:xfrm flipH="1" flipV="1">
-            <a:off x="6085114" y="883694"/>
-            <a:ext cx="1603830" cy="494984"/>
-          </a:xfrm>
-          <a:prstGeom prst="straightConnector1">
-            <a:avLst/>
-          </a:prstGeom>
-          <a:ln w="12700" cmpd="sng">
-            <a:solidFill>
-              <a:schemeClr val="tx1"/>
-            </a:solidFill>
-            <a:tailEnd type="arrow"/>
-          </a:ln>
-          <a:effectLst/>
-        </p:spPr>
-        <p:style>
-          <a:lnRef idx="2">
-            <a:schemeClr val="accent1"/>
-          </a:lnRef>
-          <a:fillRef idx="0">
-            <a:schemeClr val="accent1"/>
-          </a:fillRef>
-          <a:effectRef idx="1">
-            <a:schemeClr val="accent1"/>
-          </a:effectRef>
-          <a:fontRef idx="minor">
-            <a:schemeClr val="tx1"/>
-          </a:fontRef>
-        </p:style>
-      </p:cxnSp>
-    </p:spTree>
-    <p:extLst>
-      <p:ext uri="{BB962C8B-B14F-4D97-AF65-F5344CB8AC3E}">
-        <p14:creationId xmlns:p14="http://schemas.microsoft.com/office/powerpoint/2010/main" val="3309934885"/>
-      </p:ext>
-    </p:extLst>
-  </p:cSld>
-  <p:clrMapOvr>
-    <a:masterClrMapping/>
-  </p:clrMapOvr>
-  <p:timing>
-    <p:tnLst>
-      <p:par>
-        <p:cTn id="1" dur="indefinite" restart="never" nodeType="tmRoot"/>
-      </p:par>
-    </p:tnLst>
-  </p:timing>
-</p:sld>
-</file>
-
-<file path=ppt/slides/slide30.xml><?xml version="1.0" encoding="utf-8"?>
+<file path=ppt/slides/slide35.xml><?xml version="1.0" encoding="utf-8"?>
 <p:sld xmlns:a="http://schemas.openxmlformats.org/drawingml/2006/main" xmlns:r="http://schemas.openxmlformats.org/officeDocument/2006/relationships" xmlns:p="http://schemas.openxmlformats.org/presentationml/2006/main">
   <p:cSld>
     <p:spTree>
@@ -23889,7 +24834,6 @@
               <a:rPr lang="en-US" sz="1800" dirty="0" smtClean="0"/>
               <a:t>2008 C++0x Committee Draft SC22 Balloting</a:t>
             </a:r>
-            <a:endParaRPr lang="en-US" sz="1800" dirty="0" smtClean="0"/>
           </a:p>
           <a:p>
             <a:pPr lvl="2"/>
@@ -24138,8 +25082,8 @@
         </p:nvSpPr>
         <p:spPr>
           <a:xfrm>
-            <a:off x="2830286" y="2194493"/>
-            <a:ext cx="3976913" cy="708363"/>
+            <a:off x="331470" y="235064"/>
+            <a:ext cx="6185444" cy="430887"/>
           </a:xfrm>
         </p:spPr>
         <p:txBody>
@@ -24147,17 +25091,140 @@
           <a:lstStyle/>
           <a:p>
             <a:r>
-              <a:rPr lang="en-GB" sz="3600" dirty="0" smtClean="0"/>
-              <a:t>After C++11……</a:t>
-            </a:r>
-            <a:endParaRPr lang="en-GB" sz="3600" dirty="0"/>
+              <a:rPr lang="en-US" altLang="zh-CN" dirty="0" smtClean="0"/>
+              <a:t>Development Directives for C++11</a:t>
+            </a:r>
+            <a:endParaRPr lang="en-US" altLang="zh-CN" dirty="0"/>
+          </a:p>
+        </p:txBody>
+      </p:sp>
+      <p:sp>
+        <p:nvSpPr>
+          <p:cNvPr id="7" name="Text Placeholder 6"/>
+          <p:cNvSpPr>
+            <a:spLocks noGrp="1"/>
+          </p:cNvSpPr>
+          <p:nvPr>
+            <p:ph sz="quarter" idx="10"/>
+          </p:nvPr>
+        </p:nvSpPr>
+        <p:spPr>
+          <a:xfrm>
+            <a:off x="329184" y="754743"/>
+            <a:ext cx="8117904" cy="3653745"/>
+          </a:xfrm>
+        </p:spPr>
+        <p:txBody>
+          <a:bodyPr/>
+          <a:lstStyle/>
+          <a:p>
+            <a:endParaRPr lang="en-GB" dirty="0"/>
+          </a:p>
+          <a:p>
+            <a:pPr lvl="2"/>
+            <a:r>
+              <a:rPr lang="en-US" sz="1600" dirty="0"/>
+              <a:t>Maintain stability and compatibility </a:t>
+            </a:r>
+            <a:r>
+              <a:rPr lang="en-US" sz="1600" dirty="0"/>
+              <a:t>with C</a:t>
+            </a:r>
+            <a:r>
+              <a:rPr lang="en-US" sz="1600" dirty="0" smtClean="0"/>
+              <a:t>++98  </a:t>
+            </a:r>
+            <a:r>
+              <a:rPr lang="en-US" sz="1600" dirty="0"/>
+              <a:t>and possibly with </a:t>
+            </a:r>
+            <a:r>
+              <a:rPr lang="en-US" sz="1600" dirty="0" smtClean="0"/>
+              <a:t>C</a:t>
+            </a:r>
+          </a:p>
+          <a:p>
+            <a:pPr lvl="2"/>
+            <a:r>
+              <a:rPr lang="en-US" sz="1600" dirty="0"/>
+              <a:t>Prefer introduction of new features through the standard library, rather than extending the core </a:t>
+            </a:r>
+            <a:r>
+              <a:rPr lang="en-US" sz="1600" dirty="0" smtClean="0"/>
+              <a:t>language</a:t>
+            </a:r>
+          </a:p>
+          <a:p>
+            <a:pPr lvl="2"/>
+            <a:r>
+              <a:rPr lang="en-US" sz="1600" dirty="0"/>
+              <a:t>Prefer changes that can evolve programming technique</a:t>
+            </a:r>
+            <a:endParaRPr lang="en-US" sz="1600" dirty="0" smtClean="0"/>
+          </a:p>
+          <a:p>
+            <a:pPr lvl="2"/>
+            <a:r>
+              <a:rPr lang="en-US" sz="1600" dirty="0"/>
+              <a:t>Improve C++ to facilitate systems and library design, rather than to introduce new features useful only to specific applications</a:t>
+            </a:r>
+            <a:endParaRPr lang="en-US" altLang="zh-CN" sz="1600" dirty="0" smtClean="0"/>
+          </a:p>
+          <a:p>
+            <a:pPr lvl="2"/>
+            <a:r>
+              <a:rPr lang="en-US" sz="1600" dirty="0"/>
+              <a:t>Increase type safety by providing safer alternatives to earlier unsafe techniques</a:t>
+            </a:r>
+            <a:endParaRPr lang="en-US" altLang="zh-CN" sz="1600" dirty="0" smtClean="0"/>
+          </a:p>
+          <a:p>
+            <a:pPr lvl="2"/>
+            <a:r>
+              <a:rPr lang="en-US" sz="1600" dirty="0"/>
+              <a:t>Increase performance and the ability to work directly with </a:t>
+            </a:r>
+            <a:r>
+              <a:rPr lang="en-US" sz="1600" dirty="0" smtClean="0"/>
+              <a:t>hardware</a:t>
+            </a:r>
+          </a:p>
+          <a:p>
+            <a:pPr lvl="2"/>
+            <a:r>
+              <a:rPr lang="en-US" sz="1600" dirty="0"/>
+              <a:t>Provide proper solutions for real-world </a:t>
+            </a:r>
+            <a:r>
+              <a:rPr lang="en-US" sz="1600" dirty="0" smtClean="0"/>
+              <a:t>problems</a:t>
+            </a:r>
+          </a:p>
+          <a:p>
+            <a:pPr lvl="2"/>
+            <a:r>
+              <a:rPr lang="en-US" sz="1600" dirty="0"/>
+              <a:t>Implement “zero-overhead” principle (additional support required by some utilities must be used only if the utility is used</a:t>
+            </a:r>
+            <a:r>
+              <a:rPr lang="en-US" sz="1600" dirty="0" smtClean="0"/>
+              <a:t>)</a:t>
+            </a:r>
+          </a:p>
+          <a:p>
+            <a:pPr lvl="2"/>
+            <a:r>
+              <a:rPr lang="en-US" sz="1600" dirty="0"/>
+              <a:t>Make C++ easy to teach and to learn without removing any utility needed by expert programmers</a:t>
+            </a:r>
+            <a:endParaRPr lang="en-US" sz="1600" dirty="0" smtClean="0"/>
           </a:p>
         </p:txBody>
       </p:sp>
     </p:spTree>
     <p:extLst>
       <p:ext uri="{BB962C8B-B14F-4D97-AF65-F5344CB8AC3E}">
-        <p14:creationId xmlns:p14="http://schemas.microsoft.com/office/powerpoint/2010/main" val="2495056151"/>
+        <p14:creationId xmlns:p14="http://schemas.microsoft.com/office/powerpoint/2010/main" val="501794704"/>
       </p:ext>
     </p:extLst>
   </p:cSld>
@@ -24193,7 +25260,7 @@
       </p:grpSpPr>
       <p:sp>
         <p:nvSpPr>
-          <p:cNvPr id="4" name="Title 3"/>
+          <p:cNvPr id="3" name="Title 2"/>
           <p:cNvSpPr>
             <a:spLocks noGrp="1"/>
           </p:cNvSpPr>
@@ -24201,26 +25268,22 @@
             <p:ph type="title"/>
           </p:nvPr>
         </p:nvSpPr>
-        <p:spPr>
-          <a:xfrm>
-            <a:off x="331470" y="235064"/>
-            <a:ext cx="5401673" cy="430887"/>
-          </a:xfrm>
-        </p:spPr>
+        <p:spPr/>
         <p:txBody>
           <a:bodyPr/>
           <a:lstStyle/>
           <a:p>
             <a:r>
-              <a:rPr lang="en-US" altLang="zh-CN" dirty="0"/>
-              <a:t>C++ Standard meeting Feb 2012</a:t>
-            </a:r>
+              <a:rPr lang="en-US" dirty="0" smtClean="0"/>
+              <a:t>C++11 Changes</a:t>
+            </a:r>
+            <a:endParaRPr lang="en-US" dirty="0"/>
           </a:p>
         </p:txBody>
       </p:sp>
       <p:sp>
         <p:nvSpPr>
-          <p:cNvPr id="7" name="Text Placeholder 6"/>
+          <p:cNvPr id="4" name="Content Placeholder 3"/>
           <p:cNvSpPr>
             <a:spLocks noGrp="1"/>
           </p:cNvSpPr>
@@ -24228,100 +25291,66 @@
             <p:ph sz="quarter" idx="10"/>
           </p:nvPr>
         </p:nvSpPr>
-        <p:spPr>
-          <a:xfrm>
-            <a:off x="329184" y="754743"/>
-            <a:ext cx="8117904" cy="3653745"/>
-          </a:xfrm>
-        </p:spPr>
+        <p:spPr/>
         <p:txBody>
           <a:bodyPr/>
           <a:lstStyle/>
           <a:p>
-            <a:endParaRPr lang="en-GB" dirty="0"/>
-          </a:p>
-          <a:p>
-            <a:pPr lvl="2"/>
-            <a:r>
-              <a:rPr lang="en-US" altLang="zh-CN" sz="1600" dirty="0" smtClean="0"/>
-              <a:t>The </a:t>
-            </a:r>
-            <a:r>
-              <a:rPr lang="en-US" altLang="zh-CN" sz="1600" dirty="0"/>
-              <a:t>first meeting since the ratification of C++11</a:t>
-            </a:r>
-          </a:p>
-          <a:p>
-            <a:pPr lvl="2"/>
-            <a:r>
-              <a:rPr lang="en-US" altLang="zh-CN" sz="1600" dirty="0" smtClean="0"/>
-              <a:t>No </a:t>
-            </a:r>
-            <a:r>
-              <a:rPr lang="en-US" altLang="zh-CN" sz="1600" dirty="0"/>
-              <a:t>new Standard before 2017, with a 2022 follow-on standard, every five years</a:t>
-            </a:r>
-          </a:p>
-          <a:p>
-            <a:pPr lvl="2"/>
-            <a:r>
-              <a:rPr lang="en-US" sz="1600" dirty="0" smtClean="0"/>
-              <a:t>Discuss public Open Source Library – Portable C++ Library</a:t>
-            </a:r>
-          </a:p>
-          <a:p>
-            <a:pPr lvl="2"/>
-            <a:r>
-              <a:rPr lang="en-US" altLang="zh-CN" sz="1600" dirty="0" smtClean="0"/>
-              <a:t>Processes over 120 defects, discuss some issues</a:t>
-            </a:r>
-          </a:p>
-          <a:p>
-            <a:pPr lvl="2"/>
-            <a:r>
-              <a:rPr lang="en-US" altLang="zh-CN" sz="1600" dirty="0" smtClean="0"/>
-              <a:t>Potential features for future standard</a:t>
-            </a:r>
-          </a:p>
-          <a:p>
-            <a:pPr lvl="2"/>
-            <a:r>
-              <a:rPr lang="en-US" altLang="zh-CN" sz="1600" dirty="0"/>
-              <a:t>A</a:t>
-            </a:r>
-            <a:r>
-              <a:rPr lang="en-US" altLang="zh-CN" sz="1600" dirty="0" smtClean="0"/>
-              <a:t>dvanced </a:t>
-            </a:r>
-            <a:r>
-              <a:rPr lang="en-US" altLang="zh-CN" sz="1600" dirty="0"/>
-              <a:t>abstractions of </a:t>
-            </a:r>
-            <a:r>
-              <a:rPr lang="en-US" altLang="zh-CN" sz="1600" dirty="0" smtClean="0"/>
-              <a:t>concurrency</a:t>
-            </a:r>
-            <a:endParaRPr lang="en-US" sz="1600" dirty="0" smtClean="0"/>
+            <a:r>
+              <a:rPr lang="en-US" sz="1800" dirty="0" smtClean="0"/>
+              <a:t>C++ core language extension</a:t>
+            </a:r>
+          </a:p>
+          <a:p>
+            <a:pPr lvl="1"/>
+            <a:r>
+              <a:rPr lang="en-US" sz="1800" dirty="0" smtClean="0"/>
+              <a:t>Runtime performance enhancement</a:t>
+            </a:r>
+          </a:p>
+          <a:p>
+            <a:pPr lvl="1"/>
+            <a:r>
+              <a:rPr lang="en-US" sz="1800" dirty="0" smtClean="0"/>
+              <a:t>Build time performance enhancement</a:t>
+            </a:r>
+          </a:p>
+          <a:p>
+            <a:pPr lvl="1"/>
+            <a:r>
+              <a:rPr lang="en-US" sz="1800" b="1" dirty="0" smtClean="0"/>
+              <a:t>Usability enhancement</a:t>
+            </a:r>
+          </a:p>
+          <a:p>
+            <a:pPr lvl="1"/>
+            <a:r>
+              <a:rPr lang="en-US" sz="1800" dirty="0" smtClean="0"/>
+              <a:t>Functionality enhancement</a:t>
+            </a:r>
+          </a:p>
+          <a:p>
+            <a:r>
+              <a:rPr lang="en-US" sz="1800" dirty="0" smtClean="0"/>
+              <a:t>C++ Standard Library changes</a:t>
+            </a:r>
+            <a:endParaRPr lang="en-US" sz="1800" dirty="0"/>
+          </a:p>
+          <a:p>
+            <a:endParaRPr lang="en-US" dirty="0"/>
           </a:p>
         </p:txBody>
       </p:sp>
     </p:spTree>
     <p:extLst>
       <p:ext uri="{BB962C8B-B14F-4D97-AF65-F5344CB8AC3E}">
-        <p14:creationId xmlns:p14="http://schemas.microsoft.com/office/powerpoint/2010/main" val="501794704"/>
+        <p14:creationId xmlns:p14="http://schemas.microsoft.com/office/powerpoint/2010/main" val="2178576772"/>
       </p:ext>
     </p:extLst>
   </p:cSld>
   <p:clrMapOvr>
     <a:masterClrMapping/>
   </p:clrMapOvr>
-  <p:timing>
-    <p:tnLst>
-      <p:par>
-        <p:cTn id="1" dur="indefinite" restart="never" nodeType="tmRoot"/>
-      </p:par>
-    </p:tnLst>
-  </p:timing>
 </p:sld>
 </file>
 
